--- a/프레젠테이션1.pptx
+++ b/프레젠테이션1.pptx
@@ -7,6 +7,8 @@
   <p:sldIdLst>
     <p:sldId id="256" r:id="rId2"/>
     <p:sldId id="257" r:id="rId3"/>
+    <p:sldId id="258" r:id="rId4"/>
+    <p:sldId id="259" r:id="rId5"/>
   </p:sldIdLst>
   <p:sldSz cx="12192000" cy="6858000"/>
   <p:notesSz cx="6858000" cy="9144000"/>
@@ -260,7 +262,7 @@
           <a:p>
             <a:fld id="{7B0163EE-20BE-4CC9-99B0-1F0AC0D65A4F}" type="datetimeFigureOut">
               <a:rPr lang="ko-KR" altLang="en-US" smtClean="0"/>
-              <a:t>2023-03-29</a:t>
+              <a:t>2023-03-30</a:t>
             </a:fld>
             <a:endParaRPr lang="ko-KR" altLang="en-US"/>
           </a:p>
@@ -458,7 +460,7 @@
           <a:p>
             <a:fld id="{7B0163EE-20BE-4CC9-99B0-1F0AC0D65A4F}" type="datetimeFigureOut">
               <a:rPr lang="ko-KR" altLang="en-US" smtClean="0"/>
-              <a:t>2023-03-29</a:t>
+              <a:t>2023-03-30</a:t>
             </a:fld>
             <a:endParaRPr lang="ko-KR" altLang="en-US"/>
           </a:p>
@@ -666,7 +668,7 @@
           <a:p>
             <a:fld id="{7B0163EE-20BE-4CC9-99B0-1F0AC0D65A4F}" type="datetimeFigureOut">
               <a:rPr lang="ko-KR" altLang="en-US" smtClean="0"/>
-              <a:t>2023-03-29</a:t>
+              <a:t>2023-03-30</a:t>
             </a:fld>
             <a:endParaRPr lang="ko-KR" altLang="en-US"/>
           </a:p>
@@ -864,7 +866,7 @@
           <a:p>
             <a:fld id="{7B0163EE-20BE-4CC9-99B0-1F0AC0D65A4F}" type="datetimeFigureOut">
               <a:rPr lang="ko-KR" altLang="en-US" smtClean="0"/>
-              <a:t>2023-03-29</a:t>
+              <a:t>2023-03-30</a:t>
             </a:fld>
             <a:endParaRPr lang="ko-KR" altLang="en-US"/>
           </a:p>
@@ -1139,7 +1141,7 @@
           <a:p>
             <a:fld id="{7B0163EE-20BE-4CC9-99B0-1F0AC0D65A4F}" type="datetimeFigureOut">
               <a:rPr lang="ko-KR" altLang="en-US" smtClean="0"/>
-              <a:t>2023-03-29</a:t>
+              <a:t>2023-03-30</a:t>
             </a:fld>
             <a:endParaRPr lang="ko-KR" altLang="en-US"/>
           </a:p>
@@ -1404,7 +1406,7 @@
           <a:p>
             <a:fld id="{7B0163EE-20BE-4CC9-99B0-1F0AC0D65A4F}" type="datetimeFigureOut">
               <a:rPr lang="ko-KR" altLang="en-US" smtClean="0"/>
-              <a:t>2023-03-29</a:t>
+              <a:t>2023-03-30</a:t>
             </a:fld>
             <a:endParaRPr lang="ko-KR" altLang="en-US"/>
           </a:p>
@@ -1816,7 +1818,7 @@
           <a:p>
             <a:fld id="{7B0163EE-20BE-4CC9-99B0-1F0AC0D65A4F}" type="datetimeFigureOut">
               <a:rPr lang="ko-KR" altLang="en-US" smtClean="0"/>
-              <a:t>2023-03-29</a:t>
+              <a:t>2023-03-30</a:t>
             </a:fld>
             <a:endParaRPr lang="ko-KR" altLang="en-US"/>
           </a:p>
@@ -1957,7 +1959,7 @@
           <a:p>
             <a:fld id="{7B0163EE-20BE-4CC9-99B0-1F0AC0D65A4F}" type="datetimeFigureOut">
               <a:rPr lang="ko-KR" altLang="en-US" smtClean="0"/>
-              <a:t>2023-03-29</a:t>
+              <a:t>2023-03-30</a:t>
             </a:fld>
             <a:endParaRPr lang="ko-KR" altLang="en-US"/>
           </a:p>
@@ -2070,7 +2072,7 @@
           <a:p>
             <a:fld id="{7B0163EE-20BE-4CC9-99B0-1F0AC0D65A4F}" type="datetimeFigureOut">
               <a:rPr lang="ko-KR" altLang="en-US" smtClean="0"/>
-              <a:t>2023-03-29</a:t>
+              <a:t>2023-03-30</a:t>
             </a:fld>
             <a:endParaRPr lang="ko-KR" altLang="en-US"/>
           </a:p>
@@ -2381,7 +2383,7 @@
           <a:p>
             <a:fld id="{7B0163EE-20BE-4CC9-99B0-1F0AC0D65A4F}" type="datetimeFigureOut">
               <a:rPr lang="ko-KR" altLang="en-US" smtClean="0"/>
-              <a:t>2023-03-29</a:t>
+              <a:t>2023-03-30</a:t>
             </a:fld>
             <a:endParaRPr lang="ko-KR" altLang="en-US"/>
           </a:p>
@@ -2669,7 +2671,7 @@
           <a:p>
             <a:fld id="{7B0163EE-20BE-4CC9-99B0-1F0AC0D65A4F}" type="datetimeFigureOut">
               <a:rPr lang="ko-KR" altLang="en-US" smtClean="0"/>
-              <a:t>2023-03-29</a:t>
+              <a:t>2023-03-30</a:t>
             </a:fld>
             <a:endParaRPr lang="ko-KR" altLang="en-US"/>
           </a:p>
@@ -2910,7 +2912,7 @@
           <a:p>
             <a:fld id="{7B0163EE-20BE-4CC9-99B0-1F0AC0D65A4F}" type="datetimeFigureOut">
               <a:rPr lang="ko-KR" altLang="en-US" smtClean="0"/>
-              <a:t>2023-03-29</a:t>
+              <a:t>2023-03-30</a:t>
             </a:fld>
             <a:endParaRPr lang="ko-KR" altLang="en-US"/>
           </a:p>
@@ -4436,6 +4438,1184 @@
     <p:extLst>
       <p:ext uri="{BB962C8B-B14F-4D97-AF65-F5344CB8AC3E}">
         <p14:creationId xmlns:p14="http://schemas.microsoft.com/office/powerpoint/2010/main" val="425861914"/>
+      </p:ext>
+    </p:extLst>
+  </p:cSld>
+  <p:clrMapOvr>
+    <a:masterClrMapping/>
+  </p:clrMapOvr>
+</p:sld>
+</file>
+
+<file path=ppt/slides/slide3.xml><?xml version="1.0" encoding="utf-8"?>
+<p:sld xmlns:a="http://schemas.openxmlformats.org/drawingml/2006/main" xmlns:r="http://schemas.openxmlformats.org/officeDocument/2006/relationships" xmlns:p="http://schemas.openxmlformats.org/presentationml/2006/main">
+  <p:cSld>
+    <p:spTree>
+      <p:nvGrpSpPr>
+        <p:cNvPr id="1" name=""/>
+        <p:cNvGrpSpPr/>
+        <p:nvPr/>
+      </p:nvGrpSpPr>
+      <p:grpSpPr>
+        <a:xfrm>
+          <a:off x="0" y="0"/>
+          <a:ext cx="0" cy="0"/>
+          <a:chOff x="0" y="0"/>
+          <a:chExt cx="0" cy="0"/>
+        </a:xfrm>
+      </p:grpSpPr>
+      <p:sp>
+        <p:nvSpPr>
+          <p:cNvPr id="4" name="직사각형 3">
+            <a:extLst>
+              <a:ext uri="{FF2B5EF4-FFF2-40B4-BE49-F238E27FC236}">
+                <a16:creationId xmlns:a16="http://schemas.microsoft.com/office/drawing/2014/main" id="{86FF1852-DD68-CF68-A747-277AC9024C99}"/>
+              </a:ext>
+            </a:extLst>
+          </p:cNvPr>
+          <p:cNvSpPr/>
+          <p:nvPr/>
+        </p:nvSpPr>
+        <p:spPr>
+          <a:xfrm>
+            <a:off x="1187904" y="567418"/>
+            <a:ext cx="3020786" cy="5723164"/>
+          </a:xfrm>
+          <a:prstGeom prst="rect">
+            <a:avLst/>
+          </a:prstGeom>
+        </p:spPr>
+        <p:style>
+          <a:lnRef idx="2">
+            <a:schemeClr val="dk1"/>
+          </a:lnRef>
+          <a:fillRef idx="1">
+            <a:schemeClr val="lt1"/>
+          </a:fillRef>
+          <a:effectRef idx="0">
+            <a:schemeClr val="dk1"/>
+          </a:effectRef>
+          <a:fontRef idx="minor">
+            <a:schemeClr val="dk1"/>
+          </a:fontRef>
+        </p:style>
+        <p:txBody>
+          <a:bodyPr rtlCol="0" anchor="t" anchorCtr="0"/>
+          <a:lstStyle/>
+          <a:p>
+            <a:pPr algn="ctr"/>
+            <a:r>
+              <a:rPr lang="en-US" altLang="ko-KR" dirty="0"/>
+              <a:t>Program</a:t>
+            </a:r>
+            <a:endParaRPr lang="ko-KR" altLang="en-US" dirty="0"/>
+          </a:p>
+        </p:txBody>
+      </p:sp>
+      <p:sp>
+        <p:nvSpPr>
+          <p:cNvPr id="5" name="직사각형 4">
+            <a:extLst>
+              <a:ext uri="{FF2B5EF4-FFF2-40B4-BE49-F238E27FC236}">
+                <a16:creationId xmlns:a16="http://schemas.microsoft.com/office/drawing/2014/main" id="{E7540DCD-B44D-D76B-6960-B3801D9EBF01}"/>
+              </a:ext>
+            </a:extLst>
+          </p:cNvPr>
+          <p:cNvSpPr/>
+          <p:nvPr/>
+        </p:nvSpPr>
+        <p:spPr>
+          <a:xfrm>
+            <a:off x="1361865" y="1125415"/>
+            <a:ext cx="2672861" cy="3134458"/>
+          </a:xfrm>
+          <a:prstGeom prst="rect">
+            <a:avLst/>
+          </a:prstGeom>
+        </p:spPr>
+        <p:style>
+          <a:lnRef idx="2">
+            <a:schemeClr val="dk1"/>
+          </a:lnRef>
+          <a:fillRef idx="1">
+            <a:schemeClr val="lt1"/>
+          </a:fillRef>
+          <a:effectRef idx="0">
+            <a:schemeClr val="dk1"/>
+          </a:effectRef>
+          <a:fontRef idx="minor">
+            <a:schemeClr val="dk1"/>
+          </a:fontRef>
+        </p:style>
+        <p:txBody>
+          <a:bodyPr rtlCol="0" anchor="t" anchorCtr="0"/>
+          <a:lstStyle/>
+          <a:p>
+            <a:pPr algn="ctr"/>
+            <a:r>
+              <a:rPr lang="en-US" altLang="ko-KR" dirty="0" err="1"/>
+              <a:t>FieldMapManager</a:t>
+            </a:r>
+            <a:endParaRPr lang="ko-KR" altLang="en-US" dirty="0"/>
+          </a:p>
+        </p:txBody>
+      </p:sp>
+      <p:sp>
+        <p:nvSpPr>
+          <p:cNvPr id="6" name="직사각형 5">
+            <a:extLst>
+              <a:ext uri="{FF2B5EF4-FFF2-40B4-BE49-F238E27FC236}">
+                <a16:creationId xmlns:a16="http://schemas.microsoft.com/office/drawing/2014/main" id="{1772F381-751B-A08C-687C-10FCBEB99D8D}"/>
+              </a:ext>
+            </a:extLst>
+          </p:cNvPr>
+          <p:cNvSpPr/>
+          <p:nvPr/>
+        </p:nvSpPr>
+        <p:spPr>
+          <a:xfrm>
+            <a:off x="1724547" y="1624380"/>
+            <a:ext cx="1947496" cy="945172"/>
+          </a:xfrm>
+          <a:prstGeom prst="rect">
+            <a:avLst/>
+          </a:prstGeom>
+        </p:spPr>
+        <p:style>
+          <a:lnRef idx="2">
+            <a:schemeClr val="dk1"/>
+          </a:lnRef>
+          <a:fillRef idx="1">
+            <a:schemeClr val="lt1"/>
+          </a:fillRef>
+          <a:effectRef idx="0">
+            <a:schemeClr val="dk1"/>
+          </a:effectRef>
+          <a:fontRef idx="minor">
+            <a:schemeClr val="dk1"/>
+          </a:fontRef>
+        </p:style>
+        <p:txBody>
+          <a:bodyPr rtlCol="0" anchor="ctr"/>
+          <a:lstStyle/>
+          <a:p>
+            <a:pPr algn="ctr"/>
+            <a:r>
+              <a:rPr lang="en-US" altLang="ko-KR" dirty="0" err="1"/>
+              <a:t>FieldMap</a:t>
+            </a:r>
+            <a:endParaRPr lang="ko-KR" altLang="en-US" dirty="0"/>
+          </a:p>
+        </p:txBody>
+      </p:sp>
+      <p:sp>
+        <p:nvSpPr>
+          <p:cNvPr id="7" name="직사각형 6">
+            <a:extLst>
+              <a:ext uri="{FF2B5EF4-FFF2-40B4-BE49-F238E27FC236}">
+                <a16:creationId xmlns:a16="http://schemas.microsoft.com/office/drawing/2014/main" id="{A32FEE9A-42F7-7378-4F0B-5A99A0E0F3BE}"/>
+              </a:ext>
+            </a:extLst>
+          </p:cNvPr>
+          <p:cNvSpPr/>
+          <p:nvPr/>
+        </p:nvSpPr>
+        <p:spPr>
+          <a:xfrm>
+            <a:off x="1724547" y="2942126"/>
+            <a:ext cx="1947496" cy="945172"/>
+          </a:xfrm>
+          <a:prstGeom prst="rect">
+            <a:avLst/>
+          </a:prstGeom>
+        </p:spPr>
+        <p:style>
+          <a:lnRef idx="2">
+            <a:schemeClr val="dk1"/>
+          </a:lnRef>
+          <a:fillRef idx="1">
+            <a:schemeClr val="lt1"/>
+          </a:fillRef>
+          <a:effectRef idx="0">
+            <a:schemeClr val="dk1"/>
+          </a:effectRef>
+          <a:fontRef idx="minor">
+            <a:schemeClr val="dk1"/>
+          </a:fontRef>
+        </p:style>
+        <p:txBody>
+          <a:bodyPr rtlCol="0" anchor="ctr"/>
+          <a:lstStyle/>
+          <a:p>
+            <a:pPr algn="ctr"/>
+            <a:r>
+              <a:rPr lang="en-US" altLang="ko-KR" dirty="0" err="1"/>
+              <a:t>FieldMap</a:t>
+            </a:r>
+            <a:endParaRPr lang="ko-KR" altLang="en-US" dirty="0"/>
+          </a:p>
+        </p:txBody>
+      </p:sp>
+      <p:sp>
+        <p:nvSpPr>
+          <p:cNvPr id="8" name="직사각형 7">
+            <a:extLst>
+              <a:ext uri="{FF2B5EF4-FFF2-40B4-BE49-F238E27FC236}">
+                <a16:creationId xmlns:a16="http://schemas.microsoft.com/office/drawing/2014/main" id="{50ADEF67-5C76-3A93-D049-593B5C9643C3}"/>
+              </a:ext>
+            </a:extLst>
+          </p:cNvPr>
+          <p:cNvSpPr/>
+          <p:nvPr/>
+        </p:nvSpPr>
+        <p:spPr>
+          <a:xfrm>
+            <a:off x="4583725" y="833071"/>
+            <a:ext cx="1512277" cy="518746"/>
+          </a:xfrm>
+          <a:prstGeom prst="rect">
+            <a:avLst/>
+          </a:prstGeom>
+        </p:spPr>
+        <p:style>
+          <a:lnRef idx="2">
+            <a:schemeClr val="dk1"/>
+          </a:lnRef>
+          <a:fillRef idx="1">
+            <a:schemeClr val="lt1"/>
+          </a:fillRef>
+          <a:effectRef idx="0">
+            <a:schemeClr val="dk1"/>
+          </a:effectRef>
+          <a:fontRef idx="minor">
+            <a:schemeClr val="dk1"/>
+          </a:fontRef>
+        </p:style>
+        <p:txBody>
+          <a:bodyPr rtlCol="0" anchor="ctr"/>
+          <a:lstStyle/>
+          <a:p>
+            <a:pPr algn="ctr"/>
+            <a:r>
+              <a:rPr lang="en-US" altLang="ko-KR" dirty="0"/>
+              <a:t>NPC</a:t>
+            </a:r>
+            <a:endParaRPr lang="ko-KR" altLang="en-US" dirty="0"/>
+          </a:p>
+        </p:txBody>
+      </p:sp>
+      <p:sp>
+        <p:nvSpPr>
+          <p:cNvPr id="9" name="TextBox 8">
+            <a:extLst>
+              <a:ext uri="{FF2B5EF4-FFF2-40B4-BE49-F238E27FC236}">
+                <a16:creationId xmlns:a16="http://schemas.microsoft.com/office/drawing/2014/main" id="{43CA3C7E-00E7-FB3E-9B1F-4676AD3ACF18}"/>
+              </a:ext>
+            </a:extLst>
+          </p:cNvPr>
+          <p:cNvSpPr txBox="1"/>
+          <p:nvPr/>
+        </p:nvSpPr>
+        <p:spPr>
+          <a:xfrm>
+            <a:off x="4431323" y="173600"/>
+            <a:ext cx="2031325" cy="646331"/>
+          </a:xfrm>
+          <a:prstGeom prst="rect">
+            <a:avLst/>
+          </a:prstGeom>
+          <a:noFill/>
+        </p:spPr>
+        <p:txBody>
+          <a:bodyPr wrap="none" rtlCol="0">
+            <a:spAutoFit/>
+          </a:bodyPr>
+          <a:lstStyle/>
+          <a:p>
+            <a:r>
+              <a:rPr lang="en-US" altLang="ko-KR" dirty="0"/>
+              <a:t>* NPC : </a:t>
+            </a:r>
+            <a:r>
+              <a:rPr lang="en-US" altLang="ko-KR" dirty="0" err="1"/>
+              <a:t>FieldChar</a:t>
+            </a:r>
+            <a:br>
+              <a:rPr lang="en-US" altLang="ko-KR" dirty="0"/>
+            </a:br>
+            <a:r>
+              <a:rPr lang="en-US" altLang="ko-KR" dirty="0"/>
+              <a:t>* PC : </a:t>
+            </a:r>
+            <a:r>
+              <a:rPr lang="en-US" altLang="ko-KR" dirty="0" err="1"/>
+              <a:t>FieldChar</a:t>
+            </a:r>
+            <a:endParaRPr lang="ko-KR" altLang="en-US" dirty="0"/>
+          </a:p>
+        </p:txBody>
+      </p:sp>
+      <p:sp>
+        <p:nvSpPr>
+          <p:cNvPr id="10" name="직사각형 9">
+            <a:extLst>
+              <a:ext uri="{FF2B5EF4-FFF2-40B4-BE49-F238E27FC236}">
+                <a16:creationId xmlns:a16="http://schemas.microsoft.com/office/drawing/2014/main" id="{712F73C5-B629-F3AE-4D8F-EC946C99F354}"/>
+              </a:ext>
+            </a:extLst>
+          </p:cNvPr>
+          <p:cNvSpPr/>
+          <p:nvPr/>
+        </p:nvSpPr>
+        <p:spPr>
+          <a:xfrm>
+            <a:off x="4583724" y="1416294"/>
+            <a:ext cx="1512277" cy="518746"/>
+          </a:xfrm>
+          <a:prstGeom prst="rect">
+            <a:avLst/>
+          </a:prstGeom>
+        </p:spPr>
+        <p:style>
+          <a:lnRef idx="2">
+            <a:schemeClr val="dk1"/>
+          </a:lnRef>
+          <a:fillRef idx="1">
+            <a:schemeClr val="lt1"/>
+          </a:fillRef>
+          <a:effectRef idx="0">
+            <a:schemeClr val="dk1"/>
+          </a:effectRef>
+          <a:fontRef idx="minor">
+            <a:schemeClr val="dk1"/>
+          </a:fontRef>
+        </p:style>
+        <p:txBody>
+          <a:bodyPr rtlCol="0" anchor="ctr"/>
+          <a:lstStyle/>
+          <a:p>
+            <a:pPr algn="ctr"/>
+            <a:r>
+              <a:rPr lang="en-US" altLang="ko-KR" dirty="0"/>
+              <a:t>NPC</a:t>
+            </a:r>
+            <a:endParaRPr lang="ko-KR" altLang="en-US" dirty="0"/>
+          </a:p>
+        </p:txBody>
+      </p:sp>
+      <p:sp>
+        <p:nvSpPr>
+          <p:cNvPr id="11" name="직사각형 10">
+            <a:extLst>
+              <a:ext uri="{FF2B5EF4-FFF2-40B4-BE49-F238E27FC236}">
+                <a16:creationId xmlns:a16="http://schemas.microsoft.com/office/drawing/2014/main" id="{C37A82C9-D9DC-A0E3-B2E8-EFF8726C6F04}"/>
+              </a:ext>
+            </a:extLst>
+          </p:cNvPr>
+          <p:cNvSpPr/>
+          <p:nvPr/>
+        </p:nvSpPr>
+        <p:spPr>
+          <a:xfrm>
+            <a:off x="4583724" y="1992923"/>
+            <a:ext cx="1512277" cy="518746"/>
+          </a:xfrm>
+          <a:prstGeom prst="rect">
+            <a:avLst/>
+          </a:prstGeom>
+        </p:spPr>
+        <p:style>
+          <a:lnRef idx="2">
+            <a:schemeClr val="dk1"/>
+          </a:lnRef>
+          <a:fillRef idx="1">
+            <a:schemeClr val="lt1"/>
+          </a:fillRef>
+          <a:effectRef idx="0">
+            <a:schemeClr val="dk1"/>
+          </a:effectRef>
+          <a:fontRef idx="minor">
+            <a:schemeClr val="dk1"/>
+          </a:fontRef>
+        </p:style>
+        <p:txBody>
+          <a:bodyPr rtlCol="0" anchor="ctr"/>
+          <a:lstStyle/>
+          <a:p>
+            <a:pPr algn="ctr"/>
+            <a:r>
+              <a:rPr lang="en-US" altLang="ko-KR" dirty="0"/>
+              <a:t>PC</a:t>
+            </a:r>
+            <a:endParaRPr lang="ko-KR" altLang="en-US" dirty="0"/>
+          </a:p>
+        </p:txBody>
+      </p:sp>
+      <p:sp>
+        <p:nvSpPr>
+          <p:cNvPr id="12" name="직사각형 11">
+            <a:extLst>
+              <a:ext uri="{FF2B5EF4-FFF2-40B4-BE49-F238E27FC236}">
+                <a16:creationId xmlns:a16="http://schemas.microsoft.com/office/drawing/2014/main" id="{6FDCAA41-2AA0-09FB-66CC-11981A21A9BF}"/>
+              </a:ext>
+            </a:extLst>
+          </p:cNvPr>
+          <p:cNvSpPr/>
+          <p:nvPr/>
+        </p:nvSpPr>
+        <p:spPr>
+          <a:xfrm>
+            <a:off x="4583723" y="2569552"/>
+            <a:ext cx="1512277" cy="518746"/>
+          </a:xfrm>
+          <a:prstGeom prst="rect">
+            <a:avLst/>
+          </a:prstGeom>
+        </p:spPr>
+        <p:style>
+          <a:lnRef idx="2">
+            <a:schemeClr val="dk1"/>
+          </a:lnRef>
+          <a:fillRef idx="1">
+            <a:schemeClr val="lt1"/>
+          </a:fillRef>
+          <a:effectRef idx="0">
+            <a:schemeClr val="dk1"/>
+          </a:effectRef>
+          <a:fontRef idx="minor">
+            <a:schemeClr val="dk1"/>
+          </a:fontRef>
+        </p:style>
+        <p:txBody>
+          <a:bodyPr rtlCol="0" anchor="ctr"/>
+          <a:lstStyle/>
+          <a:p>
+            <a:pPr algn="ctr"/>
+            <a:r>
+              <a:rPr lang="en-US" altLang="ko-KR" dirty="0"/>
+              <a:t>PC</a:t>
+            </a:r>
+            <a:endParaRPr lang="ko-KR" altLang="en-US" dirty="0"/>
+          </a:p>
+        </p:txBody>
+      </p:sp>
+      <p:sp>
+        <p:nvSpPr>
+          <p:cNvPr id="13" name="직사각형 12">
+            <a:extLst>
+              <a:ext uri="{FF2B5EF4-FFF2-40B4-BE49-F238E27FC236}">
+                <a16:creationId xmlns:a16="http://schemas.microsoft.com/office/drawing/2014/main" id="{CF02DA7D-D500-844E-83BD-EF85FC9FB5B6}"/>
+              </a:ext>
+            </a:extLst>
+          </p:cNvPr>
+          <p:cNvSpPr/>
+          <p:nvPr/>
+        </p:nvSpPr>
+        <p:spPr>
+          <a:xfrm>
+            <a:off x="1361865" y="5086350"/>
+            <a:ext cx="2672861" cy="703385"/>
+          </a:xfrm>
+          <a:prstGeom prst="rect">
+            <a:avLst/>
+          </a:prstGeom>
+        </p:spPr>
+        <p:style>
+          <a:lnRef idx="2">
+            <a:schemeClr val="dk1"/>
+          </a:lnRef>
+          <a:fillRef idx="1">
+            <a:schemeClr val="lt1"/>
+          </a:fillRef>
+          <a:effectRef idx="0">
+            <a:schemeClr val="dk1"/>
+          </a:effectRef>
+          <a:fontRef idx="minor">
+            <a:schemeClr val="dk1"/>
+          </a:fontRef>
+        </p:style>
+        <p:txBody>
+          <a:bodyPr rtlCol="0" anchor="ctr"/>
+          <a:lstStyle/>
+          <a:p>
+            <a:pPr algn="ctr"/>
+            <a:r>
+              <a:rPr lang="en-US" altLang="ko-KR" dirty="0"/>
+              <a:t>Network</a:t>
+            </a:r>
+            <a:endParaRPr lang="ko-KR" altLang="en-US" dirty="0"/>
+          </a:p>
+        </p:txBody>
+      </p:sp>
+      <p:cxnSp>
+        <p:nvCxnSpPr>
+          <p:cNvPr id="15" name="직선 연결선 14">
+            <a:extLst>
+              <a:ext uri="{FF2B5EF4-FFF2-40B4-BE49-F238E27FC236}">
+                <a16:creationId xmlns:a16="http://schemas.microsoft.com/office/drawing/2014/main" id="{C421EEF4-C2EC-D50D-81B1-2A5CC0458FC4}"/>
+              </a:ext>
+            </a:extLst>
+          </p:cNvPr>
+          <p:cNvCxnSpPr>
+            <a:cxnSpLocks/>
+            <a:stCxn id="6" idx="3"/>
+          </p:cNvCxnSpPr>
+          <p:nvPr/>
+        </p:nvCxnSpPr>
+        <p:spPr>
+          <a:xfrm>
+            <a:off x="3672043" y="2096966"/>
+            <a:ext cx="759280" cy="0"/>
+          </a:xfrm>
+          <a:prstGeom prst="line">
+            <a:avLst/>
+          </a:prstGeom>
+          <a:ln w="12700"/>
+        </p:spPr>
+        <p:style>
+          <a:lnRef idx="1">
+            <a:schemeClr val="dk1"/>
+          </a:lnRef>
+          <a:fillRef idx="0">
+            <a:schemeClr val="dk1"/>
+          </a:fillRef>
+          <a:effectRef idx="0">
+            <a:schemeClr val="dk1"/>
+          </a:effectRef>
+          <a:fontRef idx="minor">
+            <a:schemeClr val="tx1"/>
+          </a:fontRef>
+        </p:style>
+      </p:cxnSp>
+      <p:cxnSp>
+        <p:nvCxnSpPr>
+          <p:cNvPr id="18" name="직선 연결선 17">
+            <a:extLst>
+              <a:ext uri="{FF2B5EF4-FFF2-40B4-BE49-F238E27FC236}">
+                <a16:creationId xmlns:a16="http://schemas.microsoft.com/office/drawing/2014/main" id="{B7BA7BC5-14B6-AA49-A9F6-CFD793AD70BA}"/>
+              </a:ext>
+            </a:extLst>
+          </p:cNvPr>
+          <p:cNvCxnSpPr>
+            <a:cxnSpLocks/>
+            <a:stCxn id="8" idx="1"/>
+          </p:cNvCxnSpPr>
+          <p:nvPr/>
+        </p:nvCxnSpPr>
+        <p:spPr>
+          <a:xfrm flipH="1">
+            <a:off x="4431323" y="1092444"/>
+            <a:ext cx="152402" cy="0"/>
+          </a:xfrm>
+          <a:prstGeom prst="line">
+            <a:avLst/>
+          </a:prstGeom>
+          <a:ln w="12700"/>
+        </p:spPr>
+        <p:style>
+          <a:lnRef idx="1">
+            <a:schemeClr val="dk1"/>
+          </a:lnRef>
+          <a:fillRef idx="0">
+            <a:schemeClr val="dk1"/>
+          </a:fillRef>
+          <a:effectRef idx="0">
+            <a:schemeClr val="dk1"/>
+          </a:effectRef>
+          <a:fontRef idx="minor">
+            <a:schemeClr val="tx1"/>
+          </a:fontRef>
+        </p:style>
+      </p:cxnSp>
+      <p:cxnSp>
+        <p:nvCxnSpPr>
+          <p:cNvPr id="20" name="직선 연결선 19">
+            <a:extLst>
+              <a:ext uri="{FF2B5EF4-FFF2-40B4-BE49-F238E27FC236}">
+                <a16:creationId xmlns:a16="http://schemas.microsoft.com/office/drawing/2014/main" id="{188E842B-DCDC-CA19-43CE-53FF9FAE9148}"/>
+              </a:ext>
+            </a:extLst>
+          </p:cNvPr>
+          <p:cNvCxnSpPr>
+            <a:cxnSpLocks/>
+            <a:stCxn id="10" idx="1"/>
+          </p:cNvCxnSpPr>
+          <p:nvPr/>
+        </p:nvCxnSpPr>
+        <p:spPr>
+          <a:xfrm flipH="1" flipV="1">
+            <a:off x="4431323" y="1675666"/>
+            <a:ext cx="152401" cy="1"/>
+          </a:xfrm>
+          <a:prstGeom prst="line">
+            <a:avLst/>
+          </a:prstGeom>
+          <a:ln w="12700"/>
+        </p:spPr>
+        <p:style>
+          <a:lnRef idx="1">
+            <a:schemeClr val="dk1"/>
+          </a:lnRef>
+          <a:fillRef idx="0">
+            <a:schemeClr val="dk1"/>
+          </a:fillRef>
+          <a:effectRef idx="0">
+            <a:schemeClr val="dk1"/>
+          </a:effectRef>
+          <a:fontRef idx="minor">
+            <a:schemeClr val="tx1"/>
+          </a:fontRef>
+        </p:style>
+      </p:cxnSp>
+      <p:cxnSp>
+        <p:nvCxnSpPr>
+          <p:cNvPr id="25" name="직선 연결선 24">
+            <a:extLst>
+              <a:ext uri="{FF2B5EF4-FFF2-40B4-BE49-F238E27FC236}">
+                <a16:creationId xmlns:a16="http://schemas.microsoft.com/office/drawing/2014/main" id="{D21DC124-0CD8-7DD5-C41A-911BEFCDEF9F}"/>
+              </a:ext>
+            </a:extLst>
+          </p:cNvPr>
+          <p:cNvCxnSpPr>
+            <a:cxnSpLocks/>
+          </p:cNvCxnSpPr>
+          <p:nvPr/>
+        </p:nvCxnSpPr>
+        <p:spPr>
+          <a:xfrm>
+            <a:off x="4431323" y="1092444"/>
+            <a:ext cx="0" cy="1734283"/>
+          </a:xfrm>
+          <a:prstGeom prst="line">
+            <a:avLst/>
+          </a:prstGeom>
+          <a:ln w="12700"/>
+        </p:spPr>
+        <p:style>
+          <a:lnRef idx="1">
+            <a:schemeClr val="dk1"/>
+          </a:lnRef>
+          <a:fillRef idx="0">
+            <a:schemeClr val="dk1"/>
+          </a:fillRef>
+          <a:effectRef idx="0">
+            <a:schemeClr val="dk1"/>
+          </a:effectRef>
+          <a:fontRef idx="minor">
+            <a:schemeClr val="tx1"/>
+          </a:fontRef>
+        </p:style>
+      </p:cxnSp>
+      <p:cxnSp>
+        <p:nvCxnSpPr>
+          <p:cNvPr id="27" name="직선 연결선 26">
+            <a:extLst>
+              <a:ext uri="{FF2B5EF4-FFF2-40B4-BE49-F238E27FC236}">
+                <a16:creationId xmlns:a16="http://schemas.microsoft.com/office/drawing/2014/main" id="{29774DDA-0619-AE1F-2BCB-D17E1E76CE3B}"/>
+              </a:ext>
+            </a:extLst>
+          </p:cNvPr>
+          <p:cNvCxnSpPr>
+            <a:stCxn id="12" idx="1"/>
+          </p:cNvCxnSpPr>
+          <p:nvPr/>
+        </p:nvCxnSpPr>
+        <p:spPr>
+          <a:xfrm flipH="1" flipV="1">
+            <a:off x="4431323" y="2826727"/>
+            <a:ext cx="152400" cy="2198"/>
+          </a:xfrm>
+          <a:prstGeom prst="line">
+            <a:avLst/>
+          </a:prstGeom>
+          <a:ln w="12700"/>
+        </p:spPr>
+        <p:style>
+          <a:lnRef idx="1">
+            <a:schemeClr val="dk1"/>
+          </a:lnRef>
+          <a:fillRef idx="0">
+            <a:schemeClr val="dk1"/>
+          </a:fillRef>
+          <a:effectRef idx="0">
+            <a:schemeClr val="dk1"/>
+          </a:effectRef>
+          <a:fontRef idx="minor">
+            <a:schemeClr val="tx1"/>
+          </a:fontRef>
+        </p:style>
+      </p:cxnSp>
+      <p:cxnSp>
+        <p:nvCxnSpPr>
+          <p:cNvPr id="32" name="직선 연결선 31">
+            <a:extLst>
+              <a:ext uri="{FF2B5EF4-FFF2-40B4-BE49-F238E27FC236}">
+                <a16:creationId xmlns:a16="http://schemas.microsoft.com/office/drawing/2014/main" id="{CCC6FEED-4023-4463-D066-DE60905B2D81}"/>
+              </a:ext>
+            </a:extLst>
+          </p:cNvPr>
+          <p:cNvCxnSpPr>
+            <a:cxnSpLocks/>
+            <a:stCxn id="11" idx="1"/>
+          </p:cNvCxnSpPr>
+          <p:nvPr/>
+        </p:nvCxnSpPr>
+        <p:spPr>
+          <a:xfrm flipH="1">
+            <a:off x="4431323" y="2252296"/>
+            <a:ext cx="152401" cy="0"/>
+          </a:xfrm>
+          <a:prstGeom prst="line">
+            <a:avLst/>
+          </a:prstGeom>
+          <a:ln w="12700"/>
+        </p:spPr>
+        <p:style>
+          <a:lnRef idx="1">
+            <a:schemeClr val="dk1"/>
+          </a:lnRef>
+          <a:fillRef idx="0">
+            <a:schemeClr val="dk1"/>
+          </a:fillRef>
+          <a:effectRef idx="0">
+            <a:schemeClr val="dk1"/>
+          </a:effectRef>
+          <a:fontRef idx="minor">
+            <a:schemeClr val="tx1"/>
+          </a:fontRef>
+        </p:style>
+      </p:cxnSp>
+      <p:sp>
+        <p:nvSpPr>
+          <p:cNvPr id="35" name="직사각형 34">
+            <a:extLst>
+              <a:ext uri="{FF2B5EF4-FFF2-40B4-BE49-F238E27FC236}">
+                <a16:creationId xmlns:a16="http://schemas.microsoft.com/office/drawing/2014/main" id="{56053AB9-BF5C-8302-36AA-C241C8BCD45C}"/>
+              </a:ext>
+            </a:extLst>
+          </p:cNvPr>
+          <p:cNvSpPr/>
+          <p:nvPr/>
+        </p:nvSpPr>
+        <p:spPr>
+          <a:xfrm>
+            <a:off x="9649558" y="5051181"/>
+            <a:ext cx="1754065" cy="888023"/>
+          </a:xfrm>
+          <a:prstGeom prst="rect">
+            <a:avLst/>
+          </a:prstGeom>
+        </p:spPr>
+        <p:style>
+          <a:lnRef idx="2">
+            <a:schemeClr val="dk1"/>
+          </a:lnRef>
+          <a:fillRef idx="1">
+            <a:schemeClr val="lt1"/>
+          </a:fillRef>
+          <a:effectRef idx="0">
+            <a:schemeClr val="dk1"/>
+          </a:effectRef>
+          <a:fontRef idx="minor">
+            <a:schemeClr val="dk1"/>
+          </a:fontRef>
+        </p:style>
+        <p:txBody>
+          <a:bodyPr rtlCol="0" anchor="ctr"/>
+          <a:lstStyle/>
+          <a:p>
+            <a:pPr algn="ctr"/>
+            <a:endParaRPr lang="ko-KR" altLang="en-US"/>
+          </a:p>
+        </p:txBody>
+      </p:sp>
+    </p:spTree>
+    <p:extLst>
+      <p:ext uri="{BB962C8B-B14F-4D97-AF65-F5344CB8AC3E}">
+        <p14:creationId xmlns:p14="http://schemas.microsoft.com/office/powerpoint/2010/main" val="1646667563"/>
+      </p:ext>
+    </p:extLst>
+  </p:cSld>
+  <p:clrMapOvr>
+    <a:masterClrMapping/>
+  </p:clrMapOvr>
+</p:sld>
+</file>
+
+<file path=ppt/slides/slide4.xml><?xml version="1.0" encoding="utf-8"?>
+<p:sld xmlns:a="http://schemas.openxmlformats.org/drawingml/2006/main" xmlns:r="http://schemas.openxmlformats.org/officeDocument/2006/relationships" xmlns:p="http://schemas.openxmlformats.org/presentationml/2006/main">
+  <p:cSld>
+    <p:spTree>
+      <p:nvGrpSpPr>
+        <p:cNvPr id="1" name=""/>
+        <p:cNvGrpSpPr/>
+        <p:nvPr/>
+      </p:nvGrpSpPr>
+      <p:grpSpPr>
+        <a:xfrm>
+          <a:off x="0" y="0"/>
+          <a:ext cx="0" cy="0"/>
+          <a:chOff x="0" y="0"/>
+          <a:chExt cx="0" cy="0"/>
+        </a:xfrm>
+      </p:grpSpPr>
+      <p:sp>
+        <p:nvSpPr>
+          <p:cNvPr id="4" name="직사각형 3">
+            <a:extLst>
+              <a:ext uri="{FF2B5EF4-FFF2-40B4-BE49-F238E27FC236}">
+                <a16:creationId xmlns:a16="http://schemas.microsoft.com/office/drawing/2014/main" id="{6AAAA710-C334-9513-B5C8-2D6032D7EFC9}"/>
+              </a:ext>
+            </a:extLst>
+          </p:cNvPr>
+          <p:cNvSpPr/>
+          <p:nvPr/>
+        </p:nvSpPr>
+        <p:spPr>
+          <a:xfrm>
+            <a:off x="1318846" y="1103435"/>
+            <a:ext cx="3147646" cy="3486150"/>
+          </a:xfrm>
+          <a:prstGeom prst="rect">
+            <a:avLst/>
+          </a:prstGeom>
+        </p:spPr>
+        <p:style>
+          <a:lnRef idx="2">
+            <a:schemeClr val="dk1"/>
+          </a:lnRef>
+          <a:fillRef idx="1">
+            <a:schemeClr val="lt1"/>
+          </a:fillRef>
+          <a:effectRef idx="0">
+            <a:schemeClr val="dk1"/>
+          </a:effectRef>
+          <a:fontRef idx="minor">
+            <a:schemeClr val="dk1"/>
+          </a:fontRef>
+        </p:style>
+        <p:txBody>
+          <a:bodyPr rtlCol="0" anchor="t" anchorCtr="0"/>
+          <a:lstStyle/>
+          <a:p>
+            <a:pPr algn="ctr"/>
+            <a:r>
+              <a:rPr lang="en-US" altLang="ko-KR" dirty="0" err="1"/>
+              <a:t>FieldChar</a:t>
+            </a:r>
+            <a:endParaRPr lang="ko-KR" altLang="en-US" dirty="0"/>
+          </a:p>
+        </p:txBody>
+      </p:sp>
+      <p:sp>
+        <p:nvSpPr>
+          <p:cNvPr id="5" name="직사각형 4">
+            <a:extLst>
+              <a:ext uri="{FF2B5EF4-FFF2-40B4-BE49-F238E27FC236}">
+                <a16:creationId xmlns:a16="http://schemas.microsoft.com/office/drawing/2014/main" id="{245E67F1-A5DF-FED6-7C57-D58875A52FB7}"/>
+              </a:ext>
+            </a:extLst>
+          </p:cNvPr>
+          <p:cNvSpPr/>
+          <p:nvPr/>
+        </p:nvSpPr>
+        <p:spPr>
+          <a:xfrm>
+            <a:off x="1743074" y="1565031"/>
+            <a:ext cx="2299189" cy="659423"/>
+          </a:xfrm>
+          <a:prstGeom prst="rect">
+            <a:avLst/>
+          </a:prstGeom>
+        </p:spPr>
+        <p:style>
+          <a:lnRef idx="2">
+            <a:schemeClr val="dk1"/>
+          </a:lnRef>
+          <a:fillRef idx="1">
+            <a:schemeClr val="lt1"/>
+          </a:fillRef>
+          <a:effectRef idx="0">
+            <a:schemeClr val="dk1"/>
+          </a:effectRef>
+          <a:fontRef idx="minor">
+            <a:schemeClr val="dk1"/>
+          </a:fontRef>
+        </p:style>
+        <p:txBody>
+          <a:bodyPr rtlCol="0" anchor="ctr"/>
+          <a:lstStyle/>
+          <a:p>
+            <a:pPr algn="ctr"/>
+            <a:r>
+              <a:rPr lang="en-US" altLang="ko-KR" dirty="0"/>
+              <a:t>Component</a:t>
+            </a:r>
+            <a:endParaRPr lang="ko-KR" altLang="en-US" dirty="0"/>
+          </a:p>
+        </p:txBody>
+      </p:sp>
+      <p:sp>
+        <p:nvSpPr>
+          <p:cNvPr id="6" name="직사각형 5">
+            <a:extLst>
+              <a:ext uri="{FF2B5EF4-FFF2-40B4-BE49-F238E27FC236}">
+                <a16:creationId xmlns:a16="http://schemas.microsoft.com/office/drawing/2014/main" id="{8FAEFB52-1AAF-CB1C-373F-AB459C24DA17}"/>
+              </a:ext>
+            </a:extLst>
+          </p:cNvPr>
+          <p:cNvSpPr/>
+          <p:nvPr/>
+        </p:nvSpPr>
+        <p:spPr>
+          <a:xfrm>
+            <a:off x="1743074" y="3313234"/>
+            <a:ext cx="2299189" cy="659423"/>
+          </a:xfrm>
+          <a:prstGeom prst="rect">
+            <a:avLst/>
+          </a:prstGeom>
+        </p:spPr>
+        <p:style>
+          <a:lnRef idx="2">
+            <a:schemeClr val="dk1"/>
+          </a:lnRef>
+          <a:fillRef idx="1">
+            <a:schemeClr val="lt1"/>
+          </a:fillRef>
+          <a:effectRef idx="0">
+            <a:schemeClr val="dk1"/>
+          </a:effectRef>
+          <a:fontRef idx="minor">
+            <a:schemeClr val="dk1"/>
+          </a:fontRef>
+        </p:style>
+        <p:txBody>
+          <a:bodyPr rtlCol="0" anchor="ctr"/>
+          <a:lstStyle/>
+          <a:p>
+            <a:pPr algn="ctr"/>
+            <a:r>
+              <a:rPr lang="en-US" altLang="ko-KR" dirty="0"/>
+              <a:t>Client</a:t>
+            </a:r>
+            <a:endParaRPr lang="ko-KR" altLang="en-US" dirty="0"/>
+          </a:p>
+        </p:txBody>
+      </p:sp>
+      <p:cxnSp>
+        <p:nvCxnSpPr>
+          <p:cNvPr id="8" name="직선 화살표 연결선 7">
+            <a:extLst>
+              <a:ext uri="{FF2B5EF4-FFF2-40B4-BE49-F238E27FC236}">
+                <a16:creationId xmlns:a16="http://schemas.microsoft.com/office/drawing/2014/main" id="{2E642E40-EFE3-F4AD-0F2D-3B993978D1ED}"/>
+              </a:ext>
+            </a:extLst>
+          </p:cNvPr>
+          <p:cNvCxnSpPr>
+            <a:cxnSpLocks/>
+            <a:stCxn id="6" idx="3"/>
+          </p:cNvCxnSpPr>
+          <p:nvPr/>
+        </p:nvCxnSpPr>
+        <p:spPr>
+          <a:xfrm>
+            <a:off x="4042263" y="3642946"/>
+            <a:ext cx="2296991" cy="0"/>
+          </a:xfrm>
+          <a:prstGeom prst="straightConnector1">
+            <a:avLst/>
+          </a:prstGeom>
+          <a:ln w="12700">
+            <a:headEnd type="triangle"/>
+            <a:tailEnd type="triangle"/>
+          </a:ln>
+        </p:spPr>
+        <p:style>
+          <a:lnRef idx="1">
+            <a:schemeClr val="dk1"/>
+          </a:lnRef>
+          <a:fillRef idx="0">
+            <a:schemeClr val="dk1"/>
+          </a:fillRef>
+          <a:effectRef idx="0">
+            <a:schemeClr val="dk1"/>
+          </a:effectRef>
+          <a:fontRef idx="minor">
+            <a:schemeClr val="tx1"/>
+          </a:fontRef>
+        </p:style>
+      </p:cxnSp>
+      <p:sp>
+        <p:nvSpPr>
+          <p:cNvPr id="10" name="직사각형 9">
+            <a:extLst>
+              <a:ext uri="{FF2B5EF4-FFF2-40B4-BE49-F238E27FC236}">
+                <a16:creationId xmlns:a16="http://schemas.microsoft.com/office/drawing/2014/main" id="{B2796E2E-B140-3D8C-49C4-0C78958F3778}"/>
+              </a:ext>
+            </a:extLst>
+          </p:cNvPr>
+          <p:cNvSpPr/>
+          <p:nvPr/>
+        </p:nvSpPr>
+        <p:spPr>
+          <a:xfrm>
+            <a:off x="6339254" y="3313233"/>
+            <a:ext cx="2299189" cy="659423"/>
+          </a:xfrm>
+          <a:prstGeom prst="rect">
+            <a:avLst/>
+          </a:prstGeom>
+        </p:spPr>
+        <p:style>
+          <a:lnRef idx="2">
+            <a:schemeClr val="dk1"/>
+          </a:lnRef>
+          <a:fillRef idx="1">
+            <a:schemeClr val="lt1"/>
+          </a:fillRef>
+          <a:effectRef idx="0">
+            <a:schemeClr val="dk1"/>
+          </a:effectRef>
+          <a:fontRef idx="minor">
+            <a:schemeClr val="dk1"/>
+          </a:fontRef>
+        </p:style>
+        <p:txBody>
+          <a:bodyPr rtlCol="0" anchor="ctr"/>
+          <a:lstStyle/>
+          <a:p>
+            <a:pPr algn="ctr"/>
+            <a:r>
+              <a:rPr lang="en-US" altLang="ko-KR" dirty="0"/>
+              <a:t>Client</a:t>
+            </a:r>
+            <a:endParaRPr lang="ko-KR" altLang="en-US" dirty="0"/>
+          </a:p>
+        </p:txBody>
+      </p:sp>
+      <p:sp>
+        <p:nvSpPr>
+          <p:cNvPr id="11" name="TextBox 10">
+            <a:extLst>
+              <a:ext uri="{FF2B5EF4-FFF2-40B4-BE49-F238E27FC236}">
+                <a16:creationId xmlns:a16="http://schemas.microsoft.com/office/drawing/2014/main" id="{3BB10477-C08F-E736-997A-C9A0CD969A6D}"/>
+              </a:ext>
+            </a:extLst>
+          </p:cNvPr>
+          <p:cNvSpPr txBox="1"/>
+          <p:nvPr/>
+        </p:nvSpPr>
+        <p:spPr>
+          <a:xfrm>
+            <a:off x="4553990" y="3267697"/>
+            <a:ext cx="1275734" cy="369332"/>
+          </a:xfrm>
+          <a:prstGeom prst="rect">
+            <a:avLst/>
+          </a:prstGeom>
+          <a:noFill/>
+        </p:spPr>
+        <p:txBody>
+          <a:bodyPr wrap="none" rtlCol="0">
+            <a:spAutoFit/>
+          </a:bodyPr>
+          <a:lstStyle/>
+          <a:p>
+            <a:r>
+              <a:rPr lang="en-US" altLang="ko-KR" dirty="0"/>
+              <a:t>Send/</a:t>
+            </a:r>
+            <a:r>
+              <a:rPr lang="en-US" altLang="ko-KR" dirty="0" err="1"/>
+              <a:t>Recv</a:t>
+            </a:r>
+            <a:endParaRPr lang="ko-KR" altLang="en-US" dirty="0"/>
+          </a:p>
+        </p:txBody>
+      </p:sp>
+      <p:cxnSp>
+        <p:nvCxnSpPr>
+          <p:cNvPr id="13" name="직선 화살표 연결선 12">
+            <a:extLst>
+              <a:ext uri="{FF2B5EF4-FFF2-40B4-BE49-F238E27FC236}">
+                <a16:creationId xmlns:a16="http://schemas.microsoft.com/office/drawing/2014/main" id="{1EADB064-62A2-3DE0-F1C6-06ADA95639B0}"/>
+              </a:ext>
+            </a:extLst>
+          </p:cNvPr>
+          <p:cNvCxnSpPr>
+            <a:cxnSpLocks/>
+          </p:cNvCxnSpPr>
+          <p:nvPr/>
+        </p:nvCxnSpPr>
+        <p:spPr>
+          <a:xfrm>
+            <a:off x="2470637" y="2204644"/>
+            <a:ext cx="0" cy="1088780"/>
+          </a:xfrm>
+          <a:prstGeom prst="straightConnector1">
+            <a:avLst/>
+          </a:prstGeom>
+          <a:ln w="12700">
+            <a:headEnd type="triangle"/>
+            <a:tailEnd type="triangle"/>
+          </a:ln>
+        </p:spPr>
+        <p:style>
+          <a:lnRef idx="1">
+            <a:schemeClr val="dk1"/>
+          </a:lnRef>
+          <a:fillRef idx="0">
+            <a:schemeClr val="dk1"/>
+          </a:fillRef>
+          <a:effectRef idx="0">
+            <a:schemeClr val="dk1"/>
+          </a:effectRef>
+          <a:fontRef idx="minor">
+            <a:schemeClr val="tx1"/>
+          </a:fontRef>
+        </p:style>
+      </p:cxnSp>
+      <p:sp>
+        <p:nvSpPr>
+          <p:cNvPr id="15" name="TextBox 14">
+            <a:extLst>
+              <a:ext uri="{FF2B5EF4-FFF2-40B4-BE49-F238E27FC236}">
+                <a16:creationId xmlns:a16="http://schemas.microsoft.com/office/drawing/2014/main" id="{15B96174-1A3C-75C9-F606-5A7482325EC5}"/>
+              </a:ext>
+            </a:extLst>
+          </p:cNvPr>
+          <p:cNvSpPr txBox="1"/>
+          <p:nvPr/>
+        </p:nvSpPr>
+        <p:spPr>
+          <a:xfrm>
+            <a:off x="2412744" y="2564368"/>
+            <a:ext cx="2097497" cy="369332"/>
+          </a:xfrm>
+          <a:prstGeom prst="rect">
+            <a:avLst/>
+          </a:prstGeom>
+          <a:noFill/>
+        </p:spPr>
+        <p:txBody>
+          <a:bodyPr wrap="none" rtlCol="0">
+            <a:spAutoFit/>
+          </a:bodyPr>
+          <a:lstStyle/>
+          <a:p>
+            <a:r>
+              <a:rPr lang="en-US" altLang="ko-KR" dirty="0"/>
+              <a:t>Request/Response</a:t>
+            </a:r>
+            <a:endParaRPr lang="ko-KR" altLang="en-US" dirty="0"/>
+          </a:p>
+        </p:txBody>
+      </p:sp>
+    </p:spTree>
+    <p:extLst>
+      <p:ext uri="{BB962C8B-B14F-4D97-AF65-F5344CB8AC3E}">
+        <p14:creationId xmlns:p14="http://schemas.microsoft.com/office/powerpoint/2010/main" val="841994628"/>
       </p:ext>
     </p:extLst>
   </p:cSld>

--- a/프레젠테이션1.pptx
+++ b/프레젠테이션1.pptx
@@ -5,10 +5,17 @@
     <p:sldMasterId id="2147483648" r:id="rId1"/>
   </p:sldMasterIdLst>
   <p:sldIdLst>
-    <p:sldId id="256" r:id="rId2"/>
-    <p:sldId id="257" r:id="rId3"/>
-    <p:sldId id="258" r:id="rId4"/>
-    <p:sldId id="259" r:id="rId5"/>
+    <p:sldId id="260" r:id="rId2"/>
+    <p:sldId id="262" r:id="rId3"/>
+    <p:sldId id="256" r:id="rId4"/>
+    <p:sldId id="257" r:id="rId5"/>
+    <p:sldId id="258" r:id="rId6"/>
+    <p:sldId id="259" r:id="rId7"/>
+    <p:sldId id="261" r:id="rId8"/>
+    <p:sldId id="263" r:id="rId9"/>
+    <p:sldId id="264" r:id="rId10"/>
+    <p:sldId id="265" r:id="rId11"/>
+    <p:sldId id="266" r:id="rId12"/>
   </p:sldIdLst>
   <p:sldSz cx="12192000" cy="6858000"/>
   <p:notesSz cx="6858000" cy="9144000"/>
@@ -262,7 +269,7 @@
           <a:p>
             <a:fld id="{7B0163EE-20BE-4CC9-99B0-1F0AC0D65A4F}" type="datetimeFigureOut">
               <a:rPr lang="ko-KR" altLang="en-US" smtClean="0"/>
-              <a:t>2023-03-30</a:t>
+              <a:t>2023-04-06</a:t>
             </a:fld>
             <a:endParaRPr lang="ko-KR" altLang="en-US"/>
           </a:p>
@@ -460,7 +467,7 @@
           <a:p>
             <a:fld id="{7B0163EE-20BE-4CC9-99B0-1F0AC0D65A4F}" type="datetimeFigureOut">
               <a:rPr lang="ko-KR" altLang="en-US" smtClean="0"/>
-              <a:t>2023-03-30</a:t>
+              <a:t>2023-04-06</a:t>
             </a:fld>
             <a:endParaRPr lang="ko-KR" altLang="en-US"/>
           </a:p>
@@ -668,7 +675,7 @@
           <a:p>
             <a:fld id="{7B0163EE-20BE-4CC9-99B0-1F0AC0D65A4F}" type="datetimeFigureOut">
               <a:rPr lang="ko-KR" altLang="en-US" smtClean="0"/>
-              <a:t>2023-03-30</a:t>
+              <a:t>2023-04-06</a:t>
             </a:fld>
             <a:endParaRPr lang="ko-KR" altLang="en-US"/>
           </a:p>
@@ -866,7 +873,7 @@
           <a:p>
             <a:fld id="{7B0163EE-20BE-4CC9-99B0-1F0AC0D65A4F}" type="datetimeFigureOut">
               <a:rPr lang="ko-KR" altLang="en-US" smtClean="0"/>
-              <a:t>2023-03-30</a:t>
+              <a:t>2023-04-06</a:t>
             </a:fld>
             <a:endParaRPr lang="ko-KR" altLang="en-US"/>
           </a:p>
@@ -1141,7 +1148,7 @@
           <a:p>
             <a:fld id="{7B0163EE-20BE-4CC9-99B0-1F0AC0D65A4F}" type="datetimeFigureOut">
               <a:rPr lang="ko-KR" altLang="en-US" smtClean="0"/>
-              <a:t>2023-03-30</a:t>
+              <a:t>2023-04-06</a:t>
             </a:fld>
             <a:endParaRPr lang="ko-KR" altLang="en-US"/>
           </a:p>
@@ -1406,7 +1413,7 @@
           <a:p>
             <a:fld id="{7B0163EE-20BE-4CC9-99B0-1F0AC0D65A4F}" type="datetimeFigureOut">
               <a:rPr lang="ko-KR" altLang="en-US" smtClean="0"/>
-              <a:t>2023-03-30</a:t>
+              <a:t>2023-04-06</a:t>
             </a:fld>
             <a:endParaRPr lang="ko-KR" altLang="en-US"/>
           </a:p>
@@ -1818,7 +1825,7 @@
           <a:p>
             <a:fld id="{7B0163EE-20BE-4CC9-99B0-1F0AC0D65A4F}" type="datetimeFigureOut">
               <a:rPr lang="ko-KR" altLang="en-US" smtClean="0"/>
-              <a:t>2023-03-30</a:t>
+              <a:t>2023-04-06</a:t>
             </a:fld>
             <a:endParaRPr lang="ko-KR" altLang="en-US"/>
           </a:p>
@@ -1959,7 +1966,7 @@
           <a:p>
             <a:fld id="{7B0163EE-20BE-4CC9-99B0-1F0AC0D65A4F}" type="datetimeFigureOut">
               <a:rPr lang="ko-KR" altLang="en-US" smtClean="0"/>
-              <a:t>2023-03-30</a:t>
+              <a:t>2023-04-06</a:t>
             </a:fld>
             <a:endParaRPr lang="ko-KR" altLang="en-US"/>
           </a:p>
@@ -2072,7 +2079,7 @@
           <a:p>
             <a:fld id="{7B0163EE-20BE-4CC9-99B0-1F0AC0D65A4F}" type="datetimeFigureOut">
               <a:rPr lang="ko-KR" altLang="en-US" smtClean="0"/>
-              <a:t>2023-03-30</a:t>
+              <a:t>2023-04-06</a:t>
             </a:fld>
             <a:endParaRPr lang="ko-KR" altLang="en-US"/>
           </a:p>
@@ -2383,7 +2390,7 @@
           <a:p>
             <a:fld id="{7B0163EE-20BE-4CC9-99B0-1F0AC0D65A4F}" type="datetimeFigureOut">
               <a:rPr lang="ko-KR" altLang="en-US" smtClean="0"/>
-              <a:t>2023-03-30</a:t>
+              <a:t>2023-04-06</a:t>
             </a:fld>
             <a:endParaRPr lang="ko-KR" altLang="en-US"/>
           </a:p>
@@ -2671,7 +2678,7 @@
           <a:p>
             <a:fld id="{7B0163EE-20BE-4CC9-99B0-1F0AC0D65A4F}" type="datetimeFigureOut">
               <a:rPr lang="ko-KR" altLang="en-US" smtClean="0"/>
-              <a:t>2023-03-30</a:t>
+              <a:t>2023-04-06</a:t>
             </a:fld>
             <a:endParaRPr lang="ko-KR" altLang="en-US"/>
           </a:p>
@@ -2912,7 +2919,7 @@
           <a:p>
             <a:fld id="{7B0163EE-20BE-4CC9-99B0-1F0AC0D65A4F}" type="datetimeFigureOut">
               <a:rPr lang="ko-KR" altLang="en-US" smtClean="0"/>
-              <a:t>2023-03-30</a:t>
+              <a:t>2023-04-06</a:t>
             </a:fld>
             <a:endParaRPr lang="ko-KR" altLang="en-US"/>
           </a:p>
@@ -3331,10 +3338,10 @@
       </p:grpSpPr>
       <p:sp>
         <p:nvSpPr>
-          <p:cNvPr id="49" name="사각형: 둥근 모서리 48">
-            <a:extLst>
-              <a:ext uri="{FF2B5EF4-FFF2-40B4-BE49-F238E27FC236}">
-                <a16:creationId xmlns:a16="http://schemas.microsoft.com/office/drawing/2014/main" id="{D4807686-07C0-E50D-9DBC-3BC8E071CEA7}"/>
+          <p:cNvPr id="4" name="직사각형 3">
+            <a:extLst>
+              <a:ext uri="{FF2B5EF4-FFF2-40B4-BE49-F238E27FC236}">
+                <a16:creationId xmlns:a16="http://schemas.microsoft.com/office/drawing/2014/main" id="{81300A14-068E-ACA8-6D9E-6CD3DFF3E458}"/>
               </a:ext>
             </a:extLst>
           </p:cNvPr>
@@ -3343,10 +3350,10 @@
         </p:nvSpPr>
         <p:spPr>
           <a:xfrm>
-            <a:off x="8935130" y="223902"/>
-            <a:ext cx="1481817" cy="5890530"/>
-          </a:xfrm>
-          <a:prstGeom prst="roundRect">
+            <a:off x="4148398" y="384664"/>
+            <a:ext cx="1979839" cy="1420585"/>
+          </a:xfrm>
+          <a:prstGeom prst="rect">
             <a:avLst/>
           </a:prstGeom>
         </p:spPr>
@@ -3365,13 +3372,13 @@
           </a:fontRef>
         </p:style>
         <p:txBody>
-          <a:bodyPr rtlCol="0" anchor="t" anchorCtr="0"/>
+          <a:bodyPr rtlCol="0" anchor="ctr"/>
           <a:lstStyle/>
           <a:p>
             <a:pPr algn="ctr"/>
             <a:r>
-              <a:rPr lang="en-US" altLang="ko-KR" dirty="0"/>
-              <a:t>Bot</a:t>
+              <a:rPr lang="en-US" altLang="ko-KR" dirty="0" err="1"/>
+              <a:t>FieldMap</a:t>
             </a:r>
             <a:endParaRPr lang="ko-KR" altLang="en-US" dirty="0"/>
           </a:p>
@@ -3379,10 +3386,10 @@
       </p:sp>
       <p:sp>
         <p:nvSpPr>
-          <p:cNvPr id="44" name="사각형: 둥근 모서리 43">
-            <a:extLst>
-              <a:ext uri="{FF2B5EF4-FFF2-40B4-BE49-F238E27FC236}">
-                <a16:creationId xmlns:a16="http://schemas.microsoft.com/office/drawing/2014/main" id="{3956E477-88CF-2845-BA82-4C2318C9B59E}"/>
+          <p:cNvPr id="8" name="직사각형 7">
+            <a:extLst>
+              <a:ext uri="{FF2B5EF4-FFF2-40B4-BE49-F238E27FC236}">
+                <a16:creationId xmlns:a16="http://schemas.microsoft.com/office/drawing/2014/main" id="{E3D663FA-E925-D230-373D-30C915602CED}"/>
               </a:ext>
             </a:extLst>
           </p:cNvPr>
@@ -3391,13 +3398,12 @@
         </p:nvSpPr>
         <p:spPr>
           <a:xfrm>
-            <a:off x="3293907" y="269421"/>
-            <a:ext cx="4385780" cy="5890531"/>
-          </a:xfrm>
-          <a:prstGeom prst="roundRect">
-            <a:avLst/>
-          </a:prstGeom>
-          <a:ln w="12700"/>
+            <a:off x="4116161" y="3170361"/>
+            <a:ext cx="1979839" cy="1420585"/>
+          </a:xfrm>
+          <a:prstGeom prst="rect">
+            <a:avLst/>
+          </a:prstGeom>
         </p:spPr>
         <p:style>
           <a:lnRef idx="2">
@@ -3414,13 +3420,13 @@
           </a:fontRef>
         </p:style>
         <p:txBody>
-          <a:bodyPr rtlCol="0" anchor="t"/>
+          <a:bodyPr rtlCol="0" anchor="ctr"/>
           <a:lstStyle/>
           <a:p>
             <a:pPr algn="ctr"/>
             <a:r>
-              <a:rPr lang="en-US" altLang="ko-KR" dirty="0"/>
-              <a:t>Daemon</a:t>
+              <a:rPr lang="en-US" altLang="ko-KR" dirty="0" err="1"/>
+              <a:t>NPCGenerator</a:t>
             </a:r>
             <a:endParaRPr lang="ko-KR" altLang="en-US" dirty="0"/>
           </a:p>
@@ -3428,10 +3434,10 @@
       </p:sp>
       <p:sp>
         <p:nvSpPr>
-          <p:cNvPr id="4" name="직사각형 3">
-            <a:extLst>
-              <a:ext uri="{FF2B5EF4-FFF2-40B4-BE49-F238E27FC236}">
-                <a16:creationId xmlns:a16="http://schemas.microsoft.com/office/drawing/2014/main" id="{32E5B215-19C4-0254-20ED-6030B23AFA31}"/>
+          <p:cNvPr id="9" name="사각형: 둥근 모서리 8">
+            <a:extLst>
+              <a:ext uri="{FF2B5EF4-FFF2-40B4-BE49-F238E27FC236}">
+                <a16:creationId xmlns:a16="http://schemas.microsoft.com/office/drawing/2014/main" id="{E3286DB6-0E60-AEF5-0D04-3308BC834B53}"/>
               </a:ext>
             </a:extLst>
           </p:cNvPr>
@@ -3440,10 +3446,10 @@
         </p:nvSpPr>
         <p:spPr>
           <a:xfrm>
-            <a:off x="3891737" y="1405002"/>
-            <a:ext cx="1896386" cy="4118137"/>
-          </a:xfrm>
-          <a:prstGeom prst="rect">
+            <a:off x="7518890" y="3353114"/>
+            <a:ext cx="2239108" cy="1055077"/>
+          </a:xfrm>
+          <a:prstGeom prst="roundRect">
             <a:avLst/>
           </a:prstGeom>
         </p:spPr>
@@ -3466,16 +3472,20 @@
           <a:lstStyle/>
           <a:p>
             <a:pPr algn="ctr"/>
+            <a:r>
+              <a:rPr lang="en-US" altLang="ko-KR" dirty="0"/>
+              <a:t>NPC.xml</a:t>
+            </a:r>
             <a:endParaRPr lang="ko-KR" altLang="en-US" dirty="0"/>
           </a:p>
         </p:txBody>
       </p:sp>
       <p:sp>
         <p:nvSpPr>
-          <p:cNvPr id="5" name="직사각형 4">
-            <a:extLst>
-              <a:ext uri="{FF2B5EF4-FFF2-40B4-BE49-F238E27FC236}">
-                <a16:creationId xmlns:a16="http://schemas.microsoft.com/office/drawing/2014/main" id="{7F3971C1-78D2-F49D-2313-14E7ADE02F6C}"/>
+          <p:cNvPr id="11" name="사각형: 둥근 모서리 10">
+            <a:extLst>
+              <a:ext uri="{FF2B5EF4-FFF2-40B4-BE49-F238E27FC236}">
+                <a16:creationId xmlns:a16="http://schemas.microsoft.com/office/drawing/2014/main" id="{4B577331-4300-E93E-CCFF-9B36DDE75107}"/>
               </a:ext>
             </a:extLst>
           </p:cNvPr>
@@ -3484,10 +3494,10 @@
         </p:nvSpPr>
         <p:spPr>
           <a:xfrm>
-            <a:off x="4072629" y="1731006"/>
-            <a:ext cx="1534602" cy="1304014"/>
-          </a:xfrm>
-          <a:prstGeom prst="rect">
+            <a:off x="454163" y="3353113"/>
+            <a:ext cx="2239108" cy="1055077"/>
+          </a:xfrm>
+          <a:prstGeom prst="roundRect">
             <a:avLst/>
           </a:prstGeom>
         </p:spPr>
@@ -3512,18 +3522,400 @@
             <a:pPr algn="ctr"/>
             <a:r>
               <a:rPr lang="en-US" altLang="ko-KR" dirty="0"/>
-              <a:t>Server</a:t>
+              <a:t>NPCGenerator.xml</a:t>
             </a:r>
             <a:endParaRPr lang="ko-KR" altLang="en-US" dirty="0"/>
           </a:p>
         </p:txBody>
       </p:sp>
-      <p:sp>
-        <p:nvSpPr>
-          <p:cNvPr id="8" name="직사각형 7">
-            <a:extLst>
-              <a:ext uri="{FF2B5EF4-FFF2-40B4-BE49-F238E27FC236}">
-                <a16:creationId xmlns:a16="http://schemas.microsoft.com/office/drawing/2014/main" id="{5A3AADFD-7107-E238-118D-2B74A4CC8DA9}"/>
+      <p:cxnSp>
+        <p:nvCxnSpPr>
+          <p:cNvPr id="13" name="직선 화살표 연결선 12">
+            <a:extLst>
+              <a:ext uri="{FF2B5EF4-FFF2-40B4-BE49-F238E27FC236}">
+                <a16:creationId xmlns:a16="http://schemas.microsoft.com/office/drawing/2014/main" id="{952A18AE-5F0A-148E-0010-27BC0A06802B}"/>
+              </a:ext>
+            </a:extLst>
+          </p:cNvPr>
+          <p:cNvCxnSpPr/>
+          <p:nvPr/>
+        </p:nvCxnSpPr>
+        <p:spPr>
+          <a:xfrm>
+            <a:off x="4677508" y="1805249"/>
+            <a:ext cx="0" cy="1368774"/>
+          </a:xfrm>
+          <a:prstGeom prst="straightConnector1">
+            <a:avLst/>
+          </a:prstGeom>
+          <a:ln w="12700">
+            <a:tailEnd type="triangle"/>
+          </a:ln>
+        </p:spPr>
+        <p:style>
+          <a:lnRef idx="1">
+            <a:schemeClr val="dk1"/>
+          </a:lnRef>
+          <a:fillRef idx="0">
+            <a:schemeClr val="dk1"/>
+          </a:fillRef>
+          <a:effectRef idx="0">
+            <a:schemeClr val="dk1"/>
+          </a:effectRef>
+          <a:fontRef idx="minor">
+            <a:schemeClr val="tx1"/>
+          </a:fontRef>
+        </p:style>
+      </p:cxnSp>
+      <p:cxnSp>
+        <p:nvCxnSpPr>
+          <p:cNvPr id="15" name="직선 화살표 연결선 14">
+            <a:extLst>
+              <a:ext uri="{FF2B5EF4-FFF2-40B4-BE49-F238E27FC236}">
+                <a16:creationId xmlns:a16="http://schemas.microsoft.com/office/drawing/2014/main" id="{33D253FF-BE38-FB1C-F044-99D5F84DD4A1}"/>
+              </a:ext>
+            </a:extLst>
+          </p:cNvPr>
+          <p:cNvCxnSpPr/>
+          <p:nvPr/>
+        </p:nvCxnSpPr>
+        <p:spPr>
+          <a:xfrm flipV="1">
+            <a:off x="5556738" y="1805249"/>
+            <a:ext cx="0" cy="1365112"/>
+          </a:xfrm>
+          <a:prstGeom prst="straightConnector1">
+            <a:avLst/>
+          </a:prstGeom>
+          <a:ln w="12700">
+            <a:tailEnd type="triangle"/>
+          </a:ln>
+        </p:spPr>
+        <p:style>
+          <a:lnRef idx="1">
+            <a:schemeClr val="dk1"/>
+          </a:lnRef>
+          <a:fillRef idx="0">
+            <a:schemeClr val="dk1"/>
+          </a:fillRef>
+          <a:effectRef idx="0">
+            <a:schemeClr val="dk1"/>
+          </a:effectRef>
+          <a:fontRef idx="minor">
+            <a:schemeClr val="tx1"/>
+          </a:fontRef>
+        </p:style>
+      </p:cxnSp>
+      <p:cxnSp>
+        <p:nvCxnSpPr>
+          <p:cNvPr id="17" name="직선 화살표 연결선 16">
+            <a:extLst>
+              <a:ext uri="{FF2B5EF4-FFF2-40B4-BE49-F238E27FC236}">
+                <a16:creationId xmlns:a16="http://schemas.microsoft.com/office/drawing/2014/main" id="{BA7EC8A0-0A33-E712-AF06-AF7D6B22CF1A}"/>
+              </a:ext>
+            </a:extLst>
+          </p:cNvPr>
+          <p:cNvCxnSpPr>
+            <a:stCxn id="8" idx="1"/>
+            <a:endCxn id="11" idx="3"/>
+          </p:cNvCxnSpPr>
+          <p:nvPr/>
+        </p:nvCxnSpPr>
+        <p:spPr>
+          <a:xfrm flipH="1" flipV="1">
+            <a:off x="2693271" y="3880652"/>
+            <a:ext cx="1422890" cy="2"/>
+          </a:xfrm>
+          <a:prstGeom prst="straightConnector1">
+            <a:avLst/>
+          </a:prstGeom>
+          <a:ln w="12700">
+            <a:tailEnd type="triangle"/>
+          </a:ln>
+        </p:spPr>
+        <p:style>
+          <a:lnRef idx="1">
+            <a:schemeClr val="dk1"/>
+          </a:lnRef>
+          <a:fillRef idx="0">
+            <a:schemeClr val="dk1"/>
+          </a:fillRef>
+          <a:effectRef idx="0">
+            <a:schemeClr val="dk1"/>
+          </a:effectRef>
+          <a:fontRef idx="minor">
+            <a:schemeClr val="tx1"/>
+          </a:fontRef>
+        </p:style>
+      </p:cxnSp>
+      <p:cxnSp>
+        <p:nvCxnSpPr>
+          <p:cNvPr id="19" name="직선 화살표 연결선 18">
+            <a:extLst>
+              <a:ext uri="{FF2B5EF4-FFF2-40B4-BE49-F238E27FC236}">
+                <a16:creationId xmlns:a16="http://schemas.microsoft.com/office/drawing/2014/main" id="{33A481E7-CA42-4CD3-577D-48A43FCBCEE8}"/>
+              </a:ext>
+            </a:extLst>
+          </p:cNvPr>
+          <p:cNvCxnSpPr>
+            <a:stCxn id="8" idx="3"/>
+            <a:endCxn id="9" idx="1"/>
+          </p:cNvCxnSpPr>
+          <p:nvPr/>
+        </p:nvCxnSpPr>
+        <p:spPr>
+          <a:xfrm flipV="1">
+            <a:off x="6096000" y="3880653"/>
+            <a:ext cx="1422890" cy="1"/>
+          </a:xfrm>
+          <a:prstGeom prst="straightConnector1">
+            <a:avLst/>
+          </a:prstGeom>
+          <a:ln w="12700">
+            <a:tailEnd type="triangle"/>
+          </a:ln>
+        </p:spPr>
+        <p:style>
+          <a:lnRef idx="1">
+            <a:schemeClr val="dk1"/>
+          </a:lnRef>
+          <a:fillRef idx="0">
+            <a:schemeClr val="dk1"/>
+          </a:fillRef>
+          <a:effectRef idx="0">
+            <a:schemeClr val="dk1"/>
+          </a:effectRef>
+          <a:fontRef idx="minor">
+            <a:schemeClr val="tx1"/>
+          </a:fontRef>
+        </p:style>
+      </p:cxnSp>
+      <p:sp>
+        <p:nvSpPr>
+          <p:cNvPr id="20" name="TextBox 19">
+            <a:extLst>
+              <a:ext uri="{FF2B5EF4-FFF2-40B4-BE49-F238E27FC236}">
+                <a16:creationId xmlns:a16="http://schemas.microsoft.com/office/drawing/2014/main" id="{9BE6DFFC-9305-FAEB-0D3F-3200E42D4934}"/>
+              </a:ext>
+            </a:extLst>
+          </p:cNvPr>
+          <p:cNvSpPr txBox="1"/>
+          <p:nvPr/>
+        </p:nvSpPr>
+        <p:spPr>
+          <a:xfrm>
+            <a:off x="3095129" y="2114549"/>
+            <a:ext cx="1584088" cy="307777"/>
+          </a:xfrm>
+          <a:prstGeom prst="rect">
+            <a:avLst/>
+          </a:prstGeom>
+          <a:noFill/>
+        </p:spPr>
+        <p:txBody>
+          <a:bodyPr wrap="none" rtlCol="0">
+            <a:spAutoFit/>
+          </a:bodyPr>
+          <a:lstStyle/>
+          <a:p>
+            <a:r>
+              <a:rPr lang="en-US" altLang="ko-KR" sz="1400" dirty="0"/>
+              <a:t>1. NPC</a:t>
+            </a:r>
+            <a:r>
+              <a:rPr lang="ko-KR" altLang="en-US" sz="1400" dirty="0"/>
+              <a:t> 생성 요청</a:t>
+            </a:r>
+          </a:p>
+        </p:txBody>
+      </p:sp>
+      <p:sp>
+        <p:nvSpPr>
+          <p:cNvPr id="21" name="TextBox 20">
+            <a:extLst>
+              <a:ext uri="{FF2B5EF4-FFF2-40B4-BE49-F238E27FC236}">
+                <a16:creationId xmlns:a16="http://schemas.microsoft.com/office/drawing/2014/main" id="{DE5196F4-7F04-A38D-1226-B8A684FA207B}"/>
+              </a:ext>
+            </a:extLst>
+          </p:cNvPr>
+          <p:cNvSpPr txBox="1"/>
+          <p:nvPr/>
+        </p:nvSpPr>
+        <p:spPr>
+          <a:xfrm>
+            <a:off x="1421202" y="4393048"/>
+            <a:ext cx="2807179" cy="307777"/>
+          </a:xfrm>
+          <a:prstGeom prst="rect">
+            <a:avLst/>
+          </a:prstGeom>
+          <a:noFill/>
+        </p:spPr>
+        <p:txBody>
+          <a:bodyPr wrap="none" rtlCol="0">
+            <a:spAutoFit/>
+          </a:bodyPr>
+          <a:lstStyle/>
+          <a:p>
+            <a:r>
+              <a:rPr lang="en-US" altLang="ko-KR" sz="1400" dirty="0"/>
+              <a:t>2. </a:t>
+            </a:r>
+            <a:r>
+              <a:rPr lang="ko-KR" altLang="en-US" sz="1400" dirty="0"/>
+              <a:t>어떤 </a:t>
+            </a:r>
+            <a:r>
+              <a:rPr lang="en-US" altLang="ko-KR" sz="1400" dirty="0"/>
+              <a:t>NPC</a:t>
+            </a:r>
+            <a:r>
+              <a:rPr lang="ko-KR" altLang="en-US" sz="1400" dirty="0"/>
+              <a:t>를 생성해야 하는가</a:t>
+            </a:r>
+            <a:r>
+              <a:rPr lang="en-US" altLang="ko-KR" sz="1400" dirty="0"/>
+              <a:t>?</a:t>
+            </a:r>
+            <a:endParaRPr lang="ko-KR" altLang="en-US" sz="1400" dirty="0"/>
+          </a:p>
+        </p:txBody>
+      </p:sp>
+      <p:sp>
+        <p:nvSpPr>
+          <p:cNvPr id="22" name="TextBox 21">
+            <a:extLst>
+              <a:ext uri="{FF2B5EF4-FFF2-40B4-BE49-F238E27FC236}">
+                <a16:creationId xmlns:a16="http://schemas.microsoft.com/office/drawing/2014/main" id="{305A56C3-8D3B-B059-1BA1-5FF58FAB7617}"/>
+              </a:ext>
+            </a:extLst>
+          </p:cNvPr>
+          <p:cNvSpPr txBox="1"/>
+          <p:nvPr/>
+        </p:nvSpPr>
+        <p:spPr>
+          <a:xfrm>
+            <a:off x="6096000" y="4393048"/>
+            <a:ext cx="2122697" cy="307777"/>
+          </a:xfrm>
+          <a:prstGeom prst="rect">
+            <a:avLst/>
+          </a:prstGeom>
+          <a:noFill/>
+        </p:spPr>
+        <p:txBody>
+          <a:bodyPr wrap="none" rtlCol="0">
+            <a:spAutoFit/>
+          </a:bodyPr>
+          <a:lstStyle/>
+          <a:p>
+            <a:r>
+              <a:rPr lang="en-US" altLang="ko-KR" sz="1400" dirty="0"/>
+              <a:t>3. NPC</a:t>
+            </a:r>
+            <a:r>
+              <a:rPr lang="ko-KR" altLang="en-US" sz="1400" dirty="0"/>
+              <a:t>의 정보를 </a:t>
+            </a:r>
+            <a:r>
+              <a:rPr lang="ko-KR" altLang="en-US" sz="1400" dirty="0" err="1"/>
+              <a:t>받아옴</a:t>
+            </a:r>
+            <a:endParaRPr lang="ko-KR" altLang="en-US" sz="1400" dirty="0"/>
+          </a:p>
+        </p:txBody>
+      </p:sp>
+      <p:sp>
+        <p:nvSpPr>
+          <p:cNvPr id="23" name="TextBox 22">
+            <a:extLst>
+              <a:ext uri="{FF2B5EF4-FFF2-40B4-BE49-F238E27FC236}">
+                <a16:creationId xmlns:a16="http://schemas.microsoft.com/office/drawing/2014/main" id="{B56ADEE5-9A96-BAB8-F46B-232A1565075D}"/>
+              </a:ext>
+            </a:extLst>
+          </p:cNvPr>
+          <p:cNvSpPr txBox="1"/>
+          <p:nvPr/>
+        </p:nvSpPr>
+        <p:spPr>
+          <a:xfrm>
+            <a:off x="5556738" y="2114549"/>
+            <a:ext cx="4916731" cy="307777"/>
+          </a:xfrm>
+          <a:prstGeom prst="rect">
+            <a:avLst/>
+          </a:prstGeom>
+          <a:noFill/>
+        </p:spPr>
+        <p:txBody>
+          <a:bodyPr wrap="none" rtlCol="0">
+            <a:spAutoFit/>
+          </a:bodyPr>
+          <a:lstStyle/>
+          <a:p>
+            <a:r>
+              <a:rPr lang="en-US" altLang="ko-KR" sz="1400" dirty="0"/>
+              <a:t>4. </a:t>
+            </a:r>
+            <a:r>
+              <a:rPr lang="ko-KR" altLang="en-US" sz="1400" dirty="0"/>
+              <a:t>받아온 정보로 새로운 </a:t>
+            </a:r>
+            <a:r>
+              <a:rPr lang="en-US" altLang="ko-KR" sz="1400" dirty="0"/>
+              <a:t>NPC</a:t>
+            </a:r>
+            <a:r>
+              <a:rPr lang="ko-KR" altLang="en-US" sz="1400" dirty="0"/>
+              <a:t>를 생성하고 </a:t>
+            </a:r>
+            <a:r>
+              <a:rPr lang="en-US" altLang="ko-KR" sz="1400" dirty="0" err="1"/>
+              <a:t>FieldMap</a:t>
+            </a:r>
+            <a:r>
+              <a:rPr lang="ko-KR" altLang="en-US" sz="1400" dirty="0"/>
+              <a:t>에 등록</a:t>
+            </a:r>
+          </a:p>
+        </p:txBody>
+      </p:sp>
+    </p:spTree>
+    <p:extLst>
+      <p:ext uri="{BB962C8B-B14F-4D97-AF65-F5344CB8AC3E}">
+        <p14:creationId xmlns:p14="http://schemas.microsoft.com/office/powerpoint/2010/main" val="4126455066"/>
+      </p:ext>
+    </p:extLst>
+  </p:cSld>
+  <p:clrMapOvr>
+    <a:masterClrMapping/>
+  </p:clrMapOvr>
+</p:sld>
+</file>
+
+<file path=ppt/slides/slide10.xml><?xml version="1.0" encoding="utf-8"?>
+<p:sld xmlns:a="http://schemas.openxmlformats.org/drawingml/2006/main" xmlns:r="http://schemas.openxmlformats.org/officeDocument/2006/relationships" xmlns:p="http://schemas.openxmlformats.org/presentationml/2006/main">
+  <p:cSld>
+    <p:spTree>
+      <p:nvGrpSpPr>
+        <p:cNvPr id="1" name=""/>
+        <p:cNvGrpSpPr/>
+        <p:nvPr/>
+      </p:nvGrpSpPr>
+      <p:grpSpPr>
+        <a:xfrm>
+          <a:off x="0" y="0"/>
+          <a:ext cx="0" cy="0"/>
+          <a:chOff x="0" y="0"/>
+          <a:chExt cx="0" cy="0"/>
+        </a:xfrm>
+      </p:grpSpPr>
+      <p:sp>
+        <p:nvSpPr>
+          <p:cNvPr id="4" name="직사각형 3">
+            <a:extLst>
+              <a:ext uri="{FF2B5EF4-FFF2-40B4-BE49-F238E27FC236}">
+                <a16:creationId xmlns:a16="http://schemas.microsoft.com/office/drawing/2014/main" id="{87650511-B41B-50DB-FC45-77E09A1A9490}"/>
               </a:ext>
             </a:extLst>
           </p:cNvPr>
@@ -3532,8 +3924,8 @@
         </p:nvSpPr>
         <p:spPr>
           <a:xfrm>
-            <a:off x="6568167" y="1331523"/>
-            <a:ext cx="832757" cy="567418"/>
+            <a:off x="1971675" y="910003"/>
+            <a:ext cx="2681968" cy="3455377"/>
           </a:xfrm>
           <a:prstGeom prst="rect">
             <a:avLst/>
@@ -3554,13 +3946,13 @@
           </a:fontRef>
         </p:style>
         <p:txBody>
-          <a:bodyPr rtlCol="0" anchor="ctr"/>
+          <a:bodyPr rtlCol="0" anchor="t" anchorCtr="0"/>
           <a:lstStyle/>
           <a:p>
             <a:pPr algn="ctr"/>
             <a:r>
               <a:rPr lang="en-US" altLang="ko-KR" dirty="0"/>
-              <a:t>Client</a:t>
+              <a:t>World</a:t>
             </a:r>
             <a:endParaRPr lang="ko-KR" altLang="en-US" dirty="0"/>
           </a:p>
@@ -3568,10 +3960,10 @@
       </p:sp>
       <p:sp>
         <p:nvSpPr>
-          <p:cNvPr id="9" name="직사각형 8">
-            <a:extLst>
-              <a:ext uri="{FF2B5EF4-FFF2-40B4-BE49-F238E27FC236}">
-                <a16:creationId xmlns:a16="http://schemas.microsoft.com/office/drawing/2014/main" id="{C06237F9-9B07-989B-B86C-8A094938FFB0}"/>
+          <p:cNvPr id="5" name="직사각형 4">
+            <a:extLst>
+              <a:ext uri="{FF2B5EF4-FFF2-40B4-BE49-F238E27FC236}">
+                <a16:creationId xmlns:a16="http://schemas.microsoft.com/office/drawing/2014/main" id="{56B9DAB2-9E56-24BF-08CC-E6A5741EAA44}"/>
               </a:ext>
             </a:extLst>
           </p:cNvPr>
@@ -3580,8 +3972,8 @@
         </p:nvSpPr>
         <p:spPr>
           <a:xfrm>
-            <a:off x="6568167" y="2108491"/>
-            <a:ext cx="832757" cy="567418"/>
+            <a:off x="2218016" y="1608992"/>
+            <a:ext cx="2189285" cy="910004"/>
           </a:xfrm>
           <a:prstGeom prst="rect">
             <a:avLst/>
@@ -3608,7 +4000,7 @@
             <a:pPr algn="ctr"/>
             <a:r>
               <a:rPr lang="en-US" altLang="ko-KR" dirty="0"/>
-              <a:t>Client</a:t>
+              <a:t>System</a:t>
             </a:r>
             <a:endParaRPr lang="ko-KR" altLang="en-US" dirty="0"/>
           </a:p>
@@ -3616,10 +4008,10 @@
       </p:sp>
       <p:sp>
         <p:nvSpPr>
-          <p:cNvPr id="10" name="직사각형 9">
-            <a:extLst>
-              <a:ext uri="{FF2B5EF4-FFF2-40B4-BE49-F238E27FC236}">
-                <a16:creationId xmlns:a16="http://schemas.microsoft.com/office/drawing/2014/main" id="{530E15E2-8D5E-BF44-9865-61DDA595909A}"/>
+          <p:cNvPr id="6" name="직사각형 5">
+            <a:extLst>
+              <a:ext uri="{FF2B5EF4-FFF2-40B4-BE49-F238E27FC236}">
+                <a16:creationId xmlns:a16="http://schemas.microsoft.com/office/drawing/2014/main" id="{72886EA3-EB12-D069-7218-F5E9B42F4842}"/>
               </a:ext>
             </a:extLst>
           </p:cNvPr>
@@ -3628,8 +4020,8 @@
         </p:nvSpPr>
         <p:spPr>
           <a:xfrm>
-            <a:off x="6568167" y="2885458"/>
-            <a:ext cx="832757" cy="567418"/>
+            <a:off x="6286500" y="1628774"/>
+            <a:ext cx="1877158" cy="870439"/>
           </a:xfrm>
           <a:prstGeom prst="rect">
             <a:avLst/>
@@ -3656,35 +4048,845 @@
             <a:pPr algn="ctr"/>
             <a:r>
               <a:rPr lang="en-US" altLang="ko-KR" dirty="0"/>
-              <a:t>Client</a:t>
+              <a:t>Component</a:t>
             </a:r>
             <a:endParaRPr lang="ko-KR" altLang="en-US" dirty="0"/>
           </a:p>
         </p:txBody>
       </p:sp>
+      <p:cxnSp>
+        <p:nvCxnSpPr>
+          <p:cNvPr id="8" name="직선 화살표 연결선 7">
+            <a:extLst>
+              <a:ext uri="{FF2B5EF4-FFF2-40B4-BE49-F238E27FC236}">
+                <a16:creationId xmlns:a16="http://schemas.microsoft.com/office/drawing/2014/main" id="{6B487CE0-F215-8558-92EA-E23E907E0D32}"/>
+              </a:ext>
+            </a:extLst>
+          </p:cNvPr>
+          <p:cNvCxnSpPr/>
+          <p:nvPr/>
+        </p:nvCxnSpPr>
+        <p:spPr>
+          <a:xfrm>
+            <a:off x="4407301" y="1820008"/>
+            <a:ext cx="1879199" cy="0"/>
+          </a:xfrm>
+          <a:prstGeom prst="straightConnector1">
+            <a:avLst/>
+          </a:prstGeom>
+          <a:ln w="12700">
+            <a:tailEnd type="triangle"/>
+          </a:ln>
+        </p:spPr>
+        <p:style>
+          <a:lnRef idx="1">
+            <a:schemeClr val="dk1"/>
+          </a:lnRef>
+          <a:fillRef idx="0">
+            <a:schemeClr val="dk1"/>
+          </a:fillRef>
+          <a:effectRef idx="0">
+            <a:schemeClr val="dk1"/>
+          </a:effectRef>
+          <a:fontRef idx="minor">
+            <a:schemeClr val="tx1"/>
+          </a:fontRef>
+        </p:style>
+      </p:cxnSp>
+      <p:sp>
+        <p:nvSpPr>
+          <p:cNvPr id="9" name="TextBox 8">
+            <a:extLst>
+              <a:ext uri="{FF2B5EF4-FFF2-40B4-BE49-F238E27FC236}">
+                <a16:creationId xmlns:a16="http://schemas.microsoft.com/office/drawing/2014/main" id="{75D97268-04DB-99EE-D945-FC55192E6FD4}"/>
+              </a:ext>
+            </a:extLst>
+          </p:cNvPr>
+          <p:cNvSpPr txBox="1"/>
+          <p:nvPr/>
+        </p:nvSpPr>
+        <p:spPr>
+          <a:xfrm>
+            <a:off x="4986690" y="1543009"/>
+            <a:ext cx="854721" cy="276999"/>
+          </a:xfrm>
+          <a:prstGeom prst="rect">
+            <a:avLst/>
+          </a:prstGeom>
+          <a:noFill/>
+        </p:spPr>
+        <p:txBody>
+          <a:bodyPr wrap="none" rtlCol="0">
+            <a:spAutoFit/>
+          </a:bodyPr>
+          <a:lstStyle/>
+          <a:p>
+            <a:r>
+              <a:rPr lang="ko-KR" altLang="en-US" sz="1200" dirty="0"/>
+              <a:t>로직 처리</a:t>
+            </a:r>
+          </a:p>
+        </p:txBody>
+      </p:sp>
+      <p:cxnSp>
+        <p:nvCxnSpPr>
+          <p:cNvPr id="11" name="직선 화살표 연결선 10">
+            <a:extLst>
+              <a:ext uri="{FF2B5EF4-FFF2-40B4-BE49-F238E27FC236}">
+                <a16:creationId xmlns:a16="http://schemas.microsoft.com/office/drawing/2014/main" id="{87A9D795-1844-39EC-63AE-E948A8463273}"/>
+              </a:ext>
+            </a:extLst>
+          </p:cNvPr>
+          <p:cNvCxnSpPr/>
+          <p:nvPr/>
+        </p:nvCxnSpPr>
+        <p:spPr>
+          <a:xfrm flipH="1">
+            <a:off x="4407301" y="2321169"/>
+            <a:ext cx="1879199" cy="0"/>
+          </a:xfrm>
+          <a:prstGeom prst="straightConnector1">
+            <a:avLst/>
+          </a:prstGeom>
+          <a:ln w="12700">
+            <a:tailEnd type="triangle"/>
+          </a:ln>
+        </p:spPr>
+        <p:style>
+          <a:lnRef idx="1">
+            <a:schemeClr val="dk1"/>
+          </a:lnRef>
+          <a:fillRef idx="0">
+            <a:schemeClr val="dk1"/>
+          </a:fillRef>
+          <a:effectRef idx="0">
+            <a:schemeClr val="dk1"/>
+          </a:effectRef>
+          <a:fontRef idx="minor">
+            <a:schemeClr val="tx1"/>
+          </a:fontRef>
+        </p:style>
+      </p:cxnSp>
+      <p:sp>
+        <p:nvSpPr>
+          <p:cNvPr id="12" name="TextBox 11">
+            <a:extLst>
+              <a:ext uri="{FF2B5EF4-FFF2-40B4-BE49-F238E27FC236}">
+                <a16:creationId xmlns:a16="http://schemas.microsoft.com/office/drawing/2014/main" id="{96344FEB-BECC-92EB-E93A-EEA630EA6745}"/>
+              </a:ext>
+            </a:extLst>
+          </p:cNvPr>
+          <p:cNvSpPr txBox="1"/>
+          <p:nvPr/>
+        </p:nvSpPr>
+        <p:spPr>
+          <a:xfrm>
+            <a:off x="4407301" y="2072785"/>
+            <a:ext cx="1966629" cy="276999"/>
+          </a:xfrm>
+          <a:prstGeom prst="rect">
+            <a:avLst/>
+          </a:prstGeom>
+          <a:noFill/>
+        </p:spPr>
+        <p:txBody>
+          <a:bodyPr wrap="none" rtlCol="0">
+            <a:spAutoFit/>
+          </a:bodyPr>
+          <a:lstStyle/>
+          <a:p>
+            <a:r>
+              <a:rPr lang="ko-KR" altLang="en-US" sz="1200" dirty="0"/>
+              <a:t>동기화가 필요한 </a:t>
+            </a:r>
+            <a:r>
+              <a:rPr lang="en-US" altLang="ko-KR" sz="1200" dirty="0"/>
+              <a:t>Property</a:t>
+            </a:r>
+            <a:endParaRPr lang="ko-KR" altLang="en-US" sz="1200" dirty="0"/>
+          </a:p>
+        </p:txBody>
+      </p:sp>
+      <p:sp>
+        <p:nvSpPr>
+          <p:cNvPr id="13" name="직사각형 12">
+            <a:extLst>
+              <a:ext uri="{FF2B5EF4-FFF2-40B4-BE49-F238E27FC236}">
+                <a16:creationId xmlns:a16="http://schemas.microsoft.com/office/drawing/2014/main" id="{F2DEDAC3-5210-DD18-8510-2A59836F7F2A}"/>
+              </a:ext>
+            </a:extLst>
+          </p:cNvPr>
+          <p:cNvSpPr/>
+          <p:nvPr/>
+        </p:nvSpPr>
+        <p:spPr>
+          <a:xfrm>
+            <a:off x="2218016" y="3084059"/>
+            <a:ext cx="2189285" cy="910003"/>
+          </a:xfrm>
+          <a:prstGeom prst="rect">
+            <a:avLst/>
+          </a:prstGeom>
+        </p:spPr>
+        <p:style>
+          <a:lnRef idx="2">
+            <a:schemeClr val="dk1"/>
+          </a:lnRef>
+          <a:fillRef idx="1">
+            <a:schemeClr val="lt1"/>
+          </a:fillRef>
+          <a:effectRef idx="0">
+            <a:schemeClr val="dk1"/>
+          </a:effectRef>
+          <a:fontRef idx="minor">
+            <a:schemeClr val="dk1"/>
+          </a:fontRef>
+        </p:style>
+        <p:txBody>
+          <a:bodyPr rtlCol="0" anchor="ctr"/>
+          <a:lstStyle/>
+          <a:p>
+            <a:pPr algn="ctr"/>
+            <a:r>
+              <a:rPr lang="en-US" altLang="ko-KR" dirty="0"/>
+              <a:t>Synchronization</a:t>
+            </a:r>
+            <a:endParaRPr lang="ko-KR" altLang="en-US" dirty="0"/>
+          </a:p>
+        </p:txBody>
+      </p:sp>
+      <p:cxnSp>
+        <p:nvCxnSpPr>
+          <p:cNvPr id="15" name="직선 화살표 연결선 14">
+            <a:extLst>
+              <a:ext uri="{FF2B5EF4-FFF2-40B4-BE49-F238E27FC236}">
+                <a16:creationId xmlns:a16="http://schemas.microsoft.com/office/drawing/2014/main" id="{F8AAD98C-FDC9-7AA1-511B-F5C3BD26A96B}"/>
+              </a:ext>
+            </a:extLst>
+          </p:cNvPr>
+          <p:cNvCxnSpPr/>
+          <p:nvPr/>
+        </p:nvCxnSpPr>
+        <p:spPr>
+          <a:xfrm>
+            <a:off x="4114800" y="2518996"/>
+            <a:ext cx="0" cy="565063"/>
+          </a:xfrm>
+          <a:prstGeom prst="straightConnector1">
+            <a:avLst/>
+          </a:prstGeom>
+          <a:ln w="12700">
+            <a:tailEnd type="triangle"/>
+          </a:ln>
+        </p:spPr>
+        <p:style>
+          <a:lnRef idx="1">
+            <a:schemeClr val="dk1"/>
+          </a:lnRef>
+          <a:fillRef idx="0">
+            <a:schemeClr val="dk1"/>
+          </a:fillRef>
+          <a:effectRef idx="0">
+            <a:schemeClr val="dk1"/>
+          </a:effectRef>
+          <a:fontRef idx="minor">
+            <a:schemeClr val="tx1"/>
+          </a:fontRef>
+        </p:style>
+      </p:cxnSp>
+      <p:sp>
+        <p:nvSpPr>
+          <p:cNvPr id="16" name="TextBox 15">
+            <a:extLst>
+              <a:ext uri="{FF2B5EF4-FFF2-40B4-BE49-F238E27FC236}">
+                <a16:creationId xmlns:a16="http://schemas.microsoft.com/office/drawing/2014/main" id="{BFB4AA19-71BC-2E44-1450-B2BC4BDD68FB}"/>
+              </a:ext>
+            </a:extLst>
+          </p:cNvPr>
+          <p:cNvSpPr txBox="1"/>
+          <p:nvPr/>
+        </p:nvSpPr>
+        <p:spPr>
+          <a:xfrm>
+            <a:off x="2523392" y="2663028"/>
+            <a:ext cx="1658852" cy="276999"/>
+          </a:xfrm>
+          <a:prstGeom prst="rect">
+            <a:avLst/>
+          </a:prstGeom>
+          <a:noFill/>
+        </p:spPr>
+        <p:txBody>
+          <a:bodyPr wrap="none" rtlCol="0">
+            <a:spAutoFit/>
+          </a:bodyPr>
+          <a:lstStyle/>
+          <a:p>
+            <a:r>
+              <a:rPr lang="ko-KR" altLang="en-US" sz="1200" dirty="0"/>
+              <a:t>동기화 </a:t>
+            </a:r>
+            <a:r>
+              <a:rPr lang="en-US" altLang="ko-KR" sz="1200" dirty="0"/>
+              <a:t>Property </a:t>
+            </a:r>
+            <a:r>
+              <a:rPr lang="ko-KR" altLang="en-US" sz="1200" dirty="0"/>
+              <a:t>전달</a:t>
+            </a:r>
+          </a:p>
+        </p:txBody>
+      </p:sp>
+    </p:spTree>
+    <p:extLst>
+      <p:ext uri="{BB962C8B-B14F-4D97-AF65-F5344CB8AC3E}">
+        <p14:creationId xmlns:p14="http://schemas.microsoft.com/office/powerpoint/2010/main" val="60816058"/>
+      </p:ext>
+    </p:extLst>
+  </p:cSld>
+  <p:clrMapOvr>
+    <a:masterClrMapping/>
+  </p:clrMapOvr>
+</p:sld>
+</file>
+
+<file path=ppt/slides/slide11.xml><?xml version="1.0" encoding="utf-8"?>
+<p:sld xmlns:a="http://schemas.openxmlformats.org/drawingml/2006/main" xmlns:r="http://schemas.openxmlformats.org/officeDocument/2006/relationships" xmlns:p="http://schemas.openxmlformats.org/presentationml/2006/main">
+  <p:cSld>
+    <p:spTree>
+      <p:nvGrpSpPr>
+        <p:cNvPr id="1" name=""/>
+        <p:cNvGrpSpPr/>
+        <p:nvPr/>
+      </p:nvGrpSpPr>
+      <p:grpSpPr>
+        <a:xfrm>
+          <a:off x="0" y="0"/>
+          <a:ext cx="0" cy="0"/>
+          <a:chOff x="0" y="0"/>
+          <a:chExt cx="0" cy="0"/>
+        </a:xfrm>
+      </p:grpSpPr>
+      <p:sp>
+        <p:nvSpPr>
+          <p:cNvPr id="4" name="직사각형 3">
+            <a:extLst>
+              <a:ext uri="{FF2B5EF4-FFF2-40B4-BE49-F238E27FC236}">
+                <a16:creationId xmlns:a16="http://schemas.microsoft.com/office/drawing/2014/main" id="{5B6F5F72-1CD7-511D-05BF-D64608DB6A46}"/>
+              </a:ext>
+            </a:extLst>
+          </p:cNvPr>
+          <p:cNvSpPr/>
+          <p:nvPr/>
+        </p:nvSpPr>
+        <p:spPr>
+          <a:xfrm>
+            <a:off x="1988003" y="787853"/>
+            <a:ext cx="2539093" cy="5474153"/>
+          </a:xfrm>
+          <a:prstGeom prst="rect">
+            <a:avLst/>
+          </a:prstGeom>
+        </p:spPr>
+        <p:style>
+          <a:lnRef idx="2">
+            <a:schemeClr val="dk1"/>
+          </a:lnRef>
+          <a:fillRef idx="1">
+            <a:schemeClr val="lt1"/>
+          </a:fillRef>
+          <a:effectRef idx="0">
+            <a:schemeClr val="dk1"/>
+          </a:effectRef>
+          <a:fontRef idx="minor">
+            <a:schemeClr val="dk1"/>
+          </a:fontRef>
+        </p:style>
+        <p:txBody>
+          <a:bodyPr rtlCol="0" anchor="ctr"/>
+          <a:lstStyle/>
+          <a:p>
+            <a:pPr algn="ctr"/>
+            <a:endParaRPr lang="ko-KR" altLang="en-US"/>
+          </a:p>
+        </p:txBody>
+      </p:sp>
+      <p:cxnSp>
+        <p:nvCxnSpPr>
+          <p:cNvPr id="6" name="직선 화살표 연결선 5">
+            <a:extLst>
+              <a:ext uri="{FF2B5EF4-FFF2-40B4-BE49-F238E27FC236}">
+                <a16:creationId xmlns:a16="http://schemas.microsoft.com/office/drawing/2014/main" id="{518023A2-3D17-29B3-CBEE-322BDEB99D7C}"/>
+              </a:ext>
+            </a:extLst>
+          </p:cNvPr>
+          <p:cNvCxnSpPr/>
+          <p:nvPr/>
+        </p:nvCxnSpPr>
+        <p:spPr>
+          <a:xfrm>
+            <a:off x="1081768" y="346982"/>
+            <a:ext cx="10021661" cy="0"/>
+          </a:xfrm>
+          <a:prstGeom prst="straightConnector1">
+            <a:avLst/>
+          </a:prstGeom>
+          <a:ln w="19050">
+            <a:tailEnd type="triangle"/>
+          </a:ln>
+        </p:spPr>
+        <p:style>
+          <a:lnRef idx="1">
+            <a:schemeClr val="dk1"/>
+          </a:lnRef>
+          <a:fillRef idx="0">
+            <a:schemeClr val="dk1"/>
+          </a:fillRef>
+          <a:effectRef idx="0">
+            <a:schemeClr val="dk1"/>
+          </a:effectRef>
+          <a:fontRef idx="minor">
+            <a:schemeClr val="tx1"/>
+          </a:fontRef>
+        </p:style>
+      </p:cxnSp>
+      <p:sp>
+        <p:nvSpPr>
+          <p:cNvPr id="7" name="TextBox 6">
+            <a:extLst>
+              <a:ext uri="{FF2B5EF4-FFF2-40B4-BE49-F238E27FC236}">
+                <a16:creationId xmlns:a16="http://schemas.microsoft.com/office/drawing/2014/main" id="{535F76D7-FB9C-FA54-535D-2A9600CB1FFE}"/>
+              </a:ext>
+            </a:extLst>
+          </p:cNvPr>
+          <p:cNvSpPr txBox="1"/>
+          <p:nvPr/>
+        </p:nvSpPr>
+        <p:spPr>
+          <a:xfrm>
+            <a:off x="10202845" y="346981"/>
+            <a:ext cx="829073" cy="369332"/>
+          </a:xfrm>
+          <a:prstGeom prst="rect">
+            <a:avLst/>
+          </a:prstGeom>
+          <a:noFill/>
+        </p:spPr>
+        <p:txBody>
+          <a:bodyPr wrap="none" rtlCol="0">
+            <a:spAutoFit/>
+          </a:bodyPr>
+          <a:lstStyle/>
+          <a:p>
+            <a:r>
+              <a:rPr lang="en-US" altLang="ko-KR" dirty="0"/>
+              <a:t>Frame</a:t>
+            </a:r>
+            <a:endParaRPr lang="ko-KR" altLang="en-US" dirty="0"/>
+          </a:p>
+        </p:txBody>
+      </p:sp>
+      <p:cxnSp>
+        <p:nvCxnSpPr>
+          <p:cNvPr id="9" name="직선 화살표 연결선 8">
+            <a:extLst>
+              <a:ext uri="{FF2B5EF4-FFF2-40B4-BE49-F238E27FC236}">
+                <a16:creationId xmlns:a16="http://schemas.microsoft.com/office/drawing/2014/main" id="{08E143B6-6794-BD72-4A02-58EACBD7D736}"/>
+              </a:ext>
+            </a:extLst>
+          </p:cNvPr>
+          <p:cNvCxnSpPr/>
+          <p:nvPr/>
+        </p:nvCxnSpPr>
+        <p:spPr>
+          <a:xfrm>
+            <a:off x="1477736" y="167368"/>
+            <a:ext cx="0" cy="6286500"/>
+          </a:xfrm>
+          <a:prstGeom prst="straightConnector1">
+            <a:avLst/>
+          </a:prstGeom>
+          <a:ln w="19050">
+            <a:tailEnd type="triangle"/>
+          </a:ln>
+        </p:spPr>
+        <p:style>
+          <a:lnRef idx="1">
+            <a:schemeClr val="dk1"/>
+          </a:lnRef>
+          <a:fillRef idx="0">
+            <a:schemeClr val="dk1"/>
+          </a:fillRef>
+          <a:effectRef idx="0">
+            <a:schemeClr val="dk1"/>
+          </a:effectRef>
+          <a:fontRef idx="minor">
+            <a:schemeClr val="tx1"/>
+          </a:fontRef>
+        </p:style>
+      </p:cxnSp>
+      <p:sp>
+        <p:nvSpPr>
+          <p:cNvPr id="10" name="TextBox 9">
+            <a:extLst>
+              <a:ext uri="{FF2B5EF4-FFF2-40B4-BE49-F238E27FC236}">
+                <a16:creationId xmlns:a16="http://schemas.microsoft.com/office/drawing/2014/main" id="{29E2D01A-04D3-DA5F-F84E-AEABBE74D152}"/>
+              </a:ext>
+            </a:extLst>
+          </p:cNvPr>
+          <p:cNvSpPr txBox="1"/>
+          <p:nvPr/>
+        </p:nvSpPr>
+        <p:spPr>
+          <a:xfrm>
+            <a:off x="351064" y="5892674"/>
+            <a:ext cx="1194558" cy="369332"/>
+          </a:xfrm>
+          <a:prstGeom prst="rect">
+            <a:avLst/>
+          </a:prstGeom>
+          <a:noFill/>
+        </p:spPr>
+        <p:txBody>
+          <a:bodyPr wrap="none" rtlCol="0">
+            <a:spAutoFit/>
+          </a:bodyPr>
+          <a:lstStyle/>
+          <a:p>
+            <a:r>
+              <a:rPr lang="en-US" altLang="ko-KR" dirty="0"/>
+              <a:t>Sequence</a:t>
+            </a:r>
+            <a:endParaRPr lang="ko-KR" altLang="en-US" dirty="0"/>
+          </a:p>
+        </p:txBody>
+      </p:sp>
+      <p:cxnSp>
+        <p:nvCxnSpPr>
+          <p:cNvPr id="12" name="직선 연결선 11">
+            <a:extLst>
+              <a:ext uri="{FF2B5EF4-FFF2-40B4-BE49-F238E27FC236}">
+                <a16:creationId xmlns:a16="http://schemas.microsoft.com/office/drawing/2014/main" id="{985C54F7-FDE5-3234-CD6B-D3E4C1162C1E}"/>
+              </a:ext>
+            </a:extLst>
+          </p:cNvPr>
+          <p:cNvCxnSpPr/>
+          <p:nvPr/>
+        </p:nvCxnSpPr>
+        <p:spPr>
+          <a:xfrm>
+            <a:off x="3257549" y="220436"/>
+            <a:ext cx="0" cy="257175"/>
+          </a:xfrm>
+          <a:prstGeom prst="line">
+            <a:avLst/>
+          </a:prstGeom>
+          <a:ln w="19050"/>
+        </p:spPr>
+        <p:style>
+          <a:lnRef idx="1">
+            <a:schemeClr val="dk1"/>
+          </a:lnRef>
+          <a:fillRef idx="0">
+            <a:schemeClr val="dk1"/>
+          </a:fillRef>
+          <a:effectRef idx="0">
+            <a:schemeClr val="dk1"/>
+          </a:effectRef>
+          <a:fontRef idx="minor">
+            <a:schemeClr val="tx1"/>
+          </a:fontRef>
+        </p:style>
+      </p:cxnSp>
+      <p:cxnSp>
+        <p:nvCxnSpPr>
+          <p:cNvPr id="13" name="직선 연결선 12">
+            <a:extLst>
+              <a:ext uri="{FF2B5EF4-FFF2-40B4-BE49-F238E27FC236}">
+                <a16:creationId xmlns:a16="http://schemas.microsoft.com/office/drawing/2014/main" id="{1349D48D-A6C7-5E40-44FC-EEA03CD7DCF0}"/>
+              </a:ext>
+            </a:extLst>
+          </p:cNvPr>
+          <p:cNvCxnSpPr/>
+          <p:nvPr/>
+        </p:nvCxnSpPr>
+        <p:spPr>
+          <a:xfrm>
+            <a:off x="6480401" y="220436"/>
+            <a:ext cx="0" cy="257175"/>
+          </a:xfrm>
+          <a:prstGeom prst="line">
+            <a:avLst/>
+          </a:prstGeom>
+          <a:ln w="19050"/>
+        </p:spPr>
+        <p:style>
+          <a:lnRef idx="1">
+            <a:schemeClr val="dk1"/>
+          </a:lnRef>
+          <a:fillRef idx="0">
+            <a:schemeClr val="dk1"/>
+          </a:fillRef>
+          <a:effectRef idx="0">
+            <a:schemeClr val="dk1"/>
+          </a:effectRef>
+          <a:fontRef idx="minor">
+            <a:schemeClr val="tx1"/>
+          </a:fontRef>
+        </p:style>
+      </p:cxnSp>
       <p:cxnSp>
         <p:nvCxnSpPr>
           <p:cNvPr id="14" name="직선 연결선 13">
             <a:extLst>
               <a:ext uri="{FF2B5EF4-FFF2-40B4-BE49-F238E27FC236}">
-                <a16:creationId xmlns:a16="http://schemas.microsoft.com/office/drawing/2014/main" id="{FEE399B1-6434-AD60-6E22-614E01946B21}"/>
+                <a16:creationId xmlns:a16="http://schemas.microsoft.com/office/drawing/2014/main" id="{8F3716B4-E78E-4472-6D01-D4BB48AFA318}"/>
+              </a:ext>
+            </a:extLst>
+          </p:cNvPr>
+          <p:cNvCxnSpPr/>
+          <p:nvPr/>
+        </p:nvCxnSpPr>
+        <p:spPr>
+          <a:xfrm>
+            <a:off x="9524999" y="218394"/>
+            <a:ext cx="0" cy="257175"/>
+          </a:xfrm>
+          <a:prstGeom prst="line">
+            <a:avLst/>
+          </a:prstGeom>
+          <a:ln w="19050"/>
+        </p:spPr>
+        <p:style>
+          <a:lnRef idx="1">
+            <a:schemeClr val="dk1"/>
+          </a:lnRef>
+          <a:fillRef idx="0">
+            <a:schemeClr val="dk1"/>
+          </a:fillRef>
+          <a:effectRef idx="0">
+            <a:schemeClr val="dk1"/>
+          </a:effectRef>
+          <a:fontRef idx="minor">
+            <a:schemeClr val="tx1"/>
+          </a:fontRef>
+        </p:style>
+      </p:cxnSp>
+      <p:sp>
+        <p:nvSpPr>
+          <p:cNvPr id="15" name="직사각형 14">
+            <a:extLst>
+              <a:ext uri="{FF2B5EF4-FFF2-40B4-BE49-F238E27FC236}">
+                <a16:creationId xmlns:a16="http://schemas.microsoft.com/office/drawing/2014/main" id="{FBEE43ED-814B-5F96-9815-F59617FCD055}"/>
+              </a:ext>
+            </a:extLst>
+          </p:cNvPr>
+          <p:cNvSpPr/>
+          <p:nvPr/>
+        </p:nvSpPr>
+        <p:spPr>
+          <a:xfrm>
+            <a:off x="5210854" y="787852"/>
+            <a:ext cx="2539093" cy="5474153"/>
+          </a:xfrm>
+          <a:prstGeom prst="rect">
+            <a:avLst/>
+          </a:prstGeom>
+        </p:spPr>
+        <p:style>
+          <a:lnRef idx="2">
+            <a:schemeClr val="dk1"/>
+          </a:lnRef>
+          <a:fillRef idx="1">
+            <a:schemeClr val="lt1"/>
+          </a:fillRef>
+          <a:effectRef idx="0">
+            <a:schemeClr val="dk1"/>
+          </a:effectRef>
+          <a:fontRef idx="minor">
+            <a:schemeClr val="dk1"/>
+          </a:fontRef>
+        </p:style>
+        <p:txBody>
+          <a:bodyPr rtlCol="0" anchor="ctr"/>
+          <a:lstStyle/>
+          <a:p>
+            <a:pPr algn="ctr"/>
+            <a:endParaRPr lang="ko-KR" altLang="en-US" dirty="0"/>
+          </a:p>
+        </p:txBody>
+      </p:sp>
+      <p:sp>
+        <p:nvSpPr>
+          <p:cNvPr id="17" name="직사각형 16">
+            <a:extLst>
+              <a:ext uri="{FF2B5EF4-FFF2-40B4-BE49-F238E27FC236}">
+                <a16:creationId xmlns:a16="http://schemas.microsoft.com/office/drawing/2014/main" id="{E70BD1DF-509B-D53F-7126-5CB4FC987C6C}"/>
+              </a:ext>
+            </a:extLst>
+          </p:cNvPr>
+          <p:cNvSpPr/>
+          <p:nvPr/>
+        </p:nvSpPr>
+        <p:spPr>
+          <a:xfrm>
+            <a:off x="2404696" y="1028700"/>
+            <a:ext cx="1613389" cy="477611"/>
+          </a:xfrm>
+          <a:prstGeom prst="rect">
+            <a:avLst/>
+          </a:prstGeom>
+        </p:spPr>
+        <p:style>
+          <a:lnRef idx="2">
+            <a:schemeClr val="dk1"/>
+          </a:lnRef>
+          <a:fillRef idx="1">
+            <a:schemeClr val="lt1"/>
+          </a:fillRef>
+          <a:effectRef idx="0">
+            <a:schemeClr val="dk1"/>
+          </a:effectRef>
+          <a:fontRef idx="minor">
+            <a:schemeClr val="dk1"/>
+          </a:fontRef>
+        </p:style>
+        <p:txBody>
+          <a:bodyPr rtlCol="0" anchor="ctr"/>
+          <a:lstStyle/>
+          <a:p>
+            <a:pPr algn="ctr"/>
+            <a:r>
+              <a:rPr lang="en-US" altLang="ko-KR" dirty="0"/>
+              <a:t>System</a:t>
+            </a:r>
+            <a:endParaRPr lang="ko-KR" altLang="en-US" dirty="0"/>
+          </a:p>
+        </p:txBody>
+      </p:sp>
+      <p:sp>
+        <p:nvSpPr>
+          <p:cNvPr id="21" name="직사각형 20">
+            <a:extLst>
+              <a:ext uri="{FF2B5EF4-FFF2-40B4-BE49-F238E27FC236}">
+                <a16:creationId xmlns:a16="http://schemas.microsoft.com/office/drawing/2014/main" id="{0738147B-F8A7-53AE-18E3-E4C11E74FFFC}"/>
+              </a:ext>
+            </a:extLst>
+          </p:cNvPr>
+          <p:cNvSpPr/>
+          <p:nvPr/>
+        </p:nvSpPr>
+        <p:spPr>
+          <a:xfrm>
+            <a:off x="2404696" y="3222172"/>
+            <a:ext cx="1613389" cy="477611"/>
+          </a:xfrm>
+          <a:prstGeom prst="rect">
+            <a:avLst/>
+          </a:prstGeom>
+        </p:spPr>
+        <p:style>
+          <a:lnRef idx="2">
+            <a:schemeClr val="dk1"/>
+          </a:lnRef>
+          <a:fillRef idx="1">
+            <a:schemeClr val="lt1"/>
+          </a:fillRef>
+          <a:effectRef idx="0">
+            <a:schemeClr val="dk1"/>
+          </a:effectRef>
+          <a:fontRef idx="minor">
+            <a:schemeClr val="dk1"/>
+          </a:fontRef>
+        </p:style>
+        <p:txBody>
+          <a:bodyPr rtlCol="0" anchor="ctr"/>
+          <a:lstStyle/>
+          <a:p>
+            <a:pPr algn="ctr"/>
+            <a:r>
+              <a:rPr lang="en-US" altLang="ko-KR" dirty="0" err="1"/>
+              <a:t>BufferedSync</a:t>
+            </a:r>
+            <a:endParaRPr lang="ko-KR" altLang="en-US" dirty="0"/>
+          </a:p>
+        </p:txBody>
+      </p:sp>
+      <p:sp>
+        <p:nvSpPr>
+          <p:cNvPr id="22" name="직사각형 21">
+            <a:extLst>
+              <a:ext uri="{FF2B5EF4-FFF2-40B4-BE49-F238E27FC236}">
+                <a16:creationId xmlns:a16="http://schemas.microsoft.com/office/drawing/2014/main" id="{28E433D6-CD6C-90C8-713B-2EE6E6488894}"/>
+              </a:ext>
+            </a:extLst>
+          </p:cNvPr>
+          <p:cNvSpPr/>
+          <p:nvPr/>
+        </p:nvSpPr>
+        <p:spPr>
+          <a:xfrm>
+            <a:off x="2404696" y="2128497"/>
+            <a:ext cx="1613389" cy="477611"/>
+          </a:xfrm>
+          <a:prstGeom prst="rect">
+            <a:avLst/>
+          </a:prstGeom>
+        </p:spPr>
+        <p:style>
+          <a:lnRef idx="2">
+            <a:schemeClr val="dk1"/>
+          </a:lnRef>
+          <a:fillRef idx="1">
+            <a:schemeClr val="lt1"/>
+          </a:fillRef>
+          <a:effectRef idx="0">
+            <a:schemeClr val="dk1"/>
+          </a:effectRef>
+          <a:fontRef idx="minor">
+            <a:schemeClr val="dk1"/>
+          </a:fontRef>
+        </p:style>
+        <p:txBody>
+          <a:bodyPr rtlCol="0" anchor="ctr"/>
+          <a:lstStyle/>
+          <a:p>
+            <a:pPr algn="ctr"/>
+            <a:r>
+              <a:rPr lang="en-US" altLang="ko-KR" dirty="0"/>
+              <a:t>Component</a:t>
+            </a:r>
+            <a:endParaRPr lang="ko-KR" altLang="en-US" dirty="0"/>
+          </a:p>
+        </p:txBody>
+      </p:sp>
+      <p:cxnSp>
+        <p:nvCxnSpPr>
+          <p:cNvPr id="25" name="직선 화살표 연결선 24">
+            <a:extLst>
+              <a:ext uri="{FF2B5EF4-FFF2-40B4-BE49-F238E27FC236}">
+                <a16:creationId xmlns:a16="http://schemas.microsoft.com/office/drawing/2014/main" id="{4BC2007F-D0D1-2F5E-0389-0DA8A5E7D326}"/>
               </a:ext>
             </a:extLst>
           </p:cNvPr>
           <p:cNvCxnSpPr>
-            <a:stCxn id="5" idx="3"/>
-            <a:endCxn id="9" idx="1"/>
+            <a:cxnSpLocks/>
+            <a:stCxn id="17" idx="2"/>
+            <a:endCxn id="22" idx="0"/>
           </p:cNvCxnSpPr>
           <p:nvPr/>
         </p:nvCxnSpPr>
         <p:spPr>
           <a:xfrm>
-            <a:off x="5607231" y="2383013"/>
-            <a:ext cx="960936" cy="9187"/>
-          </a:xfrm>
-          <a:prstGeom prst="line">
-            <a:avLst/>
-          </a:prstGeom>
+            <a:off x="3211391" y="1506311"/>
+            <a:ext cx="0" cy="622186"/>
+          </a:xfrm>
+          <a:prstGeom prst="straightConnector1">
+            <a:avLst/>
+          </a:prstGeom>
+          <a:ln w="12700">
+            <a:tailEnd type="triangle"/>
+          </a:ln>
         </p:spPr>
         <p:style>
           <a:lnRef idx="1">
@@ -3703,27 +4905,305 @@
       </p:cxnSp>
       <p:cxnSp>
         <p:nvCxnSpPr>
-          <p:cNvPr id="16" name="직선 연결선 15">
-            <a:extLst>
-              <a:ext uri="{FF2B5EF4-FFF2-40B4-BE49-F238E27FC236}">
-                <a16:creationId xmlns:a16="http://schemas.microsoft.com/office/drawing/2014/main" id="{E78FD8CD-EE5D-B03D-06F7-E31C67A08121}"/>
+          <p:cNvPr id="27" name="직선 화살표 연결선 26">
+            <a:extLst>
+              <a:ext uri="{FF2B5EF4-FFF2-40B4-BE49-F238E27FC236}">
+                <a16:creationId xmlns:a16="http://schemas.microsoft.com/office/drawing/2014/main" id="{B9B576EC-D7EB-AA14-DABD-E75BCFDB200B}"/>
               </a:ext>
             </a:extLst>
           </p:cNvPr>
           <p:cNvCxnSpPr>
             <a:cxnSpLocks/>
-            <a:stCxn id="8" idx="1"/>
+            <a:stCxn id="22" idx="2"/>
+            <a:endCxn id="21" idx="0"/>
           </p:cNvCxnSpPr>
           <p:nvPr/>
         </p:nvCxnSpPr>
         <p:spPr>
+          <a:xfrm>
+            <a:off x="3211391" y="2606108"/>
+            <a:ext cx="0" cy="616064"/>
+          </a:xfrm>
+          <a:prstGeom prst="straightConnector1">
+            <a:avLst/>
+          </a:prstGeom>
+          <a:ln w="12700">
+            <a:tailEnd type="triangle"/>
+          </a:ln>
+        </p:spPr>
+        <p:style>
+          <a:lnRef idx="1">
+            <a:schemeClr val="dk1"/>
+          </a:lnRef>
+          <a:fillRef idx="0">
+            <a:schemeClr val="dk1"/>
+          </a:fillRef>
+          <a:effectRef idx="0">
+            <a:schemeClr val="dk1"/>
+          </a:effectRef>
+          <a:fontRef idx="minor">
+            <a:schemeClr val="tx1"/>
+          </a:fontRef>
+        </p:style>
+      </p:cxnSp>
+      <p:sp>
+        <p:nvSpPr>
+          <p:cNvPr id="36" name="직사각형 35">
+            <a:extLst>
+              <a:ext uri="{FF2B5EF4-FFF2-40B4-BE49-F238E27FC236}">
+                <a16:creationId xmlns:a16="http://schemas.microsoft.com/office/drawing/2014/main" id="{08EA59B8-5B92-66FD-934A-0B08E3E3DFD1}"/>
+              </a:ext>
+            </a:extLst>
+          </p:cNvPr>
+          <p:cNvSpPr/>
+          <p:nvPr/>
+        </p:nvSpPr>
+        <p:spPr>
+          <a:xfrm>
+            <a:off x="2404695" y="4315847"/>
+            <a:ext cx="1613389" cy="477611"/>
+          </a:xfrm>
+          <a:prstGeom prst="rect">
+            <a:avLst/>
+          </a:prstGeom>
+        </p:spPr>
+        <p:style>
+          <a:lnRef idx="2">
+            <a:schemeClr val="dk1"/>
+          </a:lnRef>
+          <a:fillRef idx="1">
+            <a:schemeClr val="lt1"/>
+          </a:fillRef>
+          <a:effectRef idx="0">
+            <a:schemeClr val="dk1"/>
+          </a:effectRef>
+          <a:fontRef idx="minor">
+            <a:schemeClr val="dk1"/>
+          </a:fontRef>
+        </p:style>
+        <p:txBody>
+          <a:bodyPr rtlCol="0" anchor="ctr"/>
+          <a:lstStyle/>
+          <a:p>
+            <a:pPr algn="ctr"/>
+            <a:r>
+              <a:rPr lang="en-US" altLang="ko-KR" dirty="0" err="1"/>
+              <a:t>ClientComp</a:t>
+            </a:r>
+            <a:endParaRPr lang="ko-KR" altLang="en-US" dirty="0"/>
+          </a:p>
+        </p:txBody>
+      </p:sp>
+      <p:cxnSp>
+        <p:nvCxnSpPr>
+          <p:cNvPr id="38" name="직선 화살표 연결선 37">
+            <a:extLst>
+              <a:ext uri="{FF2B5EF4-FFF2-40B4-BE49-F238E27FC236}">
+                <a16:creationId xmlns:a16="http://schemas.microsoft.com/office/drawing/2014/main" id="{6141452F-B3D9-3815-BDC0-F2211A9E5F90}"/>
+              </a:ext>
+            </a:extLst>
+          </p:cNvPr>
+          <p:cNvCxnSpPr>
+            <a:cxnSpLocks/>
+          </p:cNvCxnSpPr>
+          <p:nvPr/>
+        </p:nvCxnSpPr>
+        <p:spPr>
           <a:xfrm flipH="1">
-            <a:off x="6131378" y="1615232"/>
-            <a:ext cx="436789" cy="0"/>
-          </a:xfrm>
-          <a:prstGeom prst="line">
-            <a:avLst/>
-          </a:prstGeom>
+            <a:off x="3211389" y="3699783"/>
+            <a:ext cx="2200" cy="616064"/>
+          </a:xfrm>
+          <a:prstGeom prst="straightConnector1">
+            <a:avLst/>
+          </a:prstGeom>
+          <a:ln w="12700">
+            <a:tailEnd type="triangle"/>
+          </a:ln>
+        </p:spPr>
+        <p:style>
+          <a:lnRef idx="1">
+            <a:schemeClr val="dk1"/>
+          </a:lnRef>
+          <a:fillRef idx="0">
+            <a:schemeClr val="dk1"/>
+          </a:fillRef>
+          <a:effectRef idx="0">
+            <a:schemeClr val="dk1"/>
+          </a:effectRef>
+          <a:fontRef idx="minor">
+            <a:schemeClr val="tx1"/>
+          </a:fontRef>
+        </p:style>
+      </p:cxnSp>
+      <p:sp>
+        <p:nvSpPr>
+          <p:cNvPr id="39" name="직사각형 38">
+            <a:extLst>
+              <a:ext uri="{FF2B5EF4-FFF2-40B4-BE49-F238E27FC236}">
+                <a16:creationId xmlns:a16="http://schemas.microsoft.com/office/drawing/2014/main" id="{7DAB3258-CE83-30DF-CDC0-DE4B856BD2CA}"/>
+              </a:ext>
+            </a:extLst>
+          </p:cNvPr>
+          <p:cNvSpPr/>
+          <p:nvPr/>
+        </p:nvSpPr>
+        <p:spPr>
+          <a:xfrm>
+            <a:off x="5673705" y="1028700"/>
+            <a:ext cx="1613389" cy="477611"/>
+          </a:xfrm>
+          <a:prstGeom prst="rect">
+            <a:avLst/>
+          </a:prstGeom>
+        </p:spPr>
+        <p:style>
+          <a:lnRef idx="2">
+            <a:schemeClr val="dk1"/>
+          </a:lnRef>
+          <a:fillRef idx="1">
+            <a:schemeClr val="lt1"/>
+          </a:fillRef>
+          <a:effectRef idx="0">
+            <a:schemeClr val="dk1"/>
+          </a:effectRef>
+          <a:fontRef idx="minor">
+            <a:schemeClr val="dk1"/>
+          </a:fontRef>
+        </p:style>
+        <p:txBody>
+          <a:bodyPr rtlCol="0" anchor="ctr"/>
+          <a:lstStyle/>
+          <a:p>
+            <a:pPr algn="ctr"/>
+            <a:r>
+              <a:rPr lang="en-US" altLang="ko-KR" dirty="0" err="1"/>
+              <a:t>ClientSystem</a:t>
+            </a:r>
+            <a:endParaRPr lang="ko-KR" altLang="en-US" dirty="0"/>
+          </a:p>
+        </p:txBody>
+      </p:sp>
+      <p:sp>
+        <p:nvSpPr>
+          <p:cNvPr id="40" name="직사각형 39">
+            <a:extLst>
+              <a:ext uri="{FF2B5EF4-FFF2-40B4-BE49-F238E27FC236}">
+                <a16:creationId xmlns:a16="http://schemas.microsoft.com/office/drawing/2014/main" id="{63175E5B-CA45-737B-1063-B2E4C4987601}"/>
+              </a:ext>
+            </a:extLst>
+          </p:cNvPr>
+          <p:cNvSpPr/>
+          <p:nvPr/>
+        </p:nvSpPr>
+        <p:spPr>
+          <a:xfrm>
+            <a:off x="5673705" y="2128496"/>
+            <a:ext cx="1613389" cy="477611"/>
+          </a:xfrm>
+          <a:prstGeom prst="rect">
+            <a:avLst/>
+          </a:prstGeom>
+        </p:spPr>
+        <p:style>
+          <a:lnRef idx="2">
+            <a:schemeClr val="dk1"/>
+          </a:lnRef>
+          <a:fillRef idx="1">
+            <a:schemeClr val="lt1"/>
+          </a:fillRef>
+          <a:effectRef idx="0">
+            <a:schemeClr val="dk1"/>
+          </a:effectRef>
+          <a:fontRef idx="minor">
+            <a:schemeClr val="dk1"/>
+          </a:fontRef>
+        </p:style>
+        <p:txBody>
+          <a:bodyPr rtlCol="0" anchor="ctr"/>
+          <a:lstStyle/>
+          <a:p>
+            <a:pPr algn="ctr"/>
+            <a:r>
+              <a:rPr lang="en-US" altLang="ko-KR" dirty="0" err="1"/>
+              <a:t>ClientComp</a:t>
+            </a:r>
+            <a:endParaRPr lang="ko-KR" altLang="en-US" dirty="0"/>
+          </a:p>
+        </p:txBody>
+      </p:sp>
+      <p:sp>
+        <p:nvSpPr>
+          <p:cNvPr id="42" name="직사각형 41">
+            <a:extLst>
+              <a:ext uri="{FF2B5EF4-FFF2-40B4-BE49-F238E27FC236}">
+                <a16:creationId xmlns:a16="http://schemas.microsoft.com/office/drawing/2014/main" id="{1F384AAC-2CED-CC95-D4C4-38D19959A6C8}"/>
+              </a:ext>
+            </a:extLst>
+          </p:cNvPr>
+          <p:cNvSpPr/>
+          <p:nvPr/>
+        </p:nvSpPr>
+        <p:spPr>
+          <a:xfrm>
+            <a:off x="5673705" y="3226095"/>
+            <a:ext cx="1613389" cy="477611"/>
+          </a:xfrm>
+          <a:prstGeom prst="rect">
+            <a:avLst/>
+          </a:prstGeom>
+        </p:spPr>
+        <p:style>
+          <a:lnRef idx="2">
+            <a:schemeClr val="dk1"/>
+          </a:lnRef>
+          <a:fillRef idx="1">
+            <a:schemeClr val="lt1"/>
+          </a:fillRef>
+          <a:effectRef idx="0">
+            <a:schemeClr val="dk1"/>
+          </a:effectRef>
+          <a:fontRef idx="minor">
+            <a:schemeClr val="dk1"/>
+          </a:fontRef>
+        </p:style>
+        <p:txBody>
+          <a:bodyPr rtlCol="0" anchor="ctr"/>
+          <a:lstStyle/>
+          <a:p>
+            <a:pPr algn="ctr"/>
+            <a:r>
+              <a:rPr lang="en-US" altLang="ko-KR" dirty="0"/>
+              <a:t>Client</a:t>
+            </a:r>
+            <a:endParaRPr lang="ko-KR" altLang="en-US" dirty="0"/>
+          </a:p>
+        </p:txBody>
+      </p:sp>
+      <p:cxnSp>
+        <p:nvCxnSpPr>
+          <p:cNvPr id="43" name="직선 화살표 연결선 42">
+            <a:extLst>
+              <a:ext uri="{FF2B5EF4-FFF2-40B4-BE49-F238E27FC236}">
+                <a16:creationId xmlns:a16="http://schemas.microsoft.com/office/drawing/2014/main" id="{81D20890-7987-2C25-EBA2-F77477B7BD34}"/>
+              </a:ext>
+            </a:extLst>
+          </p:cNvPr>
+          <p:cNvCxnSpPr>
+            <a:cxnSpLocks/>
+          </p:cNvCxnSpPr>
+          <p:nvPr/>
+        </p:nvCxnSpPr>
+        <p:spPr>
+          <a:xfrm>
+            <a:off x="6489925" y="1506310"/>
+            <a:ext cx="0" cy="622186"/>
+          </a:xfrm>
+          <a:prstGeom prst="straightConnector1">
+            <a:avLst/>
+          </a:prstGeom>
+          <a:ln w="12700">
+            <a:tailEnd type="triangle"/>
+          </a:ln>
         </p:spPr>
         <p:style>
           <a:lnRef idx="1">
@@ -3742,27 +5222,29 @@
       </p:cxnSp>
       <p:cxnSp>
         <p:nvCxnSpPr>
-          <p:cNvPr id="19" name="직선 연결선 18">
-            <a:extLst>
-              <a:ext uri="{FF2B5EF4-FFF2-40B4-BE49-F238E27FC236}">
-                <a16:creationId xmlns:a16="http://schemas.microsoft.com/office/drawing/2014/main" id="{11276F51-1633-8ABC-9FB0-0CDBBC55B45B}"/>
+          <p:cNvPr id="44" name="직선 화살표 연결선 43">
+            <a:extLst>
+              <a:ext uri="{FF2B5EF4-FFF2-40B4-BE49-F238E27FC236}">
+                <a16:creationId xmlns:a16="http://schemas.microsoft.com/office/drawing/2014/main" id="{5E346198-C850-81D4-29C0-6B0C3BD2B0CC}"/>
               </a:ext>
             </a:extLst>
           </p:cNvPr>
           <p:cNvCxnSpPr>
             <a:cxnSpLocks/>
-            <a:stCxn id="10" idx="1"/>
           </p:cNvCxnSpPr>
           <p:nvPr/>
         </p:nvCxnSpPr>
         <p:spPr>
-          <a:xfrm flipH="1">
-            <a:off x="6131378" y="3169167"/>
-            <a:ext cx="436789" cy="0"/>
-          </a:xfrm>
-          <a:prstGeom prst="line">
-            <a:avLst/>
-          </a:prstGeom>
+          <a:xfrm>
+            <a:off x="6495054" y="2606107"/>
+            <a:ext cx="0" cy="622186"/>
+          </a:xfrm>
+          <a:prstGeom prst="straightConnector1">
+            <a:avLst/>
+          </a:prstGeom>
+          <a:ln w="12700">
+            <a:tailEnd type="triangle"/>
+          </a:ln>
         </p:spPr>
         <p:style>
           <a:lnRef idx="1">
@@ -3781,10 +5263,10 @@
       </p:cxnSp>
       <p:cxnSp>
         <p:nvCxnSpPr>
-          <p:cNvPr id="21" name="직선 연결선 20">
-            <a:extLst>
-              <a:ext uri="{FF2B5EF4-FFF2-40B4-BE49-F238E27FC236}">
-                <a16:creationId xmlns:a16="http://schemas.microsoft.com/office/drawing/2014/main" id="{96B66290-3BFA-B4D2-F4C6-828F9171ED5E}"/>
+          <p:cNvPr id="48" name="직선 화살표 연결선 47">
+            <a:extLst>
+              <a:ext uri="{FF2B5EF4-FFF2-40B4-BE49-F238E27FC236}">
+                <a16:creationId xmlns:a16="http://schemas.microsoft.com/office/drawing/2014/main" id="{C18D6AF7-5CB5-91B9-445F-9723DB098A2A}"/>
               </a:ext>
             </a:extLst>
           </p:cNvPr>
@@ -3795,197 +5277,13 @@
         </p:nvCxnSpPr>
         <p:spPr>
           <a:xfrm>
-            <a:off x="6131378" y="1615232"/>
-            <a:ext cx="0" cy="1553936"/>
-          </a:xfrm>
-          <a:prstGeom prst="line">
-            <a:avLst/>
-          </a:prstGeom>
-        </p:spPr>
-        <p:style>
-          <a:lnRef idx="1">
-            <a:schemeClr val="dk1"/>
-          </a:lnRef>
-          <a:fillRef idx="0">
-            <a:schemeClr val="dk1"/>
-          </a:fillRef>
-          <a:effectRef idx="0">
-            <a:schemeClr val="dk1"/>
-          </a:effectRef>
-          <a:fontRef idx="minor">
-            <a:schemeClr val="tx1"/>
-          </a:fontRef>
-        </p:style>
-      </p:cxnSp>
-      <p:sp>
-        <p:nvSpPr>
-          <p:cNvPr id="31" name="직사각형 30">
-            <a:extLst>
-              <a:ext uri="{FF2B5EF4-FFF2-40B4-BE49-F238E27FC236}">
-                <a16:creationId xmlns:a16="http://schemas.microsoft.com/office/drawing/2014/main" id="{DD523BE5-134F-045F-69D5-6266CEDAABEB}"/>
-              </a:ext>
-            </a:extLst>
-          </p:cNvPr>
-          <p:cNvSpPr/>
-          <p:nvPr/>
-        </p:nvSpPr>
-        <p:spPr>
-          <a:xfrm>
-            <a:off x="9259660" y="1331523"/>
-            <a:ext cx="832757" cy="567418"/>
-          </a:xfrm>
-          <a:prstGeom prst="rect">
-            <a:avLst/>
-          </a:prstGeom>
-        </p:spPr>
-        <p:style>
-          <a:lnRef idx="2">
-            <a:schemeClr val="dk1"/>
-          </a:lnRef>
-          <a:fillRef idx="1">
-            <a:schemeClr val="lt1"/>
-          </a:fillRef>
-          <a:effectRef idx="0">
-            <a:schemeClr val="dk1"/>
-          </a:effectRef>
-          <a:fontRef idx="minor">
-            <a:schemeClr val="dk1"/>
-          </a:fontRef>
-        </p:style>
-        <p:txBody>
-          <a:bodyPr rtlCol="0" anchor="ctr"/>
-          <a:lstStyle/>
-          <a:p>
-            <a:pPr algn="ctr"/>
-            <a:r>
-              <a:rPr lang="en-US" altLang="ko-KR" dirty="0"/>
-              <a:t>Client</a:t>
-            </a:r>
-            <a:endParaRPr lang="ko-KR" altLang="en-US" dirty="0"/>
-          </a:p>
-        </p:txBody>
-      </p:sp>
-      <p:sp>
-        <p:nvSpPr>
-          <p:cNvPr id="32" name="직사각형 31">
-            <a:extLst>
-              <a:ext uri="{FF2B5EF4-FFF2-40B4-BE49-F238E27FC236}">
-                <a16:creationId xmlns:a16="http://schemas.microsoft.com/office/drawing/2014/main" id="{031F25F8-A9F5-5C1E-724E-4DFE04A18D4A}"/>
-              </a:ext>
-            </a:extLst>
-          </p:cNvPr>
-          <p:cNvSpPr/>
-          <p:nvPr/>
-        </p:nvSpPr>
-        <p:spPr>
-          <a:xfrm>
-            <a:off x="9259660" y="2108491"/>
-            <a:ext cx="832757" cy="567418"/>
-          </a:xfrm>
-          <a:prstGeom prst="rect">
-            <a:avLst/>
-          </a:prstGeom>
-        </p:spPr>
-        <p:style>
-          <a:lnRef idx="2">
-            <a:schemeClr val="dk1"/>
-          </a:lnRef>
-          <a:fillRef idx="1">
-            <a:schemeClr val="lt1"/>
-          </a:fillRef>
-          <a:effectRef idx="0">
-            <a:schemeClr val="dk1"/>
-          </a:effectRef>
-          <a:fontRef idx="minor">
-            <a:schemeClr val="dk1"/>
-          </a:fontRef>
-        </p:style>
-        <p:txBody>
-          <a:bodyPr rtlCol="0" anchor="ctr"/>
-          <a:lstStyle/>
-          <a:p>
-            <a:pPr algn="ctr"/>
-            <a:r>
-              <a:rPr lang="en-US" altLang="ko-KR" dirty="0"/>
-              <a:t>Client</a:t>
-            </a:r>
-            <a:endParaRPr lang="ko-KR" altLang="en-US" dirty="0"/>
-          </a:p>
-        </p:txBody>
-      </p:sp>
-      <p:sp>
-        <p:nvSpPr>
-          <p:cNvPr id="33" name="직사각형 32">
-            <a:extLst>
-              <a:ext uri="{FF2B5EF4-FFF2-40B4-BE49-F238E27FC236}">
-                <a16:creationId xmlns:a16="http://schemas.microsoft.com/office/drawing/2014/main" id="{A03CD721-BC99-1367-0009-C82214E2216D}"/>
-              </a:ext>
-            </a:extLst>
-          </p:cNvPr>
-          <p:cNvSpPr/>
-          <p:nvPr/>
-        </p:nvSpPr>
-        <p:spPr>
-          <a:xfrm>
-            <a:off x="9259660" y="2885459"/>
-            <a:ext cx="832757" cy="567418"/>
-          </a:xfrm>
-          <a:prstGeom prst="rect">
-            <a:avLst/>
-          </a:prstGeom>
-        </p:spPr>
-        <p:style>
-          <a:lnRef idx="2">
-            <a:schemeClr val="dk1"/>
-          </a:lnRef>
-          <a:fillRef idx="1">
-            <a:schemeClr val="lt1"/>
-          </a:fillRef>
-          <a:effectRef idx="0">
-            <a:schemeClr val="dk1"/>
-          </a:effectRef>
-          <a:fontRef idx="minor">
-            <a:schemeClr val="dk1"/>
-          </a:fontRef>
-        </p:style>
-        <p:txBody>
-          <a:bodyPr rtlCol="0" anchor="ctr"/>
-          <a:lstStyle/>
-          <a:p>
-            <a:pPr algn="ctr"/>
-            <a:r>
-              <a:rPr lang="en-US" altLang="ko-KR" dirty="0"/>
-              <a:t>Client</a:t>
-            </a:r>
-            <a:endParaRPr lang="ko-KR" altLang="en-US" dirty="0"/>
-          </a:p>
-        </p:txBody>
-      </p:sp>
-      <p:cxnSp>
-        <p:nvCxnSpPr>
-          <p:cNvPr id="35" name="직선 화살표 연결선 34">
-            <a:extLst>
-              <a:ext uri="{FF2B5EF4-FFF2-40B4-BE49-F238E27FC236}">
-                <a16:creationId xmlns:a16="http://schemas.microsoft.com/office/drawing/2014/main" id="{8297B083-6966-E7D0-D0F7-319BC9D795C6}"/>
-              </a:ext>
-            </a:extLst>
-          </p:cNvPr>
-          <p:cNvCxnSpPr>
-            <a:stCxn id="8" idx="3"/>
-            <a:endCxn id="31" idx="1"/>
-          </p:cNvCxnSpPr>
-          <p:nvPr/>
-        </p:nvCxnSpPr>
-        <p:spPr>
-          <a:xfrm>
-            <a:off x="7400924" y="1615232"/>
-            <a:ext cx="1858736" cy="0"/>
+            <a:off x="6500388" y="3871233"/>
+            <a:ext cx="0" cy="622186"/>
           </a:xfrm>
           <a:prstGeom prst="straightConnector1">
             <a:avLst/>
           </a:prstGeom>
-          <a:ln>
-            <a:headEnd type="triangle"/>
+          <a:ln w="60325">
             <a:tailEnd type="triangle"/>
           </a:ln>
         </p:spPr>
@@ -4004,186 +5302,46 @@
           </a:fontRef>
         </p:style>
       </p:cxnSp>
-      <p:cxnSp>
-        <p:nvCxnSpPr>
-          <p:cNvPr id="37" name="직선 화살표 연결선 36">
-            <a:extLst>
-              <a:ext uri="{FF2B5EF4-FFF2-40B4-BE49-F238E27FC236}">
-                <a16:creationId xmlns:a16="http://schemas.microsoft.com/office/drawing/2014/main" id="{3900EB5A-86FB-C33D-67C7-AFE91C5F3A7F}"/>
-              </a:ext>
-            </a:extLst>
-          </p:cNvPr>
-          <p:cNvCxnSpPr>
-            <a:stCxn id="9" idx="3"/>
-            <a:endCxn id="32" idx="1"/>
-          </p:cNvCxnSpPr>
-          <p:nvPr/>
-        </p:nvCxnSpPr>
-        <p:spPr>
-          <a:xfrm>
-            <a:off x="7400924" y="2392200"/>
-            <a:ext cx="1858736" cy="0"/>
-          </a:xfrm>
-          <a:prstGeom prst="straightConnector1">
-            <a:avLst/>
-          </a:prstGeom>
-          <a:ln>
-            <a:headEnd type="triangle"/>
-            <a:tailEnd type="triangle"/>
-          </a:ln>
-        </p:spPr>
-        <p:style>
-          <a:lnRef idx="1">
-            <a:schemeClr val="dk1"/>
-          </a:lnRef>
-          <a:fillRef idx="0">
-            <a:schemeClr val="dk1"/>
-          </a:fillRef>
-          <a:effectRef idx="0">
-            <a:schemeClr val="dk1"/>
-          </a:effectRef>
-          <a:fontRef idx="minor">
-            <a:schemeClr val="tx1"/>
-          </a:fontRef>
-        </p:style>
-      </p:cxnSp>
-      <p:cxnSp>
-        <p:nvCxnSpPr>
-          <p:cNvPr id="39" name="직선 화살표 연결선 38">
-            <a:extLst>
-              <a:ext uri="{FF2B5EF4-FFF2-40B4-BE49-F238E27FC236}">
-                <a16:creationId xmlns:a16="http://schemas.microsoft.com/office/drawing/2014/main" id="{BA375934-861A-AD92-83FE-423A96220A08}"/>
-              </a:ext>
-            </a:extLst>
-          </p:cNvPr>
-          <p:cNvCxnSpPr>
-            <a:stCxn id="10" idx="3"/>
-            <a:endCxn id="33" idx="1"/>
-          </p:cNvCxnSpPr>
-          <p:nvPr/>
-        </p:nvCxnSpPr>
-        <p:spPr>
-          <a:xfrm>
-            <a:off x="7400924" y="3169167"/>
-            <a:ext cx="1858736" cy="1"/>
-          </a:xfrm>
-          <a:prstGeom prst="straightConnector1">
-            <a:avLst/>
-          </a:prstGeom>
-          <a:ln>
-            <a:headEnd type="triangle"/>
-            <a:tailEnd type="triangle"/>
-          </a:ln>
-        </p:spPr>
-        <p:style>
-          <a:lnRef idx="1">
-            <a:schemeClr val="dk1"/>
-          </a:lnRef>
-          <a:fillRef idx="0">
-            <a:schemeClr val="dk1"/>
-          </a:fillRef>
-          <a:effectRef idx="0">
-            <a:schemeClr val="dk1"/>
-          </a:effectRef>
-          <a:fontRef idx="minor">
-            <a:schemeClr val="tx1"/>
-          </a:fontRef>
-        </p:style>
-      </p:cxnSp>
-      <p:sp>
-        <p:nvSpPr>
-          <p:cNvPr id="40" name="직사각형 39">
-            <a:extLst>
-              <a:ext uri="{FF2B5EF4-FFF2-40B4-BE49-F238E27FC236}">
-                <a16:creationId xmlns:a16="http://schemas.microsoft.com/office/drawing/2014/main" id="{D3B1DF05-F3C0-237B-4B8C-7A38B0525AEA}"/>
-              </a:ext>
-            </a:extLst>
-          </p:cNvPr>
-          <p:cNvSpPr/>
-          <p:nvPr/>
-        </p:nvSpPr>
-        <p:spPr>
-          <a:xfrm>
-            <a:off x="881743" y="1847606"/>
-            <a:ext cx="1706336" cy="1089188"/>
+      <p:sp>
+        <p:nvSpPr>
+          <p:cNvPr id="49" name="TextBox 48">
+            <a:extLst>
+              <a:ext uri="{FF2B5EF4-FFF2-40B4-BE49-F238E27FC236}">
+                <a16:creationId xmlns:a16="http://schemas.microsoft.com/office/drawing/2014/main" id="{4A96A4E8-DE51-B62D-E1DA-56F80917BBA4}"/>
+              </a:ext>
+            </a:extLst>
+          </p:cNvPr>
+          <p:cNvSpPr txBox="1"/>
+          <p:nvPr/>
+        </p:nvSpPr>
+        <p:spPr>
+          <a:xfrm>
+            <a:off x="6113903" y="4660946"/>
+            <a:ext cx="772969" cy="369332"/>
           </a:xfrm>
           <a:prstGeom prst="rect">
             <a:avLst/>
           </a:prstGeom>
-        </p:spPr>
-        <p:style>
-          <a:lnRef idx="2">
-            <a:schemeClr val="dk1"/>
-          </a:lnRef>
-          <a:fillRef idx="1">
-            <a:schemeClr val="lt1"/>
-          </a:fillRef>
-          <a:effectRef idx="0">
-            <a:schemeClr val="dk1"/>
-          </a:effectRef>
-          <a:fontRef idx="minor">
-            <a:schemeClr val="dk1"/>
-          </a:fontRef>
-        </p:style>
-        <p:txBody>
-          <a:bodyPr rtlCol="0" anchor="ctr"/>
-          <a:lstStyle/>
-          <a:p>
-            <a:pPr algn="ctr"/>
+          <a:noFill/>
+        </p:spPr>
+        <p:txBody>
+          <a:bodyPr wrap="none" rtlCol="0">
+            <a:spAutoFit/>
+          </a:bodyPr>
+          <a:lstStyle/>
+          <a:p>
             <a:r>
               <a:rPr lang="en-US" altLang="ko-KR" dirty="0"/>
-              <a:t>DB</a:t>
+              <a:t>Send!</a:t>
             </a:r>
             <a:endParaRPr lang="ko-KR" altLang="en-US" dirty="0"/>
           </a:p>
         </p:txBody>
       </p:sp>
-      <p:cxnSp>
-        <p:nvCxnSpPr>
-          <p:cNvPr id="42" name="직선 화살표 연결선 41">
-            <a:extLst>
-              <a:ext uri="{FF2B5EF4-FFF2-40B4-BE49-F238E27FC236}">
-                <a16:creationId xmlns:a16="http://schemas.microsoft.com/office/drawing/2014/main" id="{754BEDFD-FCF1-C7D6-95CF-85B0044D3CE3}"/>
-              </a:ext>
-            </a:extLst>
-          </p:cNvPr>
-          <p:cNvCxnSpPr>
-            <a:endCxn id="40" idx="3"/>
-          </p:cNvCxnSpPr>
-          <p:nvPr/>
-        </p:nvCxnSpPr>
-        <p:spPr>
-          <a:xfrm flipH="1">
-            <a:off x="2588079" y="2392200"/>
-            <a:ext cx="1484550" cy="0"/>
-          </a:xfrm>
-          <a:prstGeom prst="straightConnector1">
-            <a:avLst/>
-          </a:prstGeom>
-          <a:ln>
-            <a:headEnd type="triangle"/>
-            <a:tailEnd type="triangle"/>
-          </a:ln>
-        </p:spPr>
-        <p:style>
-          <a:lnRef idx="1">
-            <a:schemeClr val="dk1"/>
-          </a:lnRef>
-          <a:fillRef idx="0">
-            <a:schemeClr val="dk1"/>
-          </a:fillRef>
-          <a:effectRef idx="0">
-            <a:schemeClr val="dk1"/>
-          </a:effectRef>
-          <a:fontRef idx="minor">
-            <a:schemeClr val="tx1"/>
-          </a:fontRef>
-        </p:style>
-      </p:cxnSp>
     </p:spTree>
     <p:extLst>
       <p:ext uri="{BB962C8B-B14F-4D97-AF65-F5344CB8AC3E}">
-        <p14:creationId xmlns:p14="http://schemas.microsoft.com/office/powerpoint/2010/main" val="2460854378"/>
+        <p14:creationId xmlns:p14="http://schemas.microsoft.com/office/powerpoint/2010/main" val="1264421478"/>
       </p:ext>
     </p:extLst>
   </p:cSld>
@@ -4212,10 +5370,10 @@
       </p:grpSpPr>
       <p:sp>
         <p:nvSpPr>
-          <p:cNvPr id="2" name="직사각형 1">
-            <a:extLst>
-              <a:ext uri="{FF2B5EF4-FFF2-40B4-BE49-F238E27FC236}">
-                <a16:creationId xmlns:a16="http://schemas.microsoft.com/office/drawing/2014/main" id="{14431E74-E929-DB0C-1D77-A62D2556138F}"/>
+          <p:cNvPr id="4" name="사각형: 둥근 모서리 3">
+            <a:extLst>
+              <a:ext uri="{FF2B5EF4-FFF2-40B4-BE49-F238E27FC236}">
+                <a16:creationId xmlns:a16="http://schemas.microsoft.com/office/drawing/2014/main" id="{99FCE236-9FE0-37FA-86FF-BE2776F7424A}"/>
               </a:ext>
             </a:extLst>
           </p:cNvPr>
@@ -4224,10 +5382,10 @@
         </p:nvSpPr>
         <p:spPr>
           <a:xfrm>
-            <a:off x="734786" y="991961"/>
-            <a:ext cx="6066064" cy="853168"/>
-          </a:xfrm>
-          <a:prstGeom prst="rect">
+            <a:off x="1591408" y="870438"/>
+            <a:ext cx="1899138" cy="4642339"/>
+          </a:xfrm>
+          <a:prstGeom prst="roundRect">
             <a:avLst/>
           </a:prstGeom>
         </p:spPr>
@@ -4246,34 +5404,422 @@
           </a:fontRef>
         </p:style>
         <p:txBody>
+          <a:bodyPr rtlCol="0" anchor="t" anchorCtr="0"/>
+          <a:lstStyle/>
+          <a:p>
+            <a:pPr algn="ctr"/>
+            <a:r>
+              <a:rPr lang="en-US" altLang="ko-KR" dirty="0"/>
+              <a:t>Main Thread</a:t>
+            </a:r>
+            <a:endParaRPr lang="ko-KR" altLang="en-US" dirty="0"/>
+          </a:p>
+        </p:txBody>
+      </p:sp>
+      <p:sp>
+        <p:nvSpPr>
+          <p:cNvPr id="5" name="직사각형 4">
+            <a:extLst>
+              <a:ext uri="{FF2B5EF4-FFF2-40B4-BE49-F238E27FC236}">
+                <a16:creationId xmlns:a16="http://schemas.microsoft.com/office/drawing/2014/main" id="{F95892A9-8EB8-DDF0-7FC9-78FE019E5480}"/>
+              </a:ext>
+            </a:extLst>
+          </p:cNvPr>
+          <p:cNvSpPr/>
+          <p:nvPr/>
+        </p:nvSpPr>
+        <p:spPr>
+          <a:xfrm>
+            <a:off x="1727688" y="2365130"/>
+            <a:ext cx="1674935" cy="826477"/>
+          </a:xfrm>
+          <a:prstGeom prst="rect">
+            <a:avLst/>
+          </a:prstGeom>
+        </p:spPr>
+        <p:style>
+          <a:lnRef idx="2">
+            <a:schemeClr val="dk1"/>
+          </a:lnRef>
+          <a:fillRef idx="1">
+            <a:schemeClr val="lt1"/>
+          </a:fillRef>
+          <a:effectRef idx="0">
+            <a:schemeClr val="dk1"/>
+          </a:effectRef>
+          <a:fontRef idx="minor">
+            <a:schemeClr val="dk1"/>
+          </a:fontRef>
+        </p:style>
+        <p:txBody>
           <a:bodyPr rtlCol="0" anchor="ctr"/>
           <a:lstStyle/>
           <a:p>
             <a:pPr algn="ctr"/>
+            <a:r>
+              <a:rPr lang="en-US" altLang="ko-KR" sz="1200" dirty="0" err="1"/>
+              <a:t>FieldObjectManager</a:t>
+            </a:r>
+            <a:endParaRPr lang="ko-KR" altLang="en-US" sz="1200" dirty="0"/>
+          </a:p>
+        </p:txBody>
+      </p:sp>
+      <p:sp>
+        <p:nvSpPr>
+          <p:cNvPr id="6" name="사각형: 둥근 모서리 5">
+            <a:extLst>
+              <a:ext uri="{FF2B5EF4-FFF2-40B4-BE49-F238E27FC236}">
+                <a16:creationId xmlns:a16="http://schemas.microsoft.com/office/drawing/2014/main" id="{BDEFD757-C51D-178B-7D1A-55B157BB0274}"/>
+              </a:ext>
+            </a:extLst>
+          </p:cNvPr>
+          <p:cNvSpPr/>
+          <p:nvPr/>
+        </p:nvSpPr>
+        <p:spPr>
+          <a:xfrm>
+            <a:off x="5196254" y="993530"/>
+            <a:ext cx="1868365" cy="1336431"/>
+          </a:xfrm>
+          <a:prstGeom prst="roundRect">
+            <a:avLst/>
+          </a:prstGeom>
+        </p:spPr>
+        <p:style>
+          <a:lnRef idx="2">
+            <a:schemeClr val="dk1"/>
+          </a:lnRef>
+          <a:fillRef idx="1">
+            <a:schemeClr val="lt1"/>
+          </a:fillRef>
+          <a:effectRef idx="0">
+            <a:schemeClr val="dk1"/>
+          </a:effectRef>
+          <a:fontRef idx="minor">
+            <a:schemeClr val="dk1"/>
+          </a:fontRef>
+        </p:style>
+        <p:txBody>
+          <a:bodyPr rtlCol="0" anchor="t" anchorCtr="0"/>
+          <a:lstStyle/>
+          <a:p>
+            <a:pPr algn="ctr"/>
+            <a:r>
+              <a:rPr lang="en-US" altLang="ko-KR" dirty="0"/>
+              <a:t>Thread1</a:t>
+            </a:r>
+            <a:endParaRPr lang="ko-KR" altLang="en-US" dirty="0"/>
+          </a:p>
+        </p:txBody>
+      </p:sp>
+      <p:sp>
+        <p:nvSpPr>
+          <p:cNvPr id="7" name="직사각형 6">
+            <a:extLst>
+              <a:ext uri="{FF2B5EF4-FFF2-40B4-BE49-F238E27FC236}">
+                <a16:creationId xmlns:a16="http://schemas.microsoft.com/office/drawing/2014/main" id="{68015365-8ABC-2252-127C-3F2E22164AF4}"/>
+              </a:ext>
+            </a:extLst>
+          </p:cNvPr>
+          <p:cNvSpPr/>
+          <p:nvPr/>
+        </p:nvSpPr>
+        <p:spPr>
+          <a:xfrm>
+            <a:off x="5358912" y="1543050"/>
+            <a:ext cx="1547446" cy="531935"/>
+          </a:xfrm>
+          <a:prstGeom prst="rect">
+            <a:avLst/>
+          </a:prstGeom>
+        </p:spPr>
+        <p:style>
+          <a:lnRef idx="2">
+            <a:schemeClr val="dk1"/>
+          </a:lnRef>
+          <a:fillRef idx="1">
+            <a:schemeClr val="lt1"/>
+          </a:fillRef>
+          <a:effectRef idx="0">
+            <a:schemeClr val="dk1"/>
+          </a:effectRef>
+          <a:fontRef idx="minor">
+            <a:schemeClr val="dk1"/>
+          </a:fontRef>
+        </p:style>
+        <p:txBody>
+          <a:bodyPr rtlCol="0" anchor="ctr"/>
+          <a:lstStyle/>
+          <a:p>
+            <a:pPr algn="ctr"/>
+            <a:r>
+              <a:rPr lang="en-US" altLang="ko-KR" dirty="0" err="1"/>
+              <a:t>FieldMap</a:t>
+            </a:r>
             <a:endParaRPr lang="ko-KR" altLang="en-US" dirty="0"/>
           </a:p>
         </p:txBody>
       </p:sp>
       <p:cxnSp>
         <p:nvCxnSpPr>
-          <p:cNvPr id="4" name="직선 연결선 3">
-            <a:extLst>
-              <a:ext uri="{FF2B5EF4-FFF2-40B4-BE49-F238E27FC236}">
-                <a16:creationId xmlns:a16="http://schemas.microsoft.com/office/drawing/2014/main" id="{787CF531-DAE2-8003-9496-A32742ABAFDE}"/>
-              </a:ext>
-            </a:extLst>
-          </p:cNvPr>
-          <p:cNvCxnSpPr/>
+          <p:cNvPr id="9" name="직선 화살표 연결선 8">
+            <a:extLst>
+              <a:ext uri="{FF2B5EF4-FFF2-40B4-BE49-F238E27FC236}">
+                <a16:creationId xmlns:a16="http://schemas.microsoft.com/office/drawing/2014/main" id="{346210AA-16E0-9489-C527-F6D8FABA63F0}"/>
+              </a:ext>
+            </a:extLst>
+          </p:cNvPr>
+          <p:cNvCxnSpPr>
+            <a:stCxn id="5" idx="3"/>
+            <a:endCxn id="7" idx="1"/>
+          </p:cNvCxnSpPr>
           <p:nvPr/>
         </p:nvCxnSpPr>
         <p:spPr>
-          <a:xfrm>
-            <a:off x="1628775" y="991961"/>
-            <a:ext cx="0" cy="853168"/>
-          </a:xfrm>
-          <a:prstGeom prst="line">
-            <a:avLst/>
-          </a:prstGeom>
+          <a:xfrm flipV="1">
+            <a:off x="3402623" y="1809018"/>
+            <a:ext cx="1956289" cy="969351"/>
+          </a:xfrm>
+          <a:prstGeom prst="straightConnector1">
+            <a:avLst/>
+          </a:prstGeom>
+          <a:ln w="12700">
+            <a:tailEnd type="triangle"/>
+          </a:ln>
+        </p:spPr>
+        <p:style>
+          <a:lnRef idx="1">
+            <a:schemeClr val="dk1"/>
+          </a:lnRef>
+          <a:fillRef idx="0">
+            <a:schemeClr val="dk1"/>
+          </a:fillRef>
+          <a:effectRef idx="0">
+            <a:schemeClr val="dk1"/>
+          </a:effectRef>
+          <a:fontRef idx="minor">
+            <a:schemeClr val="tx1"/>
+          </a:fontRef>
+        </p:style>
+      </p:cxnSp>
+      <p:sp>
+        <p:nvSpPr>
+          <p:cNvPr id="10" name="사각형: 둥근 모서리 9">
+            <a:extLst>
+              <a:ext uri="{FF2B5EF4-FFF2-40B4-BE49-F238E27FC236}">
+                <a16:creationId xmlns:a16="http://schemas.microsoft.com/office/drawing/2014/main" id="{9A246EB6-9CE9-6626-A634-1215551D47BA}"/>
+              </a:ext>
+            </a:extLst>
+          </p:cNvPr>
+          <p:cNvSpPr/>
+          <p:nvPr/>
+        </p:nvSpPr>
+        <p:spPr>
+          <a:xfrm>
+            <a:off x="5161816" y="2482361"/>
+            <a:ext cx="1868365" cy="1336431"/>
+          </a:xfrm>
+          <a:prstGeom prst="roundRect">
+            <a:avLst/>
+          </a:prstGeom>
+        </p:spPr>
+        <p:style>
+          <a:lnRef idx="2">
+            <a:schemeClr val="dk1"/>
+          </a:lnRef>
+          <a:fillRef idx="1">
+            <a:schemeClr val="lt1"/>
+          </a:fillRef>
+          <a:effectRef idx="0">
+            <a:schemeClr val="dk1"/>
+          </a:effectRef>
+          <a:fontRef idx="minor">
+            <a:schemeClr val="dk1"/>
+          </a:fontRef>
+        </p:style>
+        <p:txBody>
+          <a:bodyPr rtlCol="0" anchor="t" anchorCtr="0"/>
+          <a:lstStyle/>
+          <a:p>
+            <a:pPr algn="ctr"/>
+            <a:r>
+              <a:rPr lang="en-US" altLang="ko-KR" dirty="0"/>
+              <a:t>Thread1</a:t>
+            </a:r>
+            <a:endParaRPr lang="ko-KR" altLang="en-US" dirty="0"/>
+          </a:p>
+        </p:txBody>
+      </p:sp>
+      <p:sp>
+        <p:nvSpPr>
+          <p:cNvPr id="11" name="직사각형 10">
+            <a:extLst>
+              <a:ext uri="{FF2B5EF4-FFF2-40B4-BE49-F238E27FC236}">
+                <a16:creationId xmlns:a16="http://schemas.microsoft.com/office/drawing/2014/main" id="{E52A97DA-2A0B-C8A1-5C36-6474493E488F}"/>
+              </a:ext>
+            </a:extLst>
+          </p:cNvPr>
+          <p:cNvSpPr/>
+          <p:nvPr/>
+        </p:nvSpPr>
+        <p:spPr>
+          <a:xfrm>
+            <a:off x="5356713" y="3002573"/>
+            <a:ext cx="1547446" cy="531935"/>
+          </a:xfrm>
+          <a:prstGeom prst="rect">
+            <a:avLst/>
+          </a:prstGeom>
+        </p:spPr>
+        <p:style>
+          <a:lnRef idx="2">
+            <a:schemeClr val="dk1"/>
+          </a:lnRef>
+          <a:fillRef idx="1">
+            <a:schemeClr val="lt1"/>
+          </a:fillRef>
+          <a:effectRef idx="0">
+            <a:schemeClr val="dk1"/>
+          </a:effectRef>
+          <a:fontRef idx="minor">
+            <a:schemeClr val="dk1"/>
+          </a:fontRef>
+        </p:style>
+        <p:txBody>
+          <a:bodyPr rtlCol="0" anchor="ctr"/>
+          <a:lstStyle/>
+          <a:p>
+            <a:pPr algn="ctr"/>
+            <a:r>
+              <a:rPr lang="en-US" altLang="ko-KR" dirty="0" err="1"/>
+              <a:t>FieldMap</a:t>
+            </a:r>
+            <a:endParaRPr lang="ko-KR" altLang="en-US" dirty="0"/>
+          </a:p>
+        </p:txBody>
+      </p:sp>
+      <p:sp>
+        <p:nvSpPr>
+          <p:cNvPr id="12" name="사각형: 둥근 모서리 11">
+            <a:extLst>
+              <a:ext uri="{FF2B5EF4-FFF2-40B4-BE49-F238E27FC236}">
+                <a16:creationId xmlns:a16="http://schemas.microsoft.com/office/drawing/2014/main" id="{C54E4DB8-FCC1-E4D5-2C46-0F43206DD6B9}"/>
+              </a:ext>
+            </a:extLst>
+          </p:cNvPr>
+          <p:cNvSpPr/>
+          <p:nvPr/>
+        </p:nvSpPr>
+        <p:spPr>
+          <a:xfrm>
+            <a:off x="5161816" y="3971192"/>
+            <a:ext cx="1868365" cy="1336431"/>
+          </a:xfrm>
+          <a:prstGeom prst="roundRect">
+            <a:avLst/>
+          </a:prstGeom>
+        </p:spPr>
+        <p:style>
+          <a:lnRef idx="2">
+            <a:schemeClr val="dk1"/>
+          </a:lnRef>
+          <a:fillRef idx="1">
+            <a:schemeClr val="lt1"/>
+          </a:fillRef>
+          <a:effectRef idx="0">
+            <a:schemeClr val="dk1"/>
+          </a:effectRef>
+          <a:fontRef idx="minor">
+            <a:schemeClr val="dk1"/>
+          </a:fontRef>
+        </p:style>
+        <p:txBody>
+          <a:bodyPr rtlCol="0" anchor="t" anchorCtr="0"/>
+          <a:lstStyle/>
+          <a:p>
+            <a:pPr algn="ctr"/>
+            <a:r>
+              <a:rPr lang="en-US" altLang="ko-KR" dirty="0"/>
+              <a:t>Thread1</a:t>
+            </a:r>
+            <a:endParaRPr lang="ko-KR" altLang="en-US" dirty="0"/>
+          </a:p>
+        </p:txBody>
+      </p:sp>
+      <p:sp>
+        <p:nvSpPr>
+          <p:cNvPr id="13" name="직사각형 12">
+            <a:extLst>
+              <a:ext uri="{FF2B5EF4-FFF2-40B4-BE49-F238E27FC236}">
+                <a16:creationId xmlns:a16="http://schemas.microsoft.com/office/drawing/2014/main" id="{3A443E95-FF09-B677-DFAD-EC9A3C41B634}"/>
+              </a:ext>
+            </a:extLst>
+          </p:cNvPr>
+          <p:cNvSpPr/>
+          <p:nvPr/>
+        </p:nvSpPr>
+        <p:spPr>
+          <a:xfrm>
+            <a:off x="5324475" y="4445976"/>
+            <a:ext cx="1547446" cy="531935"/>
+          </a:xfrm>
+          <a:prstGeom prst="rect">
+            <a:avLst/>
+          </a:prstGeom>
+        </p:spPr>
+        <p:style>
+          <a:lnRef idx="2">
+            <a:schemeClr val="dk1"/>
+          </a:lnRef>
+          <a:fillRef idx="1">
+            <a:schemeClr val="lt1"/>
+          </a:fillRef>
+          <a:effectRef idx="0">
+            <a:schemeClr val="dk1"/>
+          </a:effectRef>
+          <a:fontRef idx="minor">
+            <a:schemeClr val="dk1"/>
+          </a:fontRef>
+        </p:style>
+        <p:txBody>
+          <a:bodyPr rtlCol="0" anchor="ctr"/>
+          <a:lstStyle/>
+          <a:p>
+            <a:pPr algn="ctr"/>
+            <a:r>
+              <a:rPr lang="en-US" altLang="ko-KR" dirty="0" err="1"/>
+              <a:t>FieldMap</a:t>
+            </a:r>
+            <a:endParaRPr lang="ko-KR" altLang="en-US" dirty="0"/>
+          </a:p>
+        </p:txBody>
+      </p:sp>
+      <p:cxnSp>
+        <p:nvCxnSpPr>
+          <p:cNvPr id="15" name="직선 화살표 연결선 14">
+            <a:extLst>
+              <a:ext uri="{FF2B5EF4-FFF2-40B4-BE49-F238E27FC236}">
+                <a16:creationId xmlns:a16="http://schemas.microsoft.com/office/drawing/2014/main" id="{FD4F4BFA-07FC-08C4-5765-CB4109FDDFA1}"/>
+              </a:ext>
+            </a:extLst>
+          </p:cNvPr>
+          <p:cNvCxnSpPr>
+            <a:stCxn id="5" idx="3"/>
+            <a:endCxn id="11" idx="1"/>
+          </p:cNvCxnSpPr>
+          <p:nvPr/>
+        </p:nvCxnSpPr>
+        <p:spPr>
+          <a:xfrm>
+            <a:off x="3402623" y="2778369"/>
+            <a:ext cx="1954090" cy="490172"/>
+          </a:xfrm>
+          <a:prstGeom prst="straightConnector1">
+            <a:avLst/>
+          </a:prstGeom>
+          <a:ln w="12700">
+            <a:tailEnd type="triangle"/>
+          </a:ln>
         </p:spPr>
         <p:style>
           <a:lnRef idx="1">
@@ -4292,24 +5838,29 @@
       </p:cxnSp>
       <p:cxnSp>
         <p:nvCxnSpPr>
-          <p:cNvPr id="6" name="직선 연결선 5">
-            <a:extLst>
-              <a:ext uri="{FF2B5EF4-FFF2-40B4-BE49-F238E27FC236}">
-                <a16:creationId xmlns:a16="http://schemas.microsoft.com/office/drawing/2014/main" id="{B994EB0E-CF8D-B6DE-7273-CC070194AA09}"/>
-              </a:ext>
-            </a:extLst>
-          </p:cNvPr>
-          <p:cNvCxnSpPr/>
+          <p:cNvPr id="17" name="직선 화살표 연결선 16">
+            <a:extLst>
+              <a:ext uri="{FF2B5EF4-FFF2-40B4-BE49-F238E27FC236}">
+                <a16:creationId xmlns:a16="http://schemas.microsoft.com/office/drawing/2014/main" id="{5804F490-A2A3-3C77-637C-E98C64260BA1}"/>
+              </a:ext>
+            </a:extLst>
+          </p:cNvPr>
+          <p:cNvCxnSpPr>
+            <a:endCxn id="13" idx="1"/>
+          </p:cNvCxnSpPr>
           <p:nvPr/>
         </p:nvCxnSpPr>
         <p:spPr>
           <a:xfrm>
-            <a:off x="3196318" y="991961"/>
-            <a:ext cx="0" cy="853168"/>
-          </a:xfrm>
-          <a:prstGeom prst="line">
-            <a:avLst/>
-          </a:prstGeom>
+            <a:off x="3402623" y="2778368"/>
+            <a:ext cx="1921852" cy="1933576"/>
+          </a:xfrm>
+          <a:prstGeom prst="straightConnector1">
+            <a:avLst/>
+          </a:prstGeom>
+          <a:ln w="12700">
+            <a:tailEnd type="triangle"/>
+          </a:ln>
         </p:spPr>
         <p:style>
           <a:lnRef idx="1">
@@ -4328,10 +5879,10 @@
       </p:cxnSp>
       <p:sp>
         <p:nvSpPr>
-          <p:cNvPr id="7" name="TextBox 6">
-            <a:extLst>
-              <a:ext uri="{FF2B5EF4-FFF2-40B4-BE49-F238E27FC236}">
-                <a16:creationId xmlns:a16="http://schemas.microsoft.com/office/drawing/2014/main" id="{D7C82A7E-567D-E0D8-5F42-D14F58C7A8C2}"/>
+          <p:cNvPr id="18" name="TextBox 17">
+            <a:extLst>
+              <a:ext uri="{FF2B5EF4-FFF2-40B4-BE49-F238E27FC236}">
+                <a16:creationId xmlns:a16="http://schemas.microsoft.com/office/drawing/2014/main" id="{B68231F4-E8D5-6223-86D9-7F7C1FA745F2}"/>
               </a:ext>
             </a:extLst>
           </p:cNvPr>
@@ -4340,8 +5891,8 @@
         </p:nvSpPr>
         <p:spPr>
           <a:xfrm>
-            <a:off x="1955347" y="1203101"/>
-            <a:ext cx="914400" cy="369332"/>
+            <a:off x="4230981" y="1983679"/>
+            <a:ext cx="290464" cy="369332"/>
           </a:xfrm>
           <a:prstGeom prst="rect">
             <a:avLst/>
@@ -4349,14 +5900,14 @@
           <a:noFill/>
         </p:spPr>
         <p:txBody>
-          <a:bodyPr wrap="square" rtlCol="0">
+          <a:bodyPr wrap="none" rtlCol="0">
             <a:spAutoFit/>
           </a:bodyPr>
           <a:lstStyle/>
           <a:p>
             <a:r>
               <a:rPr lang="en-US" altLang="ko-KR" dirty="0"/>
-              <a:t>Type</a:t>
+              <a:t>?</a:t>
             </a:r>
             <a:endParaRPr lang="ko-KR" altLang="en-US" dirty="0"/>
           </a:p>
@@ -4364,10 +5915,10 @@
       </p:sp>
       <p:sp>
         <p:nvSpPr>
-          <p:cNvPr id="8" name="TextBox 7">
-            <a:extLst>
-              <a:ext uri="{FF2B5EF4-FFF2-40B4-BE49-F238E27FC236}">
-                <a16:creationId xmlns:a16="http://schemas.microsoft.com/office/drawing/2014/main" id="{42126B7E-B6A3-A43F-BE52-1536A2BB280E}"/>
+          <p:cNvPr id="19" name="TextBox 18">
+            <a:extLst>
+              <a:ext uri="{FF2B5EF4-FFF2-40B4-BE49-F238E27FC236}">
+                <a16:creationId xmlns:a16="http://schemas.microsoft.com/office/drawing/2014/main" id="{28847BEE-6DF3-E5F6-BCCE-387724F2895A}"/>
               </a:ext>
             </a:extLst>
           </p:cNvPr>
@@ -4376,8 +5927,8 @@
         </p:nvSpPr>
         <p:spPr>
           <a:xfrm>
-            <a:off x="702128" y="1239032"/>
-            <a:ext cx="1012371" cy="307777"/>
+            <a:off x="4228782" y="2675005"/>
+            <a:ext cx="290464" cy="369332"/>
           </a:xfrm>
           <a:prstGeom prst="rect">
             <a:avLst/>
@@ -4385,25 +5936,25 @@
           <a:noFill/>
         </p:spPr>
         <p:txBody>
-          <a:bodyPr wrap="square" rtlCol="0">
+          <a:bodyPr wrap="none" rtlCol="0">
             <a:spAutoFit/>
           </a:bodyPr>
           <a:lstStyle/>
           <a:p>
             <a:r>
-              <a:rPr lang="en-US" altLang="ko-KR" sz="1400" dirty="0"/>
-              <a:t>Type Size</a:t>
-            </a:r>
-            <a:endParaRPr lang="ko-KR" altLang="en-US" sz="1400" dirty="0"/>
-          </a:p>
-        </p:txBody>
-      </p:sp>
-      <p:sp>
-        <p:nvSpPr>
-          <p:cNvPr id="9" name="TextBox 8">
-            <a:extLst>
-              <a:ext uri="{FF2B5EF4-FFF2-40B4-BE49-F238E27FC236}">
-                <a16:creationId xmlns:a16="http://schemas.microsoft.com/office/drawing/2014/main" id="{228BA1AB-CEAA-1988-5126-06F96856ADDD}"/>
+              <a:rPr lang="en-US" altLang="ko-KR" dirty="0"/>
+              <a:t>?</a:t>
+            </a:r>
+            <a:endParaRPr lang="ko-KR" altLang="en-US" dirty="0"/>
+          </a:p>
+        </p:txBody>
+      </p:sp>
+      <p:sp>
+        <p:nvSpPr>
+          <p:cNvPr id="20" name="TextBox 19">
+            <a:extLst>
+              <a:ext uri="{FF2B5EF4-FFF2-40B4-BE49-F238E27FC236}">
+                <a16:creationId xmlns:a16="http://schemas.microsoft.com/office/drawing/2014/main" id="{5A798126-0C9D-323B-CB30-B0C1FB59B5C8}"/>
               </a:ext>
             </a:extLst>
           </p:cNvPr>
@@ -4412,8 +5963,8 @@
         </p:nvSpPr>
         <p:spPr>
           <a:xfrm>
-            <a:off x="3604532" y="1203101"/>
-            <a:ext cx="2277837" cy="369332"/>
+            <a:off x="4228782" y="3368474"/>
+            <a:ext cx="290464" cy="369332"/>
           </a:xfrm>
           <a:prstGeom prst="rect">
             <a:avLst/>
@@ -4421,14 +5972,14 @@
           <a:noFill/>
         </p:spPr>
         <p:txBody>
-          <a:bodyPr wrap="square" rtlCol="0">
+          <a:bodyPr wrap="none" rtlCol="0">
             <a:spAutoFit/>
           </a:bodyPr>
           <a:lstStyle/>
           <a:p>
             <a:r>
               <a:rPr lang="en-US" altLang="ko-KR" dirty="0"/>
-              <a:t>Serialized Info</a:t>
+              <a:t>?</a:t>
             </a:r>
             <a:endParaRPr lang="ko-KR" altLang="en-US" dirty="0"/>
           </a:p>
@@ -4437,7 +5988,7 @@
     </p:spTree>
     <p:extLst>
       <p:ext uri="{BB962C8B-B14F-4D97-AF65-F5344CB8AC3E}">
-        <p14:creationId xmlns:p14="http://schemas.microsoft.com/office/powerpoint/2010/main" val="425861914"/>
+        <p14:creationId xmlns:p14="http://schemas.microsoft.com/office/powerpoint/2010/main" val="1564830542"/>
       </p:ext>
     </p:extLst>
   </p:cSld>
@@ -4466,10 +6017,10 @@
       </p:grpSpPr>
       <p:sp>
         <p:nvSpPr>
-          <p:cNvPr id="4" name="직사각형 3">
-            <a:extLst>
-              <a:ext uri="{FF2B5EF4-FFF2-40B4-BE49-F238E27FC236}">
-                <a16:creationId xmlns:a16="http://schemas.microsoft.com/office/drawing/2014/main" id="{86FF1852-DD68-CF68-A747-277AC9024C99}"/>
+          <p:cNvPr id="49" name="사각형: 둥근 모서리 48">
+            <a:extLst>
+              <a:ext uri="{FF2B5EF4-FFF2-40B4-BE49-F238E27FC236}">
+                <a16:creationId xmlns:a16="http://schemas.microsoft.com/office/drawing/2014/main" id="{D4807686-07C0-E50D-9DBC-3BC8E071CEA7}"/>
               </a:ext>
             </a:extLst>
           </p:cNvPr>
@@ -4478,10 +6029,10 @@
         </p:nvSpPr>
         <p:spPr>
           <a:xfrm>
-            <a:off x="1187904" y="567418"/>
-            <a:ext cx="3020786" cy="5723164"/>
-          </a:xfrm>
-          <a:prstGeom prst="rect">
+            <a:off x="8935130" y="223902"/>
+            <a:ext cx="1481817" cy="5890530"/>
+          </a:xfrm>
+          <a:prstGeom prst="roundRect">
             <a:avLst/>
           </a:prstGeom>
         </p:spPr>
@@ -4506,7 +6057,7 @@
             <a:pPr algn="ctr"/>
             <a:r>
               <a:rPr lang="en-US" altLang="ko-KR" dirty="0"/>
-              <a:t>Program</a:t>
+              <a:t>Bot</a:t>
             </a:r>
             <a:endParaRPr lang="ko-KR" altLang="en-US" dirty="0"/>
           </a:p>
@@ -4514,10 +6065,10 @@
       </p:sp>
       <p:sp>
         <p:nvSpPr>
-          <p:cNvPr id="5" name="직사각형 4">
-            <a:extLst>
-              <a:ext uri="{FF2B5EF4-FFF2-40B4-BE49-F238E27FC236}">
-                <a16:creationId xmlns:a16="http://schemas.microsoft.com/office/drawing/2014/main" id="{E7540DCD-B44D-D76B-6960-B3801D9EBF01}"/>
+          <p:cNvPr id="44" name="사각형: 둥근 모서리 43">
+            <a:extLst>
+              <a:ext uri="{FF2B5EF4-FFF2-40B4-BE49-F238E27FC236}">
+                <a16:creationId xmlns:a16="http://schemas.microsoft.com/office/drawing/2014/main" id="{3956E477-88CF-2845-BA82-4C2318C9B59E}"/>
               </a:ext>
             </a:extLst>
           </p:cNvPr>
@@ -4526,12 +6077,13 @@
         </p:nvSpPr>
         <p:spPr>
           <a:xfrm>
-            <a:off x="1361865" y="1125415"/>
-            <a:ext cx="2672861" cy="3134458"/>
-          </a:xfrm>
-          <a:prstGeom prst="rect">
-            <a:avLst/>
-          </a:prstGeom>
+            <a:off x="3293907" y="269421"/>
+            <a:ext cx="4385780" cy="5890531"/>
+          </a:xfrm>
+          <a:prstGeom prst="roundRect">
+            <a:avLst/>
+          </a:prstGeom>
+          <a:ln w="12700"/>
         </p:spPr>
         <p:style>
           <a:lnRef idx="2">
@@ -4548,13 +6100,13 @@
           </a:fontRef>
         </p:style>
         <p:txBody>
-          <a:bodyPr rtlCol="0" anchor="t" anchorCtr="0"/>
+          <a:bodyPr rtlCol="0" anchor="t"/>
           <a:lstStyle/>
           <a:p>
             <a:pPr algn="ctr"/>
             <a:r>
-              <a:rPr lang="en-US" altLang="ko-KR" dirty="0" err="1"/>
-              <a:t>FieldMapManager</a:t>
+              <a:rPr lang="en-US" altLang="ko-KR" dirty="0"/>
+              <a:t>Daemon</a:t>
             </a:r>
             <a:endParaRPr lang="ko-KR" altLang="en-US" dirty="0"/>
           </a:p>
@@ -4562,10 +6114,10 @@
       </p:sp>
       <p:sp>
         <p:nvSpPr>
-          <p:cNvPr id="6" name="직사각형 5">
-            <a:extLst>
-              <a:ext uri="{FF2B5EF4-FFF2-40B4-BE49-F238E27FC236}">
-                <a16:creationId xmlns:a16="http://schemas.microsoft.com/office/drawing/2014/main" id="{1772F381-751B-A08C-687C-10FCBEB99D8D}"/>
+          <p:cNvPr id="4" name="직사각형 3">
+            <a:extLst>
+              <a:ext uri="{FF2B5EF4-FFF2-40B4-BE49-F238E27FC236}">
+                <a16:creationId xmlns:a16="http://schemas.microsoft.com/office/drawing/2014/main" id="{32E5B215-19C4-0254-20ED-6030B23AFA31}"/>
               </a:ext>
             </a:extLst>
           </p:cNvPr>
@@ -4574,8 +6126,8 @@
         </p:nvSpPr>
         <p:spPr>
           <a:xfrm>
-            <a:off x="1724547" y="1624380"/>
-            <a:ext cx="1947496" cy="945172"/>
+            <a:off x="3891737" y="1405002"/>
+            <a:ext cx="1896386" cy="4118137"/>
           </a:xfrm>
           <a:prstGeom prst="rect">
             <a:avLst/>
@@ -4600,20 +6152,16 @@
           <a:lstStyle/>
           <a:p>
             <a:pPr algn="ctr"/>
-            <a:r>
-              <a:rPr lang="en-US" altLang="ko-KR" dirty="0" err="1"/>
-              <a:t>FieldMap</a:t>
-            </a:r>
             <a:endParaRPr lang="ko-KR" altLang="en-US" dirty="0"/>
           </a:p>
         </p:txBody>
       </p:sp>
       <p:sp>
         <p:nvSpPr>
-          <p:cNvPr id="7" name="직사각형 6">
-            <a:extLst>
-              <a:ext uri="{FF2B5EF4-FFF2-40B4-BE49-F238E27FC236}">
-                <a16:creationId xmlns:a16="http://schemas.microsoft.com/office/drawing/2014/main" id="{A32FEE9A-42F7-7378-4F0B-5A99A0E0F3BE}"/>
+          <p:cNvPr id="5" name="직사각형 4">
+            <a:extLst>
+              <a:ext uri="{FF2B5EF4-FFF2-40B4-BE49-F238E27FC236}">
+                <a16:creationId xmlns:a16="http://schemas.microsoft.com/office/drawing/2014/main" id="{7F3971C1-78D2-F49D-2313-14E7ADE02F6C}"/>
               </a:ext>
             </a:extLst>
           </p:cNvPr>
@@ -4622,8 +6170,8 @@
         </p:nvSpPr>
         <p:spPr>
           <a:xfrm>
-            <a:off x="1724547" y="2942126"/>
-            <a:ext cx="1947496" cy="945172"/>
+            <a:off x="4072629" y="1731006"/>
+            <a:ext cx="1534602" cy="1304014"/>
           </a:xfrm>
           <a:prstGeom prst="rect">
             <a:avLst/>
@@ -4649,8 +6197,8 @@
           <a:p>
             <a:pPr algn="ctr"/>
             <a:r>
-              <a:rPr lang="en-US" altLang="ko-KR" dirty="0" err="1"/>
-              <a:t>FieldMap</a:t>
+              <a:rPr lang="en-US" altLang="ko-KR" dirty="0"/>
+              <a:t>Server</a:t>
             </a:r>
             <a:endParaRPr lang="ko-KR" altLang="en-US" dirty="0"/>
           </a:p>
@@ -4661,7 +6209,7 @@
           <p:cNvPr id="8" name="직사각형 7">
             <a:extLst>
               <a:ext uri="{FF2B5EF4-FFF2-40B4-BE49-F238E27FC236}">
-                <a16:creationId xmlns:a16="http://schemas.microsoft.com/office/drawing/2014/main" id="{50ADEF67-5C76-3A93-D049-593B5C9643C3}"/>
+                <a16:creationId xmlns:a16="http://schemas.microsoft.com/office/drawing/2014/main" id="{5A3AADFD-7107-E238-118D-2B74A4CC8DA9}"/>
               </a:ext>
             </a:extLst>
           </p:cNvPr>
@@ -4670,8 +6218,8 @@
         </p:nvSpPr>
         <p:spPr>
           <a:xfrm>
-            <a:off x="4583725" y="833071"/>
-            <a:ext cx="1512277" cy="518746"/>
+            <a:off x="6568167" y="1331523"/>
+            <a:ext cx="832757" cy="567418"/>
           </a:xfrm>
           <a:prstGeom prst="rect">
             <a:avLst/>
@@ -4698,7 +6246,7 @@
             <a:pPr algn="ctr"/>
             <a:r>
               <a:rPr lang="en-US" altLang="ko-KR" dirty="0"/>
-              <a:t>NPC</a:t>
+              <a:t>Client</a:t>
             </a:r>
             <a:endParaRPr lang="ko-KR" altLang="en-US" dirty="0"/>
           </a:p>
@@ -4706,61 +6254,10 @@
       </p:sp>
       <p:sp>
         <p:nvSpPr>
-          <p:cNvPr id="9" name="TextBox 8">
-            <a:extLst>
-              <a:ext uri="{FF2B5EF4-FFF2-40B4-BE49-F238E27FC236}">
-                <a16:creationId xmlns:a16="http://schemas.microsoft.com/office/drawing/2014/main" id="{43CA3C7E-00E7-FB3E-9B1F-4676AD3ACF18}"/>
-              </a:ext>
-            </a:extLst>
-          </p:cNvPr>
-          <p:cNvSpPr txBox="1"/>
-          <p:nvPr/>
-        </p:nvSpPr>
-        <p:spPr>
-          <a:xfrm>
-            <a:off x="4431323" y="173600"/>
-            <a:ext cx="2031325" cy="646331"/>
-          </a:xfrm>
-          <a:prstGeom prst="rect">
-            <a:avLst/>
-          </a:prstGeom>
-          <a:noFill/>
-        </p:spPr>
-        <p:txBody>
-          <a:bodyPr wrap="none" rtlCol="0">
-            <a:spAutoFit/>
-          </a:bodyPr>
-          <a:lstStyle/>
-          <a:p>
-            <a:r>
-              <a:rPr lang="en-US" altLang="ko-KR" dirty="0"/>
-              <a:t>* NPC : </a:t>
-            </a:r>
-            <a:r>
-              <a:rPr lang="en-US" altLang="ko-KR" dirty="0" err="1"/>
-              <a:t>FieldChar</a:t>
-            </a:r>
-            <a:br>
-              <a:rPr lang="en-US" altLang="ko-KR" dirty="0"/>
-            </a:br>
-            <a:r>
-              <a:rPr lang="en-US" altLang="ko-KR" dirty="0"/>
-              <a:t>* PC : </a:t>
-            </a:r>
-            <a:r>
-              <a:rPr lang="en-US" altLang="ko-KR" dirty="0" err="1"/>
-              <a:t>FieldChar</a:t>
-            </a:r>
-            <a:endParaRPr lang="ko-KR" altLang="en-US" dirty="0"/>
-          </a:p>
-        </p:txBody>
-      </p:sp>
-      <p:sp>
-        <p:nvSpPr>
-          <p:cNvPr id="10" name="직사각형 9">
-            <a:extLst>
-              <a:ext uri="{FF2B5EF4-FFF2-40B4-BE49-F238E27FC236}">
-                <a16:creationId xmlns:a16="http://schemas.microsoft.com/office/drawing/2014/main" id="{712F73C5-B629-F3AE-4D8F-EC946C99F354}"/>
+          <p:cNvPr id="9" name="직사각형 8">
+            <a:extLst>
+              <a:ext uri="{FF2B5EF4-FFF2-40B4-BE49-F238E27FC236}">
+                <a16:creationId xmlns:a16="http://schemas.microsoft.com/office/drawing/2014/main" id="{C06237F9-9B07-989B-B86C-8A094938FFB0}"/>
               </a:ext>
             </a:extLst>
           </p:cNvPr>
@@ -4769,8 +6266,8 @@
         </p:nvSpPr>
         <p:spPr>
           <a:xfrm>
-            <a:off x="4583724" y="1416294"/>
-            <a:ext cx="1512277" cy="518746"/>
+            <a:off x="6568167" y="2108491"/>
+            <a:ext cx="832757" cy="567418"/>
           </a:xfrm>
           <a:prstGeom prst="rect">
             <a:avLst/>
@@ -4797,7 +6294,7 @@
             <a:pPr algn="ctr"/>
             <a:r>
               <a:rPr lang="en-US" altLang="ko-KR" dirty="0"/>
-              <a:t>NPC</a:t>
+              <a:t>Client</a:t>
             </a:r>
             <a:endParaRPr lang="ko-KR" altLang="en-US" dirty="0"/>
           </a:p>
@@ -4805,10 +6302,10 @@
       </p:sp>
       <p:sp>
         <p:nvSpPr>
-          <p:cNvPr id="11" name="직사각형 10">
-            <a:extLst>
-              <a:ext uri="{FF2B5EF4-FFF2-40B4-BE49-F238E27FC236}">
-                <a16:creationId xmlns:a16="http://schemas.microsoft.com/office/drawing/2014/main" id="{C37A82C9-D9DC-A0E3-B2E8-EFF8726C6F04}"/>
+          <p:cNvPr id="10" name="직사각형 9">
+            <a:extLst>
+              <a:ext uri="{FF2B5EF4-FFF2-40B4-BE49-F238E27FC236}">
+                <a16:creationId xmlns:a16="http://schemas.microsoft.com/office/drawing/2014/main" id="{530E15E2-8D5E-BF44-9865-61DDA595909A}"/>
               </a:ext>
             </a:extLst>
           </p:cNvPr>
@@ -4817,8 +6314,8 @@
         </p:nvSpPr>
         <p:spPr>
           <a:xfrm>
-            <a:off x="4583724" y="1992923"/>
-            <a:ext cx="1512277" cy="518746"/>
+            <a:off x="6568167" y="2885458"/>
+            <a:ext cx="832757" cy="567418"/>
           </a:xfrm>
           <a:prstGeom prst="rect">
             <a:avLst/>
@@ -4845,103 +6342,7 @@
             <a:pPr algn="ctr"/>
             <a:r>
               <a:rPr lang="en-US" altLang="ko-KR" dirty="0"/>
-              <a:t>PC</a:t>
-            </a:r>
-            <a:endParaRPr lang="ko-KR" altLang="en-US" dirty="0"/>
-          </a:p>
-        </p:txBody>
-      </p:sp>
-      <p:sp>
-        <p:nvSpPr>
-          <p:cNvPr id="12" name="직사각형 11">
-            <a:extLst>
-              <a:ext uri="{FF2B5EF4-FFF2-40B4-BE49-F238E27FC236}">
-                <a16:creationId xmlns:a16="http://schemas.microsoft.com/office/drawing/2014/main" id="{6FDCAA41-2AA0-09FB-66CC-11981A21A9BF}"/>
-              </a:ext>
-            </a:extLst>
-          </p:cNvPr>
-          <p:cNvSpPr/>
-          <p:nvPr/>
-        </p:nvSpPr>
-        <p:spPr>
-          <a:xfrm>
-            <a:off x="4583723" y="2569552"/>
-            <a:ext cx="1512277" cy="518746"/>
-          </a:xfrm>
-          <a:prstGeom prst="rect">
-            <a:avLst/>
-          </a:prstGeom>
-        </p:spPr>
-        <p:style>
-          <a:lnRef idx="2">
-            <a:schemeClr val="dk1"/>
-          </a:lnRef>
-          <a:fillRef idx="1">
-            <a:schemeClr val="lt1"/>
-          </a:fillRef>
-          <a:effectRef idx="0">
-            <a:schemeClr val="dk1"/>
-          </a:effectRef>
-          <a:fontRef idx="minor">
-            <a:schemeClr val="dk1"/>
-          </a:fontRef>
-        </p:style>
-        <p:txBody>
-          <a:bodyPr rtlCol="0" anchor="ctr"/>
-          <a:lstStyle/>
-          <a:p>
-            <a:pPr algn="ctr"/>
-            <a:r>
-              <a:rPr lang="en-US" altLang="ko-KR" dirty="0"/>
-              <a:t>PC</a:t>
-            </a:r>
-            <a:endParaRPr lang="ko-KR" altLang="en-US" dirty="0"/>
-          </a:p>
-        </p:txBody>
-      </p:sp>
-      <p:sp>
-        <p:nvSpPr>
-          <p:cNvPr id="13" name="직사각형 12">
-            <a:extLst>
-              <a:ext uri="{FF2B5EF4-FFF2-40B4-BE49-F238E27FC236}">
-                <a16:creationId xmlns:a16="http://schemas.microsoft.com/office/drawing/2014/main" id="{CF02DA7D-D500-844E-83BD-EF85FC9FB5B6}"/>
-              </a:ext>
-            </a:extLst>
-          </p:cNvPr>
-          <p:cNvSpPr/>
-          <p:nvPr/>
-        </p:nvSpPr>
-        <p:spPr>
-          <a:xfrm>
-            <a:off x="1361865" y="5086350"/>
-            <a:ext cx="2672861" cy="703385"/>
-          </a:xfrm>
-          <a:prstGeom prst="rect">
-            <a:avLst/>
-          </a:prstGeom>
-        </p:spPr>
-        <p:style>
-          <a:lnRef idx="2">
-            <a:schemeClr val="dk1"/>
-          </a:lnRef>
-          <a:fillRef idx="1">
-            <a:schemeClr val="lt1"/>
-          </a:fillRef>
-          <a:effectRef idx="0">
-            <a:schemeClr val="dk1"/>
-          </a:effectRef>
-          <a:fontRef idx="minor">
-            <a:schemeClr val="dk1"/>
-          </a:fontRef>
-        </p:style>
-        <p:txBody>
-          <a:bodyPr rtlCol="0" anchor="ctr"/>
-          <a:lstStyle/>
-          <a:p>
-            <a:pPr algn="ctr"/>
-            <a:r>
-              <a:rPr lang="en-US" altLang="ko-KR" dirty="0"/>
-              <a:t>Network</a:t>
+              <a:t>Client</a:t>
             </a:r>
             <a:endParaRPr lang="ko-KR" altLang="en-US" dirty="0"/>
           </a:p>
@@ -4949,28 +6350,27 @@
       </p:sp>
       <p:cxnSp>
         <p:nvCxnSpPr>
-          <p:cNvPr id="15" name="직선 연결선 14">
-            <a:extLst>
-              <a:ext uri="{FF2B5EF4-FFF2-40B4-BE49-F238E27FC236}">
-                <a16:creationId xmlns:a16="http://schemas.microsoft.com/office/drawing/2014/main" id="{C421EEF4-C2EC-D50D-81B1-2A5CC0458FC4}"/>
+          <p:cNvPr id="14" name="직선 연결선 13">
+            <a:extLst>
+              <a:ext uri="{FF2B5EF4-FFF2-40B4-BE49-F238E27FC236}">
+                <a16:creationId xmlns:a16="http://schemas.microsoft.com/office/drawing/2014/main" id="{FEE399B1-6434-AD60-6E22-614E01946B21}"/>
               </a:ext>
             </a:extLst>
           </p:cNvPr>
           <p:cNvCxnSpPr>
-            <a:cxnSpLocks/>
-            <a:stCxn id="6" idx="3"/>
+            <a:stCxn id="5" idx="3"/>
+            <a:endCxn id="9" idx="1"/>
           </p:cNvCxnSpPr>
           <p:nvPr/>
         </p:nvCxnSpPr>
         <p:spPr>
           <a:xfrm>
-            <a:off x="3672043" y="2096966"/>
-            <a:ext cx="759280" cy="0"/>
+            <a:off x="5607231" y="2383013"/>
+            <a:ext cx="960936" cy="9187"/>
           </a:xfrm>
           <a:prstGeom prst="line">
             <a:avLst/>
           </a:prstGeom>
-          <a:ln w="12700"/>
         </p:spPr>
         <p:style>
           <a:lnRef idx="1">
@@ -4989,10 +6389,10 @@
       </p:cxnSp>
       <p:cxnSp>
         <p:nvCxnSpPr>
-          <p:cNvPr id="18" name="직선 연결선 17">
-            <a:extLst>
-              <a:ext uri="{FF2B5EF4-FFF2-40B4-BE49-F238E27FC236}">
-                <a16:creationId xmlns:a16="http://schemas.microsoft.com/office/drawing/2014/main" id="{B7BA7BC5-14B6-AA49-A9F6-CFD793AD70BA}"/>
+          <p:cNvPr id="16" name="직선 연결선 15">
+            <a:extLst>
+              <a:ext uri="{FF2B5EF4-FFF2-40B4-BE49-F238E27FC236}">
+                <a16:creationId xmlns:a16="http://schemas.microsoft.com/office/drawing/2014/main" id="{E78FD8CD-EE5D-B03D-06F7-E31C67A08121}"/>
               </a:ext>
             </a:extLst>
           </p:cNvPr>
@@ -5004,13 +6404,12 @@
         </p:nvCxnSpPr>
         <p:spPr>
           <a:xfrm flipH="1">
-            <a:off x="4431323" y="1092444"/>
-            <a:ext cx="152402" cy="0"/>
+            <a:off x="6131378" y="1615232"/>
+            <a:ext cx="436789" cy="0"/>
           </a:xfrm>
           <a:prstGeom prst="line">
             <a:avLst/>
           </a:prstGeom>
-          <a:ln w="12700"/>
         </p:spPr>
         <p:style>
           <a:lnRef idx="1">
@@ -5029,10 +6428,10 @@
       </p:cxnSp>
       <p:cxnSp>
         <p:nvCxnSpPr>
-          <p:cNvPr id="20" name="직선 연결선 19">
-            <a:extLst>
-              <a:ext uri="{FF2B5EF4-FFF2-40B4-BE49-F238E27FC236}">
-                <a16:creationId xmlns:a16="http://schemas.microsoft.com/office/drawing/2014/main" id="{188E842B-DCDC-CA19-43CE-53FF9FAE9148}"/>
+          <p:cNvPr id="19" name="직선 연결선 18">
+            <a:extLst>
+              <a:ext uri="{FF2B5EF4-FFF2-40B4-BE49-F238E27FC236}">
+                <a16:creationId xmlns:a16="http://schemas.microsoft.com/office/drawing/2014/main" id="{11276F51-1633-8ABC-9FB0-0CDBBC55B45B}"/>
               </a:ext>
             </a:extLst>
           </p:cNvPr>
@@ -5043,14 +6442,13 @@
           <p:nvPr/>
         </p:nvCxnSpPr>
         <p:spPr>
-          <a:xfrm flipH="1" flipV="1">
-            <a:off x="4431323" y="1675666"/>
-            <a:ext cx="152401" cy="1"/>
+          <a:xfrm flipH="1">
+            <a:off x="6131378" y="3169167"/>
+            <a:ext cx="436789" cy="0"/>
           </a:xfrm>
           <a:prstGeom prst="line">
             <a:avLst/>
           </a:prstGeom>
-          <a:ln w="12700"/>
         </p:spPr>
         <p:style>
           <a:lnRef idx="1">
@@ -5069,10 +6467,10 @@
       </p:cxnSp>
       <p:cxnSp>
         <p:nvCxnSpPr>
-          <p:cNvPr id="25" name="직선 연결선 24">
-            <a:extLst>
-              <a:ext uri="{FF2B5EF4-FFF2-40B4-BE49-F238E27FC236}">
-                <a16:creationId xmlns:a16="http://schemas.microsoft.com/office/drawing/2014/main" id="{D21DC124-0CD8-7DD5-C41A-911BEFCDEF9F}"/>
+          <p:cNvPr id="21" name="직선 연결선 20">
+            <a:extLst>
+              <a:ext uri="{FF2B5EF4-FFF2-40B4-BE49-F238E27FC236}">
+                <a16:creationId xmlns:a16="http://schemas.microsoft.com/office/drawing/2014/main" id="{96B66290-3BFA-B4D2-F4C6-828F9171ED5E}"/>
               </a:ext>
             </a:extLst>
           </p:cNvPr>
@@ -5083,13 +6481,199 @@
         </p:nvCxnSpPr>
         <p:spPr>
           <a:xfrm>
-            <a:off x="4431323" y="1092444"/>
-            <a:ext cx="0" cy="1734283"/>
+            <a:off x="6131378" y="1615232"/>
+            <a:ext cx="0" cy="1553936"/>
           </a:xfrm>
           <a:prstGeom prst="line">
             <a:avLst/>
           </a:prstGeom>
-          <a:ln w="12700"/>
+        </p:spPr>
+        <p:style>
+          <a:lnRef idx="1">
+            <a:schemeClr val="dk1"/>
+          </a:lnRef>
+          <a:fillRef idx="0">
+            <a:schemeClr val="dk1"/>
+          </a:fillRef>
+          <a:effectRef idx="0">
+            <a:schemeClr val="dk1"/>
+          </a:effectRef>
+          <a:fontRef idx="minor">
+            <a:schemeClr val="tx1"/>
+          </a:fontRef>
+        </p:style>
+      </p:cxnSp>
+      <p:sp>
+        <p:nvSpPr>
+          <p:cNvPr id="31" name="직사각형 30">
+            <a:extLst>
+              <a:ext uri="{FF2B5EF4-FFF2-40B4-BE49-F238E27FC236}">
+                <a16:creationId xmlns:a16="http://schemas.microsoft.com/office/drawing/2014/main" id="{DD523BE5-134F-045F-69D5-6266CEDAABEB}"/>
+              </a:ext>
+            </a:extLst>
+          </p:cNvPr>
+          <p:cNvSpPr/>
+          <p:nvPr/>
+        </p:nvSpPr>
+        <p:spPr>
+          <a:xfrm>
+            <a:off x="9259660" y="1331523"/>
+            <a:ext cx="832757" cy="567418"/>
+          </a:xfrm>
+          <a:prstGeom prst="rect">
+            <a:avLst/>
+          </a:prstGeom>
+        </p:spPr>
+        <p:style>
+          <a:lnRef idx="2">
+            <a:schemeClr val="dk1"/>
+          </a:lnRef>
+          <a:fillRef idx="1">
+            <a:schemeClr val="lt1"/>
+          </a:fillRef>
+          <a:effectRef idx="0">
+            <a:schemeClr val="dk1"/>
+          </a:effectRef>
+          <a:fontRef idx="minor">
+            <a:schemeClr val="dk1"/>
+          </a:fontRef>
+        </p:style>
+        <p:txBody>
+          <a:bodyPr rtlCol="0" anchor="ctr"/>
+          <a:lstStyle/>
+          <a:p>
+            <a:pPr algn="ctr"/>
+            <a:r>
+              <a:rPr lang="en-US" altLang="ko-KR" dirty="0"/>
+              <a:t>Client</a:t>
+            </a:r>
+            <a:endParaRPr lang="ko-KR" altLang="en-US" dirty="0"/>
+          </a:p>
+        </p:txBody>
+      </p:sp>
+      <p:sp>
+        <p:nvSpPr>
+          <p:cNvPr id="32" name="직사각형 31">
+            <a:extLst>
+              <a:ext uri="{FF2B5EF4-FFF2-40B4-BE49-F238E27FC236}">
+                <a16:creationId xmlns:a16="http://schemas.microsoft.com/office/drawing/2014/main" id="{031F25F8-A9F5-5C1E-724E-4DFE04A18D4A}"/>
+              </a:ext>
+            </a:extLst>
+          </p:cNvPr>
+          <p:cNvSpPr/>
+          <p:nvPr/>
+        </p:nvSpPr>
+        <p:spPr>
+          <a:xfrm>
+            <a:off x="9259660" y="2108491"/>
+            <a:ext cx="832757" cy="567418"/>
+          </a:xfrm>
+          <a:prstGeom prst="rect">
+            <a:avLst/>
+          </a:prstGeom>
+        </p:spPr>
+        <p:style>
+          <a:lnRef idx="2">
+            <a:schemeClr val="dk1"/>
+          </a:lnRef>
+          <a:fillRef idx="1">
+            <a:schemeClr val="lt1"/>
+          </a:fillRef>
+          <a:effectRef idx="0">
+            <a:schemeClr val="dk1"/>
+          </a:effectRef>
+          <a:fontRef idx="minor">
+            <a:schemeClr val="dk1"/>
+          </a:fontRef>
+        </p:style>
+        <p:txBody>
+          <a:bodyPr rtlCol="0" anchor="ctr"/>
+          <a:lstStyle/>
+          <a:p>
+            <a:pPr algn="ctr"/>
+            <a:r>
+              <a:rPr lang="en-US" altLang="ko-KR" dirty="0"/>
+              <a:t>Client</a:t>
+            </a:r>
+            <a:endParaRPr lang="ko-KR" altLang="en-US" dirty="0"/>
+          </a:p>
+        </p:txBody>
+      </p:sp>
+      <p:sp>
+        <p:nvSpPr>
+          <p:cNvPr id="33" name="직사각형 32">
+            <a:extLst>
+              <a:ext uri="{FF2B5EF4-FFF2-40B4-BE49-F238E27FC236}">
+                <a16:creationId xmlns:a16="http://schemas.microsoft.com/office/drawing/2014/main" id="{A03CD721-BC99-1367-0009-C82214E2216D}"/>
+              </a:ext>
+            </a:extLst>
+          </p:cNvPr>
+          <p:cNvSpPr/>
+          <p:nvPr/>
+        </p:nvSpPr>
+        <p:spPr>
+          <a:xfrm>
+            <a:off x="9259660" y="2885459"/>
+            <a:ext cx="832757" cy="567418"/>
+          </a:xfrm>
+          <a:prstGeom prst="rect">
+            <a:avLst/>
+          </a:prstGeom>
+        </p:spPr>
+        <p:style>
+          <a:lnRef idx="2">
+            <a:schemeClr val="dk1"/>
+          </a:lnRef>
+          <a:fillRef idx="1">
+            <a:schemeClr val="lt1"/>
+          </a:fillRef>
+          <a:effectRef idx="0">
+            <a:schemeClr val="dk1"/>
+          </a:effectRef>
+          <a:fontRef idx="minor">
+            <a:schemeClr val="dk1"/>
+          </a:fontRef>
+        </p:style>
+        <p:txBody>
+          <a:bodyPr rtlCol="0" anchor="ctr"/>
+          <a:lstStyle/>
+          <a:p>
+            <a:pPr algn="ctr"/>
+            <a:r>
+              <a:rPr lang="en-US" altLang="ko-KR" dirty="0"/>
+              <a:t>Client</a:t>
+            </a:r>
+            <a:endParaRPr lang="ko-KR" altLang="en-US" dirty="0"/>
+          </a:p>
+        </p:txBody>
+      </p:sp>
+      <p:cxnSp>
+        <p:nvCxnSpPr>
+          <p:cNvPr id="35" name="직선 화살표 연결선 34">
+            <a:extLst>
+              <a:ext uri="{FF2B5EF4-FFF2-40B4-BE49-F238E27FC236}">
+                <a16:creationId xmlns:a16="http://schemas.microsoft.com/office/drawing/2014/main" id="{8297B083-6966-E7D0-D0F7-319BC9D795C6}"/>
+              </a:ext>
+            </a:extLst>
+          </p:cNvPr>
+          <p:cNvCxnSpPr>
+            <a:stCxn id="8" idx="3"/>
+            <a:endCxn id="31" idx="1"/>
+          </p:cNvCxnSpPr>
+          <p:nvPr/>
+        </p:nvCxnSpPr>
+        <p:spPr>
+          <a:xfrm>
+            <a:off x="7400924" y="1615232"/>
+            <a:ext cx="1858736" cy="0"/>
+          </a:xfrm>
+          <a:prstGeom prst="straightConnector1">
+            <a:avLst/>
+          </a:prstGeom>
+          <a:ln>
+            <a:headEnd type="triangle"/>
+            <a:tailEnd type="triangle"/>
+          </a:ln>
         </p:spPr>
         <p:style>
           <a:lnRef idx="1">
@@ -5108,27 +6692,31 @@
       </p:cxnSp>
       <p:cxnSp>
         <p:nvCxnSpPr>
-          <p:cNvPr id="27" name="직선 연결선 26">
-            <a:extLst>
-              <a:ext uri="{FF2B5EF4-FFF2-40B4-BE49-F238E27FC236}">
-                <a16:creationId xmlns:a16="http://schemas.microsoft.com/office/drawing/2014/main" id="{29774DDA-0619-AE1F-2BCB-D17E1E76CE3B}"/>
+          <p:cNvPr id="37" name="직선 화살표 연결선 36">
+            <a:extLst>
+              <a:ext uri="{FF2B5EF4-FFF2-40B4-BE49-F238E27FC236}">
+                <a16:creationId xmlns:a16="http://schemas.microsoft.com/office/drawing/2014/main" id="{3900EB5A-86FB-C33D-67C7-AFE91C5F3A7F}"/>
               </a:ext>
             </a:extLst>
           </p:cNvPr>
           <p:cNvCxnSpPr>
-            <a:stCxn id="12" idx="1"/>
+            <a:stCxn id="9" idx="3"/>
+            <a:endCxn id="32" idx="1"/>
           </p:cNvCxnSpPr>
           <p:nvPr/>
         </p:nvCxnSpPr>
         <p:spPr>
-          <a:xfrm flipH="1" flipV="1">
-            <a:off x="4431323" y="2826727"/>
-            <a:ext cx="152400" cy="2198"/>
-          </a:xfrm>
-          <a:prstGeom prst="line">
-            <a:avLst/>
-          </a:prstGeom>
-          <a:ln w="12700"/>
+          <a:xfrm>
+            <a:off x="7400924" y="2392200"/>
+            <a:ext cx="1858736" cy="0"/>
+          </a:xfrm>
+          <a:prstGeom prst="straightConnector1">
+            <a:avLst/>
+          </a:prstGeom>
+          <a:ln>
+            <a:headEnd type="triangle"/>
+            <a:tailEnd type="triangle"/>
+          </a:ln>
         </p:spPr>
         <p:style>
           <a:lnRef idx="1">
@@ -5147,28 +6735,31 @@
       </p:cxnSp>
       <p:cxnSp>
         <p:nvCxnSpPr>
-          <p:cNvPr id="32" name="직선 연결선 31">
-            <a:extLst>
-              <a:ext uri="{FF2B5EF4-FFF2-40B4-BE49-F238E27FC236}">
-                <a16:creationId xmlns:a16="http://schemas.microsoft.com/office/drawing/2014/main" id="{CCC6FEED-4023-4463-D066-DE60905B2D81}"/>
+          <p:cNvPr id="39" name="직선 화살표 연결선 38">
+            <a:extLst>
+              <a:ext uri="{FF2B5EF4-FFF2-40B4-BE49-F238E27FC236}">
+                <a16:creationId xmlns:a16="http://schemas.microsoft.com/office/drawing/2014/main" id="{BA375934-861A-AD92-83FE-423A96220A08}"/>
               </a:ext>
             </a:extLst>
           </p:cNvPr>
           <p:cNvCxnSpPr>
-            <a:cxnSpLocks/>
-            <a:stCxn id="11" idx="1"/>
+            <a:stCxn id="10" idx="3"/>
+            <a:endCxn id="33" idx="1"/>
           </p:cNvCxnSpPr>
           <p:nvPr/>
         </p:nvCxnSpPr>
         <p:spPr>
-          <a:xfrm flipH="1">
-            <a:off x="4431323" y="2252296"/>
-            <a:ext cx="152401" cy="0"/>
-          </a:xfrm>
-          <a:prstGeom prst="line">
-            <a:avLst/>
-          </a:prstGeom>
-          <a:ln w="12700"/>
+          <a:xfrm>
+            <a:off x="7400924" y="3169167"/>
+            <a:ext cx="1858736" cy="1"/>
+          </a:xfrm>
+          <a:prstGeom prst="straightConnector1">
+            <a:avLst/>
+          </a:prstGeom>
+          <a:ln>
+            <a:headEnd type="triangle"/>
+            <a:tailEnd type="triangle"/>
+          </a:ln>
         </p:spPr>
         <p:style>
           <a:lnRef idx="1">
@@ -5187,10 +6778,10 @@
       </p:cxnSp>
       <p:sp>
         <p:nvSpPr>
-          <p:cNvPr id="35" name="직사각형 34">
-            <a:extLst>
-              <a:ext uri="{FF2B5EF4-FFF2-40B4-BE49-F238E27FC236}">
-                <a16:creationId xmlns:a16="http://schemas.microsoft.com/office/drawing/2014/main" id="{56053AB9-BF5C-8302-36AA-C241C8BCD45C}"/>
+          <p:cNvPr id="40" name="직사각형 39">
+            <a:extLst>
+              <a:ext uri="{FF2B5EF4-FFF2-40B4-BE49-F238E27FC236}">
+                <a16:creationId xmlns:a16="http://schemas.microsoft.com/office/drawing/2014/main" id="{D3B1DF05-F3C0-237B-4B8C-7A38B0525AEA}"/>
               </a:ext>
             </a:extLst>
           </p:cNvPr>
@@ -5199,8 +6790,8 @@
         </p:nvSpPr>
         <p:spPr>
           <a:xfrm>
-            <a:off x="9649558" y="5051181"/>
-            <a:ext cx="1754065" cy="888023"/>
+            <a:off x="881743" y="1847606"/>
+            <a:ext cx="1706336" cy="1089188"/>
           </a:xfrm>
           <a:prstGeom prst="rect">
             <a:avLst/>
@@ -5225,14 +6816,60 @@
           <a:lstStyle/>
           <a:p>
             <a:pPr algn="ctr"/>
-            <a:endParaRPr lang="ko-KR" altLang="en-US"/>
-          </a:p>
-        </p:txBody>
-      </p:sp>
+            <a:r>
+              <a:rPr lang="en-US" altLang="ko-KR" dirty="0"/>
+              <a:t>DB</a:t>
+            </a:r>
+            <a:endParaRPr lang="ko-KR" altLang="en-US" dirty="0"/>
+          </a:p>
+        </p:txBody>
+      </p:sp>
+      <p:cxnSp>
+        <p:nvCxnSpPr>
+          <p:cNvPr id="42" name="직선 화살표 연결선 41">
+            <a:extLst>
+              <a:ext uri="{FF2B5EF4-FFF2-40B4-BE49-F238E27FC236}">
+                <a16:creationId xmlns:a16="http://schemas.microsoft.com/office/drawing/2014/main" id="{754BEDFD-FCF1-C7D6-95CF-85B0044D3CE3}"/>
+              </a:ext>
+            </a:extLst>
+          </p:cNvPr>
+          <p:cNvCxnSpPr>
+            <a:endCxn id="40" idx="3"/>
+          </p:cNvCxnSpPr>
+          <p:nvPr/>
+        </p:nvCxnSpPr>
+        <p:spPr>
+          <a:xfrm flipH="1">
+            <a:off x="2588079" y="2392200"/>
+            <a:ext cx="1484550" cy="0"/>
+          </a:xfrm>
+          <a:prstGeom prst="straightConnector1">
+            <a:avLst/>
+          </a:prstGeom>
+          <a:ln>
+            <a:headEnd type="triangle"/>
+            <a:tailEnd type="triangle"/>
+          </a:ln>
+        </p:spPr>
+        <p:style>
+          <a:lnRef idx="1">
+            <a:schemeClr val="dk1"/>
+          </a:lnRef>
+          <a:fillRef idx="0">
+            <a:schemeClr val="dk1"/>
+          </a:fillRef>
+          <a:effectRef idx="0">
+            <a:schemeClr val="dk1"/>
+          </a:effectRef>
+          <a:fontRef idx="minor">
+            <a:schemeClr val="tx1"/>
+          </a:fontRef>
+        </p:style>
+      </p:cxnSp>
     </p:spTree>
     <p:extLst>
       <p:ext uri="{BB962C8B-B14F-4D97-AF65-F5344CB8AC3E}">
-        <p14:creationId xmlns:p14="http://schemas.microsoft.com/office/powerpoint/2010/main" val="1646667563"/>
+        <p14:creationId xmlns:p14="http://schemas.microsoft.com/office/powerpoint/2010/main" val="2460854378"/>
       </p:ext>
     </p:extLst>
   </p:cSld>
@@ -5261,10 +6898,10 @@
       </p:grpSpPr>
       <p:sp>
         <p:nvSpPr>
-          <p:cNvPr id="4" name="직사각형 3">
-            <a:extLst>
-              <a:ext uri="{FF2B5EF4-FFF2-40B4-BE49-F238E27FC236}">
-                <a16:creationId xmlns:a16="http://schemas.microsoft.com/office/drawing/2014/main" id="{6AAAA710-C334-9513-B5C8-2D6032D7EFC9}"/>
+          <p:cNvPr id="2" name="직사각형 1">
+            <a:extLst>
+              <a:ext uri="{FF2B5EF4-FFF2-40B4-BE49-F238E27FC236}">
+                <a16:creationId xmlns:a16="http://schemas.microsoft.com/office/drawing/2014/main" id="{14431E74-E929-DB0C-1D77-A62D2556138F}"/>
               </a:ext>
             </a:extLst>
           </p:cNvPr>
@@ -5273,8 +6910,8 @@
         </p:nvSpPr>
         <p:spPr>
           <a:xfrm>
-            <a:off x="1318846" y="1103435"/>
-            <a:ext cx="3147646" cy="3486150"/>
+            <a:off x="734786" y="991961"/>
+            <a:ext cx="6066064" cy="853168"/>
           </a:xfrm>
           <a:prstGeom prst="rect">
             <a:avLst/>
@@ -5295,24 +6932,230 @@
           </a:fontRef>
         </p:style>
         <p:txBody>
-          <a:bodyPr rtlCol="0" anchor="t" anchorCtr="0"/>
+          <a:bodyPr rtlCol="0" anchor="ctr"/>
           <a:lstStyle/>
           <a:p>
             <a:pPr algn="ctr"/>
-            <a:r>
-              <a:rPr lang="en-US" altLang="ko-KR" dirty="0" err="1"/>
-              <a:t>FieldChar</a:t>
-            </a:r>
             <a:endParaRPr lang="ko-KR" altLang="en-US" dirty="0"/>
           </a:p>
         </p:txBody>
       </p:sp>
-      <p:sp>
-        <p:nvSpPr>
-          <p:cNvPr id="5" name="직사각형 4">
-            <a:extLst>
-              <a:ext uri="{FF2B5EF4-FFF2-40B4-BE49-F238E27FC236}">
-                <a16:creationId xmlns:a16="http://schemas.microsoft.com/office/drawing/2014/main" id="{245E67F1-A5DF-FED6-7C57-D58875A52FB7}"/>
+      <p:cxnSp>
+        <p:nvCxnSpPr>
+          <p:cNvPr id="4" name="직선 연결선 3">
+            <a:extLst>
+              <a:ext uri="{FF2B5EF4-FFF2-40B4-BE49-F238E27FC236}">
+                <a16:creationId xmlns:a16="http://schemas.microsoft.com/office/drawing/2014/main" id="{787CF531-DAE2-8003-9496-A32742ABAFDE}"/>
+              </a:ext>
+            </a:extLst>
+          </p:cNvPr>
+          <p:cNvCxnSpPr/>
+          <p:nvPr/>
+        </p:nvCxnSpPr>
+        <p:spPr>
+          <a:xfrm>
+            <a:off x="1628775" y="991961"/>
+            <a:ext cx="0" cy="853168"/>
+          </a:xfrm>
+          <a:prstGeom prst="line">
+            <a:avLst/>
+          </a:prstGeom>
+        </p:spPr>
+        <p:style>
+          <a:lnRef idx="1">
+            <a:schemeClr val="dk1"/>
+          </a:lnRef>
+          <a:fillRef idx="0">
+            <a:schemeClr val="dk1"/>
+          </a:fillRef>
+          <a:effectRef idx="0">
+            <a:schemeClr val="dk1"/>
+          </a:effectRef>
+          <a:fontRef idx="minor">
+            <a:schemeClr val="tx1"/>
+          </a:fontRef>
+        </p:style>
+      </p:cxnSp>
+      <p:cxnSp>
+        <p:nvCxnSpPr>
+          <p:cNvPr id="6" name="직선 연결선 5">
+            <a:extLst>
+              <a:ext uri="{FF2B5EF4-FFF2-40B4-BE49-F238E27FC236}">
+                <a16:creationId xmlns:a16="http://schemas.microsoft.com/office/drawing/2014/main" id="{B994EB0E-CF8D-B6DE-7273-CC070194AA09}"/>
+              </a:ext>
+            </a:extLst>
+          </p:cNvPr>
+          <p:cNvCxnSpPr/>
+          <p:nvPr/>
+        </p:nvCxnSpPr>
+        <p:spPr>
+          <a:xfrm>
+            <a:off x="3196318" y="991961"/>
+            <a:ext cx="0" cy="853168"/>
+          </a:xfrm>
+          <a:prstGeom prst="line">
+            <a:avLst/>
+          </a:prstGeom>
+        </p:spPr>
+        <p:style>
+          <a:lnRef idx="1">
+            <a:schemeClr val="dk1"/>
+          </a:lnRef>
+          <a:fillRef idx="0">
+            <a:schemeClr val="dk1"/>
+          </a:fillRef>
+          <a:effectRef idx="0">
+            <a:schemeClr val="dk1"/>
+          </a:effectRef>
+          <a:fontRef idx="minor">
+            <a:schemeClr val="tx1"/>
+          </a:fontRef>
+        </p:style>
+      </p:cxnSp>
+      <p:sp>
+        <p:nvSpPr>
+          <p:cNvPr id="7" name="TextBox 6">
+            <a:extLst>
+              <a:ext uri="{FF2B5EF4-FFF2-40B4-BE49-F238E27FC236}">
+                <a16:creationId xmlns:a16="http://schemas.microsoft.com/office/drawing/2014/main" id="{D7C82A7E-567D-E0D8-5F42-D14F58C7A8C2}"/>
+              </a:ext>
+            </a:extLst>
+          </p:cNvPr>
+          <p:cNvSpPr txBox="1"/>
+          <p:nvPr/>
+        </p:nvSpPr>
+        <p:spPr>
+          <a:xfrm>
+            <a:off x="1955347" y="1203101"/>
+            <a:ext cx="914400" cy="369332"/>
+          </a:xfrm>
+          <a:prstGeom prst="rect">
+            <a:avLst/>
+          </a:prstGeom>
+          <a:noFill/>
+        </p:spPr>
+        <p:txBody>
+          <a:bodyPr wrap="square" rtlCol="0">
+            <a:spAutoFit/>
+          </a:bodyPr>
+          <a:lstStyle/>
+          <a:p>
+            <a:r>
+              <a:rPr lang="en-US" altLang="ko-KR" dirty="0"/>
+              <a:t>Type</a:t>
+            </a:r>
+            <a:endParaRPr lang="ko-KR" altLang="en-US" dirty="0"/>
+          </a:p>
+        </p:txBody>
+      </p:sp>
+      <p:sp>
+        <p:nvSpPr>
+          <p:cNvPr id="8" name="TextBox 7">
+            <a:extLst>
+              <a:ext uri="{FF2B5EF4-FFF2-40B4-BE49-F238E27FC236}">
+                <a16:creationId xmlns:a16="http://schemas.microsoft.com/office/drawing/2014/main" id="{42126B7E-B6A3-A43F-BE52-1536A2BB280E}"/>
+              </a:ext>
+            </a:extLst>
+          </p:cNvPr>
+          <p:cNvSpPr txBox="1"/>
+          <p:nvPr/>
+        </p:nvSpPr>
+        <p:spPr>
+          <a:xfrm>
+            <a:off x="702128" y="1239032"/>
+            <a:ext cx="1012371" cy="307777"/>
+          </a:xfrm>
+          <a:prstGeom prst="rect">
+            <a:avLst/>
+          </a:prstGeom>
+          <a:noFill/>
+        </p:spPr>
+        <p:txBody>
+          <a:bodyPr wrap="square" rtlCol="0">
+            <a:spAutoFit/>
+          </a:bodyPr>
+          <a:lstStyle/>
+          <a:p>
+            <a:r>
+              <a:rPr lang="en-US" altLang="ko-KR" sz="1400" dirty="0"/>
+              <a:t>Type Size</a:t>
+            </a:r>
+            <a:endParaRPr lang="ko-KR" altLang="en-US" sz="1400" dirty="0"/>
+          </a:p>
+        </p:txBody>
+      </p:sp>
+      <p:sp>
+        <p:nvSpPr>
+          <p:cNvPr id="9" name="TextBox 8">
+            <a:extLst>
+              <a:ext uri="{FF2B5EF4-FFF2-40B4-BE49-F238E27FC236}">
+                <a16:creationId xmlns:a16="http://schemas.microsoft.com/office/drawing/2014/main" id="{228BA1AB-CEAA-1988-5126-06F96856ADDD}"/>
+              </a:ext>
+            </a:extLst>
+          </p:cNvPr>
+          <p:cNvSpPr txBox="1"/>
+          <p:nvPr/>
+        </p:nvSpPr>
+        <p:spPr>
+          <a:xfrm>
+            <a:off x="3604532" y="1203101"/>
+            <a:ext cx="2277837" cy="369332"/>
+          </a:xfrm>
+          <a:prstGeom prst="rect">
+            <a:avLst/>
+          </a:prstGeom>
+          <a:noFill/>
+        </p:spPr>
+        <p:txBody>
+          <a:bodyPr wrap="square" rtlCol="0">
+            <a:spAutoFit/>
+          </a:bodyPr>
+          <a:lstStyle/>
+          <a:p>
+            <a:r>
+              <a:rPr lang="en-US" altLang="ko-KR" dirty="0"/>
+              <a:t>Serialized Info</a:t>
+            </a:r>
+            <a:endParaRPr lang="ko-KR" altLang="en-US" dirty="0"/>
+          </a:p>
+        </p:txBody>
+      </p:sp>
+    </p:spTree>
+    <p:extLst>
+      <p:ext uri="{BB962C8B-B14F-4D97-AF65-F5344CB8AC3E}">
+        <p14:creationId xmlns:p14="http://schemas.microsoft.com/office/powerpoint/2010/main" val="425861914"/>
+      </p:ext>
+    </p:extLst>
+  </p:cSld>
+  <p:clrMapOvr>
+    <a:masterClrMapping/>
+  </p:clrMapOvr>
+</p:sld>
+</file>
+
+<file path=ppt/slides/slide5.xml><?xml version="1.0" encoding="utf-8"?>
+<p:sld xmlns:a="http://schemas.openxmlformats.org/drawingml/2006/main" xmlns:r="http://schemas.openxmlformats.org/officeDocument/2006/relationships" xmlns:p="http://schemas.openxmlformats.org/presentationml/2006/main">
+  <p:cSld>
+    <p:spTree>
+      <p:nvGrpSpPr>
+        <p:cNvPr id="1" name=""/>
+        <p:cNvGrpSpPr/>
+        <p:nvPr/>
+      </p:nvGrpSpPr>
+      <p:grpSpPr>
+        <a:xfrm>
+          <a:off x="0" y="0"/>
+          <a:ext cx="0" cy="0"/>
+          <a:chOff x="0" y="0"/>
+          <a:chExt cx="0" cy="0"/>
+        </a:xfrm>
+      </p:grpSpPr>
+      <p:sp>
+        <p:nvSpPr>
+          <p:cNvPr id="4" name="직사각형 3">
+            <a:extLst>
+              <a:ext uri="{FF2B5EF4-FFF2-40B4-BE49-F238E27FC236}">
+                <a16:creationId xmlns:a16="http://schemas.microsoft.com/office/drawing/2014/main" id="{86FF1852-DD68-CF68-A747-277AC9024C99}"/>
               </a:ext>
             </a:extLst>
           </p:cNvPr>
@@ -5321,8 +7164,8 @@
         </p:nvSpPr>
         <p:spPr>
           <a:xfrm>
-            <a:off x="1743074" y="1565031"/>
-            <a:ext cx="2299189" cy="659423"/>
+            <a:off x="1187904" y="567418"/>
+            <a:ext cx="3020786" cy="4483762"/>
           </a:xfrm>
           <a:prstGeom prst="rect">
             <a:avLst/>
@@ -5343,13 +7186,13 @@
           </a:fontRef>
         </p:style>
         <p:txBody>
-          <a:bodyPr rtlCol="0" anchor="ctr"/>
+          <a:bodyPr rtlCol="0" anchor="t" anchorCtr="0"/>
           <a:lstStyle/>
           <a:p>
             <a:pPr algn="ctr"/>
             <a:r>
               <a:rPr lang="en-US" altLang="ko-KR" dirty="0"/>
-              <a:t>Component</a:t>
+              <a:t>Program</a:t>
             </a:r>
             <a:endParaRPr lang="ko-KR" altLang="en-US" dirty="0"/>
           </a:p>
@@ -5357,10 +7200,10 @@
       </p:sp>
       <p:sp>
         <p:nvSpPr>
-          <p:cNvPr id="6" name="직사각형 5">
-            <a:extLst>
-              <a:ext uri="{FF2B5EF4-FFF2-40B4-BE49-F238E27FC236}">
-                <a16:creationId xmlns:a16="http://schemas.microsoft.com/office/drawing/2014/main" id="{8FAEFB52-1AAF-CB1C-373F-AB459C24DA17}"/>
+          <p:cNvPr id="5" name="직사각형 4">
+            <a:extLst>
+              <a:ext uri="{FF2B5EF4-FFF2-40B4-BE49-F238E27FC236}">
+                <a16:creationId xmlns:a16="http://schemas.microsoft.com/office/drawing/2014/main" id="{E7540DCD-B44D-D76B-6960-B3801D9EBF01}"/>
               </a:ext>
             </a:extLst>
           </p:cNvPr>
@@ -5369,8 +7212,8 @@
         </p:nvSpPr>
         <p:spPr>
           <a:xfrm>
-            <a:off x="1743074" y="3313234"/>
-            <a:ext cx="2299189" cy="659423"/>
+            <a:off x="1361865" y="1125415"/>
+            <a:ext cx="2672861" cy="3134458"/>
           </a:xfrm>
           <a:prstGeom prst="rect">
             <a:avLst/>
@@ -5391,13 +7234,109 @@
           </a:fontRef>
         </p:style>
         <p:txBody>
+          <a:bodyPr rtlCol="0" anchor="t" anchorCtr="0"/>
+          <a:lstStyle/>
+          <a:p>
+            <a:pPr algn="ctr"/>
+            <a:r>
+              <a:rPr lang="en-US" altLang="ko-KR" dirty="0" err="1"/>
+              <a:t>FieldMapManager</a:t>
+            </a:r>
+            <a:endParaRPr lang="ko-KR" altLang="en-US" dirty="0"/>
+          </a:p>
+        </p:txBody>
+      </p:sp>
+      <p:sp>
+        <p:nvSpPr>
+          <p:cNvPr id="6" name="직사각형 5">
+            <a:extLst>
+              <a:ext uri="{FF2B5EF4-FFF2-40B4-BE49-F238E27FC236}">
+                <a16:creationId xmlns:a16="http://schemas.microsoft.com/office/drawing/2014/main" id="{1772F381-751B-A08C-687C-10FCBEB99D8D}"/>
+              </a:ext>
+            </a:extLst>
+          </p:cNvPr>
+          <p:cNvSpPr/>
+          <p:nvPr/>
+        </p:nvSpPr>
+        <p:spPr>
+          <a:xfrm>
+            <a:off x="1724547" y="1624380"/>
+            <a:ext cx="1947496" cy="945172"/>
+          </a:xfrm>
+          <a:prstGeom prst="rect">
+            <a:avLst/>
+          </a:prstGeom>
+        </p:spPr>
+        <p:style>
+          <a:lnRef idx="2">
+            <a:schemeClr val="dk1"/>
+          </a:lnRef>
+          <a:fillRef idx="1">
+            <a:schemeClr val="lt1"/>
+          </a:fillRef>
+          <a:effectRef idx="0">
+            <a:schemeClr val="dk1"/>
+          </a:effectRef>
+          <a:fontRef idx="minor">
+            <a:schemeClr val="dk1"/>
+          </a:fontRef>
+        </p:style>
+        <p:txBody>
           <a:bodyPr rtlCol="0" anchor="ctr"/>
           <a:lstStyle/>
           <a:p>
             <a:pPr algn="ctr"/>
             <a:r>
-              <a:rPr lang="en-US" altLang="ko-KR" dirty="0"/>
-              <a:t>Client</a:t>
+              <a:rPr lang="en-US" altLang="ko-KR" dirty="0" err="1"/>
+              <a:t>FieldMap</a:t>
+            </a:r>
+            <a:endParaRPr lang="ko-KR" altLang="en-US" dirty="0"/>
+          </a:p>
+        </p:txBody>
+      </p:sp>
+      <p:sp>
+        <p:nvSpPr>
+          <p:cNvPr id="7" name="직사각형 6">
+            <a:extLst>
+              <a:ext uri="{FF2B5EF4-FFF2-40B4-BE49-F238E27FC236}">
+                <a16:creationId xmlns:a16="http://schemas.microsoft.com/office/drawing/2014/main" id="{A32FEE9A-42F7-7378-4F0B-5A99A0E0F3BE}"/>
+              </a:ext>
+            </a:extLst>
+          </p:cNvPr>
+          <p:cNvSpPr/>
+          <p:nvPr/>
+        </p:nvSpPr>
+        <p:spPr>
+          <a:xfrm>
+            <a:off x="1724547" y="2942126"/>
+            <a:ext cx="1947496" cy="945172"/>
+          </a:xfrm>
+          <a:prstGeom prst="rect">
+            <a:avLst/>
+          </a:prstGeom>
+        </p:spPr>
+        <p:style>
+          <a:lnRef idx="2">
+            <a:schemeClr val="dk1"/>
+          </a:lnRef>
+          <a:fillRef idx="1">
+            <a:schemeClr val="lt1"/>
+          </a:fillRef>
+          <a:effectRef idx="0">
+            <a:schemeClr val="dk1"/>
+          </a:effectRef>
+          <a:fontRef idx="minor">
+            <a:schemeClr val="dk1"/>
+          </a:fontRef>
+        </p:style>
+        <p:txBody>
+          <a:bodyPr rtlCol="0" anchor="ctr"/>
+          <a:lstStyle/>
+          <a:p>
+            <a:pPr algn="ctr"/>
+            <a:r>
+              <a:rPr lang="en-US" altLang="ko-KR" dirty="0" err="1"/>
+              <a:t>FieldMap</a:t>
             </a:r>
             <a:endParaRPr lang="ko-KR" altLang="en-US" dirty="0"/>
           </a:p>
@@ -5405,10 +7344,10 @@
       </p:sp>
       <p:cxnSp>
         <p:nvCxnSpPr>
-          <p:cNvPr id="8" name="직선 화살표 연결선 7">
-            <a:extLst>
-              <a:ext uri="{FF2B5EF4-FFF2-40B4-BE49-F238E27FC236}">
-                <a16:creationId xmlns:a16="http://schemas.microsoft.com/office/drawing/2014/main" id="{2E642E40-EFE3-F4AD-0F2D-3B993978D1ED}"/>
+          <p:cNvPr id="15" name="직선 연결선 14">
+            <a:extLst>
+              <a:ext uri="{FF2B5EF4-FFF2-40B4-BE49-F238E27FC236}">
+                <a16:creationId xmlns:a16="http://schemas.microsoft.com/office/drawing/2014/main" id="{C421EEF4-C2EC-D50D-81B1-2A5CC0458FC4}"/>
               </a:ext>
             </a:extLst>
           </p:cNvPr>
@@ -5420,6 +7359,1208 @@
         </p:nvCxnSpPr>
         <p:spPr>
           <a:xfrm>
+            <a:off x="3672043" y="2096966"/>
+            <a:ext cx="759280" cy="0"/>
+          </a:xfrm>
+          <a:prstGeom prst="line">
+            <a:avLst/>
+          </a:prstGeom>
+          <a:ln w="12700"/>
+        </p:spPr>
+        <p:style>
+          <a:lnRef idx="1">
+            <a:schemeClr val="dk1"/>
+          </a:lnRef>
+          <a:fillRef idx="0">
+            <a:schemeClr val="dk1"/>
+          </a:fillRef>
+          <a:effectRef idx="0">
+            <a:schemeClr val="dk1"/>
+          </a:effectRef>
+          <a:fontRef idx="minor">
+            <a:schemeClr val="tx1"/>
+          </a:fontRef>
+        </p:style>
+      </p:cxnSp>
+      <p:sp>
+        <p:nvSpPr>
+          <p:cNvPr id="2" name="직사각형 1">
+            <a:extLst>
+              <a:ext uri="{FF2B5EF4-FFF2-40B4-BE49-F238E27FC236}">
+                <a16:creationId xmlns:a16="http://schemas.microsoft.com/office/drawing/2014/main" id="{FB621E19-5F24-45C6-3F48-2B96489719DA}"/>
+              </a:ext>
+            </a:extLst>
+          </p:cNvPr>
+          <p:cNvSpPr/>
+          <p:nvPr/>
+        </p:nvSpPr>
+        <p:spPr>
+          <a:xfrm>
+            <a:off x="4431323" y="1833667"/>
+            <a:ext cx="1587953" cy="526597"/>
+          </a:xfrm>
+          <a:prstGeom prst="rect">
+            <a:avLst/>
+          </a:prstGeom>
+        </p:spPr>
+        <p:style>
+          <a:lnRef idx="2">
+            <a:schemeClr val="dk1"/>
+          </a:lnRef>
+          <a:fillRef idx="1">
+            <a:schemeClr val="lt1"/>
+          </a:fillRef>
+          <a:effectRef idx="0">
+            <a:schemeClr val="dk1"/>
+          </a:effectRef>
+          <a:fontRef idx="minor">
+            <a:schemeClr val="dk1"/>
+          </a:fontRef>
+        </p:style>
+        <p:txBody>
+          <a:bodyPr rtlCol="0" anchor="ctr"/>
+          <a:lstStyle/>
+          <a:p>
+            <a:pPr algn="ctr"/>
+            <a:r>
+              <a:rPr lang="en-US" altLang="ko-KR" dirty="0" err="1"/>
+              <a:t>FieldObject</a:t>
+            </a:r>
+            <a:endParaRPr lang="ko-KR" altLang="en-US" dirty="0"/>
+          </a:p>
+        </p:txBody>
+      </p:sp>
+      <p:sp>
+        <p:nvSpPr>
+          <p:cNvPr id="3" name="직사각형 2">
+            <a:extLst>
+              <a:ext uri="{FF2B5EF4-FFF2-40B4-BE49-F238E27FC236}">
+                <a16:creationId xmlns:a16="http://schemas.microsoft.com/office/drawing/2014/main" id="{5A623117-077E-1DEE-7AFD-B6864954263B}"/>
+              </a:ext>
+            </a:extLst>
+          </p:cNvPr>
+          <p:cNvSpPr/>
+          <p:nvPr/>
+        </p:nvSpPr>
+        <p:spPr>
+          <a:xfrm>
+            <a:off x="4431323" y="2415529"/>
+            <a:ext cx="1587953" cy="526597"/>
+          </a:xfrm>
+          <a:prstGeom prst="rect">
+            <a:avLst/>
+          </a:prstGeom>
+        </p:spPr>
+        <p:style>
+          <a:lnRef idx="2">
+            <a:schemeClr val="dk1"/>
+          </a:lnRef>
+          <a:fillRef idx="1">
+            <a:schemeClr val="lt1"/>
+          </a:fillRef>
+          <a:effectRef idx="0">
+            <a:schemeClr val="dk1"/>
+          </a:effectRef>
+          <a:fontRef idx="minor">
+            <a:schemeClr val="dk1"/>
+          </a:fontRef>
+        </p:style>
+        <p:txBody>
+          <a:bodyPr rtlCol="0" anchor="ctr"/>
+          <a:lstStyle/>
+          <a:p>
+            <a:pPr algn="ctr"/>
+            <a:r>
+              <a:rPr lang="en-US" altLang="ko-KR" dirty="0" err="1"/>
+              <a:t>FieldObject</a:t>
+            </a:r>
+            <a:endParaRPr lang="ko-KR" altLang="en-US" dirty="0"/>
+          </a:p>
+        </p:txBody>
+      </p:sp>
+      <p:sp>
+        <p:nvSpPr>
+          <p:cNvPr id="14" name="직사각형 13">
+            <a:extLst>
+              <a:ext uri="{FF2B5EF4-FFF2-40B4-BE49-F238E27FC236}">
+                <a16:creationId xmlns:a16="http://schemas.microsoft.com/office/drawing/2014/main" id="{4A278CF2-722C-790C-77F7-87E548A01CF6}"/>
+              </a:ext>
+            </a:extLst>
+          </p:cNvPr>
+          <p:cNvSpPr/>
+          <p:nvPr/>
+        </p:nvSpPr>
+        <p:spPr>
+          <a:xfrm>
+            <a:off x="4431323" y="3151413"/>
+            <a:ext cx="1587953" cy="526597"/>
+          </a:xfrm>
+          <a:prstGeom prst="rect">
+            <a:avLst/>
+          </a:prstGeom>
+        </p:spPr>
+        <p:style>
+          <a:lnRef idx="2">
+            <a:schemeClr val="dk1"/>
+          </a:lnRef>
+          <a:fillRef idx="1">
+            <a:schemeClr val="lt1"/>
+          </a:fillRef>
+          <a:effectRef idx="0">
+            <a:schemeClr val="dk1"/>
+          </a:effectRef>
+          <a:fontRef idx="minor">
+            <a:schemeClr val="dk1"/>
+          </a:fontRef>
+        </p:style>
+        <p:txBody>
+          <a:bodyPr rtlCol="0" anchor="ctr"/>
+          <a:lstStyle/>
+          <a:p>
+            <a:pPr algn="ctr"/>
+            <a:r>
+              <a:rPr lang="en-US" altLang="ko-KR" dirty="0" err="1"/>
+              <a:t>FieldObject</a:t>
+            </a:r>
+            <a:endParaRPr lang="ko-KR" altLang="en-US" dirty="0"/>
+          </a:p>
+        </p:txBody>
+      </p:sp>
+      <p:sp>
+        <p:nvSpPr>
+          <p:cNvPr id="16" name="직사각형 15">
+            <a:extLst>
+              <a:ext uri="{FF2B5EF4-FFF2-40B4-BE49-F238E27FC236}">
+                <a16:creationId xmlns:a16="http://schemas.microsoft.com/office/drawing/2014/main" id="{38D757F2-F9A1-B726-DDA6-7DC7BCFE3D8E}"/>
+              </a:ext>
+            </a:extLst>
+          </p:cNvPr>
+          <p:cNvSpPr/>
+          <p:nvPr/>
+        </p:nvSpPr>
+        <p:spPr>
+          <a:xfrm>
+            <a:off x="4431323" y="3733276"/>
+            <a:ext cx="1587953" cy="526597"/>
+          </a:xfrm>
+          <a:prstGeom prst="rect">
+            <a:avLst/>
+          </a:prstGeom>
+        </p:spPr>
+        <p:style>
+          <a:lnRef idx="2">
+            <a:schemeClr val="dk1"/>
+          </a:lnRef>
+          <a:fillRef idx="1">
+            <a:schemeClr val="lt1"/>
+          </a:fillRef>
+          <a:effectRef idx="0">
+            <a:schemeClr val="dk1"/>
+          </a:effectRef>
+          <a:fontRef idx="minor">
+            <a:schemeClr val="dk1"/>
+          </a:fontRef>
+        </p:style>
+        <p:txBody>
+          <a:bodyPr rtlCol="0" anchor="ctr"/>
+          <a:lstStyle/>
+          <a:p>
+            <a:pPr algn="ctr"/>
+            <a:r>
+              <a:rPr lang="en-US" altLang="ko-KR" dirty="0" err="1"/>
+              <a:t>FieldObject</a:t>
+            </a:r>
+            <a:endParaRPr lang="ko-KR" altLang="en-US" dirty="0"/>
+          </a:p>
+        </p:txBody>
+      </p:sp>
+      <p:cxnSp>
+        <p:nvCxnSpPr>
+          <p:cNvPr id="17" name="직선 연결선 16">
+            <a:extLst>
+              <a:ext uri="{FF2B5EF4-FFF2-40B4-BE49-F238E27FC236}">
+                <a16:creationId xmlns:a16="http://schemas.microsoft.com/office/drawing/2014/main" id="{F91B0671-5244-8442-6052-7E726B690292}"/>
+              </a:ext>
+            </a:extLst>
+          </p:cNvPr>
+          <p:cNvCxnSpPr>
+            <a:cxnSpLocks/>
+          </p:cNvCxnSpPr>
+          <p:nvPr/>
+        </p:nvCxnSpPr>
+        <p:spPr>
+          <a:xfrm>
+            <a:off x="3672043" y="3429000"/>
+            <a:ext cx="759280" cy="0"/>
+          </a:xfrm>
+          <a:prstGeom prst="line">
+            <a:avLst/>
+          </a:prstGeom>
+          <a:ln w="12700"/>
+        </p:spPr>
+        <p:style>
+          <a:lnRef idx="1">
+            <a:schemeClr val="dk1"/>
+          </a:lnRef>
+          <a:fillRef idx="0">
+            <a:schemeClr val="dk1"/>
+          </a:fillRef>
+          <a:effectRef idx="0">
+            <a:schemeClr val="dk1"/>
+          </a:effectRef>
+          <a:fontRef idx="minor">
+            <a:schemeClr val="tx1"/>
+          </a:fontRef>
+        </p:style>
+      </p:cxnSp>
+      <p:cxnSp>
+        <p:nvCxnSpPr>
+          <p:cNvPr id="21" name="직선 연결선 20">
+            <a:extLst>
+              <a:ext uri="{FF2B5EF4-FFF2-40B4-BE49-F238E27FC236}">
+                <a16:creationId xmlns:a16="http://schemas.microsoft.com/office/drawing/2014/main" id="{57551EB8-5794-D019-E75A-0850A2A284FC}"/>
+              </a:ext>
+            </a:extLst>
+          </p:cNvPr>
+          <p:cNvCxnSpPr>
+            <a:stCxn id="3" idx="1"/>
+          </p:cNvCxnSpPr>
+          <p:nvPr/>
+        </p:nvCxnSpPr>
+        <p:spPr>
+          <a:xfrm flipH="1" flipV="1">
+            <a:off x="4318907" y="2678827"/>
+            <a:ext cx="112416" cy="1"/>
+          </a:xfrm>
+          <a:prstGeom prst="line">
+            <a:avLst/>
+          </a:prstGeom>
+          <a:ln w="12700"/>
+        </p:spPr>
+        <p:style>
+          <a:lnRef idx="1">
+            <a:schemeClr val="dk1"/>
+          </a:lnRef>
+          <a:fillRef idx="0">
+            <a:schemeClr val="dk1"/>
+          </a:fillRef>
+          <a:effectRef idx="0">
+            <a:schemeClr val="dk1"/>
+          </a:effectRef>
+          <a:fontRef idx="minor">
+            <a:schemeClr val="tx1"/>
+          </a:fontRef>
+        </p:style>
+      </p:cxnSp>
+      <p:cxnSp>
+        <p:nvCxnSpPr>
+          <p:cNvPr id="23" name="직선 연결선 22">
+            <a:extLst>
+              <a:ext uri="{FF2B5EF4-FFF2-40B4-BE49-F238E27FC236}">
+                <a16:creationId xmlns:a16="http://schemas.microsoft.com/office/drawing/2014/main" id="{45ED1472-8B29-782D-05B4-75B8EE1B268F}"/>
+              </a:ext>
+            </a:extLst>
+          </p:cNvPr>
+          <p:cNvCxnSpPr/>
+          <p:nvPr/>
+        </p:nvCxnSpPr>
+        <p:spPr>
+          <a:xfrm flipV="1">
+            <a:off x="4318907" y="2096965"/>
+            <a:ext cx="0" cy="581862"/>
+          </a:xfrm>
+          <a:prstGeom prst="line">
+            <a:avLst/>
+          </a:prstGeom>
+          <a:ln w="12700"/>
+        </p:spPr>
+        <p:style>
+          <a:lnRef idx="1">
+            <a:schemeClr val="dk1"/>
+          </a:lnRef>
+          <a:fillRef idx="0">
+            <a:schemeClr val="dk1"/>
+          </a:fillRef>
+          <a:effectRef idx="0">
+            <a:schemeClr val="dk1"/>
+          </a:effectRef>
+          <a:fontRef idx="minor">
+            <a:schemeClr val="tx1"/>
+          </a:fontRef>
+        </p:style>
+      </p:cxnSp>
+      <p:cxnSp>
+        <p:nvCxnSpPr>
+          <p:cNvPr id="26" name="직선 연결선 25">
+            <a:extLst>
+              <a:ext uri="{FF2B5EF4-FFF2-40B4-BE49-F238E27FC236}">
+                <a16:creationId xmlns:a16="http://schemas.microsoft.com/office/drawing/2014/main" id="{BB52288C-30F9-F5E1-8764-BB75D2CD2A44}"/>
+              </a:ext>
+            </a:extLst>
+          </p:cNvPr>
+          <p:cNvCxnSpPr>
+            <a:stCxn id="16" idx="1"/>
+          </p:cNvCxnSpPr>
+          <p:nvPr/>
+        </p:nvCxnSpPr>
+        <p:spPr>
+          <a:xfrm flipH="1" flipV="1">
+            <a:off x="4318907" y="3996574"/>
+            <a:ext cx="112416" cy="1"/>
+          </a:xfrm>
+          <a:prstGeom prst="line">
+            <a:avLst/>
+          </a:prstGeom>
+          <a:ln w="12700"/>
+        </p:spPr>
+        <p:style>
+          <a:lnRef idx="1">
+            <a:schemeClr val="dk1"/>
+          </a:lnRef>
+          <a:fillRef idx="0">
+            <a:schemeClr val="dk1"/>
+          </a:fillRef>
+          <a:effectRef idx="0">
+            <a:schemeClr val="dk1"/>
+          </a:effectRef>
+          <a:fontRef idx="minor">
+            <a:schemeClr val="tx1"/>
+          </a:fontRef>
+        </p:style>
+      </p:cxnSp>
+      <p:cxnSp>
+        <p:nvCxnSpPr>
+          <p:cNvPr id="29" name="직선 연결선 28">
+            <a:extLst>
+              <a:ext uri="{FF2B5EF4-FFF2-40B4-BE49-F238E27FC236}">
+                <a16:creationId xmlns:a16="http://schemas.microsoft.com/office/drawing/2014/main" id="{383A4928-F55F-EFFC-7A17-FF1E8D27CFB0}"/>
+              </a:ext>
+            </a:extLst>
+          </p:cNvPr>
+          <p:cNvCxnSpPr/>
+          <p:nvPr/>
+        </p:nvCxnSpPr>
+        <p:spPr>
+          <a:xfrm>
+            <a:off x="4318907" y="3429000"/>
+            <a:ext cx="0" cy="567574"/>
+          </a:xfrm>
+          <a:prstGeom prst="line">
+            <a:avLst/>
+          </a:prstGeom>
+          <a:ln w="12700"/>
+        </p:spPr>
+        <p:style>
+          <a:lnRef idx="1">
+            <a:schemeClr val="dk1"/>
+          </a:lnRef>
+          <a:fillRef idx="0">
+            <a:schemeClr val="dk1"/>
+          </a:fillRef>
+          <a:effectRef idx="0">
+            <a:schemeClr val="dk1"/>
+          </a:effectRef>
+          <a:fontRef idx="minor">
+            <a:schemeClr val="tx1"/>
+          </a:fontRef>
+        </p:style>
+      </p:cxnSp>
+      <p:sp>
+        <p:nvSpPr>
+          <p:cNvPr id="30" name="직사각형 29">
+            <a:extLst>
+              <a:ext uri="{FF2B5EF4-FFF2-40B4-BE49-F238E27FC236}">
+                <a16:creationId xmlns:a16="http://schemas.microsoft.com/office/drawing/2014/main" id="{276515C6-4059-660B-C291-CDEF725549C2}"/>
+              </a:ext>
+            </a:extLst>
+          </p:cNvPr>
+          <p:cNvSpPr/>
+          <p:nvPr/>
+        </p:nvSpPr>
+        <p:spPr>
+          <a:xfrm>
+            <a:off x="6338836" y="1912196"/>
+            <a:ext cx="1534258" cy="360014"/>
+          </a:xfrm>
+          <a:prstGeom prst="rect">
+            <a:avLst/>
+          </a:prstGeom>
+        </p:spPr>
+        <p:style>
+          <a:lnRef idx="2">
+            <a:schemeClr val="dk1"/>
+          </a:lnRef>
+          <a:fillRef idx="1">
+            <a:schemeClr val="lt1"/>
+          </a:fillRef>
+          <a:effectRef idx="0">
+            <a:schemeClr val="dk1"/>
+          </a:effectRef>
+          <a:fontRef idx="minor">
+            <a:schemeClr val="dk1"/>
+          </a:fontRef>
+        </p:style>
+        <p:txBody>
+          <a:bodyPr rtlCol="0" anchor="ctr"/>
+          <a:lstStyle/>
+          <a:p>
+            <a:pPr algn="ctr"/>
+            <a:r>
+              <a:rPr lang="en-US" altLang="ko-KR" dirty="0"/>
+              <a:t>Component</a:t>
+            </a:r>
+            <a:endParaRPr lang="ko-KR" altLang="en-US" dirty="0"/>
+          </a:p>
+        </p:txBody>
+      </p:sp>
+      <p:sp>
+        <p:nvSpPr>
+          <p:cNvPr id="31" name="직사각형 30">
+            <a:extLst>
+              <a:ext uri="{FF2B5EF4-FFF2-40B4-BE49-F238E27FC236}">
+                <a16:creationId xmlns:a16="http://schemas.microsoft.com/office/drawing/2014/main" id="{DF7C97EB-0142-BC41-CB50-5BD41C2D23CB}"/>
+              </a:ext>
+            </a:extLst>
+          </p:cNvPr>
+          <p:cNvSpPr/>
+          <p:nvPr/>
+        </p:nvSpPr>
+        <p:spPr>
+          <a:xfrm>
+            <a:off x="6338836" y="2317375"/>
+            <a:ext cx="1534258" cy="360014"/>
+          </a:xfrm>
+          <a:prstGeom prst="rect">
+            <a:avLst/>
+          </a:prstGeom>
+        </p:spPr>
+        <p:style>
+          <a:lnRef idx="2">
+            <a:schemeClr val="dk1"/>
+          </a:lnRef>
+          <a:fillRef idx="1">
+            <a:schemeClr val="lt1"/>
+          </a:fillRef>
+          <a:effectRef idx="0">
+            <a:schemeClr val="dk1"/>
+          </a:effectRef>
+          <a:fontRef idx="minor">
+            <a:schemeClr val="dk1"/>
+          </a:fontRef>
+        </p:style>
+        <p:txBody>
+          <a:bodyPr rtlCol="0" anchor="ctr"/>
+          <a:lstStyle/>
+          <a:p>
+            <a:pPr algn="ctr"/>
+            <a:r>
+              <a:rPr lang="en-US" altLang="ko-KR" dirty="0"/>
+              <a:t>Component</a:t>
+            </a:r>
+            <a:endParaRPr lang="ko-KR" altLang="en-US" dirty="0"/>
+          </a:p>
+        </p:txBody>
+      </p:sp>
+      <p:sp>
+        <p:nvSpPr>
+          <p:cNvPr id="33" name="직사각형 32">
+            <a:extLst>
+              <a:ext uri="{FF2B5EF4-FFF2-40B4-BE49-F238E27FC236}">
+                <a16:creationId xmlns:a16="http://schemas.microsoft.com/office/drawing/2014/main" id="{BC008D15-E552-D205-609B-559706A6214D}"/>
+              </a:ext>
+            </a:extLst>
+          </p:cNvPr>
+          <p:cNvSpPr/>
+          <p:nvPr/>
+        </p:nvSpPr>
+        <p:spPr>
+          <a:xfrm>
+            <a:off x="6338836" y="2722554"/>
+            <a:ext cx="1534258" cy="360014"/>
+          </a:xfrm>
+          <a:prstGeom prst="rect">
+            <a:avLst/>
+          </a:prstGeom>
+        </p:spPr>
+        <p:style>
+          <a:lnRef idx="2">
+            <a:schemeClr val="dk1"/>
+          </a:lnRef>
+          <a:fillRef idx="1">
+            <a:schemeClr val="lt1"/>
+          </a:fillRef>
+          <a:effectRef idx="0">
+            <a:schemeClr val="dk1"/>
+          </a:effectRef>
+          <a:fontRef idx="minor">
+            <a:schemeClr val="dk1"/>
+          </a:fontRef>
+        </p:style>
+        <p:txBody>
+          <a:bodyPr rtlCol="0" anchor="ctr"/>
+          <a:lstStyle/>
+          <a:p>
+            <a:pPr algn="ctr"/>
+            <a:r>
+              <a:rPr lang="en-US" altLang="ko-KR" dirty="0"/>
+              <a:t>Component</a:t>
+            </a:r>
+            <a:endParaRPr lang="ko-KR" altLang="en-US" dirty="0"/>
+          </a:p>
+        </p:txBody>
+      </p:sp>
+      <p:cxnSp>
+        <p:nvCxnSpPr>
+          <p:cNvPr id="37" name="직선 연결선 36">
+            <a:extLst>
+              <a:ext uri="{FF2B5EF4-FFF2-40B4-BE49-F238E27FC236}">
+                <a16:creationId xmlns:a16="http://schemas.microsoft.com/office/drawing/2014/main" id="{BFBC80CF-9724-276C-D812-D12DDBD51AC3}"/>
+              </a:ext>
+            </a:extLst>
+          </p:cNvPr>
+          <p:cNvCxnSpPr>
+            <a:stCxn id="2" idx="3"/>
+            <a:endCxn id="30" idx="1"/>
+          </p:cNvCxnSpPr>
+          <p:nvPr/>
+        </p:nvCxnSpPr>
+        <p:spPr>
+          <a:xfrm flipV="1">
+            <a:off x="6019276" y="2092203"/>
+            <a:ext cx="319560" cy="4763"/>
+          </a:xfrm>
+          <a:prstGeom prst="line">
+            <a:avLst/>
+          </a:prstGeom>
+          <a:ln w="12700"/>
+        </p:spPr>
+        <p:style>
+          <a:lnRef idx="1">
+            <a:schemeClr val="dk1"/>
+          </a:lnRef>
+          <a:fillRef idx="0">
+            <a:schemeClr val="dk1"/>
+          </a:fillRef>
+          <a:effectRef idx="0">
+            <a:schemeClr val="dk1"/>
+          </a:effectRef>
+          <a:fontRef idx="minor">
+            <a:schemeClr val="tx1"/>
+          </a:fontRef>
+        </p:style>
+      </p:cxnSp>
+      <p:cxnSp>
+        <p:nvCxnSpPr>
+          <p:cNvPr id="40" name="직선 연결선 39">
+            <a:extLst>
+              <a:ext uri="{FF2B5EF4-FFF2-40B4-BE49-F238E27FC236}">
+                <a16:creationId xmlns:a16="http://schemas.microsoft.com/office/drawing/2014/main" id="{D9252B33-8C70-6201-7F1E-839A2DECD4D9}"/>
+              </a:ext>
+            </a:extLst>
+          </p:cNvPr>
+          <p:cNvCxnSpPr>
+            <a:cxnSpLocks/>
+            <a:stCxn id="31" idx="1"/>
+          </p:cNvCxnSpPr>
+          <p:nvPr/>
+        </p:nvCxnSpPr>
+        <p:spPr>
+          <a:xfrm flipH="1">
+            <a:off x="6216162" y="2497382"/>
+            <a:ext cx="122674" cy="0"/>
+          </a:xfrm>
+          <a:prstGeom prst="line">
+            <a:avLst/>
+          </a:prstGeom>
+          <a:ln w="12700"/>
+        </p:spPr>
+        <p:style>
+          <a:lnRef idx="1">
+            <a:schemeClr val="dk1"/>
+          </a:lnRef>
+          <a:fillRef idx="0">
+            <a:schemeClr val="dk1"/>
+          </a:fillRef>
+          <a:effectRef idx="0">
+            <a:schemeClr val="dk1"/>
+          </a:effectRef>
+          <a:fontRef idx="minor">
+            <a:schemeClr val="tx1"/>
+          </a:fontRef>
+        </p:style>
+      </p:cxnSp>
+      <p:cxnSp>
+        <p:nvCxnSpPr>
+          <p:cNvPr id="42" name="직선 연결선 41">
+            <a:extLst>
+              <a:ext uri="{FF2B5EF4-FFF2-40B4-BE49-F238E27FC236}">
+                <a16:creationId xmlns:a16="http://schemas.microsoft.com/office/drawing/2014/main" id="{457A675D-84EE-AACD-DC36-19AFB4D30189}"/>
+              </a:ext>
+            </a:extLst>
+          </p:cNvPr>
+          <p:cNvCxnSpPr>
+            <a:cxnSpLocks/>
+            <a:stCxn id="33" idx="1"/>
+          </p:cNvCxnSpPr>
+          <p:nvPr/>
+        </p:nvCxnSpPr>
+        <p:spPr>
+          <a:xfrm flipH="1">
+            <a:off x="6216162" y="2902561"/>
+            <a:ext cx="122674" cy="3297"/>
+          </a:xfrm>
+          <a:prstGeom prst="line">
+            <a:avLst/>
+          </a:prstGeom>
+          <a:ln w="12700"/>
+        </p:spPr>
+        <p:style>
+          <a:lnRef idx="1">
+            <a:schemeClr val="dk1"/>
+          </a:lnRef>
+          <a:fillRef idx="0">
+            <a:schemeClr val="dk1"/>
+          </a:fillRef>
+          <a:effectRef idx="0">
+            <a:schemeClr val="dk1"/>
+          </a:effectRef>
+          <a:fontRef idx="minor">
+            <a:schemeClr val="tx1"/>
+          </a:fontRef>
+        </p:style>
+      </p:cxnSp>
+      <p:cxnSp>
+        <p:nvCxnSpPr>
+          <p:cNvPr id="45" name="직선 연결선 44">
+            <a:extLst>
+              <a:ext uri="{FF2B5EF4-FFF2-40B4-BE49-F238E27FC236}">
+                <a16:creationId xmlns:a16="http://schemas.microsoft.com/office/drawing/2014/main" id="{C98A4F64-D389-F1C4-8877-8E379A9ADF4B}"/>
+              </a:ext>
+            </a:extLst>
+          </p:cNvPr>
+          <p:cNvCxnSpPr/>
+          <p:nvPr/>
+        </p:nvCxnSpPr>
+        <p:spPr>
+          <a:xfrm flipV="1">
+            <a:off x="6216162" y="2092203"/>
+            <a:ext cx="0" cy="810358"/>
+          </a:xfrm>
+          <a:prstGeom prst="line">
+            <a:avLst/>
+          </a:prstGeom>
+          <a:ln w="12700"/>
+        </p:spPr>
+        <p:style>
+          <a:lnRef idx="1">
+            <a:schemeClr val="dk1"/>
+          </a:lnRef>
+          <a:fillRef idx="0">
+            <a:schemeClr val="dk1"/>
+          </a:fillRef>
+          <a:effectRef idx="0">
+            <a:schemeClr val="dk1"/>
+          </a:effectRef>
+          <a:fontRef idx="minor">
+            <a:schemeClr val="tx1"/>
+          </a:fontRef>
+        </p:style>
+      </p:cxnSp>
+      <p:sp>
+        <p:nvSpPr>
+          <p:cNvPr id="47" name="직사각형 46">
+            <a:extLst>
+              <a:ext uri="{FF2B5EF4-FFF2-40B4-BE49-F238E27FC236}">
+                <a16:creationId xmlns:a16="http://schemas.microsoft.com/office/drawing/2014/main" id="{2357F25A-9980-C6F9-04A0-3DB7484E0ABA}"/>
+              </a:ext>
+            </a:extLst>
+          </p:cNvPr>
+          <p:cNvSpPr/>
+          <p:nvPr/>
+        </p:nvSpPr>
+        <p:spPr>
+          <a:xfrm>
+            <a:off x="8317523" y="1934425"/>
+            <a:ext cx="694592" cy="321050"/>
+          </a:xfrm>
+          <a:prstGeom prst="rect">
+            <a:avLst/>
+          </a:prstGeom>
+        </p:spPr>
+        <p:style>
+          <a:lnRef idx="2">
+            <a:schemeClr val="dk1"/>
+          </a:lnRef>
+          <a:fillRef idx="1">
+            <a:schemeClr val="lt1"/>
+          </a:fillRef>
+          <a:effectRef idx="0">
+            <a:schemeClr val="dk1"/>
+          </a:effectRef>
+          <a:fontRef idx="minor">
+            <a:schemeClr val="dk1"/>
+          </a:fontRef>
+        </p:style>
+        <p:txBody>
+          <a:bodyPr rtlCol="0" anchor="ctr"/>
+          <a:lstStyle/>
+          <a:p>
+            <a:pPr algn="ctr"/>
+            <a:r>
+              <a:rPr lang="en-US" altLang="ko-KR" dirty="0"/>
+              <a:t>Data</a:t>
+            </a:r>
+            <a:endParaRPr lang="ko-KR" altLang="en-US" dirty="0"/>
+          </a:p>
+        </p:txBody>
+      </p:sp>
+      <p:sp>
+        <p:nvSpPr>
+          <p:cNvPr id="48" name="직사각형 47">
+            <a:extLst>
+              <a:ext uri="{FF2B5EF4-FFF2-40B4-BE49-F238E27FC236}">
+                <a16:creationId xmlns:a16="http://schemas.microsoft.com/office/drawing/2014/main" id="{AB719D91-2E26-0A51-1A1D-23770DF39445}"/>
+              </a:ext>
+            </a:extLst>
+          </p:cNvPr>
+          <p:cNvSpPr/>
+          <p:nvPr/>
+        </p:nvSpPr>
+        <p:spPr>
+          <a:xfrm>
+            <a:off x="8317523" y="2291993"/>
+            <a:ext cx="694592" cy="321050"/>
+          </a:xfrm>
+          <a:prstGeom prst="rect">
+            <a:avLst/>
+          </a:prstGeom>
+        </p:spPr>
+        <p:style>
+          <a:lnRef idx="2">
+            <a:schemeClr val="dk1"/>
+          </a:lnRef>
+          <a:fillRef idx="1">
+            <a:schemeClr val="lt1"/>
+          </a:fillRef>
+          <a:effectRef idx="0">
+            <a:schemeClr val="dk1"/>
+          </a:effectRef>
+          <a:fontRef idx="minor">
+            <a:schemeClr val="dk1"/>
+          </a:fontRef>
+        </p:style>
+        <p:txBody>
+          <a:bodyPr rtlCol="0" anchor="ctr"/>
+          <a:lstStyle/>
+          <a:p>
+            <a:pPr algn="ctr"/>
+            <a:r>
+              <a:rPr lang="en-US" altLang="ko-KR" dirty="0"/>
+              <a:t>Data</a:t>
+            </a:r>
+            <a:endParaRPr lang="ko-KR" altLang="en-US" dirty="0"/>
+          </a:p>
+        </p:txBody>
+      </p:sp>
+      <p:sp>
+        <p:nvSpPr>
+          <p:cNvPr id="49" name="직사각형 48">
+            <a:extLst>
+              <a:ext uri="{FF2B5EF4-FFF2-40B4-BE49-F238E27FC236}">
+                <a16:creationId xmlns:a16="http://schemas.microsoft.com/office/drawing/2014/main" id="{814F5267-AB17-BACF-15DA-02E1CFA9EE75}"/>
+              </a:ext>
+            </a:extLst>
+          </p:cNvPr>
+          <p:cNvSpPr/>
+          <p:nvPr/>
+        </p:nvSpPr>
+        <p:spPr>
+          <a:xfrm>
+            <a:off x="8317523" y="2649561"/>
+            <a:ext cx="694592" cy="321050"/>
+          </a:xfrm>
+          <a:prstGeom prst="rect">
+            <a:avLst/>
+          </a:prstGeom>
+        </p:spPr>
+        <p:style>
+          <a:lnRef idx="2">
+            <a:schemeClr val="dk1"/>
+          </a:lnRef>
+          <a:fillRef idx="1">
+            <a:schemeClr val="lt1"/>
+          </a:fillRef>
+          <a:effectRef idx="0">
+            <a:schemeClr val="dk1"/>
+          </a:effectRef>
+          <a:fontRef idx="minor">
+            <a:schemeClr val="dk1"/>
+          </a:fontRef>
+        </p:style>
+        <p:txBody>
+          <a:bodyPr rtlCol="0" anchor="ctr"/>
+          <a:lstStyle/>
+          <a:p>
+            <a:pPr algn="ctr"/>
+            <a:r>
+              <a:rPr lang="en-US" altLang="ko-KR" dirty="0"/>
+              <a:t>Data</a:t>
+            </a:r>
+            <a:endParaRPr lang="ko-KR" altLang="en-US" dirty="0"/>
+          </a:p>
+        </p:txBody>
+      </p:sp>
+      <p:cxnSp>
+        <p:nvCxnSpPr>
+          <p:cNvPr id="51" name="직선 연결선 50">
+            <a:extLst>
+              <a:ext uri="{FF2B5EF4-FFF2-40B4-BE49-F238E27FC236}">
+                <a16:creationId xmlns:a16="http://schemas.microsoft.com/office/drawing/2014/main" id="{D55AD151-5BE8-ADA3-2562-00E6BF140422}"/>
+              </a:ext>
+            </a:extLst>
+          </p:cNvPr>
+          <p:cNvCxnSpPr>
+            <a:cxnSpLocks/>
+            <a:stCxn id="30" idx="3"/>
+            <a:endCxn id="47" idx="1"/>
+          </p:cNvCxnSpPr>
+          <p:nvPr/>
+        </p:nvCxnSpPr>
+        <p:spPr>
+          <a:xfrm>
+            <a:off x="7873094" y="2092203"/>
+            <a:ext cx="444429" cy="2747"/>
+          </a:xfrm>
+          <a:prstGeom prst="line">
+            <a:avLst/>
+          </a:prstGeom>
+          <a:ln w="12700"/>
+        </p:spPr>
+        <p:style>
+          <a:lnRef idx="1">
+            <a:schemeClr val="dk1"/>
+          </a:lnRef>
+          <a:fillRef idx="0">
+            <a:schemeClr val="dk1"/>
+          </a:fillRef>
+          <a:effectRef idx="0">
+            <a:schemeClr val="dk1"/>
+          </a:effectRef>
+          <a:fontRef idx="minor">
+            <a:schemeClr val="tx1"/>
+          </a:fontRef>
+        </p:style>
+      </p:cxnSp>
+      <p:cxnSp>
+        <p:nvCxnSpPr>
+          <p:cNvPr id="53" name="직선 연결선 52">
+            <a:extLst>
+              <a:ext uri="{FF2B5EF4-FFF2-40B4-BE49-F238E27FC236}">
+                <a16:creationId xmlns:a16="http://schemas.microsoft.com/office/drawing/2014/main" id="{DEF6571F-4425-4E1C-A295-B84F8EB01589}"/>
+              </a:ext>
+            </a:extLst>
+          </p:cNvPr>
+          <p:cNvCxnSpPr>
+            <a:cxnSpLocks/>
+          </p:cNvCxnSpPr>
+          <p:nvPr/>
+        </p:nvCxnSpPr>
+        <p:spPr>
+          <a:xfrm>
+            <a:off x="8095308" y="2092203"/>
+            <a:ext cx="0" cy="717883"/>
+          </a:xfrm>
+          <a:prstGeom prst="line">
+            <a:avLst/>
+          </a:prstGeom>
+          <a:ln w="12700"/>
+        </p:spPr>
+        <p:style>
+          <a:lnRef idx="1">
+            <a:schemeClr val="dk1"/>
+          </a:lnRef>
+          <a:fillRef idx="0">
+            <a:schemeClr val="dk1"/>
+          </a:fillRef>
+          <a:effectRef idx="0">
+            <a:schemeClr val="dk1"/>
+          </a:effectRef>
+          <a:fontRef idx="minor">
+            <a:schemeClr val="tx1"/>
+          </a:fontRef>
+        </p:style>
+      </p:cxnSp>
+      <p:cxnSp>
+        <p:nvCxnSpPr>
+          <p:cNvPr id="55" name="직선 연결선 54">
+            <a:extLst>
+              <a:ext uri="{FF2B5EF4-FFF2-40B4-BE49-F238E27FC236}">
+                <a16:creationId xmlns:a16="http://schemas.microsoft.com/office/drawing/2014/main" id="{0E81F542-469A-1F39-342F-F8CCE32D24F9}"/>
+              </a:ext>
+            </a:extLst>
+          </p:cNvPr>
+          <p:cNvCxnSpPr>
+            <a:cxnSpLocks/>
+            <a:endCxn id="49" idx="1"/>
+          </p:cNvCxnSpPr>
+          <p:nvPr/>
+        </p:nvCxnSpPr>
+        <p:spPr>
+          <a:xfrm>
+            <a:off x="8095308" y="2810086"/>
+            <a:ext cx="222215" cy="0"/>
+          </a:xfrm>
+          <a:prstGeom prst="line">
+            <a:avLst/>
+          </a:prstGeom>
+          <a:ln w="12700"/>
+        </p:spPr>
+        <p:style>
+          <a:lnRef idx="1">
+            <a:schemeClr val="dk1"/>
+          </a:lnRef>
+          <a:fillRef idx="0">
+            <a:schemeClr val="dk1"/>
+          </a:fillRef>
+          <a:effectRef idx="0">
+            <a:schemeClr val="dk1"/>
+          </a:effectRef>
+          <a:fontRef idx="minor">
+            <a:schemeClr val="tx1"/>
+          </a:fontRef>
+        </p:style>
+      </p:cxnSp>
+      <p:cxnSp>
+        <p:nvCxnSpPr>
+          <p:cNvPr id="57" name="직선 연결선 56">
+            <a:extLst>
+              <a:ext uri="{FF2B5EF4-FFF2-40B4-BE49-F238E27FC236}">
+                <a16:creationId xmlns:a16="http://schemas.microsoft.com/office/drawing/2014/main" id="{B0B8B731-AF53-5776-51AF-290C7413BF94}"/>
+              </a:ext>
+            </a:extLst>
+          </p:cNvPr>
+          <p:cNvCxnSpPr>
+            <a:cxnSpLocks/>
+            <a:endCxn id="48" idx="1"/>
+          </p:cNvCxnSpPr>
+          <p:nvPr/>
+        </p:nvCxnSpPr>
+        <p:spPr>
+          <a:xfrm>
+            <a:off x="8095308" y="2452518"/>
+            <a:ext cx="222215" cy="0"/>
+          </a:xfrm>
+          <a:prstGeom prst="line">
+            <a:avLst/>
+          </a:prstGeom>
+          <a:ln w="12700"/>
+        </p:spPr>
+        <p:style>
+          <a:lnRef idx="1">
+            <a:schemeClr val="dk1"/>
+          </a:lnRef>
+          <a:fillRef idx="0">
+            <a:schemeClr val="dk1"/>
+          </a:fillRef>
+          <a:effectRef idx="0">
+            <a:schemeClr val="dk1"/>
+          </a:effectRef>
+          <a:fontRef idx="minor">
+            <a:schemeClr val="tx1"/>
+          </a:fontRef>
+        </p:style>
+      </p:cxnSp>
+    </p:spTree>
+    <p:extLst>
+      <p:ext uri="{BB962C8B-B14F-4D97-AF65-F5344CB8AC3E}">
+        <p14:creationId xmlns:p14="http://schemas.microsoft.com/office/powerpoint/2010/main" val="1646667563"/>
+      </p:ext>
+    </p:extLst>
+  </p:cSld>
+  <p:clrMapOvr>
+    <a:masterClrMapping/>
+  </p:clrMapOvr>
+</p:sld>
+</file>
+
+<file path=ppt/slides/slide6.xml><?xml version="1.0" encoding="utf-8"?>
+<p:sld xmlns:a="http://schemas.openxmlformats.org/drawingml/2006/main" xmlns:r="http://schemas.openxmlformats.org/officeDocument/2006/relationships" xmlns:p="http://schemas.openxmlformats.org/presentationml/2006/main">
+  <p:cSld>
+    <p:spTree>
+      <p:nvGrpSpPr>
+        <p:cNvPr id="1" name=""/>
+        <p:cNvGrpSpPr/>
+        <p:nvPr/>
+      </p:nvGrpSpPr>
+      <p:grpSpPr>
+        <a:xfrm>
+          <a:off x="0" y="0"/>
+          <a:ext cx="0" cy="0"/>
+          <a:chOff x="0" y="0"/>
+          <a:chExt cx="0" cy="0"/>
+        </a:xfrm>
+      </p:grpSpPr>
+      <p:sp>
+        <p:nvSpPr>
+          <p:cNvPr id="4" name="직사각형 3">
+            <a:extLst>
+              <a:ext uri="{FF2B5EF4-FFF2-40B4-BE49-F238E27FC236}">
+                <a16:creationId xmlns:a16="http://schemas.microsoft.com/office/drawing/2014/main" id="{6AAAA710-C334-9513-B5C8-2D6032D7EFC9}"/>
+              </a:ext>
+            </a:extLst>
+          </p:cNvPr>
+          <p:cNvSpPr/>
+          <p:nvPr/>
+        </p:nvSpPr>
+        <p:spPr>
+          <a:xfrm>
+            <a:off x="1318846" y="1103435"/>
+            <a:ext cx="3147646" cy="3486150"/>
+          </a:xfrm>
+          <a:prstGeom prst="rect">
+            <a:avLst/>
+          </a:prstGeom>
+        </p:spPr>
+        <p:style>
+          <a:lnRef idx="2">
+            <a:schemeClr val="dk1"/>
+          </a:lnRef>
+          <a:fillRef idx="1">
+            <a:schemeClr val="lt1"/>
+          </a:fillRef>
+          <a:effectRef idx="0">
+            <a:schemeClr val="dk1"/>
+          </a:effectRef>
+          <a:fontRef idx="minor">
+            <a:schemeClr val="dk1"/>
+          </a:fontRef>
+        </p:style>
+        <p:txBody>
+          <a:bodyPr rtlCol="0" anchor="t" anchorCtr="0"/>
+          <a:lstStyle/>
+          <a:p>
+            <a:pPr algn="ctr"/>
+            <a:r>
+              <a:rPr lang="en-US" altLang="ko-KR" dirty="0" err="1"/>
+              <a:t>FieldChar</a:t>
+            </a:r>
+            <a:endParaRPr lang="ko-KR" altLang="en-US" dirty="0"/>
+          </a:p>
+        </p:txBody>
+      </p:sp>
+      <p:sp>
+        <p:nvSpPr>
+          <p:cNvPr id="5" name="직사각형 4">
+            <a:extLst>
+              <a:ext uri="{FF2B5EF4-FFF2-40B4-BE49-F238E27FC236}">
+                <a16:creationId xmlns:a16="http://schemas.microsoft.com/office/drawing/2014/main" id="{245E67F1-A5DF-FED6-7C57-D58875A52FB7}"/>
+              </a:ext>
+            </a:extLst>
+          </p:cNvPr>
+          <p:cNvSpPr/>
+          <p:nvPr/>
+        </p:nvSpPr>
+        <p:spPr>
+          <a:xfrm>
+            <a:off x="1743074" y="1565031"/>
+            <a:ext cx="2299189" cy="659423"/>
+          </a:xfrm>
+          <a:prstGeom prst="rect">
+            <a:avLst/>
+          </a:prstGeom>
+        </p:spPr>
+        <p:style>
+          <a:lnRef idx="2">
+            <a:schemeClr val="dk1"/>
+          </a:lnRef>
+          <a:fillRef idx="1">
+            <a:schemeClr val="lt1"/>
+          </a:fillRef>
+          <a:effectRef idx="0">
+            <a:schemeClr val="dk1"/>
+          </a:effectRef>
+          <a:fontRef idx="minor">
+            <a:schemeClr val="dk1"/>
+          </a:fontRef>
+        </p:style>
+        <p:txBody>
+          <a:bodyPr rtlCol="0" anchor="ctr"/>
+          <a:lstStyle/>
+          <a:p>
+            <a:pPr algn="ctr"/>
+            <a:r>
+              <a:rPr lang="en-US" altLang="ko-KR" dirty="0"/>
+              <a:t>Component</a:t>
+            </a:r>
+            <a:endParaRPr lang="ko-KR" altLang="en-US" dirty="0"/>
+          </a:p>
+        </p:txBody>
+      </p:sp>
+      <p:sp>
+        <p:nvSpPr>
+          <p:cNvPr id="6" name="직사각형 5">
+            <a:extLst>
+              <a:ext uri="{FF2B5EF4-FFF2-40B4-BE49-F238E27FC236}">
+                <a16:creationId xmlns:a16="http://schemas.microsoft.com/office/drawing/2014/main" id="{8FAEFB52-1AAF-CB1C-373F-AB459C24DA17}"/>
+              </a:ext>
+            </a:extLst>
+          </p:cNvPr>
+          <p:cNvSpPr/>
+          <p:nvPr/>
+        </p:nvSpPr>
+        <p:spPr>
+          <a:xfrm>
+            <a:off x="1743074" y="3313234"/>
+            <a:ext cx="2299189" cy="659423"/>
+          </a:xfrm>
+          <a:prstGeom prst="rect">
+            <a:avLst/>
+          </a:prstGeom>
+        </p:spPr>
+        <p:style>
+          <a:lnRef idx="2">
+            <a:schemeClr val="dk1"/>
+          </a:lnRef>
+          <a:fillRef idx="1">
+            <a:schemeClr val="lt1"/>
+          </a:fillRef>
+          <a:effectRef idx="0">
+            <a:schemeClr val="dk1"/>
+          </a:effectRef>
+          <a:fontRef idx="minor">
+            <a:schemeClr val="dk1"/>
+          </a:fontRef>
+        </p:style>
+        <p:txBody>
+          <a:bodyPr rtlCol="0" anchor="ctr"/>
+          <a:lstStyle/>
+          <a:p>
+            <a:pPr algn="ctr"/>
+            <a:r>
+              <a:rPr lang="en-US" altLang="ko-KR" dirty="0"/>
+              <a:t>Client</a:t>
+            </a:r>
+            <a:endParaRPr lang="ko-KR" altLang="en-US" dirty="0"/>
+          </a:p>
+        </p:txBody>
+      </p:sp>
+      <p:cxnSp>
+        <p:nvCxnSpPr>
+          <p:cNvPr id="8" name="직선 화살표 연결선 7">
+            <a:extLst>
+              <a:ext uri="{FF2B5EF4-FFF2-40B4-BE49-F238E27FC236}">
+                <a16:creationId xmlns:a16="http://schemas.microsoft.com/office/drawing/2014/main" id="{2E642E40-EFE3-F4AD-0F2D-3B993978D1ED}"/>
+              </a:ext>
+            </a:extLst>
+          </p:cNvPr>
+          <p:cNvCxnSpPr>
+            <a:cxnSpLocks/>
+            <a:stCxn id="6" idx="3"/>
+          </p:cNvCxnSpPr>
+          <p:nvPr/>
+        </p:nvCxnSpPr>
+        <p:spPr>
+          <a:xfrm>
             <a:off x="4042263" y="3642946"/>
             <a:ext cx="2296991" cy="0"/>
           </a:xfrm>
@@ -5616,6 +8757,3094 @@
     <p:extLst>
       <p:ext uri="{BB962C8B-B14F-4D97-AF65-F5344CB8AC3E}">
         <p14:creationId xmlns:p14="http://schemas.microsoft.com/office/powerpoint/2010/main" val="841994628"/>
+      </p:ext>
+    </p:extLst>
+  </p:cSld>
+  <p:clrMapOvr>
+    <a:masterClrMapping/>
+  </p:clrMapOvr>
+</p:sld>
+</file>
+
+<file path=ppt/slides/slide7.xml><?xml version="1.0" encoding="utf-8"?>
+<p:sld xmlns:a="http://schemas.openxmlformats.org/drawingml/2006/main" xmlns:r="http://schemas.openxmlformats.org/officeDocument/2006/relationships" xmlns:p="http://schemas.openxmlformats.org/presentationml/2006/main">
+  <p:cSld>
+    <p:spTree>
+      <p:nvGrpSpPr>
+        <p:cNvPr id="1" name=""/>
+        <p:cNvGrpSpPr/>
+        <p:nvPr/>
+      </p:nvGrpSpPr>
+      <p:grpSpPr>
+        <a:xfrm>
+          <a:off x="0" y="0"/>
+          <a:ext cx="0" cy="0"/>
+          <a:chOff x="0" y="0"/>
+          <a:chExt cx="0" cy="0"/>
+        </a:xfrm>
+      </p:grpSpPr>
+      <p:sp>
+        <p:nvSpPr>
+          <p:cNvPr id="2" name="직사각형 1">
+            <a:extLst>
+              <a:ext uri="{FF2B5EF4-FFF2-40B4-BE49-F238E27FC236}">
+                <a16:creationId xmlns:a16="http://schemas.microsoft.com/office/drawing/2014/main" id="{83CC88FF-40F0-1B24-F00D-5AE07FE478B1}"/>
+              </a:ext>
+            </a:extLst>
+          </p:cNvPr>
+          <p:cNvSpPr/>
+          <p:nvPr/>
+        </p:nvSpPr>
+        <p:spPr>
+          <a:xfrm>
+            <a:off x="1555296" y="489857"/>
+            <a:ext cx="2481943" cy="4943475"/>
+          </a:xfrm>
+          <a:prstGeom prst="rect">
+            <a:avLst/>
+          </a:prstGeom>
+        </p:spPr>
+        <p:style>
+          <a:lnRef idx="2">
+            <a:schemeClr val="dk1"/>
+          </a:lnRef>
+          <a:fillRef idx="1">
+            <a:schemeClr val="lt1"/>
+          </a:fillRef>
+          <a:effectRef idx="0">
+            <a:schemeClr val="dk1"/>
+          </a:effectRef>
+          <a:fontRef idx="minor">
+            <a:schemeClr val="dk1"/>
+          </a:fontRef>
+        </p:style>
+        <p:txBody>
+          <a:bodyPr rtlCol="0" anchor="t" anchorCtr="0"/>
+          <a:lstStyle/>
+          <a:p>
+            <a:pPr algn="ctr"/>
+            <a:r>
+              <a:rPr lang="en-US" altLang="ko-KR" dirty="0"/>
+              <a:t>World</a:t>
+            </a:r>
+            <a:endParaRPr lang="ko-KR" altLang="en-US" dirty="0"/>
+          </a:p>
+        </p:txBody>
+      </p:sp>
+      <p:sp>
+        <p:nvSpPr>
+          <p:cNvPr id="3" name="직사각형 2">
+            <a:extLst>
+              <a:ext uri="{FF2B5EF4-FFF2-40B4-BE49-F238E27FC236}">
+                <a16:creationId xmlns:a16="http://schemas.microsoft.com/office/drawing/2014/main" id="{704F6F2F-A361-E834-83F0-5334F3915E0C}"/>
+              </a:ext>
+            </a:extLst>
+          </p:cNvPr>
+          <p:cNvSpPr/>
+          <p:nvPr/>
+        </p:nvSpPr>
+        <p:spPr>
+          <a:xfrm>
+            <a:off x="1833196" y="1428750"/>
+            <a:ext cx="1925516" cy="659423"/>
+          </a:xfrm>
+          <a:prstGeom prst="rect">
+            <a:avLst/>
+          </a:prstGeom>
+        </p:spPr>
+        <p:style>
+          <a:lnRef idx="2">
+            <a:schemeClr val="dk1"/>
+          </a:lnRef>
+          <a:fillRef idx="1">
+            <a:schemeClr val="lt1"/>
+          </a:fillRef>
+          <a:effectRef idx="0">
+            <a:schemeClr val="dk1"/>
+          </a:effectRef>
+          <a:fontRef idx="minor">
+            <a:schemeClr val="dk1"/>
+          </a:fontRef>
+        </p:style>
+        <p:txBody>
+          <a:bodyPr rtlCol="0" anchor="ctr"/>
+          <a:lstStyle/>
+          <a:p>
+            <a:pPr algn="ctr"/>
+            <a:r>
+              <a:rPr lang="en-US" altLang="ko-KR" sz="1000" dirty="0"/>
+              <a:t>Entity System</a:t>
+            </a:r>
+          </a:p>
+          <a:p>
+            <a:pPr algn="ctr"/>
+            <a:r>
+              <a:rPr lang="en-US" altLang="ko-KR" sz="1000" dirty="0"/>
+              <a:t>Update(double dt);</a:t>
+            </a:r>
+          </a:p>
+          <a:p>
+            <a:pPr algn="ctr"/>
+            <a:r>
+              <a:rPr lang="en-US" altLang="ko-KR" sz="1000" dirty="0"/>
+              <a:t>//requires Component A, C</a:t>
+            </a:r>
+            <a:endParaRPr lang="ko-KR" altLang="en-US" sz="1000" dirty="0"/>
+          </a:p>
+        </p:txBody>
+      </p:sp>
+      <p:sp>
+        <p:nvSpPr>
+          <p:cNvPr id="4" name="직사각형 3">
+            <a:extLst>
+              <a:ext uri="{FF2B5EF4-FFF2-40B4-BE49-F238E27FC236}">
+                <a16:creationId xmlns:a16="http://schemas.microsoft.com/office/drawing/2014/main" id="{78F43583-848A-08DD-A806-1B827D436222}"/>
+              </a:ext>
+            </a:extLst>
+          </p:cNvPr>
+          <p:cNvSpPr/>
+          <p:nvPr/>
+        </p:nvSpPr>
+        <p:spPr>
+          <a:xfrm>
+            <a:off x="1833196" y="2367643"/>
+            <a:ext cx="1925516" cy="659423"/>
+          </a:xfrm>
+          <a:prstGeom prst="rect">
+            <a:avLst/>
+          </a:prstGeom>
+        </p:spPr>
+        <p:style>
+          <a:lnRef idx="2">
+            <a:schemeClr val="dk1"/>
+          </a:lnRef>
+          <a:fillRef idx="1">
+            <a:schemeClr val="lt1"/>
+          </a:fillRef>
+          <a:effectRef idx="0">
+            <a:schemeClr val="dk1"/>
+          </a:effectRef>
+          <a:fontRef idx="minor">
+            <a:schemeClr val="dk1"/>
+          </a:fontRef>
+        </p:style>
+        <p:txBody>
+          <a:bodyPr rtlCol="0" anchor="ctr"/>
+          <a:lstStyle/>
+          <a:p>
+            <a:pPr algn="ctr"/>
+            <a:r>
+              <a:rPr lang="en-US" altLang="ko-KR" sz="1000" dirty="0"/>
+              <a:t>Entity System</a:t>
+            </a:r>
+          </a:p>
+          <a:p>
+            <a:pPr algn="ctr"/>
+            <a:r>
+              <a:rPr lang="en-US" altLang="ko-KR" sz="1000" dirty="0"/>
+              <a:t>Update(double dt);</a:t>
+            </a:r>
+          </a:p>
+          <a:p>
+            <a:pPr algn="ctr"/>
+            <a:r>
+              <a:rPr lang="en-US" altLang="ko-KR" sz="1000" dirty="0"/>
+              <a:t>//requires Component B</a:t>
+            </a:r>
+            <a:endParaRPr lang="ko-KR" altLang="en-US" sz="1000" dirty="0"/>
+          </a:p>
+        </p:txBody>
+      </p:sp>
+      <p:sp>
+        <p:nvSpPr>
+          <p:cNvPr id="5" name="직사각형 4">
+            <a:extLst>
+              <a:ext uri="{FF2B5EF4-FFF2-40B4-BE49-F238E27FC236}">
+                <a16:creationId xmlns:a16="http://schemas.microsoft.com/office/drawing/2014/main" id="{6867CE21-3D2D-DE99-D9AF-3A3CF40A8493}"/>
+              </a:ext>
+            </a:extLst>
+          </p:cNvPr>
+          <p:cNvSpPr/>
+          <p:nvPr/>
+        </p:nvSpPr>
+        <p:spPr>
+          <a:xfrm>
+            <a:off x="1833196" y="3306536"/>
+            <a:ext cx="1925516" cy="659423"/>
+          </a:xfrm>
+          <a:prstGeom prst="rect">
+            <a:avLst/>
+          </a:prstGeom>
+        </p:spPr>
+        <p:style>
+          <a:lnRef idx="2">
+            <a:schemeClr val="dk1"/>
+          </a:lnRef>
+          <a:fillRef idx="1">
+            <a:schemeClr val="lt1"/>
+          </a:fillRef>
+          <a:effectRef idx="0">
+            <a:schemeClr val="dk1"/>
+          </a:effectRef>
+          <a:fontRef idx="minor">
+            <a:schemeClr val="dk1"/>
+          </a:fontRef>
+        </p:style>
+        <p:txBody>
+          <a:bodyPr rtlCol="0" anchor="ctr"/>
+          <a:lstStyle/>
+          <a:p>
+            <a:pPr algn="ctr"/>
+            <a:r>
+              <a:rPr lang="en-US" altLang="ko-KR" sz="1000" dirty="0"/>
+              <a:t>Entity System</a:t>
+            </a:r>
+          </a:p>
+          <a:p>
+            <a:pPr algn="ctr"/>
+            <a:r>
+              <a:rPr lang="en-US" altLang="ko-KR" sz="1000" dirty="0"/>
+              <a:t>Update(double dt);</a:t>
+            </a:r>
+          </a:p>
+          <a:p>
+            <a:pPr algn="ctr"/>
+            <a:r>
+              <a:rPr lang="en-US" altLang="ko-KR" sz="1000" dirty="0"/>
+              <a:t>//requires Component A,B</a:t>
+            </a:r>
+            <a:endParaRPr lang="ko-KR" altLang="en-US" sz="1000" dirty="0"/>
+          </a:p>
+        </p:txBody>
+      </p:sp>
+      <p:sp>
+        <p:nvSpPr>
+          <p:cNvPr id="6" name="직사각형 5">
+            <a:extLst>
+              <a:ext uri="{FF2B5EF4-FFF2-40B4-BE49-F238E27FC236}">
+                <a16:creationId xmlns:a16="http://schemas.microsoft.com/office/drawing/2014/main" id="{35B3AA08-31E4-EFFC-3489-8227C1127862}"/>
+              </a:ext>
+            </a:extLst>
+          </p:cNvPr>
+          <p:cNvSpPr/>
+          <p:nvPr/>
+        </p:nvSpPr>
+        <p:spPr>
+          <a:xfrm>
+            <a:off x="5298097" y="521676"/>
+            <a:ext cx="1595804" cy="1499088"/>
+          </a:xfrm>
+          <a:prstGeom prst="rect">
+            <a:avLst/>
+          </a:prstGeom>
+        </p:spPr>
+        <p:style>
+          <a:lnRef idx="2">
+            <a:schemeClr val="dk1"/>
+          </a:lnRef>
+          <a:fillRef idx="1">
+            <a:schemeClr val="lt1"/>
+          </a:fillRef>
+          <a:effectRef idx="0">
+            <a:schemeClr val="dk1"/>
+          </a:effectRef>
+          <a:fontRef idx="minor">
+            <a:schemeClr val="dk1"/>
+          </a:fontRef>
+        </p:style>
+        <p:txBody>
+          <a:bodyPr rtlCol="0" anchor="t" anchorCtr="0"/>
+          <a:lstStyle/>
+          <a:p>
+            <a:pPr algn="ctr"/>
+            <a:r>
+              <a:rPr lang="en-US" altLang="ko-KR" dirty="0"/>
+              <a:t>Entity</a:t>
+            </a:r>
+            <a:endParaRPr lang="ko-KR" altLang="en-US" dirty="0"/>
+          </a:p>
+        </p:txBody>
+      </p:sp>
+      <p:sp>
+        <p:nvSpPr>
+          <p:cNvPr id="7" name="직사각형 6">
+            <a:extLst>
+              <a:ext uri="{FF2B5EF4-FFF2-40B4-BE49-F238E27FC236}">
+                <a16:creationId xmlns:a16="http://schemas.microsoft.com/office/drawing/2014/main" id="{B96B3DFD-A679-2309-31A6-181674424982}"/>
+              </a:ext>
+            </a:extLst>
+          </p:cNvPr>
+          <p:cNvSpPr/>
+          <p:nvPr/>
+        </p:nvSpPr>
+        <p:spPr>
+          <a:xfrm>
+            <a:off x="5446833" y="892419"/>
+            <a:ext cx="1298331" cy="263769"/>
+          </a:xfrm>
+          <a:prstGeom prst="rect">
+            <a:avLst/>
+          </a:prstGeom>
+        </p:spPr>
+        <p:style>
+          <a:lnRef idx="2">
+            <a:schemeClr val="dk1"/>
+          </a:lnRef>
+          <a:fillRef idx="1">
+            <a:schemeClr val="lt1"/>
+          </a:fillRef>
+          <a:effectRef idx="0">
+            <a:schemeClr val="dk1"/>
+          </a:effectRef>
+          <a:fontRef idx="minor">
+            <a:schemeClr val="dk1"/>
+          </a:fontRef>
+        </p:style>
+        <p:txBody>
+          <a:bodyPr rtlCol="0" anchor="ctr"/>
+          <a:lstStyle/>
+          <a:p>
+            <a:pPr algn="ctr"/>
+            <a:r>
+              <a:rPr lang="en-US" altLang="ko-KR" sz="1100" dirty="0"/>
+              <a:t>Component A</a:t>
+            </a:r>
+            <a:endParaRPr lang="ko-KR" altLang="en-US" sz="1100" dirty="0"/>
+          </a:p>
+        </p:txBody>
+      </p:sp>
+      <p:sp>
+        <p:nvSpPr>
+          <p:cNvPr id="8" name="직사각형 7">
+            <a:extLst>
+              <a:ext uri="{FF2B5EF4-FFF2-40B4-BE49-F238E27FC236}">
+                <a16:creationId xmlns:a16="http://schemas.microsoft.com/office/drawing/2014/main" id="{B87044C9-8231-1081-072B-ED6E10D1ABF3}"/>
+              </a:ext>
+            </a:extLst>
+          </p:cNvPr>
+          <p:cNvSpPr/>
+          <p:nvPr/>
+        </p:nvSpPr>
+        <p:spPr>
+          <a:xfrm>
+            <a:off x="5446833" y="1263162"/>
+            <a:ext cx="1298331" cy="263769"/>
+          </a:xfrm>
+          <a:prstGeom prst="rect">
+            <a:avLst/>
+          </a:prstGeom>
+        </p:spPr>
+        <p:style>
+          <a:lnRef idx="2">
+            <a:schemeClr val="dk1"/>
+          </a:lnRef>
+          <a:fillRef idx="1">
+            <a:schemeClr val="lt1"/>
+          </a:fillRef>
+          <a:effectRef idx="0">
+            <a:schemeClr val="dk1"/>
+          </a:effectRef>
+          <a:fontRef idx="minor">
+            <a:schemeClr val="dk1"/>
+          </a:fontRef>
+        </p:style>
+        <p:txBody>
+          <a:bodyPr rtlCol="0" anchor="ctr"/>
+          <a:lstStyle/>
+          <a:p>
+            <a:pPr algn="ctr"/>
+            <a:r>
+              <a:rPr lang="en-US" altLang="ko-KR" sz="1100" dirty="0"/>
+              <a:t>Component B</a:t>
+            </a:r>
+            <a:endParaRPr lang="ko-KR" altLang="en-US" sz="1100" dirty="0"/>
+          </a:p>
+        </p:txBody>
+      </p:sp>
+      <p:sp>
+        <p:nvSpPr>
+          <p:cNvPr id="16" name="직사각형 15">
+            <a:extLst>
+              <a:ext uri="{FF2B5EF4-FFF2-40B4-BE49-F238E27FC236}">
+                <a16:creationId xmlns:a16="http://schemas.microsoft.com/office/drawing/2014/main" id="{7F07829A-7351-131B-F412-D9C8D54D370F}"/>
+              </a:ext>
+            </a:extLst>
+          </p:cNvPr>
+          <p:cNvSpPr/>
+          <p:nvPr/>
+        </p:nvSpPr>
+        <p:spPr>
+          <a:xfrm>
+            <a:off x="5446832" y="1633905"/>
+            <a:ext cx="1298331" cy="263769"/>
+          </a:xfrm>
+          <a:prstGeom prst="rect">
+            <a:avLst/>
+          </a:prstGeom>
+        </p:spPr>
+        <p:style>
+          <a:lnRef idx="2">
+            <a:schemeClr val="dk1"/>
+          </a:lnRef>
+          <a:fillRef idx="1">
+            <a:schemeClr val="lt1"/>
+          </a:fillRef>
+          <a:effectRef idx="0">
+            <a:schemeClr val="dk1"/>
+          </a:effectRef>
+          <a:fontRef idx="minor">
+            <a:schemeClr val="dk1"/>
+          </a:fontRef>
+        </p:style>
+        <p:txBody>
+          <a:bodyPr rtlCol="0" anchor="ctr"/>
+          <a:lstStyle/>
+          <a:p>
+            <a:pPr algn="ctr"/>
+            <a:r>
+              <a:rPr lang="en-US" altLang="ko-KR" sz="1100" dirty="0"/>
+              <a:t>Component C</a:t>
+            </a:r>
+            <a:endParaRPr lang="ko-KR" altLang="en-US" sz="1100" dirty="0"/>
+          </a:p>
+        </p:txBody>
+      </p:sp>
+      <p:sp>
+        <p:nvSpPr>
+          <p:cNvPr id="17" name="직사각형 16">
+            <a:extLst>
+              <a:ext uri="{FF2B5EF4-FFF2-40B4-BE49-F238E27FC236}">
+                <a16:creationId xmlns:a16="http://schemas.microsoft.com/office/drawing/2014/main" id="{B27808D6-3730-0E54-C363-B00ABCAB86BF}"/>
+              </a:ext>
+            </a:extLst>
+          </p:cNvPr>
+          <p:cNvSpPr/>
+          <p:nvPr/>
+        </p:nvSpPr>
+        <p:spPr>
+          <a:xfrm>
+            <a:off x="5298098" y="2199541"/>
+            <a:ext cx="1595804" cy="1499088"/>
+          </a:xfrm>
+          <a:prstGeom prst="rect">
+            <a:avLst/>
+          </a:prstGeom>
+        </p:spPr>
+        <p:style>
+          <a:lnRef idx="2">
+            <a:schemeClr val="dk1"/>
+          </a:lnRef>
+          <a:fillRef idx="1">
+            <a:schemeClr val="lt1"/>
+          </a:fillRef>
+          <a:effectRef idx="0">
+            <a:schemeClr val="dk1"/>
+          </a:effectRef>
+          <a:fontRef idx="minor">
+            <a:schemeClr val="dk1"/>
+          </a:fontRef>
+        </p:style>
+        <p:txBody>
+          <a:bodyPr rtlCol="0" anchor="t" anchorCtr="0"/>
+          <a:lstStyle/>
+          <a:p>
+            <a:pPr algn="ctr"/>
+            <a:r>
+              <a:rPr lang="en-US" altLang="ko-KR" dirty="0"/>
+              <a:t>Entity</a:t>
+            </a:r>
+            <a:endParaRPr lang="ko-KR" altLang="en-US" dirty="0"/>
+          </a:p>
+        </p:txBody>
+      </p:sp>
+      <p:sp>
+        <p:nvSpPr>
+          <p:cNvPr id="18" name="직사각형 17">
+            <a:extLst>
+              <a:ext uri="{FF2B5EF4-FFF2-40B4-BE49-F238E27FC236}">
+                <a16:creationId xmlns:a16="http://schemas.microsoft.com/office/drawing/2014/main" id="{6F4CDB1A-63B1-BA49-EB1C-2AEDC80D481D}"/>
+              </a:ext>
+            </a:extLst>
+          </p:cNvPr>
+          <p:cNvSpPr/>
+          <p:nvPr/>
+        </p:nvSpPr>
+        <p:spPr>
+          <a:xfrm>
+            <a:off x="5446834" y="2570284"/>
+            <a:ext cx="1298331" cy="263769"/>
+          </a:xfrm>
+          <a:prstGeom prst="rect">
+            <a:avLst/>
+          </a:prstGeom>
+        </p:spPr>
+        <p:style>
+          <a:lnRef idx="2">
+            <a:schemeClr val="dk1"/>
+          </a:lnRef>
+          <a:fillRef idx="1">
+            <a:schemeClr val="lt1"/>
+          </a:fillRef>
+          <a:effectRef idx="0">
+            <a:schemeClr val="dk1"/>
+          </a:effectRef>
+          <a:fontRef idx="minor">
+            <a:schemeClr val="dk1"/>
+          </a:fontRef>
+        </p:style>
+        <p:txBody>
+          <a:bodyPr rtlCol="0" anchor="ctr"/>
+          <a:lstStyle/>
+          <a:p>
+            <a:pPr algn="ctr"/>
+            <a:r>
+              <a:rPr lang="en-US" altLang="ko-KR" sz="1100" dirty="0"/>
+              <a:t>Component A</a:t>
+            </a:r>
+            <a:endParaRPr lang="ko-KR" altLang="en-US" sz="1100" dirty="0"/>
+          </a:p>
+        </p:txBody>
+      </p:sp>
+      <p:sp>
+        <p:nvSpPr>
+          <p:cNvPr id="20" name="직사각형 19">
+            <a:extLst>
+              <a:ext uri="{FF2B5EF4-FFF2-40B4-BE49-F238E27FC236}">
+                <a16:creationId xmlns:a16="http://schemas.microsoft.com/office/drawing/2014/main" id="{4B42F97B-D47C-ECB7-FF09-090BA0B65CB8}"/>
+              </a:ext>
+            </a:extLst>
+          </p:cNvPr>
+          <p:cNvSpPr/>
+          <p:nvPr/>
+        </p:nvSpPr>
+        <p:spPr>
+          <a:xfrm>
+            <a:off x="5446833" y="3311770"/>
+            <a:ext cx="1298331" cy="263769"/>
+          </a:xfrm>
+          <a:prstGeom prst="rect">
+            <a:avLst/>
+          </a:prstGeom>
+        </p:spPr>
+        <p:style>
+          <a:lnRef idx="2">
+            <a:schemeClr val="dk1"/>
+          </a:lnRef>
+          <a:fillRef idx="1">
+            <a:schemeClr val="lt1"/>
+          </a:fillRef>
+          <a:effectRef idx="0">
+            <a:schemeClr val="dk1"/>
+          </a:effectRef>
+          <a:fontRef idx="minor">
+            <a:schemeClr val="dk1"/>
+          </a:fontRef>
+        </p:style>
+        <p:txBody>
+          <a:bodyPr rtlCol="0" anchor="ctr"/>
+          <a:lstStyle/>
+          <a:p>
+            <a:pPr algn="ctr"/>
+            <a:r>
+              <a:rPr lang="en-US" altLang="ko-KR" sz="1100" dirty="0"/>
+              <a:t>Component C</a:t>
+            </a:r>
+            <a:endParaRPr lang="ko-KR" altLang="en-US" sz="1100" dirty="0"/>
+          </a:p>
+        </p:txBody>
+      </p:sp>
+      <p:sp>
+        <p:nvSpPr>
+          <p:cNvPr id="21" name="직사각형 20">
+            <a:extLst>
+              <a:ext uri="{FF2B5EF4-FFF2-40B4-BE49-F238E27FC236}">
+                <a16:creationId xmlns:a16="http://schemas.microsoft.com/office/drawing/2014/main" id="{88B0785C-63CC-CB4C-DCCF-13DC95F772E3}"/>
+              </a:ext>
+            </a:extLst>
+          </p:cNvPr>
+          <p:cNvSpPr/>
+          <p:nvPr/>
+        </p:nvSpPr>
+        <p:spPr>
+          <a:xfrm>
+            <a:off x="5298098" y="3877406"/>
+            <a:ext cx="1595804" cy="1499088"/>
+          </a:xfrm>
+          <a:prstGeom prst="rect">
+            <a:avLst/>
+          </a:prstGeom>
+        </p:spPr>
+        <p:style>
+          <a:lnRef idx="2">
+            <a:schemeClr val="dk1"/>
+          </a:lnRef>
+          <a:fillRef idx="1">
+            <a:schemeClr val="lt1"/>
+          </a:fillRef>
+          <a:effectRef idx="0">
+            <a:schemeClr val="dk1"/>
+          </a:effectRef>
+          <a:fontRef idx="minor">
+            <a:schemeClr val="dk1"/>
+          </a:fontRef>
+        </p:style>
+        <p:txBody>
+          <a:bodyPr rtlCol="0" anchor="t" anchorCtr="0"/>
+          <a:lstStyle/>
+          <a:p>
+            <a:pPr algn="ctr"/>
+            <a:r>
+              <a:rPr lang="en-US" altLang="ko-KR" dirty="0"/>
+              <a:t>Entity</a:t>
+            </a:r>
+            <a:endParaRPr lang="ko-KR" altLang="en-US" dirty="0"/>
+          </a:p>
+        </p:txBody>
+      </p:sp>
+      <p:sp>
+        <p:nvSpPr>
+          <p:cNvPr id="22" name="직사각형 21">
+            <a:extLst>
+              <a:ext uri="{FF2B5EF4-FFF2-40B4-BE49-F238E27FC236}">
+                <a16:creationId xmlns:a16="http://schemas.microsoft.com/office/drawing/2014/main" id="{223CC61E-07DE-4584-7C5E-69AB8D0ABEAE}"/>
+              </a:ext>
+            </a:extLst>
+          </p:cNvPr>
+          <p:cNvSpPr/>
+          <p:nvPr/>
+        </p:nvSpPr>
+        <p:spPr>
+          <a:xfrm>
+            <a:off x="5446834" y="4248149"/>
+            <a:ext cx="1298331" cy="263769"/>
+          </a:xfrm>
+          <a:prstGeom prst="rect">
+            <a:avLst/>
+          </a:prstGeom>
+        </p:spPr>
+        <p:style>
+          <a:lnRef idx="2">
+            <a:schemeClr val="dk1"/>
+          </a:lnRef>
+          <a:fillRef idx="1">
+            <a:schemeClr val="lt1"/>
+          </a:fillRef>
+          <a:effectRef idx="0">
+            <a:schemeClr val="dk1"/>
+          </a:effectRef>
+          <a:fontRef idx="minor">
+            <a:schemeClr val="dk1"/>
+          </a:fontRef>
+        </p:style>
+        <p:txBody>
+          <a:bodyPr rtlCol="0" anchor="ctr"/>
+          <a:lstStyle/>
+          <a:p>
+            <a:pPr algn="ctr"/>
+            <a:r>
+              <a:rPr lang="en-US" altLang="ko-KR" sz="1100" dirty="0"/>
+              <a:t>Component A</a:t>
+            </a:r>
+            <a:endParaRPr lang="ko-KR" altLang="en-US" sz="1100" dirty="0"/>
+          </a:p>
+        </p:txBody>
+      </p:sp>
+      <p:sp>
+        <p:nvSpPr>
+          <p:cNvPr id="23" name="직사각형 22">
+            <a:extLst>
+              <a:ext uri="{FF2B5EF4-FFF2-40B4-BE49-F238E27FC236}">
+                <a16:creationId xmlns:a16="http://schemas.microsoft.com/office/drawing/2014/main" id="{59215D73-A920-5016-CCE1-567EE6370868}"/>
+              </a:ext>
+            </a:extLst>
+          </p:cNvPr>
+          <p:cNvSpPr/>
+          <p:nvPr/>
+        </p:nvSpPr>
+        <p:spPr>
+          <a:xfrm>
+            <a:off x="5446834" y="4618892"/>
+            <a:ext cx="1298331" cy="263769"/>
+          </a:xfrm>
+          <a:prstGeom prst="rect">
+            <a:avLst/>
+          </a:prstGeom>
+        </p:spPr>
+        <p:style>
+          <a:lnRef idx="2">
+            <a:schemeClr val="dk1"/>
+          </a:lnRef>
+          <a:fillRef idx="1">
+            <a:schemeClr val="lt1"/>
+          </a:fillRef>
+          <a:effectRef idx="0">
+            <a:schemeClr val="dk1"/>
+          </a:effectRef>
+          <a:fontRef idx="minor">
+            <a:schemeClr val="dk1"/>
+          </a:fontRef>
+        </p:style>
+        <p:txBody>
+          <a:bodyPr rtlCol="0" anchor="ctr"/>
+          <a:lstStyle/>
+          <a:p>
+            <a:pPr algn="ctr"/>
+            <a:r>
+              <a:rPr lang="en-US" altLang="ko-KR" sz="1100" dirty="0"/>
+              <a:t>Component B</a:t>
+            </a:r>
+            <a:endParaRPr lang="ko-KR" altLang="en-US" sz="1100" dirty="0"/>
+          </a:p>
+        </p:txBody>
+      </p:sp>
+      <p:cxnSp>
+        <p:nvCxnSpPr>
+          <p:cNvPr id="26" name="직선 화살표 연결선 25">
+            <a:extLst>
+              <a:ext uri="{FF2B5EF4-FFF2-40B4-BE49-F238E27FC236}">
+                <a16:creationId xmlns:a16="http://schemas.microsoft.com/office/drawing/2014/main" id="{636966E6-1053-3805-8CAF-D634042AE7A0}"/>
+              </a:ext>
+            </a:extLst>
+          </p:cNvPr>
+          <p:cNvCxnSpPr>
+            <a:stCxn id="3" idx="3"/>
+            <a:endCxn id="6" idx="1"/>
+          </p:cNvCxnSpPr>
+          <p:nvPr/>
+        </p:nvCxnSpPr>
+        <p:spPr>
+          <a:xfrm flipV="1">
+            <a:off x="3758712" y="1271220"/>
+            <a:ext cx="1539385" cy="487242"/>
+          </a:xfrm>
+          <a:prstGeom prst="straightConnector1">
+            <a:avLst/>
+          </a:prstGeom>
+          <a:ln w="12700">
+            <a:tailEnd type="triangle"/>
+          </a:ln>
+        </p:spPr>
+        <p:style>
+          <a:lnRef idx="1">
+            <a:schemeClr val="dk1"/>
+          </a:lnRef>
+          <a:fillRef idx="0">
+            <a:schemeClr val="dk1"/>
+          </a:fillRef>
+          <a:effectRef idx="0">
+            <a:schemeClr val="dk1"/>
+          </a:effectRef>
+          <a:fontRef idx="minor">
+            <a:schemeClr val="tx1"/>
+          </a:fontRef>
+        </p:style>
+      </p:cxnSp>
+      <p:cxnSp>
+        <p:nvCxnSpPr>
+          <p:cNvPr id="28" name="직선 화살표 연결선 27">
+            <a:extLst>
+              <a:ext uri="{FF2B5EF4-FFF2-40B4-BE49-F238E27FC236}">
+                <a16:creationId xmlns:a16="http://schemas.microsoft.com/office/drawing/2014/main" id="{CDD8D4A6-6F86-3F71-D4D1-D348C5D58C77}"/>
+              </a:ext>
+            </a:extLst>
+          </p:cNvPr>
+          <p:cNvCxnSpPr>
+            <a:stCxn id="3" idx="3"/>
+            <a:endCxn id="17" idx="1"/>
+          </p:cNvCxnSpPr>
+          <p:nvPr/>
+        </p:nvCxnSpPr>
+        <p:spPr>
+          <a:xfrm>
+            <a:off x="3758712" y="1758462"/>
+            <a:ext cx="1539386" cy="1190623"/>
+          </a:xfrm>
+          <a:prstGeom prst="straightConnector1">
+            <a:avLst/>
+          </a:prstGeom>
+          <a:ln w="12700">
+            <a:tailEnd type="triangle"/>
+          </a:ln>
+        </p:spPr>
+        <p:style>
+          <a:lnRef idx="1">
+            <a:schemeClr val="dk1"/>
+          </a:lnRef>
+          <a:fillRef idx="0">
+            <a:schemeClr val="dk1"/>
+          </a:fillRef>
+          <a:effectRef idx="0">
+            <a:schemeClr val="dk1"/>
+          </a:effectRef>
+          <a:fontRef idx="minor">
+            <a:schemeClr val="tx1"/>
+          </a:fontRef>
+        </p:style>
+      </p:cxnSp>
+      <p:cxnSp>
+        <p:nvCxnSpPr>
+          <p:cNvPr id="30" name="직선 화살표 연결선 29">
+            <a:extLst>
+              <a:ext uri="{FF2B5EF4-FFF2-40B4-BE49-F238E27FC236}">
+                <a16:creationId xmlns:a16="http://schemas.microsoft.com/office/drawing/2014/main" id="{23EBCF0C-40BE-5800-F0F3-B6D33FF6446F}"/>
+              </a:ext>
+            </a:extLst>
+          </p:cNvPr>
+          <p:cNvCxnSpPr>
+            <a:stCxn id="4" idx="3"/>
+            <a:endCxn id="6" idx="1"/>
+          </p:cNvCxnSpPr>
+          <p:nvPr/>
+        </p:nvCxnSpPr>
+        <p:spPr>
+          <a:xfrm flipV="1">
+            <a:off x="3758712" y="1271220"/>
+            <a:ext cx="1539385" cy="1426135"/>
+          </a:xfrm>
+          <a:prstGeom prst="straightConnector1">
+            <a:avLst/>
+          </a:prstGeom>
+          <a:ln w="12700">
+            <a:tailEnd type="triangle"/>
+          </a:ln>
+        </p:spPr>
+        <p:style>
+          <a:lnRef idx="1">
+            <a:schemeClr val="dk1"/>
+          </a:lnRef>
+          <a:fillRef idx="0">
+            <a:schemeClr val="dk1"/>
+          </a:fillRef>
+          <a:effectRef idx="0">
+            <a:schemeClr val="dk1"/>
+          </a:effectRef>
+          <a:fontRef idx="minor">
+            <a:schemeClr val="tx1"/>
+          </a:fontRef>
+        </p:style>
+      </p:cxnSp>
+      <p:cxnSp>
+        <p:nvCxnSpPr>
+          <p:cNvPr id="32" name="직선 화살표 연결선 31">
+            <a:extLst>
+              <a:ext uri="{FF2B5EF4-FFF2-40B4-BE49-F238E27FC236}">
+                <a16:creationId xmlns:a16="http://schemas.microsoft.com/office/drawing/2014/main" id="{8C9CAB23-A36C-A8D3-12EA-54348C9DF134}"/>
+              </a:ext>
+            </a:extLst>
+          </p:cNvPr>
+          <p:cNvCxnSpPr>
+            <a:stCxn id="4" idx="3"/>
+            <a:endCxn id="21" idx="1"/>
+          </p:cNvCxnSpPr>
+          <p:nvPr/>
+        </p:nvCxnSpPr>
+        <p:spPr>
+          <a:xfrm>
+            <a:off x="3758712" y="2697355"/>
+            <a:ext cx="1539386" cy="1929595"/>
+          </a:xfrm>
+          <a:prstGeom prst="straightConnector1">
+            <a:avLst/>
+          </a:prstGeom>
+          <a:ln w="12700">
+            <a:tailEnd type="triangle"/>
+          </a:ln>
+        </p:spPr>
+        <p:style>
+          <a:lnRef idx="1">
+            <a:schemeClr val="dk1"/>
+          </a:lnRef>
+          <a:fillRef idx="0">
+            <a:schemeClr val="dk1"/>
+          </a:fillRef>
+          <a:effectRef idx="0">
+            <a:schemeClr val="dk1"/>
+          </a:effectRef>
+          <a:fontRef idx="minor">
+            <a:schemeClr val="tx1"/>
+          </a:fontRef>
+        </p:style>
+      </p:cxnSp>
+      <p:cxnSp>
+        <p:nvCxnSpPr>
+          <p:cNvPr id="34" name="직선 화살표 연결선 33">
+            <a:extLst>
+              <a:ext uri="{FF2B5EF4-FFF2-40B4-BE49-F238E27FC236}">
+                <a16:creationId xmlns:a16="http://schemas.microsoft.com/office/drawing/2014/main" id="{065B9CBD-6C7C-39E3-B2DE-207A50B00697}"/>
+              </a:ext>
+            </a:extLst>
+          </p:cNvPr>
+          <p:cNvCxnSpPr>
+            <a:stCxn id="5" idx="3"/>
+            <a:endCxn id="6" idx="1"/>
+          </p:cNvCxnSpPr>
+          <p:nvPr/>
+        </p:nvCxnSpPr>
+        <p:spPr>
+          <a:xfrm flipV="1">
+            <a:off x="3758712" y="1271220"/>
+            <a:ext cx="1539385" cy="2365028"/>
+          </a:xfrm>
+          <a:prstGeom prst="straightConnector1">
+            <a:avLst/>
+          </a:prstGeom>
+          <a:ln w="12700">
+            <a:tailEnd type="triangle"/>
+          </a:ln>
+        </p:spPr>
+        <p:style>
+          <a:lnRef idx="1">
+            <a:schemeClr val="dk1"/>
+          </a:lnRef>
+          <a:fillRef idx="0">
+            <a:schemeClr val="dk1"/>
+          </a:fillRef>
+          <a:effectRef idx="0">
+            <a:schemeClr val="dk1"/>
+          </a:effectRef>
+          <a:fontRef idx="minor">
+            <a:schemeClr val="tx1"/>
+          </a:fontRef>
+        </p:style>
+      </p:cxnSp>
+      <p:cxnSp>
+        <p:nvCxnSpPr>
+          <p:cNvPr id="36" name="직선 화살표 연결선 35">
+            <a:extLst>
+              <a:ext uri="{FF2B5EF4-FFF2-40B4-BE49-F238E27FC236}">
+                <a16:creationId xmlns:a16="http://schemas.microsoft.com/office/drawing/2014/main" id="{B5041D0A-B9CA-CAF6-9B6F-7887F9DFC72F}"/>
+              </a:ext>
+            </a:extLst>
+          </p:cNvPr>
+          <p:cNvCxnSpPr>
+            <a:stCxn id="5" idx="3"/>
+            <a:endCxn id="21" idx="1"/>
+          </p:cNvCxnSpPr>
+          <p:nvPr/>
+        </p:nvCxnSpPr>
+        <p:spPr>
+          <a:xfrm>
+            <a:off x="3758712" y="3636248"/>
+            <a:ext cx="1539386" cy="990702"/>
+          </a:xfrm>
+          <a:prstGeom prst="straightConnector1">
+            <a:avLst/>
+          </a:prstGeom>
+          <a:ln w="12700">
+            <a:tailEnd type="triangle"/>
+          </a:ln>
+        </p:spPr>
+        <p:style>
+          <a:lnRef idx="1">
+            <a:schemeClr val="dk1"/>
+          </a:lnRef>
+          <a:fillRef idx="0">
+            <a:schemeClr val="dk1"/>
+          </a:fillRef>
+          <a:effectRef idx="0">
+            <a:schemeClr val="dk1"/>
+          </a:effectRef>
+          <a:fontRef idx="minor">
+            <a:schemeClr val="tx1"/>
+          </a:fontRef>
+        </p:style>
+      </p:cxnSp>
+    </p:spTree>
+    <p:extLst>
+      <p:ext uri="{BB962C8B-B14F-4D97-AF65-F5344CB8AC3E}">
+        <p14:creationId xmlns:p14="http://schemas.microsoft.com/office/powerpoint/2010/main" val="2858849906"/>
+      </p:ext>
+    </p:extLst>
+  </p:cSld>
+  <p:clrMapOvr>
+    <a:masterClrMapping/>
+  </p:clrMapOvr>
+</p:sld>
+</file>
+
+<file path=ppt/slides/slide8.xml><?xml version="1.0" encoding="utf-8"?>
+<p:sld xmlns:a="http://schemas.openxmlformats.org/drawingml/2006/main" xmlns:r="http://schemas.openxmlformats.org/officeDocument/2006/relationships" xmlns:p="http://schemas.openxmlformats.org/presentationml/2006/main">
+  <p:cSld>
+    <p:spTree>
+      <p:nvGrpSpPr>
+        <p:cNvPr id="1" name=""/>
+        <p:cNvGrpSpPr/>
+        <p:nvPr/>
+      </p:nvGrpSpPr>
+      <p:grpSpPr>
+        <a:xfrm>
+          <a:off x="0" y="0"/>
+          <a:ext cx="0" cy="0"/>
+          <a:chOff x="0" y="0"/>
+          <a:chExt cx="0" cy="0"/>
+        </a:xfrm>
+      </p:grpSpPr>
+      <p:sp>
+        <p:nvSpPr>
+          <p:cNvPr id="4" name="직사각형 3">
+            <a:extLst>
+              <a:ext uri="{FF2B5EF4-FFF2-40B4-BE49-F238E27FC236}">
+                <a16:creationId xmlns:a16="http://schemas.microsoft.com/office/drawing/2014/main" id="{C7DF69C2-D72F-78F1-DDEE-3A8C63B00870}"/>
+              </a:ext>
+            </a:extLst>
+          </p:cNvPr>
+          <p:cNvSpPr/>
+          <p:nvPr/>
+        </p:nvSpPr>
+        <p:spPr>
+          <a:xfrm>
+            <a:off x="1555296" y="489857"/>
+            <a:ext cx="2481943" cy="4943475"/>
+          </a:xfrm>
+          <a:prstGeom prst="rect">
+            <a:avLst/>
+          </a:prstGeom>
+        </p:spPr>
+        <p:style>
+          <a:lnRef idx="2">
+            <a:schemeClr val="dk1"/>
+          </a:lnRef>
+          <a:fillRef idx="1">
+            <a:schemeClr val="lt1"/>
+          </a:fillRef>
+          <a:effectRef idx="0">
+            <a:schemeClr val="dk1"/>
+          </a:effectRef>
+          <a:fontRef idx="minor">
+            <a:schemeClr val="dk1"/>
+          </a:fontRef>
+        </p:style>
+        <p:txBody>
+          <a:bodyPr rtlCol="0" anchor="t" anchorCtr="0"/>
+          <a:lstStyle/>
+          <a:p>
+            <a:pPr algn="ctr"/>
+            <a:r>
+              <a:rPr lang="en-US" altLang="ko-KR" dirty="0"/>
+              <a:t>World</a:t>
+            </a:r>
+            <a:endParaRPr lang="ko-KR" altLang="en-US" dirty="0"/>
+          </a:p>
+        </p:txBody>
+      </p:sp>
+      <p:sp>
+        <p:nvSpPr>
+          <p:cNvPr id="5" name="직사각형 4">
+            <a:extLst>
+              <a:ext uri="{FF2B5EF4-FFF2-40B4-BE49-F238E27FC236}">
+                <a16:creationId xmlns:a16="http://schemas.microsoft.com/office/drawing/2014/main" id="{54C7F7AE-4774-CC08-26C7-4583E1B56B86}"/>
+              </a:ext>
+            </a:extLst>
+          </p:cNvPr>
+          <p:cNvSpPr/>
+          <p:nvPr/>
+        </p:nvSpPr>
+        <p:spPr>
+          <a:xfrm>
+            <a:off x="1833196" y="1428750"/>
+            <a:ext cx="1925516" cy="659423"/>
+          </a:xfrm>
+          <a:prstGeom prst="rect">
+            <a:avLst/>
+          </a:prstGeom>
+        </p:spPr>
+        <p:style>
+          <a:lnRef idx="2">
+            <a:schemeClr val="dk1"/>
+          </a:lnRef>
+          <a:fillRef idx="1">
+            <a:schemeClr val="lt1"/>
+          </a:fillRef>
+          <a:effectRef idx="0">
+            <a:schemeClr val="dk1"/>
+          </a:effectRef>
+          <a:fontRef idx="minor">
+            <a:schemeClr val="dk1"/>
+          </a:fontRef>
+        </p:style>
+        <p:txBody>
+          <a:bodyPr rtlCol="0" anchor="ctr"/>
+          <a:lstStyle/>
+          <a:p>
+            <a:pPr algn="ctr"/>
+            <a:r>
+              <a:rPr lang="en-US" altLang="ko-KR" sz="1000" dirty="0" err="1"/>
+              <a:t>FieldObject</a:t>
+            </a:r>
+            <a:endParaRPr lang="en-US" altLang="ko-KR" sz="1000" dirty="0"/>
+          </a:p>
+          <a:p>
+            <a:pPr algn="ctr"/>
+            <a:r>
+              <a:rPr lang="en-US" altLang="ko-KR" sz="1000" dirty="0"/>
+              <a:t>Update(double dt);</a:t>
+            </a:r>
+          </a:p>
+          <a:p>
+            <a:pPr algn="ctr"/>
+            <a:r>
+              <a:rPr lang="en-US" altLang="ko-KR" sz="1000" dirty="0"/>
+              <a:t>//contains Component A, B, C</a:t>
+            </a:r>
+            <a:endParaRPr lang="ko-KR" altLang="en-US" sz="1000" dirty="0"/>
+          </a:p>
+        </p:txBody>
+      </p:sp>
+      <p:sp>
+        <p:nvSpPr>
+          <p:cNvPr id="6" name="직사각형 5">
+            <a:extLst>
+              <a:ext uri="{FF2B5EF4-FFF2-40B4-BE49-F238E27FC236}">
+                <a16:creationId xmlns:a16="http://schemas.microsoft.com/office/drawing/2014/main" id="{28D72273-DA82-94C4-8B67-4D04C6E80D27}"/>
+              </a:ext>
+            </a:extLst>
+          </p:cNvPr>
+          <p:cNvSpPr/>
+          <p:nvPr/>
+        </p:nvSpPr>
+        <p:spPr>
+          <a:xfrm>
+            <a:off x="1833196" y="2367643"/>
+            <a:ext cx="1925516" cy="659423"/>
+          </a:xfrm>
+          <a:prstGeom prst="rect">
+            <a:avLst/>
+          </a:prstGeom>
+        </p:spPr>
+        <p:style>
+          <a:lnRef idx="2">
+            <a:schemeClr val="dk1"/>
+          </a:lnRef>
+          <a:fillRef idx="1">
+            <a:schemeClr val="lt1"/>
+          </a:fillRef>
+          <a:effectRef idx="0">
+            <a:schemeClr val="dk1"/>
+          </a:effectRef>
+          <a:fontRef idx="minor">
+            <a:schemeClr val="dk1"/>
+          </a:fontRef>
+        </p:style>
+        <p:txBody>
+          <a:bodyPr rtlCol="0" anchor="ctr"/>
+          <a:lstStyle/>
+          <a:p>
+            <a:pPr algn="ctr"/>
+            <a:r>
+              <a:rPr lang="en-US" altLang="ko-KR" sz="1000" dirty="0" err="1"/>
+              <a:t>FieldObject</a:t>
+            </a:r>
+            <a:endParaRPr lang="en-US" altLang="ko-KR" sz="1000" dirty="0"/>
+          </a:p>
+          <a:p>
+            <a:pPr algn="ctr"/>
+            <a:r>
+              <a:rPr lang="en-US" altLang="ko-KR" sz="1000" dirty="0"/>
+              <a:t>Update(double dt);</a:t>
+            </a:r>
+          </a:p>
+          <a:p>
+            <a:pPr algn="ctr"/>
+            <a:r>
+              <a:rPr lang="en-US" altLang="ko-KR" sz="1000" dirty="0"/>
+              <a:t>//contains Component A, C</a:t>
+            </a:r>
+            <a:endParaRPr lang="ko-KR" altLang="en-US" sz="1000" dirty="0"/>
+          </a:p>
+        </p:txBody>
+      </p:sp>
+      <p:sp>
+        <p:nvSpPr>
+          <p:cNvPr id="7" name="직사각형 6">
+            <a:extLst>
+              <a:ext uri="{FF2B5EF4-FFF2-40B4-BE49-F238E27FC236}">
+                <a16:creationId xmlns:a16="http://schemas.microsoft.com/office/drawing/2014/main" id="{9817453D-0467-8EEE-0DFD-1E5B7B96C51C}"/>
+              </a:ext>
+            </a:extLst>
+          </p:cNvPr>
+          <p:cNvSpPr/>
+          <p:nvPr/>
+        </p:nvSpPr>
+        <p:spPr>
+          <a:xfrm>
+            <a:off x="1833196" y="3306536"/>
+            <a:ext cx="1925516" cy="659423"/>
+          </a:xfrm>
+          <a:prstGeom prst="rect">
+            <a:avLst/>
+          </a:prstGeom>
+        </p:spPr>
+        <p:style>
+          <a:lnRef idx="2">
+            <a:schemeClr val="dk1"/>
+          </a:lnRef>
+          <a:fillRef idx="1">
+            <a:schemeClr val="lt1"/>
+          </a:fillRef>
+          <a:effectRef idx="0">
+            <a:schemeClr val="dk1"/>
+          </a:effectRef>
+          <a:fontRef idx="minor">
+            <a:schemeClr val="dk1"/>
+          </a:fontRef>
+        </p:style>
+        <p:txBody>
+          <a:bodyPr rtlCol="0" anchor="ctr"/>
+          <a:lstStyle/>
+          <a:p>
+            <a:pPr algn="ctr"/>
+            <a:r>
+              <a:rPr lang="en-US" altLang="ko-KR" sz="1000" dirty="0" err="1"/>
+              <a:t>FieldObject</a:t>
+            </a:r>
+            <a:endParaRPr lang="en-US" altLang="ko-KR" sz="1000" dirty="0"/>
+          </a:p>
+          <a:p>
+            <a:pPr algn="ctr"/>
+            <a:r>
+              <a:rPr lang="en-US" altLang="ko-KR" sz="1000" dirty="0"/>
+              <a:t>Update(double dt);</a:t>
+            </a:r>
+          </a:p>
+          <a:p>
+            <a:pPr algn="ctr"/>
+            <a:r>
+              <a:rPr lang="en-US" altLang="ko-KR" sz="1000" dirty="0"/>
+              <a:t>//contains Component A, B</a:t>
+            </a:r>
+            <a:endParaRPr lang="ko-KR" altLang="en-US" sz="1000" dirty="0"/>
+          </a:p>
+        </p:txBody>
+      </p:sp>
+      <p:sp>
+        <p:nvSpPr>
+          <p:cNvPr id="32" name="직사각형 31">
+            <a:extLst>
+              <a:ext uri="{FF2B5EF4-FFF2-40B4-BE49-F238E27FC236}">
+                <a16:creationId xmlns:a16="http://schemas.microsoft.com/office/drawing/2014/main" id="{D82E68A5-8306-E0A8-B2BC-9729D5D2B5F3}"/>
+              </a:ext>
+            </a:extLst>
+          </p:cNvPr>
+          <p:cNvSpPr/>
+          <p:nvPr/>
+        </p:nvSpPr>
+        <p:spPr>
+          <a:xfrm>
+            <a:off x="5446834" y="1965575"/>
+            <a:ext cx="1298331" cy="341435"/>
+          </a:xfrm>
+          <a:prstGeom prst="rect">
+            <a:avLst/>
+          </a:prstGeom>
+        </p:spPr>
+        <p:style>
+          <a:lnRef idx="2">
+            <a:schemeClr val="dk1"/>
+          </a:lnRef>
+          <a:fillRef idx="1">
+            <a:schemeClr val="lt1"/>
+          </a:fillRef>
+          <a:effectRef idx="0">
+            <a:schemeClr val="dk1"/>
+          </a:effectRef>
+          <a:fontRef idx="minor">
+            <a:schemeClr val="dk1"/>
+          </a:fontRef>
+        </p:style>
+        <p:txBody>
+          <a:bodyPr rtlCol="0" anchor="ctr"/>
+          <a:lstStyle/>
+          <a:p>
+            <a:pPr algn="ctr"/>
+            <a:r>
+              <a:rPr lang="en-US" altLang="ko-KR" sz="1000" dirty="0"/>
+              <a:t>Component C</a:t>
+            </a:r>
+            <a:br>
+              <a:rPr lang="en-US" altLang="ko-KR" sz="1000" dirty="0"/>
+            </a:br>
+            <a:r>
+              <a:rPr lang="en-US" altLang="ko-KR" sz="1000" dirty="0"/>
+              <a:t>Update(double dt);</a:t>
+            </a:r>
+            <a:endParaRPr lang="ko-KR" altLang="en-US" sz="1000" dirty="0"/>
+          </a:p>
+        </p:txBody>
+      </p:sp>
+      <p:sp>
+        <p:nvSpPr>
+          <p:cNvPr id="33" name="직사각형 32">
+            <a:extLst>
+              <a:ext uri="{FF2B5EF4-FFF2-40B4-BE49-F238E27FC236}">
+                <a16:creationId xmlns:a16="http://schemas.microsoft.com/office/drawing/2014/main" id="{F253DE16-D60F-B8E9-B714-BCAF456210A0}"/>
+              </a:ext>
+            </a:extLst>
+          </p:cNvPr>
+          <p:cNvSpPr/>
+          <p:nvPr/>
+        </p:nvSpPr>
+        <p:spPr>
+          <a:xfrm>
+            <a:off x="5446834" y="1208888"/>
+            <a:ext cx="1298331" cy="341435"/>
+          </a:xfrm>
+          <a:prstGeom prst="rect">
+            <a:avLst/>
+          </a:prstGeom>
+        </p:spPr>
+        <p:style>
+          <a:lnRef idx="2">
+            <a:schemeClr val="dk1"/>
+          </a:lnRef>
+          <a:fillRef idx="1">
+            <a:schemeClr val="lt1"/>
+          </a:fillRef>
+          <a:effectRef idx="0">
+            <a:schemeClr val="dk1"/>
+          </a:effectRef>
+          <a:fontRef idx="minor">
+            <a:schemeClr val="dk1"/>
+          </a:fontRef>
+        </p:style>
+        <p:txBody>
+          <a:bodyPr rtlCol="0" anchor="ctr"/>
+          <a:lstStyle/>
+          <a:p>
+            <a:pPr algn="ctr"/>
+            <a:r>
+              <a:rPr lang="en-US" altLang="ko-KR" sz="1000" dirty="0"/>
+              <a:t>Component A</a:t>
+            </a:r>
+            <a:br>
+              <a:rPr lang="en-US" altLang="ko-KR" sz="1000" dirty="0"/>
+            </a:br>
+            <a:r>
+              <a:rPr lang="en-US" altLang="ko-KR" sz="1000" dirty="0"/>
+              <a:t>Update(double dt);</a:t>
+            </a:r>
+            <a:endParaRPr lang="ko-KR" altLang="en-US" sz="1000" dirty="0"/>
+          </a:p>
+        </p:txBody>
+      </p:sp>
+      <p:cxnSp>
+        <p:nvCxnSpPr>
+          <p:cNvPr id="35" name="직선 연결선 34">
+            <a:extLst>
+              <a:ext uri="{FF2B5EF4-FFF2-40B4-BE49-F238E27FC236}">
+                <a16:creationId xmlns:a16="http://schemas.microsoft.com/office/drawing/2014/main" id="{8D4588F1-0C98-9587-F1A9-41EB7B5EF55E}"/>
+              </a:ext>
+            </a:extLst>
+          </p:cNvPr>
+          <p:cNvCxnSpPr>
+            <a:cxnSpLocks/>
+            <a:stCxn id="5" idx="3"/>
+            <a:endCxn id="57" idx="1"/>
+          </p:cNvCxnSpPr>
+          <p:nvPr/>
+        </p:nvCxnSpPr>
+        <p:spPr>
+          <a:xfrm>
+            <a:off x="3758712" y="1758462"/>
+            <a:ext cx="1688118" cy="2014"/>
+          </a:xfrm>
+          <a:prstGeom prst="line">
+            <a:avLst/>
+          </a:prstGeom>
+          <a:ln w="12700"/>
+        </p:spPr>
+        <p:style>
+          <a:lnRef idx="1">
+            <a:schemeClr val="dk1"/>
+          </a:lnRef>
+          <a:fillRef idx="0">
+            <a:schemeClr val="dk1"/>
+          </a:fillRef>
+          <a:effectRef idx="0">
+            <a:schemeClr val="dk1"/>
+          </a:effectRef>
+          <a:fontRef idx="minor">
+            <a:schemeClr val="tx1"/>
+          </a:fontRef>
+        </p:style>
+      </p:cxnSp>
+      <p:cxnSp>
+        <p:nvCxnSpPr>
+          <p:cNvPr id="37" name="직선 연결선 36">
+            <a:extLst>
+              <a:ext uri="{FF2B5EF4-FFF2-40B4-BE49-F238E27FC236}">
+                <a16:creationId xmlns:a16="http://schemas.microsoft.com/office/drawing/2014/main" id="{0962A38B-FA46-82DD-7B0D-ECC847D4A66D}"/>
+              </a:ext>
+            </a:extLst>
+          </p:cNvPr>
+          <p:cNvCxnSpPr>
+            <a:stCxn id="33" idx="1"/>
+          </p:cNvCxnSpPr>
+          <p:nvPr/>
+        </p:nvCxnSpPr>
+        <p:spPr>
+          <a:xfrm flipH="1" flipV="1">
+            <a:off x="4848961" y="1379605"/>
+            <a:ext cx="597873" cy="1"/>
+          </a:xfrm>
+          <a:prstGeom prst="line">
+            <a:avLst/>
+          </a:prstGeom>
+          <a:ln w="12700"/>
+        </p:spPr>
+        <p:style>
+          <a:lnRef idx="1">
+            <a:schemeClr val="dk1"/>
+          </a:lnRef>
+          <a:fillRef idx="0">
+            <a:schemeClr val="dk1"/>
+          </a:fillRef>
+          <a:effectRef idx="0">
+            <a:schemeClr val="dk1"/>
+          </a:effectRef>
+          <a:fontRef idx="minor">
+            <a:schemeClr val="tx1"/>
+          </a:fontRef>
+        </p:style>
+      </p:cxnSp>
+      <p:cxnSp>
+        <p:nvCxnSpPr>
+          <p:cNvPr id="39" name="직선 연결선 38">
+            <a:extLst>
+              <a:ext uri="{FF2B5EF4-FFF2-40B4-BE49-F238E27FC236}">
+                <a16:creationId xmlns:a16="http://schemas.microsoft.com/office/drawing/2014/main" id="{D455B044-9BD5-0637-9783-EA6AD43A5C36}"/>
+              </a:ext>
+            </a:extLst>
+          </p:cNvPr>
+          <p:cNvCxnSpPr>
+            <a:stCxn id="32" idx="1"/>
+          </p:cNvCxnSpPr>
+          <p:nvPr/>
+        </p:nvCxnSpPr>
+        <p:spPr>
+          <a:xfrm flipH="1" flipV="1">
+            <a:off x="4848961" y="2136292"/>
+            <a:ext cx="597873" cy="1"/>
+          </a:xfrm>
+          <a:prstGeom prst="line">
+            <a:avLst/>
+          </a:prstGeom>
+          <a:ln w="12700"/>
+        </p:spPr>
+        <p:style>
+          <a:lnRef idx="1">
+            <a:schemeClr val="dk1"/>
+          </a:lnRef>
+          <a:fillRef idx="0">
+            <a:schemeClr val="dk1"/>
+          </a:fillRef>
+          <a:effectRef idx="0">
+            <a:schemeClr val="dk1"/>
+          </a:effectRef>
+          <a:fontRef idx="minor">
+            <a:schemeClr val="tx1"/>
+          </a:fontRef>
+        </p:style>
+      </p:cxnSp>
+      <p:cxnSp>
+        <p:nvCxnSpPr>
+          <p:cNvPr id="41" name="직선 연결선 40">
+            <a:extLst>
+              <a:ext uri="{FF2B5EF4-FFF2-40B4-BE49-F238E27FC236}">
+                <a16:creationId xmlns:a16="http://schemas.microsoft.com/office/drawing/2014/main" id="{7F36B903-3488-3A77-CAC7-2F56A9E34AD0}"/>
+              </a:ext>
+            </a:extLst>
+          </p:cNvPr>
+          <p:cNvCxnSpPr>
+            <a:cxnSpLocks/>
+          </p:cNvCxnSpPr>
+          <p:nvPr/>
+        </p:nvCxnSpPr>
+        <p:spPr>
+          <a:xfrm flipV="1">
+            <a:off x="4848958" y="1379605"/>
+            <a:ext cx="0" cy="756687"/>
+          </a:xfrm>
+          <a:prstGeom prst="line">
+            <a:avLst/>
+          </a:prstGeom>
+          <a:ln w="12700"/>
+        </p:spPr>
+        <p:style>
+          <a:lnRef idx="1">
+            <a:schemeClr val="dk1"/>
+          </a:lnRef>
+          <a:fillRef idx="0">
+            <a:schemeClr val="dk1"/>
+          </a:fillRef>
+          <a:effectRef idx="0">
+            <a:schemeClr val="dk1"/>
+          </a:effectRef>
+          <a:fontRef idx="minor">
+            <a:schemeClr val="tx1"/>
+          </a:fontRef>
+        </p:style>
+      </p:cxnSp>
+      <p:sp>
+        <p:nvSpPr>
+          <p:cNvPr id="42" name="직사각형 41">
+            <a:extLst>
+              <a:ext uri="{FF2B5EF4-FFF2-40B4-BE49-F238E27FC236}">
+                <a16:creationId xmlns:a16="http://schemas.microsoft.com/office/drawing/2014/main" id="{067C7B67-4195-244E-86C8-60B83804669D}"/>
+              </a:ext>
+            </a:extLst>
+          </p:cNvPr>
+          <p:cNvSpPr/>
+          <p:nvPr/>
+        </p:nvSpPr>
+        <p:spPr>
+          <a:xfrm>
+            <a:off x="5446830" y="3685979"/>
+            <a:ext cx="1298331" cy="341435"/>
+          </a:xfrm>
+          <a:prstGeom prst="rect">
+            <a:avLst/>
+          </a:prstGeom>
+        </p:spPr>
+        <p:style>
+          <a:lnRef idx="2">
+            <a:schemeClr val="dk1"/>
+          </a:lnRef>
+          <a:fillRef idx="1">
+            <a:schemeClr val="lt1"/>
+          </a:fillRef>
+          <a:effectRef idx="0">
+            <a:schemeClr val="dk1"/>
+          </a:effectRef>
+          <a:fontRef idx="minor">
+            <a:schemeClr val="dk1"/>
+          </a:fontRef>
+        </p:style>
+        <p:txBody>
+          <a:bodyPr rtlCol="0" anchor="ctr"/>
+          <a:lstStyle/>
+          <a:p>
+            <a:pPr algn="ctr"/>
+            <a:r>
+              <a:rPr lang="en-US" altLang="ko-KR" sz="1000" dirty="0"/>
+              <a:t>Component B</a:t>
+            </a:r>
+            <a:br>
+              <a:rPr lang="en-US" altLang="ko-KR" sz="1000" dirty="0"/>
+            </a:br>
+            <a:r>
+              <a:rPr lang="en-US" altLang="ko-KR" sz="1000" dirty="0"/>
+              <a:t>Update(double dt);</a:t>
+            </a:r>
+            <a:endParaRPr lang="ko-KR" altLang="en-US" sz="1000" dirty="0"/>
+          </a:p>
+        </p:txBody>
+      </p:sp>
+      <p:sp>
+        <p:nvSpPr>
+          <p:cNvPr id="43" name="직사각형 42">
+            <a:extLst>
+              <a:ext uri="{FF2B5EF4-FFF2-40B4-BE49-F238E27FC236}">
+                <a16:creationId xmlns:a16="http://schemas.microsoft.com/office/drawing/2014/main" id="{76AC0AEC-78EF-CA60-8A40-5C5BE9E0D0B6}"/>
+              </a:ext>
+            </a:extLst>
+          </p:cNvPr>
+          <p:cNvSpPr/>
+          <p:nvPr/>
+        </p:nvSpPr>
+        <p:spPr>
+          <a:xfrm>
+            <a:off x="5446830" y="3311006"/>
+            <a:ext cx="1298331" cy="341435"/>
+          </a:xfrm>
+          <a:prstGeom prst="rect">
+            <a:avLst/>
+          </a:prstGeom>
+        </p:spPr>
+        <p:style>
+          <a:lnRef idx="2">
+            <a:schemeClr val="dk1"/>
+          </a:lnRef>
+          <a:fillRef idx="1">
+            <a:schemeClr val="lt1"/>
+          </a:fillRef>
+          <a:effectRef idx="0">
+            <a:schemeClr val="dk1"/>
+          </a:effectRef>
+          <a:fontRef idx="minor">
+            <a:schemeClr val="dk1"/>
+          </a:fontRef>
+        </p:style>
+        <p:txBody>
+          <a:bodyPr rtlCol="0" anchor="ctr"/>
+          <a:lstStyle/>
+          <a:p>
+            <a:pPr algn="ctr"/>
+            <a:r>
+              <a:rPr lang="en-US" altLang="ko-KR" sz="1000" dirty="0"/>
+              <a:t>Component A</a:t>
+            </a:r>
+            <a:br>
+              <a:rPr lang="en-US" altLang="ko-KR" sz="1000" dirty="0"/>
+            </a:br>
+            <a:r>
+              <a:rPr lang="en-US" altLang="ko-KR" sz="1000" dirty="0"/>
+              <a:t>Update(double dt);</a:t>
+            </a:r>
+            <a:endParaRPr lang="ko-KR" altLang="en-US" sz="1000" dirty="0"/>
+          </a:p>
+        </p:txBody>
+      </p:sp>
+      <p:cxnSp>
+        <p:nvCxnSpPr>
+          <p:cNvPr id="44" name="직선 연결선 43">
+            <a:extLst>
+              <a:ext uri="{FF2B5EF4-FFF2-40B4-BE49-F238E27FC236}">
+                <a16:creationId xmlns:a16="http://schemas.microsoft.com/office/drawing/2014/main" id="{DF501F0D-D673-87A7-22F9-9B26358591CE}"/>
+              </a:ext>
+            </a:extLst>
+          </p:cNvPr>
+          <p:cNvCxnSpPr>
+            <a:stCxn id="43" idx="1"/>
+          </p:cNvCxnSpPr>
+          <p:nvPr/>
+        </p:nvCxnSpPr>
+        <p:spPr>
+          <a:xfrm flipH="1" flipV="1">
+            <a:off x="4848957" y="3481723"/>
+            <a:ext cx="597873" cy="1"/>
+          </a:xfrm>
+          <a:prstGeom prst="line">
+            <a:avLst/>
+          </a:prstGeom>
+          <a:ln w="12700"/>
+        </p:spPr>
+        <p:style>
+          <a:lnRef idx="1">
+            <a:schemeClr val="dk1"/>
+          </a:lnRef>
+          <a:fillRef idx="0">
+            <a:schemeClr val="dk1"/>
+          </a:fillRef>
+          <a:effectRef idx="0">
+            <a:schemeClr val="dk1"/>
+          </a:effectRef>
+          <a:fontRef idx="minor">
+            <a:schemeClr val="tx1"/>
+          </a:fontRef>
+        </p:style>
+      </p:cxnSp>
+      <p:cxnSp>
+        <p:nvCxnSpPr>
+          <p:cNvPr id="45" name="직선 연결선 44">
+            <a:extLst>
+              <a:ext uri="{FF2B5EF4-FFF2-40B4-BE49-F238E27FC236}">
+                <a16:creationId xmlns:a16="http://schemas.microsoft.com/office/drawing/2014/main" id="{D6CD3B28-160A-D1B0-4875-958D70B0A9D6}"/>
+              </a:ext>
+            </a:extLst>
+          </p:cNvPr>
+          <p:cNvCxnSpPr>
+            <a:stCxn id="42" idx="1"/>
+          </p:cNvCxnSpPr>
+          <p:nvPr/>
+        </p:nvCxnSpPr>
+        <p:spPr>
+          <a:xfrm flipH="1" flipV="1">
+            <a:off x="4848957" y="3856696"/>
+            <a:ext cx="597873" cy="1"/>
+          </a:xfrm>
+          <a:prstGeom prst="line">
+            <a:avLst/>
+          </a:prstGeom>
+          <a:ln w="12700"/>
+        </p:spPr>
+        <p:style>
+          <a:lnRef idx="1">
+            <a:schemeClr val="dk1"/>
+          </a:lnRef>
+          <a:fillRef idx="0">
+            <a:schemeClr val="dk1"/>
+          </a:fillRef>
+          <a:effectRef idx="0">
+            <a:schemeClr val="dk1"/>
+          </a:effectRef>
+          <a:fontRef idx="minor">
+            <a:schemeClr val="tx1"/>
+          </a:fontRef>
+        </p:style>
+      </p:cxnSp>
+      <p:cxnSp>
+        <p:nvCxnSpPr>
+          <p:cNvPr id="46" name="직선 연결선 45">
+            <a:extLst>
+              <a:ext uri="{FF2B5EF4-FFF2-40B4-BE49-F238E27FC236}">
+                <a16:creationId xmlns:a16="http://schemas.microsoft.com/office/drawing/2014/main" id="{17DB5C17-B27B-C858-1D05-D58950E24A73}"/>
+              </a:ext>
+            </a:extLst>
+          </p:cNvPr>
+          <p:cNvCxnSpPr>
+            <a:cxnSpLocks/>
+          </p:cNvCxnSpPr>
+          <p:nvPr/>
+        </p:nvCxnSpPr>
+        <p:spPr>
+          <a:xfrm flipH="1" flipV="1">
+            <a:off x="4848957" y="3481723"/>
+            <a:ext cx="4" cy="378415"/>
+          </a:xfrm>
+          <a:prstGeom prst="line">
+            <a:avLst/>
+          </a:prstGeom>
+          <a:ln w="12700"/>
+        </p:spPr>
+        <p:style>
+          <a:lnRef idx="1">
+            <a:schemeClr val="dk1"/>
+          </a:lnRef>
+          <a:fillRef idx="0">
+            <a:schemeClr val="dk1"/>
+          </a:fillRef>
+          <a:effectRef idx="0">
+            <a:schemeClr val="dk1"/>
+          </a:effectRef>
+          <a:fontRef idx="minor">
+            <a:schemeClr val="tx1"/>
+          </a:fontRef>
+        </p:style>
+      </p:cxnSp>
+      <p:cxnSp>
+        <p:nvCxnSpPr>
+          <p:cNvPr id="53" name="직선 연결선 52">
+            <a:extLst>
+              <a:ext uri="{FF2B5EF4-FFF2-40B4-BE49-F238E27FC236}">
+                <a16:creationId xmlns:a16="http://schemas.microsoft.com/office/drawing/2014/main" id="{AA6CC930-0BE7-8B59-9BF0-B1D334051CC9}"/>
+              </a:ext>
+            </a:extLst>
+          </p:cNvPr>
+          <p:cNvCxnSpPr>
+            <a:cxnSpLocks/>
+          </p:cNvCxnSpPr>
+          <p:nvPr/>
+        </p:nvCxnSpPr>
+        <p:spPr>
+          <a:xfrm>
+            <a:off x="3748036" y="3647971"/>
+            <a:ext cx="1100922" cy="0"/>
+          </a:xfrm>
+          <a:prstGeom prst="line">
+            <a:avLst/>
+          </a:prstGeom>
+          <a:ln w="12700"/>
+        </p:spPr>
+        <p:style>
+          <a:lnRef idx="1">
+            <a:schemeClr val="dk1"/>
+          </a:lnRef>
+          <a:fillRef idx="0">
+            <a:schemeClr val="dk1"/>
+          </a:fillRef>
+          <a:effectRef idx="0">
+            <a:schemeClr val="dk1"/>
+          </a:effectRef>
+          <a:fontRef idx="minor">
+            <a:schemeClr val="tx1"/>
+          </a:fontRef>
+        </p:style>
+      </p:cxnSp>
+      <p:sp>
+        <p:nvSpPr>
+          <p:cNvPr id="57" name="직사각형 56">
+            <a:extLst>
+              <a:ext uri="{FF2B5EF4-FFF2-40B4-BE49-F238E27FC236}">
+                <a16:creationId xmlns:a16="http://schemas.microsoft.com/office/drawing/2014/main" id="{15C4BFAB-938B-2DA3-2138-43ED6E0A7C9F}"/>
+              </a:ext>
+            </a:extLst>
+          </p:cNvPr>
+          <p:cNvSpPr/>
+          <p:nvPr/>
+        </p:nvSpPr>
+        <p:spPr>
+          <a:xfrm>
+            <a:off x="5446830" y="1589758"/>
+            <a:ext cx="1298331" cy="341435"/>
+          </a:xfrm>
+          <a:prstGeom prst="rect">
+            <a:avLst/>
+          </a:prstGeom>
+        </p:spPr>
+        <p:style>
+          <a:lnRef idx="2">
+            <a:schemeClr val="dk1"/>
+          </a:lnRef>
+          <a:fillRef idx="1">
+            <a:schemeClr val="lt1"/>
+          </a:fillRef>
+          <a:effectRef idx="0">
+            <a:schemeClr val="dk1"/>
+          </a:effectRef>
+          <a:fontRef idx="minor">
+            <a:schemeClr val="dk1"/>
+          </a:fontRef>
+        </p:style>
+        <p:txBody>
+          <a:bodyPr rtlCol="0" anchor="ctr"/>
+          <a:lstStyle/>
+          <a:p>
+            <a:pPr algn="ctr"/>
+            <a:r>
+              <a:rPr lang="en-US" altLang="ko-KR" sz="1000" dirty="0"/>
+              <a:t>Component B</a:t>
+            </a:r>
+            <a:br>
+              <a:rPr lang="en-US" altLang="ko-KR" sz="1000" dirty="0"/>
+            </a:br>
+            <a:r>
+              <a:rPr lang="en-US" altLang="ko-KR" sz="1000" dirty="0"/>
+              <a:t>Update(double dt);</a:t>
+            </a:r>
+            <a:endParaRPr lang="ko-KR" altLang="en-US" sz="1000" dirty="0"/>
+          </a:p>
+        </p:txBody>
+      </p:sp>
+      <p:sp>
+        <p:nvSpPr>
+          <p:cNvPr id="68" name="직사각형 67">
+            <a:extLst>
+              <a:ext uri="{FF2B5EF4-FFF2-40B4-BE49-F238E27FC236}">
+                <a16:creationId xmlns:a16="http://schemas.microsoft.com/office/drawing/2014/main" id="{10FAF4FE-595A-7F4E-5816-B305326125C9}"/>
+              </a:ext>
+            </a:extLst>
+          </p:cNvPr>
+          <p:cNvSpPr/>
+          <p:nvPr/>
+        </p:nvSpPr>
+        <p:spPr>
+          <a:xfrm>
+            <a:off x="5446834" y="2723650"/>
+            <a:ext cx="1298331" cy="341435"/>
+          </a:xfrm>
+          <a:prstGeom prst="rect">
+            <a:avLst/>
+          </a:prstGeom>
+        </p:spPr>
+        <p:style>
+          <a:lnRef idx="2">
+            <a:schemeClr val="dk1"/>
+          </a:lnRef>
+          <a:fillRef idx="1">
+            <a:schemeClr val="lt1"/>
+          </a:fillRef>
+          <a:effectRef idx="0">
+            <a:schemeClr val="dk1"/>
+          </a:effectRef>
+          <a:fontRef idx="minor">
+            <a:schemeClr val="dk1"/>
+          </a:fontRef>
+        </p:style>
+        <p:txBody>
+          <a:bodyPr rtlCol="0" anchor="ctr"/>
+          <a:lstStyle/>
+          <a:p>
+            <a:pPr algn="ctr"/>
+            <a:r>
+              <a:rPr lang="en-US" altLang="ko-KR" sz="1000" dirty="0"/>
+              <a:t>Component C</a:t>
+            </a:r>
+            <a:br>
+              <a:rPr lang="en-US" altLang="ko-KR" sz="1000" dirty="0"/>
+            </a:br>
+            <a:r>
+              <a:rPr lang="en-US" altLang="ko-KR" sz="1000" dirty="0"/>
+              <a:t>Update(double dt);</a:t>
+            </a:r>
+            <a:endParaRPr lang="ko-KR" altLang="en-US" sz="1000" dirty="0"/>
+          </a:p>
+        </p:txBody>
+      </p:sp>
+      <p:sp>
+        <p:nvSpPr>
+          <p:cNvPr id="69" name="직사각형 68">
+            <a:extLst>
+              <a:ext uri="{FF2B5EF4-FFF2-40B4-BE49-F238E27FC236}">
+                <a16:creationId xmlns:a16="http://schemas.microsoft.com/office/drawing/2014/main" id="{92321D6C-3254-A2BE-6D3B-2C2A8567CB13}"/>
+              </a:ext>
+            </a:extLst>
+          </p:cNvPr>
+          <p:cNvSpPr/>
+          <p:nvPr/>
+        </p:nvSpPr>
+        <p:spPr>
+          <a:xfrm>
+            <a:off x="5446834" y="2341240"/>
+            <a:ext cx="1298331" cy="341435"/>
+          </a:xfrm>
+          <a:prstGeom prst="rect">
+            <a:avLst/>
+          </a:prstGeom>
+        </p:spPr>
+        <p:style>
+          <a:lnRef idx="2">
+            <a:schemeClr val="dk1"/>
+          </a:lnRef>
+          <a:fillRef idx="1">
+            <a:schemeClr val="lt1"/>
+          </a:fillRef>
+          <a:effectRef idx="0">
+            <a:schemeClr val="dk1"/>
+          </a:effectRef>
+          <a:fontRef idx="minor">
+            <a:schemeClr val="dk1"/>
+          </a:fontRef>
+        </p:style>
+        <p:txBody>
+          <a:bodyPr rtlCol="0" anchor="ctr"/>
+          <a:lstStyle/>
+          <a:p>
+            <a:pPr algn="ctr"/>
+            <a:r>
+              <a:rPr lang="en-US" altLang="ko-KR" sz="1000" dirty="0"/>
+              <a:t>Component A</a:t>
+            </a:r>
+            <a:br>
+              <a:rPr lang="en-US" altLang="ko-KR" sz="1000" dirty="0"/>
+            </a:br>
+            <a:r>
+              <a:rPr lang="en-US" altLang="ko-KR" sz="1000" dirty="0"/>
+              <a:t>Update(double dt);</a:t>
+            </a:r>
+            <a:endParaRPr lang="ko-KR" altLang="en-US" sz="1000" dirty="0"/>
+          </a:p>
+        </p:txBody>
+      </p:sp>
+      <p:cxnSp>
+        <p:nvCxnSpPr>
+          <p:cNvPr id="70" name="직선 연결선 69">
+            <a:extLst>
+              <a:ext uri="{FF2B5EF4-FFF2-40B4-BE49-F238E27FC236}">
+                <a16:creationId xmlns:a16="http://schemas.microsoft.com/office/drawing/2014/main" id="{A75D120C-4986-3CBE-1785-DF2B27608E5C}"/>
+              </a:ext>
+            </a:extLst>
+          </p:cNvPr>
+          <p:cNvCxnSpPr>
+            <a:cxnSpLocks/>
+            <a:stCxn id="69" idx="1"/>
+          </p:cNvCxnSpPr>
+          <p:nvPr/>
+        </p:nvCxnSpPr>
+        <p:spPr>
+          <a:xfrm flipH="1" flipV="1">
+            <a:off x="4848961" y="2511957"/>
+            <a:ext cx="597873" cy="1"/>
+          </a:xfrm>
+          <a:prstGeom prst="line">
+            <a:avLst/>
+          </a:prstGeom>
+          <a:ln w="12700"/>
+        </p:spPr>
+        <p:style>
+          <a:lnRef idx="1">
+            <a:schemeClr val="dk1"/>
+          </a:lnRef>
+          <a:fillRef idx="0">
+            <a:schemeClr val="dk1"/>
+          </a:fillRef>
+          <a:effectRef idx="0">
+            <a:schemeClr val="dk1"/>
+          </a:effectRef>
+          <a:fontRef idx="minor">
+            <a:schemeClr val="tx1"/>
+          </a:fontRef>
+        </p:style>
+      </p:cxnSp>
+      <p:cxnSp>
+        <p:nvCxnSpPr>
+          <p:cNvPr id="71" name="직선 연결선 70">
+            <a:extLst>
+              <a:ext uri="{FF2B5EF4-FFF2-40B4-BE49-F238E27FC236}">
+                <a16:creationId xmlns:a16="http://schemas.microsoft.com/office/drawing/2014/main" id="{769EAA43-9E9E-58C9-CBE9-EECE897C0E3E}"/>
+              </a:ext>
+            </a:extLst>
+          </p:cNvPr>
+          <p:cNvCxnSpPr>
+            <a:stCxn id="68" idx="1"/>
+          </p:cNvCxnSpPr>
+          <p:nvPr/>
+        </p:nvCxnSpPr>
+        <p:spPr>
+          <a:xfrm flipH="1" flipV="1">
+            <a:off x="4848961" y="2894367"/>
+            <a:ext cx="597873" cy="1"/>
+          </a:xfrm>
+          <a:prstGeom prst="line">
+            <a:avLst/>
+          </a:prstGeom>
+          <a:ln w="12700"/>
+        </p:spPr>
+        <p:style>
+          <a:lnRef idx="1">
+            <a:schemeClr val="dk1"/>
+          </a:lnRef>
+          <a:fillRef idx="0">
+            <a:schemeClr val="dk1"/>
+          </a:fillRef>
+          <a:effectRef idx="0">
+            <a:schemeClr val="dk1"/>
+          </a:effectRef>
+          <a:fontRef idx="minor">
+            <a:schemeClr val="tx1"/>
+          </a:fontRef>
+        </p:style>
+      </p:cxnSp>
+      <p:cxnSp>
+        <p:nvCxnSpPr>
+          <p:cNvPr id="72" name="직선 연결선 71">
+            <a:extLst>
+              <a:ext uri="{FF2B5EF4-FFF2-40B4-BE49-F238E27FC236}">
+                <a16:creationId xmlns:a16="http://schemas.microsoft.com/office/drawing/2014/main" id="{9BBDBF20-D8EE-F25A-729A-523358C75A0C}"/>
+              </a:ext>
+            </a:extLst>
+          </p:cNvPr>
+          <p:cNvCxnSpPr>
+            <a:cxnSpLocks/>
+          </p:cNvCxnSpPr>
+          <p:nvPr/>
+        </p:nvCxnSpPr>
+        <p:spPr>
+          <a:xfrm flipV="1">
+            <a:off x="4848958" y="2511957"/>
+            <a:ext cx="0" cy="382410"/>
+          </a:xfrm>
+          <a:prstGeom prst="line">
+            <a:avLst/>
+          </a:prstGeom>
+          <a:ln w="12700"/>
+        </p:spPr>
+        <p:style>
+          <a:lnRef idx="1">
+            <a:schemeClr val="dk1"/>
+          </a:lnRef>
+          <a:fillRef idx="0">
+            <a:schemeClr val="dk1"/>
+          </a:fillRef>
+          <a:effectRef idx="0">
+            <a:schemeClr val="dk1"/>
+          </a:effectRef>
+          <a:fontRef idx="minor">
+            <a:schemeClr val="tx1"/>
+          </a:fontRef>
+        </p:style>
+      </p:cxnSp>
+      <p:cxnSp>
+        <p:nvCxnSpPr>
+          <p:cNvPr id="74" name="직선 연결선 73">
+            <a:extLst>
+              <a:ext uri="{FF2B5EF4-FFF2-40B4-BE49-F238E27FC236}">
+                <a16:creationId xmlns:a16="http://schemas.microsoft.com/office/drawing/2014/main" id="{A534480F-A3FE-377F-C8D5-A4DDAD682180}"/>
+              </a:ext>
+            </a:extLst>
+          </p:cNvPr>
+          <p:cNvCxnSpPr>
+            <a:cxnSpLocks/>
+            <a:stCxn id="6" idx="3"/>
+          </p:cNvCxnSpPr>
+          <p:nvPr/>
+        </p:nvCxnSpPr>
+        <p:spPr>
+          <a:xfrm>
+            <a:off x="3758712" y="2697355"/>
+            <a:ext cx="1090246" cy="11723"/>
+          </a:xfrm>
+          <a:prstGeom prst="line">
+            <a:avLst/>
+          </a:prstGeom>
+          <a:ln w="12700"/>
+        </p:spPr>
+        <p:style>
+          <a:lnRef idx="1">
+            <a:schemeClr val="dk1"/>
+          </a:lnRef>
+          <a:fillRef idx="0">
+            <a:schemeClr val="dk1"/>
+          </a:fillRef>
+          <a:effectRef idx="0">
+            <a:schemeClr val="dk1"/>
+          </a:effectRef>
+          <a:fontRef idx="minor">
+            <a:schemeClr val="tx1"/>
+          </a:fontRef>
+        </p:style>
+      </p:cxnSp>
+    </p:spTree>
+    <p:extLst>
+      <p:ext uri="{BB962C8B-B14F-4D97-AF65-F5344CB8AC3E}">
+        <p14:creationId xmlns:p14="http://schemas.microsoft.com/office/powerpoint/2010/main" val="4072312745"/>
+      </p:ext>
+    </p:extLst>
+  </p:cSld>
+  <p:clrMapOvr>
+    <a:masterClrMapping/>
+  </p:clrMapOvr>
+</p:sld>
+</file>
+
+<file path=ppt/slides/slide9.xml><?xml version="1.0" encoding="utf-8"?>
+<p:sld xmlns:a="http://schemas.openxmlformats.org/drawingml/2006/main" xmlns:r="http://schemas.openxmlformats.org/officeDocument/2006/relationships" xmlns:p="http://schemas.openxmlformats.org/presentationml/2006/main">
+  <p:cSld>
+    <p:spTree>
+      <p:nvGrpSpPr>
+        <p:cNvPr id="1" name=""/>
+        <p:cNvGrpSpPr/>
+        <p:nvPr/>
+      </p:nvGrpSpPr>
+      <p:grpSpPr>
+        <a:xfrm>
+          <a:off x="0" y="0"/>
+          <a:ext cx="0" cy="0"/>
+          <a:chOff x="0" y="0"/>
+          <a:chExt cx="0" cy="0"/>
+        </a:xfrm>
+      </p:grpSpPr>
+      <p:sp>
+        <p:nvSpPr>
+          <p:cNvPr id="4" name="직사각형 3">
+            <a:extLst>
+              <a:ext uri="{FF2B5EF4-FFF2-40B4-BE49-F238E27FC236}">
+                <a16:creationId xmlns:a16="http://schemas.microsoft.com/office/drawing/2014/main" id="{DDC88072-D1B1-60E5-1DE0-8856868E7E71}"/>
+              </a:ext>
+            </a:extLst>
+          </p:cNvPr>
+          <p:cNvSpPr/>
+          <p:nvPr/>
+        </p:nvSpPr>
+        <p:spPr>
+          <a:xfrm>
+            <a:off x="881743" y="387804"/>
+            <a:ext cx="2237014" cy="1020535"/>
+          </a:xfrm>
+          <a:prstGeom prst="rect">
+            <a:avLst/>
+          </a:prstGeom>
+        </p:spPr>
+        <p:style>
+          <a:lnRef idx="2">
+            <a:schemeClr val="dk1"/>
+          </a:lnRef>
+          <a:fillRef idx="1">
+            <a:schemeClr val="lt1"/>
+          </a:fillRef>
+          <a:effectRef idx="0">
+            <a:schemeClr val="dk1"/>
+          </a:effectRef>
+          <a:fontRef idx="minor">
+            <a:schemeClr val="dk1"/>
+          </a:fontRef>
+        </p:style>
+        <p:txBody>
+          <a:bodyPr rtlCol="0" anchor="ctr"/>
+          <a:lstStyle/>
+          <a:p>
+            <a:pPr algn="ctr"/>
+            <a:r>
+              <a:rPr lang="en-US" altLang="ko-KR" dirty="0" err="1"/>
+              <a:t>AISystem</a:t>
+            </a:r>
+            <a:endParaRPr lang="ko-KR" altLang="en-US" dirty="0"/>
+          </a:p>
+        </p:txBody>
+      </p:sp>
+      <p:sp>
+        <p:nvSpPr>
+          <p:cNvPr id="5" name="직사각형 4">
+            <a:extLst>
+              <a:ext uri="{FF2B5EF4-FFF2-40B4-BE49-F238E27FC236}">
+                <a16:creationId xmlns:a16="http://schemas.microsoft.com/office/drawing/2014/main" id="{245A43BE-44B2-32A0-86B6-EB87668FABBD}"/>
+              </a:ext>
+            </a:extLst>
+          </p:cNvPr>
+          <p:cNvSpPr/>
+          <p:nvPr/>
+        </p:nvSpPr>
+        <p:spPr>
+          <a:xfrm>
+            <a:off x="881743" y="1789132"/>
+            <a:ext cx="2237014" cy="1020535"/>
+          </a:xfrm>
+          <a:prstGeom prst="rect">
+            <a:avLst/>
+          </a:prstGeom>
+        </p:spPr>
+        <p:style>
+          <a:lnRef idx="2">
+            <a:schemeClr val="dk1"/>
+          </a:lnRef>
+          <a:fillRef idx="1">
+            <a:schemeClr val="lt1"/>
+          </a:fillRef>
+          <a:effectRef idx="0">
+            <a:schemeClr val="dk1"/>
+          </a:effectRef>
+          <a:fontRef idx="minor">
+            <a:schemeClr val="dk1"/>
+          </a:fontRef>
+        </p:style>
+        <p:txBody>
+          <a:bodyPr rtlCol="0" anchor="ctr"/>
+          <a:lstStyle/>
+          <a:p>
+            <a:pPr algn="ctr"/>
+            <a:r>
+              <a:rPr lang="en-US" altLang="ko-KR" dirty="0" err="1"/>
+              <a:t>MoveSystem</a:t>
+            </a:r>
+            <a:endParaRPr lang="ko-KR" altLang="en-US" dirty="0"/>
+          </a:p>
+        </p:txBody>
+      </p:sp>
+      <p:sp>
+        <p:nvSpPr>
+          <p:cNvPr id="6" name="직사각형 5">
+            <a:extLst>
+              <a:ext uri="{FF2B5EF4-FFF2-40B4-BE49-F238E27FC236}">
+                <a16:creationId xmlns:a16="http://schemas.microsoft.com/office/drawing/2014/main" id="{FA974193-D651-5A4E-9568-039E02315A43}"/>
+              </a:ext>
+            </a:extLst>
+          </p:cNvPr>
+          <p:cNvSpPr/>
+          <p:nvPr/>
+        </p:nvSpPr>
+        <p:spPr>
+          <a:xfrm>
+            <a:off x="5747960" y="1863690"/>
+            <a:ext cx="2081893" cy="865414"/>
+          </a:xfrm>
+          <a:prstGeom prst="rect">
+            <a:avLst/>
+          </a:prstGeom>
+        </p:spPr>
+        <p:style>
+          <a:lnRef idx="2">
+            <a:schemeClr val="dk1"/>
+          </a:lnRef>
+          <a:fillRef idx="1">
+            <a:schemeClr val="lt1"/>
+          </a:fillRef>
+          <a:effectRef idx="0">
+            <a:schemeClr val="dk1"/>
+          </a:effectRef>
+          <a:fontRef idx="minor">
+            <a:schemeClr val="dk1"/>
+          </a:fontRef>
+        </p:style>
+        <p:txBody>
+          <a:bodyPr rtlCol="0" anchor="ctr"/>
+          <a:lstStyle/>
+          <a:p>
+            <a:pPr algn="ctr"/>
+            <a:r>
+              <a:rPr lang="en-US" altLang="ko-KR" dirty="0" err="1"/>
+              <a:t>MoveComponent</a:t>
+            </a:r>
+            <a:endParaRPr lang="ko-KR" altLang="en-US" dirty="0"/>
+          </a:p>
+        </p:txBody>
+      </p:sp>
+      <p:sp>
+        <p:nvSpPr>
+          <p:cNvPr id="10" name="직사각형 9">
+            <a:extLst>
+              <a:ext uri="{FF2B5EF4-FFF2-40B4-BE49-F238E27FC236}">
+                <a16:creationId xmlns:a16="http://schemas.microsoft.com/office/drawing/2014/main" id="{02AE3ACD-C885-0BE2-28C3-E0D47CD54E6D}"/>
+              </a:ext>
+            </a:extLst>
+          </p:cNvPr>
+          <p:cNvSpPr/>
+          <p:nvPr/>
+        </p:nvSpPr>
+        <p:spPr>
+          <a:xfrm>
+            <a:off x="5747960" y="452778"/>
+            <a:ext cx="2081893" cy="865414"/>
+          </a:xfrm>
+          <a:prstGeom prst="rect">
+            <a:avLst/>
+          </a:prstGeom>
+        </p:spPr>
+        <p:style>
+          <a:lnRef idx="2">
+            <a:schemeClr val="dk1"/>
+          </a:lnRef>
+          <a:fillRef idx="1">
+            <a:schemeClr val="lt1"/>
+          </a:fillRef>
+          <a:effectRef idx="0">
+            <a:schemeClr val="dk1"/>
+          </a:effectRef>
+          <a:fontRef idx="minor">
+            <a:schemeClr val="dk1"/>
+          </a:fontRef>
+        </p:style>
+        <p:txBody>
+          <a:bodyPr rtlCol="0" anchor="ctr"/>
+          <a:lstStyle/>
+          <a:p>
+            <a:pPr algn="ctr"/>
+            <a:r>
+              <a:rPr lang="en-US" altLang="ko-KR" dirty="0" err="1"/>
+              <a:t>AIComponent</a:t>
+            </a:r>
+            <a:endParaRPr lang="ko-KR" altLang="en-US" dirty="0"/>
+          </a:p>
+        </p:txBody>
+      </p:sp>
+      <p:sp>
+        <p:nvSpPr>
+          <p:cNvPr id="16" name="직사각형 15">
+            <a:extLst>
+              <a:ext uri="{FF2B5EF4-FFF2-40B4-BE49-F238E27FC236}">
+                <a16:creationId xmlns:a16="http://schemas.microsoft.com/office/drawing/2014/main" id="{1B7CE143-BC35-5AE7-A53B-65A8CB418114}"/>
+              </a:ext>
+            </a:extLst>
+          </p:cNvPr>
+          <p:cNvSpPr/>
+          <p:nvPr/>
+        </p:nvSpPr>
+        <p:spPr>
+          <a:xfrm>
+            <a:off x="5747960" y="3242847"/>
+            <a:ext cx="2081893" cy="865414"/>
+          </a:xfrm>
+          <a:prstGeom prst="rect">
+            <a:avLst/>
+          </a:prstGeom>
+        </p:spPr>
+        <p:style>
+          <a:lnRef idx="2">
+            <a:schemeClr val="dk1"/>
+          </a:lnRef>
+          <a:fillRef idx="1">
+            <a:schemeClr val="lt1"/>
+          </a:fillRef>
+          <a:effectRef idx="0">
+            <a:schemeClr val="dk1"/>
+          </a:effectRef>
+          <a:fontRef idx="minor">
+            <a:schemeClr val="dk1"/>
+          </a:fontRef>
+        </p:style>
+        <p:txBody>
+          <a:bodyPr rtlCol="0" anchor="ctr"/>
+          <a:lstStyle/>
+          <a:p>
+            <a:pPr algn="ctr"/>
+            <a:r>
+              <a:rPr lang="en-US" altLang="ko-KR" dirty="0" err="1"/>
+              <a:t>FSMComponent</a:t>
+            </a:r>
+            <a:endParaRPr lang="ko-KR" altLang="en-US" dirty="0"/>
+          </a:p>
+        </p:txBody>
+      </p:sp>
+      <p:cxnSp>
+        <p:nvCxnSpPr>
+          <p:cNvPr id="18" name="직선 화살표 연결선 17">
+            <a:extLst>
+              <a:ext uri="{FF2B5EF4-FFF2-40B4-BE49-F238E27FC236}">
+                <a16:creationId xmlns:a16="http://schemas.microsoft.com/office/drawing/2014/main" id="{F22431F5-A27F-5978-4475-C3812F1D896E}"/>
+              </a:ext>
+            </a:extLst>
+          </p:cNvPr>
+          <p:cNvCxnSpPr>
+            <a:stCxn id="4" idx="3"/>
+            <a:endCxn id="10" idx="1"/>
+          </p:cNvCxnSpPr>
+          <p:nvPr/>
+        </p:nvCxnSpPr>
+        <p:spPr>
+          <a:xfrm flipV="1">
+            <a:off x="3118757" y="885485"/>
+            <a:ext cx="2629203" cy="12587"/>
+          </a:xfrm>
+          <a:prstGeom prst="straightConnector1">
+            <a:avLst/>
+          </a:prstGeom>
+          <a:ln w="12700">
+            <a:headEnd type="triangle"/>
+            <a:tailEnd type="triangle"/>
+          </a:ln>
+        </p:spPr>
+        <p:style>
+          <a:lnRef idx="1">
+            <a:schemeClr val="dk1"/>
+          </a:lnRef>
+          <a:fillRef idx="0">
+            <a:schemeClr val="dk1"/>
+          </a:fillRef>
+          <a:effectRef idx="0">
+            <a:schemeClr val="dk1"/>
+          </a:effectRef>
+          <a:fontRef idx="minor">
+            <a:schemeClr val="tx1"/>
+          </a:fontRef>
+        </p:style>
+      </p:cxnSp>
+      <p:cxnSp>
+        <p:nvCxnSpPr>
+          <p:cNvPr id="20" name="직선 화살표 연결선 19">
+            <a:extLst>
+              <a:ext uri="{FF2B5EF4-FFF2-40B4-BE49-F238E27FC236}">
+                <a16:creationId xmlns:a16="http://schemas.microsoft.com/office/drawing/2014/main" id="{E66250F7-C3EF-7745-6313-B17338193655}"/>
+              </a:ext>
+            </a:extLst>
+          </p:cNvPr>
+          <p:cNvCxnSpPr>
+            <a:stCxn id="4" idx="3"/>
+            <a:endCxn id="6" idx="1"/>
+          </p:cNvCxnSpPr>
+          <p:nvPr/>
+        </p:nvCxnSpPr>
+        <p:spPr>
+          <a:xfrm>
+            <a:off x="3118757" y="898072"/>
+            <a:ext cx="2629203" cy="1398325"/>
+          </a:xfrm>
+          <a:prstGeom prst="straightConnector1">
+            <a:avLst/>
+          </a:prstGeom>
+          <a:ln w="12700">
+            <a:tailEnd type="triangle"/>
+          </a:ln>
+        </p:spPr>
+        <p:style>
+          <a:lnRef idx="1">
+            <a:schemeClr val="dk1"/>
+          </a:lnRef>
+          <a:fillRef idx="0">
+            <a:schemeClr val="dk1"/>
+          </a:fillRef>
+          <a:effectRef idx="0">
+            <a:schemeClr val="dk1"/>
+          </a:effectRef>
+          <a:fontRef idx="minor">
+            <a:schemeClr val="tx1"/>
+          </a:fontRef>
+        </p:style>
+      </p:cxnSp>
+      <p:sp>
+        <p:nvSpPr>
+          <p:cNvPr id="23" name="TextBox 22">
+            <a:extLst>
+              <a:ext uri="{FF2B5EF4-FFF2-40B4-BE49-F238E27FC236}">
+                <a16:creationId xmlns:a16="http://schemas.microsoft.com/office/drawing/2014/main" id="{C5613FE9-9007-7D43-4F5D-256CAE078AAF}"/>
+              </a:ext>
+            </a:extLst>
+          </p:cNvPr>
+          <p:cNvSpPr txBox="1"/>
+          <p:nvPr/>
+        </p:nvSpPr>
+        <p:spPr>
+          <a:xfrm>
+            <a:off x="3584002" y="639264"/>
+            <a:ext cx="1808508" cy="246221"/>
+          </a:xfrm>
+          <a:prstGeom prst="rect">
+            <a:avLst/>
+          </a:prstGeom>
+          <a:noFill/>
+        </p:spPr>
+        <p:txBody>
+          <a:bodyPr wrap="none" rtlCol="0">
+            <a:spAutoFit/>
+          </a:bodyPr>
+          <a:lstStyle/>
+          <a:p>
+            <a:r>
+              <a:rPr lang="en-US" altLang="ko-KR" sz="1000" dirty="0"/>
+              <a:t>Check and request to move</a:t>
+            </a:r>
+            <a:endParaRPr lang="ko-KR" altLang="en-US" sz="1000" dirty="0"/>
+          </a:p>
+        </p:txBody>
+      </p:sp>
+      <p:sp>
+        <p:nvSpPr>
+          <p:cNvPr id="25" name="TextBox 24">
+            <a:extLst>
+              <a:ext uri="{FF2B5EF4-FFF2-40B4-BE49-F238E27FC236}">
+                <a16:creationId xmlns:a16="http://schemas.microsoft.com/office/drawing/2014/main" id="{C54DF08D-83A8-6A52-EF59-FCD817999963}"/>
+              </a:ext>
+            </a:extLst>
+          </p:cNvPr>
+          <p:cNvSpPr txBox="1"/>
+          <p:nvPr/>
+        </p:nvSpPr>
+        <p:spPr>
+          <a:xfrm>
+            <a:off x="4296141" y="1370580"/>
+            <a:ext cx="1494320" cy="246221"/>
+          </a:xfrm>
+          <a:prstGeom prst="rect">
+            <a:avLst/>
+          </a:prstGeom>
+          <a:noFill/>
+        </p:spPr>
+        <p:txBody>
+          <a:bodyPr wrap="none" rtlCol="0">
+            <a:spAutoFit/>
+          </a:bodyPr>
+          <a:lstStyle/>
+          <a:p>
+            <a:r>
+              <a:rPr lang="en-US" altLang="ko-KR" sz="1000" dirty="0"/>
+              <a:t>Set requested position</a:t>
+            </a:r>
+            <a:endParaRPr lang="ko-KR" altLang="en-US" sz="1000" dirty="0"/>
+          </a:p>
+        </p:txBody>
+      </p:sp>
+      <p:cxnSp>
+        <p:nvCxnSpPr>
+          <p:cNvPr id="28" name="직선 화살표 연결선 27">
+            <a:extLst>
+              <a:ext uri="{FF2B5EF4-FFF2-40B4-BE49-F238E27FC236}">
+                <a16:creationId xmlns:a16="http://schemas.microsoft.com/office/drawing/2014/main" id="{08C76425-0DBE-2221-ABD8-0FEB12A37AD0}"/>
+              </a:ext>
+            </a:extLst>
+          </p:cNvPr>
+          <p:cNvCxnSpPr>
+            <a:stCxn id="6" idx="1"/>
+            <a:endCxn id="5" idx="3"/>
+          </p:cNvCxnSpPr>
+          <p:nvPr/>
+        </p:nvCxnSpPr>
+        <p:spPr>
+          <a:xfrm flipH="1">
+            <a:off x="3118757" y="2296397"/>
+            <a:ext cx="2629203" cy="3003"/>
+          </a:xfrm>
+          <a:prstGeom prst="straightConnector1">
+            <a:avLst/>
+          </a:prstGeom>
+          <a:ln w="12700">
+            <a:headEnd type="triangle"/>
+            <a:tailEnd type="triangle"/>
+          </a:ln>
+        </p:spPr>
+        <p:style>
+          <a:lnRef idx="1">
+            <a:schemeClr val="dk1"/>
+          </a:lnRef>
+          <a:fillRef idx="0">
+            <a:schemeClr val="dk1"/>
+          </a:fillRef>
+          <a:effectRef idx="0">
+            <a:schemeClr val="dk1"/>
+          </a:effectRef>
+          <a:fontRef idx="minor">
+            <a:schemeClr val="tx1"/>
+          </a:fontRef>
+        </p:style>
+      </p:cxnSp>
+      <p:sp>
+        <p:nvSpPr>
+          <p:cNvPr id="29" name="TextBox 28">
+            <a:extLst>
+              <a:ext uri="{FF2B5EF4-FFF2-40B4-BE49-F238E27FC236}">
+                <a16:creationId xmlns:a16="http://schemas.microsoft.com/office/drawing/2014/main" id="{36314279-2CF3-6662-F876-A97FF4E232A8}"/>
+              </a:ext>
+            </a:extLst>
+          </p:cNvPr>
+          <p:cNvSpPr txBox="1"/>
+          <p:nvPr/>
+        </p:nvSpPr>
+        <p:spPr>
+          <a:xfrm>
+            <a:off x="3030841" y="2052695"/>
+            <a:ext cx="2805036" cy="246221"/>
+          </a:xfrm>
+          <a:prstGeom prst="rect">
+            <a:avLst/>
+          </a:prstGeom>
+          <a:noFill/>
+        </p:spPr>
+        <p:txBody>
+          <a:bodyPr wrap="square" rtlCol="0">
+            <a:spAutoFit/>
+          </a:bodyPr>
+          <a:lstStyle/>
+          <a:p>
+            <a:r>
+              <a:rPr lang="en-US" altLang="ko-KR" sz="1000" dirty="0"/>
+              <a:t>Make movement by data set in </a:t>
+            </a:r>
+            <a:r>
+              <a:rPr lang="en-US" altLang="ko-KR" sz="1000" dirty="0" err="1"/>
+              <a:t>AISystem</a:t>
+            </a:r>
+            <a:endParaRPr lang="ko-KR" altLang="en-US" sz="1000" dirty="0"/>
+          </a:p>
+        </p:txBody>
+      </p:sp>
+      <p:cxnSp>
+        <p:nvCxnSpPr>
+          <p:cNvPr id="51" name="직선 화살표 연결선 50">
+            <a:extLst>
+              <a:ext uri="{FF2B5EF4-FFF2-40B4-BE49-F238E27FC236}">
+                <a16:creationId xmlns:a16="http://schemas.microsoft.com/office/drawing/2014/main" id="{893E9846-E845-33FA-CD6D-32F01D5925E0}"/>
+              </a:ext>
+            </a:extLst>
+          </p:cNvPr>
+          <p:cNvCxnSpPr>
+            <a:endCxn id="16" idx="1"/>
+          </p:cNvCxnSpPr>
+          <p:nvPr/>
+        </p:nvCxnSpPr>
+        <p:spPr>
+          <a:xfrm>
+            <a:off x="3118757" y="2299398"/>
+            <a:ext cx="2629203" cy="1376156"/>
+          </a:xfrm>
+          <a:prstGeom prst="straightConnector1">
+            <a:avLst/>
+          </a:prstGeom>
+          <a:ln w="12700">
+            <a:tailEnd type="triangle"/>
+          </a:ln>
+        </p:spPr>
+        <p:style>
+          <a:lnRef idx="1">
+            <a:schemeClr val="dk1"/>
+          </a:lnRef>
+          <a:fillRef idx="0">
+            <a:schemeClr val="dk1"/>
+          </a:fillRef>
+          <a:effectRef idx="0">
+            <a:schemeClr val="dk1"/>
+          </a:effectRef>
+          <a:fontRef idx="minor">
+            <a:schemeClr val="tx1"/>
+          </a:fontRef>
+        </p:style>
+      </p:cxnSp>
+      <p:sp>
+        <p:nvSpPr>
+          <p:cNvPr id="52" name="TextBox 51">
+            <a:extLst>
+              <a:ext uri="{FF2B5EF4-FFF2-40B4-BE49-F238E27FC236}">
+                <a16:creationId xmlns:a16="http://schemas.microsoft.com/office/drawing/2014/main" id="{E05AD54E-CE2A-C3DD-E620-13CD0628FFD4}"/>
+              </a:ext>
+            </a:extLst>
+          </p:cNvPr>
+          <p:cNvSpPr txBox="1"/>
+          <p:nvPr/>
+        </p:nvSpPr>
+        <p:spPr>
+          <a:xfrm>
+            <a:off x="4600865" y="2894879"/>
+            <a:ext cx="1319592" cy="246221"/>
+          </a:xfrm>
+          <a:prstGeom prst="rect">
+            <a:avLst/>
+          </a:prstGeom>
+          <a:noFill/>
+        </p:spPr>
+        <p:txBody>
+          <a:bodyPr wrap="none" rtlCol="0">
+            <a:spAutoFit/>
+          </a:bodyPr>
+          <a:lstStyle/>
+          <a:p>
+            <a:r>
+              <a:rPr lang="en-US" altLang="ko-KR" sz="1000" dirty="0"/>
+              <a:t>Set requested state</a:t>
+            </a:r>
+            <a:endParaRPr lang="ko-KR" altLang="en-US" sz="1000" dirty="0"/>
+          </a:p>
+        </p:txBody>
+      </p:sp>
+      <p:sp>
+        <p:nvSpPr>
+          <p:cNvPr id="53" name="직사각형 52">
+            <a:extLst>
+              <a:ext uri="{FF2B5EF4-FFF2-40B4-BE49-F238E27FC236}">
+                <a16:creationId xmlns:a16="http://schemas.microsoft.com/office/drawing/2014/main" id="{F4A336B0-E9B3-6263-F0A3-AD3F15CA1E38}"/>
+              </a:ext>
+            </a:extLst>
+          </p:cNvPr>
+          <p:cNvSpPr/>
+          <p:nvPr/>
+        </p:nvSpPr>
+        <p:spPr>
+          <a:xfrm>
+            <a:off x="881743" y="3165287"/>
+            <a:ext cx="2237014" cy="1020535"/>
+          </a:xfrm>
+          <a:prstGeom prst="rect">
+            <a:avLst/>
+          </a:prstGeom>
+        </p:spPr>
+        <p:style>
+          <a:lnRef idx="2">
+            <a:schemeClr val="dk1"/>
+          </a:lnRef>
+          <a:fillRef idx="1">
+            <a:schemeClr val="lt1"/>
+          </a:fillRef>
+          <a:effectRef idx="0">
+            <a:schemeClr val="dk1"/>
+          </a:effectRef>
+          <a:fontRef idx="minor">
+            <a:schemeClr val="dk1"/>
+          </a:fontRef>
+        </p:style>
+        <p:txBody>
+          <a:bodyPr rtlCol="0" anchor="ctr"/>
+          <a:lstStyle/>
+          <a:p>
+            <a:pPr algn="ctr"/>
+            <a:r>
+              <a:rPr lang="en-US" altLang="ko-KR" dirty="0" err="1"/>
+              <a:t>FSMSystem</a:t>
+            </a:r>
+            <a:endParaRPr lang="ko-KR" altLang="en-US" dirty="0"/>
+          </a:p>
+        </p:txBody>
+      </p:sp>
+      <p:cxnSp>
+        <p:nvCxnSpPr>
+          <p:cNvPr id="55" name="직선 화살표 연결선 54">
+            <a:extLst>
+              <a:ext uri="{FF2B5EF4-FFF2-40B4-BE49-F238E27FC236}">
+                <a16:creationId xmlns:a16="http://schemas.microsoft.com/office/drawing/2014/main" id="{3168EA86-F02B-8771-39A9-23C9A6A375D6}"/>
+              </a:ext>
+            </a:extLst>
+          </p:cNvPr>
+          <p:cNvCxnSpPr>
+            <a:stCxn id="53" idx="3"/>
+            <a:endCxn id="16" idx="1"/>
+          </p:cNvCxnSpPr>
+          <p:nvPr/>
+        </p:nvCxnSpPr>
+        <p:spPr>
+          <a:xfrm flipV="1">
+            <a:off x="3118757" y="3675554"/>
+            <a:ext cx="2629203" cy="1"/>
+          </a:xfrm>
+          <a:prstGeom prst="straightConnector1">
+            <a:avLst/>
+          </a:prstGeom>
+          <a:ln w="12700">
+            <a:headEnd type="triangle"/>
+            <a:tailEnd type="triangle"/>
+          </a:ln>
+        </p:spPr>
+        <p:style>
+          <a:lnRef idx="1">
+            <a:schemeClr val="dk1"/>
+          </a:lnRef>
+          <a:fillRef idx="0">
+            <a:schemeClr val="dk1"/>
+          </a:fillRef>
+          <a:effectRef idx="0">
+            <a:schemeClr val="dk1"/>
+          </a:effectRef>
+          <a:fontRef idx="minor">
+            <a:schemeClr val="tx1"/>
+          </a:fontRef>
+        </p:style>
+      </p:cxnSp>
+      <p:sp>
+        <p:nvSpPr>
+          <p:cNvPr id="57" name="TextBox 56">
+            <a:extLst>
+              <a:ext uri="{FF2B5EF4-FFF2-40B4-BE49-F238E27FC236}">
+                <a16:creationId xmlns:a16="http://schemas.microsoft.com/office/drawing/2014/main" id="{CB171776-4D61-0864-22A2-1BBD46CF69EF}"/>
+              </a:ext>
+            </a:extLst>
+          </p:cNvPr>
+          <p:cNvSpPr txBox="1"/>
+          <p:nvPr/>
+        </p:nvSpPr>
+        <p:spPr>
+          <a:xfrm>
+            <a:off x="3085737" y="3350610"/>
+            <a:ext cx="2545890" cy="246221"/>
+          </a:xfrm>
+          <a:prstGeom prst="rect">
+            <a:avLst/>
+          </a:prstGeom>
+          <a:noFill/>
+        </p:spPr>
+        <p:txBody>
+          <a:bodyPr wrap="none" rtlCol="0">
+            <a:spAutoFit/>
+          </a:bodyPr>
+          <a:lstStyle/>
+          <a:p>
+            <a:r>
+              <a:rPr lang="en-US" altLang="ko-KR" sz="1000" dirty="0"/>
+              <a:t>Change state and trigger to synchronize</a:t>
+            </a:r>
+            <a:endParaRPr lang="ko-KR" altLang="en-US" sz="1000" dirty="0"/>
+          </a:p>
+        </p:txBody>
+      </p:sp>
+      <p:sp>
+        <p:nvSpPr>
+          <p:cNvPr id="58" name="직사각형 57">
+            <a:extLst>
+              <a:ext uri="{FF2B5EF4-FFF2-40B4-BE49-F238E27FC236}">
+                <a16:creationId xmlns:a16="http://schemas.microsoft.com/office/drawing/2014/main" id="{E18A9B33-7933-C9F8-86D5-6C3D0005E8DB}"/>
+              </a:ext>
+            </a:extLst>
+          </p:cNvPr>
+          <p:cNvSpPr/>
+          <p:nvPr/>
+        </p:nvSpPr>
+        <p:spPr>
+          <a:xfrm>
+            <a:off x="881743" y="4538985"/>
+            <a:ext cx="2237014" cy="1020535"/>
+          </a:xfrm>
+          <a:prstGeom prst="rect">
+            <a:avLst/>
+          </a:prstGeom>
+        </p:spPr>
+        <p:style>
+          <a:lnRef idx="2">
+            <a:schemeClr val="dk1"/>
+          </a:lnRef>
+          <a:fillRef idx="1">
+            <a:schemeClr val="lt1"/>
+          </a:fillRef>
+          <a:effectRef idx="0">
+            <a:schemeClr val="dk1"/>
+          </a:effectRef>
+          <a:fontRef idx="minor">
+            <a:schemeClr val="dk1"/>
+          </a:fontRef>
+        </p:style>
+        <p:txBody>
+          <a:bodyPr rtlCol="0" anchor="ctr"/>
+          <a:lstStyle/>
+          <a:p>
+            <a:pPr algn="ctr"/>
+            <a:r>
+              <a:rPr lang="en-US" altLang="ko-KR" dirty="0" err="1"/>
+              <a:t>SynchronizeSystem</a:t>
+            </a:r>
+            <a:endParaRPr lang="ko-KR" altLang="en-US" dirty="0"/>
+          </a:p>
+        </p:txBody>
+      </p:sp>
+      <p:cxnSp>
+        <p:nvCxnSpPr>
+          <p:cNvPr id="60" name="직선 화살표 연결선 59">
+            <a:extLst>
+              <a:ext uri="{FF2B5EF4-FFF2-40B4-BE49-F238E27FC236}">
+                <a16:creationId xmlns:a16="http://schemas.microsoft.com/office/drawing/2014/main" id="{C0DC0A7A-510B-47C7-2513-0B3000C4F1D7}"/>
+              </a:ext>
+            </a:extLst>
+          </p:cNvPr>
+          <p:cNvCxnSpPr>
+            <a:cxnSpLocks/>
+            <a:stCxn id="58" idx="3"/>
+            <a:endCxn id="16" idx="1"/>
+          </p:cNvCxnSpPr>
+          <p:nvPr/>
+        </p:nvCxnSpPr>
+        <p:spPr>
+          <a:xfrm flipV="1">
+            <a:off x="3118757" y="3675554"/>
+            <a:ext cx="2629203" cy="1373699"/>
+          </a:xfrm>
+          <a:prstGeom prst="straightConnector1">
+            <a:avLst/>
+          </a:prstGeom>
+          <a:ln w="12700">
+            <a:headEnd type="triangle"/>
+            <a:tailEnd type="triangle"/>
+          </a:ln>
+        </p:spPr>
+        <p:style>
+          <a:lnRef idx="1">
+            <a:schemeClr val="dk1"/>
+          </a:lnRef>
+          <a:fillRef idx="0">
+            <a:schemeClr val="dk1"/>
+          </a:fillRef>
+          <a:effectRef idx="0">
+            <a:schemeClr val="dk1"/>
+          </a:effectRef>
+          <a:fontRef idx="minor">
+            <a:schemeClr val="tx1"/>
+          </a:fontRef>
+        </p:style>
+      </p:cxnSp>
+      <p:sp>
+        <p:nvSpPr>
+          <p:cNvPr id="62" name="TextBox 61">
+            <a:extLst>
+              <a:ext uri="{FF2B5EF4-FFF2-40B4-BE49-F238E27FC236}">
+                <a16:creationId xmlns:a16="http://schemas.microsoft.com/office/drawing/2014/main" id="{103C1270-5501-C6EB-CD2F-D4F55C304316}"/>
+              </a:ext>
+            </a:extLst>
+          </p:cNvPr>
+          <p:cNvSpPr txBox="1"/>
+          <p:nvPr/>
+        </p:nvSpPr>
+        <p:spPr>
+          <a:xfrm>
+            <a:off x="4515026" y="4239293"/>
+            <a:ext cx="2465740" cy="246221"/>
+          </a:xfrm>
+          <a:prstGeom prst="rect">
+            <a:avLst/>
+          </a:prstGeom>
+          <a:noFill/>
+        </p:spPr>
+        <p:txBody>
+          <a:bodyPr wrap="none" rtlCol="0">
+            <a:spAutoFit/>
+          </a:bodyPr>
+          <a:lstStyle/>
+          <a:p>
+            <a:r>
+              <a:rPr lang="en-US" altLang="ko-KR" sz="1000" dirty="0"/>
+              <a:t>Check which needs to be synchronized</a:t>
+            </a:r>
+            <a:endParaRPr lang="ko-KR" altLang="en-US" sz="1000" dirty="0"/>
+          </a:p>
+        </p:txBody>
+      </p:sp>
+      <p:sp>
+        <p:nvSpPr>
+          <p:cNvPr id="63" name="직사각형 62">
+            <a:extLst>
+              <a:ext uri="{FF2B5EF4-FFF2-40B4-BE49-F238E27FC236}">
+                <a16:creationId xmlns:a16="http://schemas.microsoft.com/office/drawing/2014/main" id="{2618F4AB-9308-A5ED-043B-C29E67F1C547}"/>
+              </a:ext>
+            </a:extLst>
+          </p:cNvPr>
+          <p:cNvSpPr/>
+          <p:nvPr/>
+        </p:nvSpPr>
+        <p:spPr>
+          <a:xfrm>
+            <a:off x="5747896" y="4622006"/>
+            <a:ext cx="2081893" cy="865414"/>
+          </a:xfrm>
+          <a:prstGeom prst="rect">
+            <a:avLst/>
+          </a:prstGeom>
+        </p:spPr>
+        <p:style>
+          <a:lnRef idx="2">
+            <a:schemeClr val="dk1"/>
+          </a:lnRef>
+          <a:fillRef idx="1">
+            <a:schemeClr val="lt1"/>
+          </a:fillRef>
+          <a:effectRef idx="0">
+            <a:schemeClr val="dk1"/>
+          </a:effectRef>
+          <a:fontRef idx="minor">
+            <a:schemeClr val="dk1"/>
+          </a:fontRef>
+        </p:style>
+        <p:txBody>
+          <a:bodyPr rtlCol="0" anchor="ctr"/>
+          <a:lstStyle/>
+          <a:p>
+            <a:pPr algn="ctr"/>
+            <a:r>
+              <a:rPr lang="en-US" altLang="ko-KR" dirty="0" err="1"/>
+              <a:t>ClientComponent</a:t>
+            </a:r>
+            <a:endParaRPr lang="ko-KR" altLang="en-US" dirty="0"/>
+          </a:p>
+        </p:txBody>
+      </p:sp>
+      <p:cxnSp>
+        <p:nvCxnSpPr>
+          <p:cNvPr id="65" name="직선 화살표 연결선 64">
+            <a:extLst>
+              <a:ext uri="{FF2B5EF4-FFF2-40B4-BE49-F238E27FC236}">
+                <a16:creationId xmlns:a16="http://schemas.microsoft.com/office/drawing/2014/main" id="{CDA45118-F900-9D3C-56AF-8D4F7835E6AD}"/>
+              </a:ext>
+            </a:extLst>
+          </p:cNvPr>
+          <p:cNvCxnSpPr>
+            <a:stCxn id="58" idx="3"/>
+            <a:endCxn id="63" idx="1"/>
+          </p:cNvCxnSpPr>
+          <p:nvPr/>
+        </p:nvCxnSpPr>
+        <p:spPr>
+          <a:xfrm>
+            <a:off x="3118757" y="5049253"/>
+            <a:ext cx="2629139" cy="5460"/>
+          </a:xfrm>
+          <a:prstGeom prst="straightConnector1">
+            <a:avLst/>
+          </a:prstGeom>
+          <a:ln w="12700">
+            <a:tailEnd type="triangle"/>
+          </a:ln>
+        </p:spPr>
+        <p:style>
+          <a:lnRef idx="1">
+            <a:schemeClr val="dk1"/>
+          </a:lnRef>
+          <a:fillRef idx="0">
+            <a:schemeClr val="dk1"/>
+          </a:fillRef>
+          <a:effectRef idx="0">
+            <a:schemeClr val="dk1"/>
+          </a:effectRef>
+          <a:fontRef idx="minor">
+            <a:schemeClr val="tx1"/>
+          </a:fontRef>
+        </p:style>
+      </p:cxnSp>
+      <p:sp>
+        <p:nvSpPr>
+          <p:cNvPr id="66" name="TextBox 65">
+            <a:extLst>
+              <a:ext uri="{FF2B5EF4-FFF2-40B4-BE49-F238E27FC236}">
+                <a16:creationId xmlns:a16="http://schemas.microsoft.com/office/drawing/2014/main" id="{CC968426-CC67-7189-0DAC-03D91CFF5876}"/>
+              </a:ext>
+            </a:extLst>
+          </p:cNvPr>
+          <p:cNvSpPr txBox="1"/>
+          <p:nvPr/>
+        </p:nvSpPr>
+        <p:spPr>
+          <a:xfrm>
+            <a:off x="3981015" y="4818075"/>
+            <a:ext cx="755335" cy="246221"/>
+          </a:xfrm>
+          <a:prstGeom prst="rect">
+            <a:avLst/>
+          </a:prstGeom>
+          <a:noFill/>
+        </p:spPr>
+        <p:txBody>
+          <a:bodyPr wrap="none" rtlCol="0">
+            <a:spAutoFit/>
+          </a:bodyPr>
+          <a:lstStyle/>
+          <a:p>
+            <a:r>
+              <a:rPr lang="en-US" altLang="ko-KR" sz="1000" dirty="0"/>
+              <a:t>Broadcast</a:t>
+            </a:r>
+            <a:endParaRPr lang="ko-KR" altLang="en-US" sz="1000" dirty="0"/>
+          </a:p>
+        </p:txBody>
+      </p:sp>
+    </p:spTree>
+    <p:extLst>
+      <p:ext uri="{BB962C8B-B14F-4D97-AF65-F5344CB8AC3E}">
+        <p14:creationId xmlns:p14="http://schemas.microsoft.com/office/powerpoint/2010/main" val="982036668"/>
       </p:ext>
     </p:extLst>
   </p:cSld>
